--- a/laporan/Sign Language App Project Presentation.pptx
+++ b/laporan/Sign Language App Project Presentation.pptx
@@ -5,23 +5,24 @@
     <p:sldMasterId id="2147483648" r:id="rId1"/>
   </p:sldMasterIdLst>
   <p:notesMasterIdLst>
-    <p:notesMasterId r:id="rId13"/>
+    <p:notesMasterId r:id="rId14"/>
   </p:notesMasterIdLst>
   <p:handoutMasterIdLst>
-    <p:handoutMasterId r:id="rId14"/>
+    <p:handoutMasterId r:id="rId15"/>
   </p:handoutMasterIdLst>
   <p:sldIdLst>
     <p:sldId id="286" r:id="rId2"/>
     <p:sldId id="292" r:id="rId3"/>
     <p:sldId id="290" r:id="rId4"/>
     <p:sldId id="289" r:id="rId5"/>
-    <p:sldId id="293" r:id="rId6"/>
-    <p:sldId id="294" r:id="rId7"/>
-    <p:sldId id="296" r:id="rId8"/>
-    <p:sldId id="298" r:id="rId9"/>
-    <p:sldId id="295" r:id="rId10"/>
-    <p:sldId id="297" r:id="rId11"/>
-    <p:sldId id="280" r:id="rId12"/>
+    <p:sldId id="299" r:id="rId6"/>
+    <p:sldId id="293" r:id="rId7"/>
+    <p:sldId id="294" r:id="rId8"/>
+    <p:sldId id="296" r:id="rId9"/>
+    <p:sldId id="298" r:id="rId10"/>
+    <p:sldId id="295" r:id="rId11"/>
+    <p:sldId id="297" r:id="rId12"/>
+    <p:sldId id="280" r:id="rId13"/>
   </p:sldIdLst>
   <p:sldSz cx="12192000" cy="6858000"/>
   <p:notesSz cx="6858000" cy="9144000"/>
@@ -898,6 +899,90 @@
             <a:spLocks noGrp="1"/>
           </p:cNvSpPr>
           <p:nvPr>
+            <p:ph type="sldNum" sz="quarter" idx="5"/>
+          </p:nvPr>
+        </p:nvSpPr>
+        <p:spPr/>
+        <p:txBody>
+          <a:bodyPr/>
+          <a:lstStyle/>
+          <a:p>
+            <a:fld id="{EFDDBACE-0F8F-43FD-98F0-DEE13552DADA}" type="slidenum">
+              <a:rPr lang="en-US" noProof="0" smtClean="0"/>
+              <a:t>5</a:t>
+            </a:fld>
+            <a:endParaRPr lang="en-US" noProof="0" dirty="0"/>
+          </a:p>
+        </p:txBody>
+      </p:sp>
+    </p:spTree>
+    <p:extLst>
+      <p:ext uri="{BB962C8B-B14F-4D97-AF65-F5344CB8AC3E}">
+        <p14:creationId xmlns:p14="http://schemas.microsoft.com/office/powerpoint/2010/main" val="3087997906"/>
+      </p:ext>
+    </p:extLst>
+  </p:cSld>
+  <p:clrMapOvr>
+    <a:masterClrMapping/>
+  </p:clrMapOvr>
+</p:notes>
+</file>
+
+<file path=ppt/notesSlides/notesSlide4.xml><?xml version="1.0" encoding="utf-8"?>
+<p:notes xmlns:a="http://schemas.openxmlformats.org/drawingml/2006/main" xmlns:r="http://schemas.openxmlformats.org/officeDocument/2006/relationships" xmlns:p="http://schemas.openxmlformats.org/presentationml/2006/main">
+  <p:cSld>
+    <p:spTree>
+      <p:nvGrpSpPr>
+        <p:cNvPr id="1" name=""/>
+        <p:cNvGrpSpPr/>
+        <p:nvPr/>
+      </p:nvGrpSpPr>
+      <p:grpSpPr>
+        <a:xfrm>
+          <a:off x="0" y="0"/>
+          <a:ext cx="0" cy="0"/>
+          <a:chOff x="0" y="0"/>
+          <a:chExt cx="0" cy="0"/>
+        </a:xfrm>
+      </p:grpSpPr>
+      <p:sp>
+        <p:nvSpPr>
+          <p:cNvPr id="2" name="Slide Image Placeholder 1"/>
+          <p:cNvSpPr>
+            <a:spLocks noGrp="1" noRot="1" noChangeAspect="1"/>
+          </p:cNvSpPr>
+          <p:nvPr>
+            <p:ph type="sldImg"/>
+          </p:nvPr>
+        </p:nvSpPr>
+        <p:spPr/>
+      </p:sp>
+      <p:sp>
+        <p:nvSpPr>
+          <p:cNvPr id="3" name="Notes Placeholder 2"/>
+          <p:cNvSpPr>
+            <a:spLocks noGrp="1"/>
+          </p:cNvSpPr>
+          <p:nvPr>
+            <p:ph type="body" idx="1"/>
+          </p:nvPr>
+        </p:nvSpPr>
+        <p:spPr/>
+        <p:txBody>
+          <a:bodyPr/>
+          <a:lstStyle/>
+          <a:p>
+            <a:endParaRPr lang="en-US"/>
+          </a:p>
+        </p:txBody>
+      </p:sp>
+      <p:sp>
+        <p:nvSpPr>
+          <p:cNvPr id="4" name="Slide Number Placeholder 3"/>
+          <p:cNvSpPr>
+            <a:spLocks noGrp="1"/>
+          </p:cNvSpPr>
+          <p:nvPr>
             <p:ph type="sldNum" sz="quarter" idx="10"/>
           </p:nvPr>
         </p:nvSpPr>
@@ -908,7 +993,7 @@
           <a:p>
             <a:fld id="{EFDDBACE-0F8F-43FD-98F0-DEE13552DADA}" type="slidenum">
               <a:rPr lang="en-US" smtClean="0"/>
-              <a:t>11</a:t>
+              <a:t>12</a:t>
             </a:fld>
             <a:endParaRPr lang="en-US"/>
           </a:p>
@@ -20726,6 +20811,352 @@
           <p:cNvPr id="2" name="Slide Number Placeholder 1">
             <a:extLst>
               <a:ext uri="{FF2B5EF4-FFF2-40B4-BE49-F238E27FC236}">
+                <a16:creationId xmlns:a16="http://schemas.microsoft.com/office/drawing/2014/main" id="{C7C02147-56CD-4BB8-8D43-97A8082BEDEF}"/>
+              </a:ext>
+            </a:extLst>
+          </p:cNvPr>
+          <p:cNvSpPr>
+            <a:spLocks noGrp="1"/>
+          </p:cNvSpPr>
+          <p:nvPr>
+            <p:ph type="sldNum" sz="quarter" idx="12"/>
+          </p:nvPr>
+        </p:nvSpPr>
+        <p:spPr/>
+        <p:txBody>
+          <a:bodyPr/>
+          <a:lstStyle/>
+          <a:p>
+            <a:r>
+              <a:rPr lang="en-US" noProof="0"/>
+              <a:t>page </a:t>
+            </a:r>
+            <a:fld id="{19B51A1E-902D-48AF-9020-955120F399B6}" type="slidenum">
+              <a:rPr lang="en-US" b="1" i="1" noProof="0" smtClean="0"/>
+              <a:pPr/>
+              <a:t>10</a:t>
+            </a:fld>
+            <a:endParaRPr lang="en-US" b="1" i="1" noProof="0" dirty="0"/>
+          </a:p>
+        </p:txBody>
+      </p:sp>
+      <p:sp>
+        <p:nvSpPr>
+          <p:cNvPr id="6" name="Rectangle 5">
+            <a:extLst>
+              <a:ext uri="{FF2B5EF4-FFF2-40B4-BE49-F238E27FC236}">
+                <a16:creationId xmlns:a16="http://schemas.microsoft.com/office/drawing/2014/main" id="{13EF40EC-D96C-4FF6-BA32-43563C286CED}"/>
+              </a:ext>
+            </a:extLst>
+          </p:cNvPr>
+          <p:cNvSpPr/>
+          <p:nvPr/>
+        </p:nvSpPr>
+        <p:spPr>
+          <a:xfrm>
+            <a:off x="10561739" y="167780"/>
+            <a:ext cx="1484852" cy="600750"/>
+          </a:xfrm>
+          <a:prstGeom prst="rect">
+            <a:avLst/>
+          </a:prstGeom>
+          <a:solidFill>
+            <a:schemeClr val="tx1"/>
+          </a:solidFill>
+          <a:ln w="3175">
+            <a:noFill/>
+          </a:ln>
+          <a:effectLst/>
+        </p:spPr>
+        <p:style>
+          <a:lnRef idx="2">
+            <a:schemeClr val="accent1">
+              <a:shade val="50000"/>
+            </a:schemeClr>
+          </a:lnRef>
+          <a:fillRef idx="1">
+            <a:schemeClr val="accent1"/>
+          </a:fillRef>
+          <a:effectRef idx="0">
+            <a:schemeClr val="accent1"/>
+          </a:effectRef>
+          <a:fontRef idx="minor">
+            <a:schemeClr val="lt1"/>
+          </a:fontRef>
+        </p:style>
+        <p:txBody>
+          <a:bodyPr rot="0" spcFirstLastPara="0" vertOverflow="overflow" horzOverflow="overflow" vert="horz" wrap="square" lIns="91440" tIns="45720" rIns="91440" bIns="45720" numCol="1" spcCol="0" rtlCol="0" fromWordArt="0" anchor="ctr" anchorCtr="0" forceAA="0" compatLnSpc="1">
+            <a:prstTxWarp prst="textNoShape">
+              <a:avLst/>
+            </a:prstTxWarp>
+            <a:noAutofit/>
+          </a:bodyPr>
+          <a:lstStyle/>
+          <a:p>
+            <a:pPr algn="ctr"/>
+            <a:endParaRPr lang="id-ID"/>
+          </a:p>
+        </p:txBody>
+      </p:sp>
+      <p:pic>
+        <p:nvPicPr>
+          <p:cNvPr id="7" name="Picture 6">
+            <a:extLst>
+              <a:ext uri="{FF2B5EF4-FFF2-40B4-BE49-F238E27FC236}">
+                <a16:creationId xmlns:a16="http://schemas.microsoft.com/office/drawing/2014/main" id="{12D79A67-91A8-4F49-8E2D-2B5811170354}"/>
+              </a:ext>
+            </a:extLst>
+          </p:cNvPr>
+          <p:cNvPicPr>
+            <a:picLocks noChangeAspect="1"/>
+          </p:cNvPicPr>
+          <p:nvPr/>
+        </p:nvPicPr>
+        <p:blipFill>
+          <a:blip r:embed="rId2"/>
+          <a:stretch>
+            <a:fillRect/>
+          </a:stretch>
+        </p:blipFill>
+        <p:spPr>
+          <a:xfrm>
+            <a:off x="10408461" y="104175"/>
+            <a:ext cx="1667818" cy="390775"/>
+          </a:xfrm>
+          <a:prstGeom prst="rect">
+            <a:avLst/>
+          </a:prstGeom>
+        </p:spPr>
+      </p:pic>
+      <p:pic>
+        <p:nvPicPr>
+          <p:cNvPr id="4" name="Picture 3">
+            <a:extLst>
+              <a:ext uri="{FF2B5EF4-FFF2-40B4-BE49-F238E27FC236}">
+                <a16:creationId xmlns:a16="http://schemas.microsoft.com/office/drawing/2014/main" id="{7A4912D6-BD9C-456C-803A-FF85A201E1D2}"/>
+              </a:ext>
+            </a:extLst>
+          </p:cNvPr>
+          <p:cNvPicPr>
+            <a:picLocks noChangeAspect="1"/>
+          </p:cNvPicPr>
+          <p:nvPr/>
+        </p:nvPicPr>
+        <p:blipFill rotWithShape="1">
+          <a:blip r:embed="rId3"/>
+          <a:srcRect b="25038"/>
+          <a:stretch/>
+        </p:blipFill>
+        <p:spPr>
+          <a:xfrm>
+            <a:off x="578310" y="2163084"/>
+            <a:ext cx="5517690" cy="3306539"/>
+          </a:xfrm>
+          <a:prstGeom prst="rect">
+            <a:avLst/>
+          </a:prstGeom>
+        </p:spPr>
+      </p:pic>
+      <p:sp>
+        <p:nvSpPr>
+          <p:cNvPr id="8" name="TextBox 7">
+            <a:extLst>
+              <a:ext uri="{FF2B5EF4-FFF2-40B4-BE49-F238E27FC236}">
+                <a16:creationId xmlns:a16="http://schemas.microsoft.com/office/drawing/2014/main" id="{82F447E8-2EB5-47CE-B896-EE81C40C8753}"/>
+              </a:ext>
+            </a:extLst>
+          </p:cNvPr>
+          <p:cNvSpPr txBox="1"/>
+          <p:nvPr/>
+        </p:nvSpPr>
+        <p:spPr>
+          <a:xfrm>
+            <a:off x="1371136" y="780734"/>
+            <a:ext cx="3932038" cy="646331"/>
+          </a:xfrm>
+          <a:prstGeom prst="rect">
+            <a:avLst/>
+          </a:prstGeom>
+          <a:noFill/>
+        </p:spPr>
+        <p:txBody>
+          <a:bodyPr wrap="none" rtlCol="0">
+            <a:spAutoFit/>
+          </a:bodyPr>
+          <a:lstStyle/>
+          <a:p>
+            <a:r>
+              <a:rPr lang="en-US" sz="3600" b="1" dirty="0">
+                <a:solidFill>
+                  <a:schemeClr val="bg1"/>
+                </a:solidFill>
+                <a:latin typeface="+mj-lt"/>
+              </a:rPr>
+              <a:t>CLOUD’S SCHEMA</a:t>
+            </a:r>
+          </a:p>
+        </p:txBody>
+      </p:sp>
+      <p:sp>
+        <p:nvSpPr>
+          <p:cNvPr id="9" name="TextBox 8">
+            <a:extLst>
+              <a:ext uri="{FF2B5EF4-FFF2-40B4-BE49-F238E27FC236}">
+                <a16:creationId xmlns:a16="http://schemas.microsoft.com/office/drawing/2014/main" id="{40D93958-0C93-4E02-9644-DC6A1FC690E4}"/>
+              </a:ext>
+            </a:extLst>
+          </p:cNvPr>
+          <p:cNvSpPr txBox="1"/>
+          <p:nvPr/>
+        </p:nvSpPr>
+        <p:spPr>
+          <a:xfrm>
+            <a:off x="6500761" y="2800690"/>
+            <a:ext cx="5375066" cy="2031325"/>
+          </a:xfrm>
+          <a:prstGeom prst="rect">
+            <a:avLst/>
+          </a:prstGeom>
+          <a:noFill/>
+        </p:spPr>
+        <p:txBody>
+          <a:bodyPr wrap="square" rtlCol="0">
+            <a:spAutoFit/>
+          </a:bodyPr>
+          <a:lstStyle/>
+          <a:p>
+            <a:pPr algn="just"/>
+            <a:r>
+              <a:rPr lang="en-US" sz="1400" dirty="0">
+                <a:solidFill>
+                  <a:schemeClr val="bg1"/>
+                </a:solidFill>
+                <a:latin typeface="Candara" panose="020E0502030303020204" pitchFamily="34" charset="0"/>
+              </a:rPr>
+              <a:t>Machine Learning Model deployed with Cloud Function as a Serverless Machine Learning.</a:t>
+            </a:r>
+          </a:p>
+          <a:p>
+            <a:pPr algn="just"/>
+            <a:endParaRPr lang="en-US" sz="1400" dirty="0">
+              <a:solidFill>
+                <a:schemeClr val="bg1"/>
+              </a:solidFill>
+              <a:latin typeface="Candara" panose="020E0502030303020204" pitchFamily="34" charset="0"/>
+            </a:endParaRPr>
+          </a:p>
+          <a:p>
+            <a:pPr algn="just"/>
+            <a:r>
+              <a:rPr lang="en-US" sz="1400" dirty="0">
+                <a:solidFill>
+                  <a:schemeClr val="bg1"/>
+                </a:solidFill>
+                <a:latin typeface="Candara" panose="020E0502030303020204" pitchFamily="34" charset="0"/>
+              </a:rPr>
+              <a:t>Cloud Function triggered by finalize/create from Cloud Storage. After Machine Learning predict the input, Cloud Function then forward the result to Cloud </a:t>
+            </a:r>
+            <a:r>
+              <a:rPr lang="en-US" sz="1400" dirty="0" err="1">
+                <a:solidFill>
+                  <a:schemeClr val="bg1"/>
+                </a:solidFill>
+                <a:latin typeface="Candara" panose="020E0502030303020204" pitchFamily="34" charset="0"/>
+              </a:rPr>
+              <a:t>Firestore</a:t>
+            </a:r>
+            <a:r>
+              <a:rPr lang="en-US" sz="1400" dirty="0">
+                <a:solidFill>
+                  <a:schemeClr val="bg1"/>
+                </a:solidFill>
+                <a:latin typeface="Candara" panose="020E0502030303020204" pitchFamily="34" charset="0"/>
+              </a:rPr>
+              <a:t>.</a:t>
+            </a:r>
+          </a:p>
+          <a:p>
+            <a:pPr algn="just"/>
+            <a:endParaRPr lang="en-US" sz="1400" dirty="0">
+              <a:solidFill>
+                <a:schemeClr val="bg1"/>
+              </a:solidFill>
+              <a:latin typeface="Candara" panose="020E0502030303020204" pitchFamily="34" charset="0"/>
+            </a:endParaRPr>
+          </a:p>
+          <a:p>
+            <a:pPr algn="just"/>
+            <a:r>
+              <a:rPr lang="en-US" sz="1400" dirty="0">
+                <a:solidFill>
+                  <a:schemeClr val="bg1"/>
+                </a:solidFill>
+                <a:latin typeface="Candara" panose="020E0502030303020204" pitchFamily="34" charset="0"/>
+              </a:rPr>
+              <a:t>Android application upload the image to Cloud Storage to trigger Cloud Function, then Pull the expected result from Cloud </a:t>
+            </a:r>
+            <a:r>
+              <a:rPr lang="en-US" sz="1400" dirty="0" err="1">
+                <a:solidFill>
+                  <a:schemeClr val="bg1"/>
+                </a:solidFill>
+                <a:latin typeface="Candara" panose="020E0502030303020204" pitchFamily="34" charset="0"/>
+              </a:rPr>
+              <a:t>Firestore</a:t>
+            </a:r>
+            <a:r>
+              <a:rPr lang="en-US" sz="1400" dirty="0">
+                <a:solidFill>
+                  <a:schemeClr val="bg1"/>
+                </a:solidFill>
+                <a:latin typeface="Candara" panose="020E0502030303020204" pitchFamily="34" charset="0"/>
+              </a:rPr>
+              <a:t>.</a:t>
+            </a:r>
+            <a:endParaRPr lang="id-ID" sz="1400" dirty="0">
+              <a:solidFill>
+                <a:schemeClr val="bg1"/>
+              </a:solidFill>
+              <a:latin typeface="Candara" panose="020E0502030303020204" pitchFamily="34" charset="0"/>
+            </a:endParaRPr>
+          </a:p>
+        </p:txBody>
+      </p:sp>
+    </p:spTree>
+    <p:extLst>
+      <p:ext uri="{BB962C8B-B14F-4D97-AF65-F5344CB8AC3E}">
+        <p14:creationId xmlns:p14="http://schemas.microsoft.com/office/powerpoint/2010/main" val="3881955609"/>
+      </p:ext>
+    </p:extLst>
+  </p:cSld>
+  <p:clrMapOvr>
+    <a:masterClrMapping/>
+  </p:clrMapOvr>
+</p:sld>
+</file>
+
+<file path=ppt/slides/slide11.xml><?xml version="1.0" encoding="utf-8"?>
+<p:sld xmlns:a="http://schemas.openxmlformats.org/drawingml/2006/main" xmlns:r="http://schemas.openxmlformats.org/officeDocument/2006/relationships" xmlns:p="http://schemas.openxmlformats.org/presentationml/2006/main">
+  <p:cSld>
+    <p:spTree>
+      <p:nvGrpSpPr>
+        <p:cNvPr id="1" name=""/>
+        <p:cNvGrpSpPr/>
+        <p:nvPr/>
+      </p:nvGrpSpPr>
+      <p:grpSpPr>
+        <a:xfrm>
+          <a:off x="0" y="0"/>
+          <a:ext cx="0" cy="0"/>
+          <a:chOff x="0" y="0"/>
+          <a:chExt cx="0" cy="0"/>
+        </a:xfrm>
+      </p:grpSpPr>
+      <p:sp>
+        <p:nvSpPr>
+          <p:cNvPr id="2" name="Slide Number Placeholder 1">
+            <a:extLst>
+              <a:ext uri="{FF2B5EF4-FFF2-40B4-BE49-F238E27FC236}">
                 <a16:creationId xmlns:a16="http://schemas.microsoft.com/office/drawing/2014/main" id="{808F917B-CF2D-4E2F-811E-7C9D0F27EB40}"/>
               </a:ext>
             </a:extLst>
@@ -20749,7 +21180,7 @@
             <a:fld id="{19B51A1E-902D-48AF-9020-955120F399B6}" type="slidenum">
               <a:rPr lang="en-US" b="1" i="1" noProof="0" smtClean="0"/>
               <a:pPr/>
-              <a:t>10</a:t>
+              <a:t>11</a:t>
             </a:fld>
             <a:endParaRPr lang="en-US" b="1" i="1" noProof="0" dirty="0"/>
           </a:p>
@@ -21094,7 +21525,7 @@
 </p:sld>
 </file>
 
-<file path=ppt/slides/slide11.xml><?xml version="1.0" encoding="utf-8"?>
+<file path=ppt/slides/slide12.xml><?xml version="1.0" encoding="utf-8"?>
 <p:sld xmlns:a="http://schemas.openxmlformats.org/drawingml/2006/main" xmlns:r="http://schemas.openxmlformats.org/officeDocument/2006/relationships" xmlns:p="http://schemas.openxmlformats.org/presentationml/2006/main">
   <p:cSld>
     <p:spTree>
@@ -24122,12 +24553,594 @@
           <a:chExt cx="0" cy="0"/>
         </a:xfrm>
       </p:grpSpPr>
-      <p:sp>
-        <p:nvSpPr>
-          <p:cNvPr id="2" name="Slide Number Placeholder 1">
-            <a:extLst>
-              <a:ext uri="{FF2B5EF4-FFF2-40B4-BE49-F238E27FC236}">
-                <a16:creationId xmlns:a16="http://schemas.microsoft.com/office/drawing/2014/main" id="{808F917B-CF2D-4E2F-811E-7C9D0F27EB40}"/>
+      <p:grpSp>
+        <p:nvGrpSpPr>
+          <p:cNvPr id="31" name="Group 30">
+            <a:extLst>
+              <a:ext uri="{FF2B5EF4-FFF2-40B4-BE49-F238E27FC236}">
+                <a16:creationId xmlns:a16="http://schemas.microsoft.com/office/drawing/2014/main" id="{A899F6F6-5846-4520-8EA6-DE53C5F0C74D}"/>
+              </a:ext>
+              <a:ext uri="{C183D7F6-B498-43B3-948B-1728B52AA6E4}">
+                <adec:decorative xmlns:adec="http://schemas.microsoft.com/office/drawing/2017/decorative" val="1"/>
+              </a:ext>
+            </a:extLst>
+          </p:cNvPr>
+          <p:cNvGrpSpPr/>
+          <p:nvPr/>
+        </p:nvGrpSpPr>
+        <p:grpSpPr>
+          <a:xfrm>
+            <a:off x="7850046" y="1941688"/>
+            <a:ext cx="4025781" cy="2720745"/>
+            <a:chOff x="7699827" y="846814"/>
+            <a:chExt cx="4025781" cy="2720745"/>
+          </a:xfrm>
+        </p:grpSpPr>
+        <p:sp>
+          <p:nvSpPr>
+            <p:cNvPr id="16" name="Oval 15">
+              <a:extLst>
+                <a:ext uri="{FF2B5EF4-FFF2-40B4-BE49-F238E27FC236}">
+                  <a16:creationId xmlns:a16="http://schemas.microsoft.com/office/drawing/2014/main" id="{A52A5BC6-0335-4C37-95CC-316A81DB1506}"/>
+                </a:ext>
+              </a:extLst>
+            </p:cNvPr>
+            <p:cNvSpPr/>
+            <p:nvPr/>
+          </p:nvSpPr>
+          <p:spPr>
+            <a:xfrm>
+              <a:off x="8182897" y="1713921"/>
+              <a:ext cx="1022532" cy="1022532"/>
+            </a:xfrm>
+            <a:prstGeom prst="ellipse">
+              <a:avLst/>
+            </a:prstGeom>
+            <a:noFill/>
+            <a:ln w="3175">
+              <a:solidFill>
+                <a:schemeClr val="bg1"/>
+              </a:solidFill>
+            </a:ln>
+            <a:effectLst>
+              <a:glow rad="165100">
+                <a:schemeClr val="bg1">
+                  <a:alpha val="9000"/>
+                </a:schemeClr>
+              </a:glow>
+            </a:effectLst>
+          </p:spPr>
+          <p:style>
+            <a:lnRef idx="2">
+              <a:schemeClr val="accent1">
+                <a:shade val="50000"/>
+              </a:schemeClr>
+            </a:lnRef>
+            <a:fillRef idx="1">
+              <a:schemeClr val="accent1"/>
+            </a:fillRef>
+            <a:effectRef idx="0">
+              <a:schemeClr val="accent1"/>
+            </a:effectRef>
+            <a:fontRef idx="minor">
+              <a:schemeClr val="lt1"/>
+            </a:fontRef>
+          </p:style>
+          <p:txBody>
+            <a:bodyPr rot="0" spcFirstLastPara="0" vertOverflow="overflow" horzOverflow="overflow" vert="horz" wrap="square" lIns="91440" tIns="45720" rIns="91440" bIns="45720" numCol="1" spcCol="0" rtlCol="0" fromWordArt="0" anchor="ctr" anchorCtr="0" forceAA="0" compatLnSpc="1">
+              <a:prstTxWarp prst="textNoShape">
+                <a:avLst/>
+              </a:prstTxWarp>
+              <a:noAutofit/>
+            </a:bodyPr>
+            <a:lstStyle/>
+            <a:p>
+              <a:pPr algn="ctr"/>
+              <a:endParaRPr lang="en-US" dirty="0"/>
+            </a:p>
+          </p:txBody>
+        </p:sp>
+        <p:sp>
+          <p:nvSpPr>
+            <p:cNvPr id="17" name="Oval 16">
+              <a:extLst>
+                <a:ext uri="{FF2B5EF4-FFF2-40B4-BE49-F238E27FC236}">
+                  <a16:creationId xmlns:a16="http://schemas.microsoft.com/office/drawing/2014/main" id="{752F453A-57F5-4901-A8A9-F1625EA46C5E}"/>
+                </a:ext>
+              </a:extLst>
+            </p:cNvPr>
+            <p:cNvSpPr/>
+            <p:nvPr/>
+          </p:nvSpPr>
+          <p:spPr>
+            <a:xfrm>
+              <a:off x="11201630" y="2022136"/>
+              <a:ext cx="399819" cy="406102"/>
+            </a:xfrm>
+            <a:prstGeom prst="ellipse">
+              <a:avLst/>
+            </a:prstGeom>
+            <a:noFill/>
+            <a:ln w="3175">
+              <a:solidFill>
+                <a:schemeClr val="bg1"/>
+              </a:solidFill>
+            </a:ln>
+            <a:effectLst>
+              <a:glow rad="114300">
+                <a:schemeClr val="bg1">
+                  <a:alpha val="15000"/>
+                </a:schemeClr>
+              </a:glow>
+            </a:effectLst>
+          </p:spPr>
+          <p:style>
+            <a:lnRef idx="2">
+              <a:schemeClr val="accent1">
+                <a:shade val="50000"/>
+              </a:schemeClr>
+            </a:lnRef>
+            <a:fillRef idx="1">
+              <a:schemeClr val="accent1"/>
+            </a:fillRef>
+            <a:effectRef idx="0">
+              <a:schemeClr val="accent1"/>
+            </a:effectRef>
+            <a:fontRef idx="minor">
+              <a:schemeClr val="lt1"/>
+            </a:fontRef>
+          </p:style>
+          <p:txBody>
+            <a:bodyPr rot="0" spcFirstLastPara="0" vertOverflow="overflow" horzOverflow="overflow" vert="horz" wrap="square" lIns="91440" tIns="45720" rIns="91440" bIns="45720" numCol="1" spcCol="0" rtlCol="0" fromWordArt="0" anchor="ctr" anchorCtr="0" forceAA="0" compatLnSpc="1">
+              <a:prstTxWarp prst="textNoShape">
+                <a:avLst/>
+              </a:prstTxWarp>
+              <a:noAutofit/>
+            </a:bodyPr>
+            <a:lstStyle/>
+            <a:p>
+              <a:pPr algn="ctr"/>
+              <a:endParaRPr lang="en-US" dirty="0"/>
+            </a:p>
+          </p:txBody>
+        </p:sp>
+        <p:sp>
+          <p:nvSpPr>
+            <p:cNvPr id="18" name="Oval 17">
+              <a:extLst>
+                <a:ext uri="{FF2B5EF4-FFF2-40B4-BE49-F238E27FC236}">
+                  <a16:creationId xmlns:a16="http://schemas.microsoft.com/office/drawing/2014/main" id="{9D39D4C1-97D9-4F9B-8ABC-9865E6AC0568}"/>
+                </a:ext>
+              </a:extLst>
+            </p:cNvPr>
+            <p:cNvSpPr/>
+            <p:nvPr/>
+          </p:nvSpPr>
+          <p:spPr>
+            <a:xfrm>
+              <a:off x="9754515" y="2186345"/>
+              <a:ext cx="77685" cy="77685"/>
+            </a:xfrm>
+            <a:prstGeom prst="ellipse">
+              <a:avLst/>
+            </a:prstGeom>
+            <a:gradFill flip="none" rotWithShape="1">
+              <a:gsLst>
+                <a:gs pos="0">
+                  <a:srgbClr val="FFFFFF"/>
+                </a:gs>
+                <a:gs pos="70000">
+                  <a:schemeClr val="accent2">
+                    <a:lumMod val="20000"/>
+                    <a:lumOff val="80000"/>
+                  </a:schemeClr>
+                </a:gs>
+                <a:gs pos="65000">
+                  <a:srgbClr val="F7FFFF"/>
+                </a:gs>
+              </a:gsLst>
+              <a:path path="circle">
+                <a:fillToRect l="50000" t="50000" r="50000" b="50000"/>
+              </a:path>
+              <a:tileRect/>
+            </a:gradFill>
+            <a:ln>
+              <a:noFill/>
+            </a:ln>
+            <a:effectLst>
+              <a:glow rad="165100">
+                <a:schemeClr val="accent2">
+                  <a:satMod val="175000"/>
+                  <a:alpha val="40000"/>
+                </a:schemeClr>
+              </a:glow>
+            </a:effectLst>
+          </p:spPr>
+          <p:style>
+            <a:lnRef idx="2">
+              <a:schemeClr val="accent1">
+                <a:shade val="50000"/>
+              </a:schemeClr>
+            </a:lnRef>
+            <a:fillRef idx="1">
+              <a:schemeClr val="accent1"/>
+            </a:fillRef>
+            <a:effectRef idx="0">
+              <a:schemeClr val="accent1"/>
+            </a:effectRef>
+            <a:fontRef idx="minor">
+              <a:schemeClr val="lt1"/>
+            </a:fontRef>
+          </p:style>
+          <p:txBody>
+            <a:bodyPr rtlCol="0" anchor="ctr"/>
+            <a:lstStyle/>
+            <a:p>
+              <a:pPr algn="ctr"/>
+              <a:endParaRPr lang="en-US" dirty="0"/>
+            </a:p>
+          </p:txBody>
+        </p:sp>
+        <p:sp>
+          <p:nvSpPr>
+            <p:cNvPr id="19" name="Oval 18">
+              <a:extLst>
+                <a:ext uri="{FF2B5EF4-FFF2-40B4-BE49-F238E27FC236}">
+                  <a16:creationId xmlns:a16="http://schemas.microsoft.com/office/drawing/2014/main" id="{D7B2ABD9-2D46-41E8-A98C-92B3AD82825E}"/>
+                </a:ext>
+              </a:extLst>
+            </p:cNvPr>
+            <p:cNvSpPr/>
+            <p:nvPr/>
+          </p:nvSpPr>
+          <p:spPr>
+            <a:xfrm>
+              <a:off x="8676163" y="846814"/>
+              <a:ext cx="2678654" cy="2720745"/>
+            </a:xfrm>
+            <a:prstGeom prst="ellipse">
+              <a:avLst/>
+            </a:prstGeom>
+            <a:noFill/>
+            <a:ln w="111125">
+              <a:solidFill>
+                <a:schemeClr val="bg1">
+                  <a:alpha val="6000"/>
+                </a:schemeClr>
+              </a:solidFill>
+            </a:ln>
+            <a:effectLst/>
+          </p:spPr>
+          <p:style>
+            <a:lnRef idx="2">
+              <a:schemeClr val="accent1">
+                <a:shade val="50000"/>
+              </a:schemeClr>
+            </a:lnRef>
+            <a:fillRef idx="1">
+              <a:schemeClr val="accent1"/>
+            </a:fillRef>
+            <a:effectRef idx="0">
+              <a:schemeClr val="accent1"/>
+            </a:effectRef>
+            <a:fontRef idx="minor">
+              <a:schemeClr val="lt1"/>
+            </a:fontRef>
+          </p:style>
+          <p:txBody>
+            <a:bodyPr rot="0" spcFirstLastPara="0" vertOverflow="overflow" horzOverflow="overflow" vert="horz" wrap="square" lIns="91440" tIns="45720" rIns="91440" bIns="45720" numCol="1" spcCol="0" rtlCol="0" fromWordArt="0" anchor="ctr" anchorCtr="0" forceAA="0" compatLnSpc="1">
+              <a:prstTxWarp prst="textNoShape">
+                <a:avLst/>
+              </a:prstTxWarp>
+              <a:noAutofit/>
+            </a:bodyPr>
+            <a:lstStyle/>
+            <a:p>
+              <a:pPr algn="ctr"/>
+              <a:endParaRPr lang="en-US" dirty="0"/>
+            </a:p>
+          </p:txBody>
+        </p:sp>
+        <p:cxnSp>
+          <p:nvCxnSpPr>
+            <p:cNvPr id="20" name="Straight Connector 19">
+              <a:extLst>
+                <a:ext uri="{FF2B5EF4-FFF2-40B4-BE49-F238E27FC236}">
+                  <a16:creationId xmlns:a16="http://schemas.microsoft.com/office/drawing/2014/main" id="{C05530FC-EFC1-4DB0-AA9C-798C7CB96D95}"/>
+                </a:ext>
+              </a:extLst>
+            </p:cNvPr>
+            <p:cNvCxnSpPr>
+              <a:cxnSpLocks/>
+            </p:cNvCxnSpPr>
+            <p:nvPr/>
+          </p:nvCxnSpPr>
+          <p:spPr>
+            <a:xfrm>
+              <a:off x="7699827" y="2225187"/>
+              <a:ext cx="4025781" cy="0"/>
+            </a:xfrm>
+            <a:prstGeom prst="line">
+              <a:avLst/>
+            </a:prstGeom>
+            <a:ln>
+              <a:solidFill>
+                <a:schemeClr val="bg2">
+                  <a:alpha val="30000"/>
+                </a:schemeClr>
+              </a:solidFill>
+            </a:ln>
+          </p:spPr>
+          <p:style>
+            <a:lnRef idx="1">
+              <a:schemeClr val="accent1"/>
+            </a:lnRef>
+            <a:fillRef idx="0">
+              <a:schemeClr val="accent1"/>
+            </a:fillRef>
+            <a:effectRef idx="0">
+              <a:schemeClr val="accent1"/>
+            </a:effectRef>
+            <a:fontRef idx="minor">
+              <a:schemeClr val="tx1"/>
+            </a:fontRef>
+          </p:style>
+        </p:cxnSp>
+        <p:sp>
+          <p:nvSpPr>
+            <p:cNvPr id="21" name="Oval 20">
+              <a:extLst>
+                <a:ext uri="{FF2B5EF4-FFF2-40B4-BE49-F238E27FC236}">
+                  <a16:creationId xmlns:a16="http://schemas.microsoft.com/office/drawing/2014/main" id="{3ADCB067-D886-41C5-A83B-3EA98E194C6D}"/>
+                </a:ext>
+              </a:extLst>
+            </p:cNvPr>
+            <p:cNvSpPr/>
+            <p:nvPr/>
+          </p:nvSpPr>
+          <p:spPr>
+            <a:xfrm>
+              <a:off x="8676163" y="2207187"/>
+              <a:ext cx="36000" cy="36000"/>
+            </a:xfrm>
+            <a:prstGeom prst="ellipse">
+              <a:avLst/>
+            </a:prstGeom>
+            <a:gradFill flip="none" rotWithShape="1">
+              <a:gsLst>
+                <a:gs pos="0">
+                  <a:srgbClr val="FFFFFF"/>
+                </a:gs>
+                <a:gs pos="70000">
+                  <a:schemeClr val="accent2">
+                    <a:lumMod val="20000"/>
+                    <a:lumOff val="80000"/>
+                  </a:schemeClr>
+                </a:gs>
+                <a:gs pos="65000">
+                  <a:srgbClr val="F7FFFF"/>
+                </a:gs>
+              </a:gsLst>
+              <a:path path="circle">
+                <a:fillToRect l="50000" t="50000" r="50000" b="50000"/>
+              </a:path>
+              <a:tileRect/>
+            </a:gradFill>
+            <a:ln>
+              <a:noFill/>
+            </a:ln>
+            <a:effectLst>
+              <a:glow rad="165100">
+                <a:schemeClr val="accent2">
+                  <a:satMod val="175000"/>
+                  <a:alpha val="40000"/>
+                </a:schemeClr>
+              </a:glow>
+            </a:effectLst>
+          </p:spPr>
+          <p:style>
+            <a:lnRef idx="2">
+              <a:schemeClr val="accent1">
+                <a:shade val="50000"/>
+              </a:schemeClr>
+            </a:lnRef>
+            <a:fillRef idx="1">
+              <a:schemeClr val="accent1"/>
+            </a:fillRef>
+            <a:effectRef idx="0">
+              <a:schemeClr val="accent1"/>
+            </a:effectRef>
+            <a:fontRef idx="minor">
+              <a:schemeClr val="lt1"/>
+            </a:fontRef>
+          </p:style>
+          <p:txBody>
+            <a:bodyPr rtlCol="0" anchor="ctr"/>
+            <a:lstStyle/>
+            <a:p>
+              <a:pPr algn="ctr"/>
+              <a:endParaRPr lang="en-US" dirty="0"/>
+            </a:p>
+          </p:txBody>
+        </p:sp>
+        <p:sp>
+          <p:nvSpPr>
+            <p:cNvPr id="22" name="Oval 21">
+              <a:extLst>
+                <a:ext uri="{FF2B5EF4-FFF2-40B4-BE49-F238E27FC236}">
+                  <a16:creationId xmlns:a16="http://schemas.microsoft.com/office/drawing/2014/main" id="{4EC7057A-03E0-4875-BBFC-A48287F17198}"/>
+                </a:ext>
+              </a:extLst>
+            </p:cNvPr>
+            <p:cNvSpPr/>
+            <p:nvPr/>
+          </p:nvSpPr>
+          <p:spPr>
+            <a:xfrm>
+              <a:off x="8837524" y="2905351"/>
+              <a:ext cx="248256" cy="252158"/>
+            </a:xfrm>
+            <a:prstGeom prst="ellipse">
+              <a:avLst/>
+            </a:prstGeom>
+            <a:noFill/>
+            <a:ln w="3175">
+              <a:solidFill>
+                <a:schemeClr val="tx1">
+                  <a:lumMod val="50000"/>
+                  <a:lumOff val="50000"/>
+                </a:schemeClr>
+              </a:solidFill>
+              <a:prstDash val="sysDash"/>
+            </a:ln>
+            <a:effectLst/>
+          </p:spPr>
+          <p:style>
+            <a:lnRef idx="2">
+              <a:schemeClr val="accent1">
+                <a:shade val="50000"/>
+              </a:schemeClr>
+            </a:lnRef>
+            <a:fillRef idx="1">
+              <a:schemeClr val="accent1"/>
+            </a:fillRef>
+            <a:effectRef idx="0">
+              <a:schemeClr val="accent1"/>
+            </a:effectRef>
+            <a:fontRef idx="minor">
+              <a:schemeClr val="lt1"/>
+            </a:fontRef>
+          </p:style>
+          <p:txBody>
+            <a:bodyPr rot="0" spcFirstLastPara="0" vertOverflow="overflow" horzOverflow="overflow" vert="horz" wrap="square" lIns="91440" tIns="45720" rIns="91440" bIns="45720" numCol="1" spcCol="0" rtlCol="0" fromWordArt="0" anchor="ctr" anchorCtr="0" forceAA="0" compatLnSpc="1">
+              <a:prstTxWarp prst="textNoShape">
+                <a:avLst/>
+              </a:prstTxWarp>
+              <a:noAutofit/>
+            </a:bodyPr>
+            <a:lstStyle/>
+            <a:p>
+              <a:pPr algn="ctr"/>
+              <a:endParaRPr lang="en-US" dirty="0"/>
+            </a:p>
+          </p:txBody>
+        </p:sp>
+        <p:sp>
+          <p:nvSpPr>
+            <p:cNvPr id="23" name="Oval 22">
+              <a:extLst>
+                <a:ext uri="{FF2B5EF4-FFF2-40B4-BE49-F238E27FC236}">
+                  <a16:creationId xmlns:a16="http://schemas.microsoft.com/office/drawing/2014/main" id="{81800EBC-271F-4F7A-B2FD-DB4DDA95DE3E}"/>
+                </a:ext>
+              </a:extLst>
+            </p:cNvPr>
+            <p:cNvSpPr/>
+            <p:nvPr/>
+          </p:nvSpPr>
+          <p:spPr>
+            <a:xfrm>
+              <a:off x="7886691" y="2146902"/>
+              <a:ext cx="154147" cy="156570"/>
+            </a:xfrm>
+            <a:prstGeom prst="ellipse">
+              <a:avLst/>
+            </a:prstGeom>
+            <a:noFill/>
+            <a:ln w="3175">
+              <a:solidFill>
+                <a:schemeClr val="bg1"/>
+              </a:solidFill>
+            </a:ln>
+            <a:effectLst>
+              <a:glow rad="114300">
+                <a:schemeClr val="bg1">
+                  <a:alpha val="15000"/>
+                </a:schemeClr>
+              </a:glow>
+            </a:effectLst>
+          </p:spPr>
+          <p:style>
+            <a:lnRef idx="2">
+              <a:schemeClr val="accent1">
+                <a:shade val="50000"/>
+              </a:schemeClr>
+            </a:lnRef>
+            <a:fillRef idx="1">
+              <a:schemeClr val="accent1"/>
+            </a:fillRef>
+            <a:effectRef idx="0">
+              <a:schemeClr val="accent1"/>
+            </a:effectRef>
+            <a:fontRef idx="minor">
+              <a:schemeClr val="lt1"/>
+            </a:fontRef>
+          </p:style>
+          <p:txBody>
+            <a:bodyPr rot="0" spcFirstLastPara="0" vertOverflow="overflow" horzOverflow="overflow" vert="horz" wrap="square" lIns="91440" tIns="45720" rIns="91440" bIns="45720" numCol="1" spcCol="0" rtlCol="0" fromWordArt="0" anchor="ctr" anchorCtr="0" forceAA="0" compatLnSpc="1">
+              <a:prstTxWarp prst="textNoShape">
+                <a:avLst/>
+              </a:prstTxWarp>
+              <a:noAutofit/>
+            </a:bodyPr>
+            <a:lstStyle/>
+            <a:p>
+              <a:pPr algn="ctr"/>
+              <a:endParaRPr lang="en-US" dirty="0"/>
+            </a:p>
+          </p:txBody>
+        </p:sp>
+        <p:cxnSp>
+          <p:nvCxnSpPr>
+            <p:cNvPr id="24" name="Straight Connector 23">
+              <a:extLst>
+                <a:ext uri="{FF2B5EF4-FFF2-40B4-BE49-F238E27FC236}">
+                  <a16:creationId xmlns:a16="http://schemas.microsoft.com/office/drawing/2014/main" id="{AF2B326A-0599-4ECB-9889-DBFEDED3710F}"/>
+                </a:ext>
+              </a:extLst>
+            </p:cNvPr>
+            <p:cNvCxnSpPr>
+              <a:cxnSpLocks/>
+            </p:cNvCxnSpPr>
+            <p:nvPr/>
+          </p:nvCxnSpPr>
+          <p:spPr>
+            <a:xfrm flipV="1">
+              <a:off x="8513160" y="2225010"/>
+              <a:ext cx="1269930" cy="1269930"/>
+            </a:xfrm>
+            <a:prstGeom prst="line">
+              <a:avLst/>
+            </a:prstGeom>
+            <a:ln>
+              <a:solidFill>
+                <a:schemeClr val="bg2">
+                  <a:alpha val="30000"/>
+                </a:schemeClr>
+              </a:solidFill>
+            </a:ln>
+          </p:spPr>
+          <p:style>
+            <a:lnRef idx="1">
+              <a:schemeClr val="accent1"/>
+            </a:lnRef>
+            <a:fillRef idx="0">
+              <a:schemeClr val="accent1"/>
+            </a:fillRef>
+            <a:effectRef idx="0">
+              <a:schemeClr val="accent1"/>
+            </a:effectRef>
+            <a:fontRef idx="minor">
+              <a:schemeClr val="tx1"/>
+            </a:fontRef>
+          </p:style>
+        </p:cxnSp>
+      </p:grpSp>
+      <p:sp>
+        <p:nvSpPr>
+          <p:cNvPr id="5" name="Slide Number Placeholder 4">
+            <a:extLst>
+              <a:ext uri="{FF2B5EF4-FFF2-40B4-BE49-F238E27FC236}">
+                <a16:creationId xmlns:a16="http://schemas.microsoft.com/office/drawing/2014/main" id="{185B41C8-4B55-458F-878B-550AD24B15E9}"/>
               </a:ext>
             </a:extLst>
           </p:cNvPr>
@@ -24135,7 +25148,7 @@
             <a:spLocks noGrp="1"/>
           </p:cNvSpPr>
           <p:nvPr>
-            <p:ph type="sldNum" sz="quarter" idx="11"/>
+            <p:ph type="sldNum" sz="quarter" idx="12"/>
           </p:nvPr>
         </p:nvSpPr>
         <p:spPr/>
@@ -24144,24 +25157,24 @@
           <a:lstStyle/>
           <a:p>
             <a:r>
-              <a:rPr lang="en-US" noProof="0"/>
+              <a:rPr lang="en-US" dirty="0"/>
               <a:t>page </a:t>
             </a:r>
             <a:fld id="{19B51A1E-902D-48AF-9020-955120F399B6}" type="slidenum">
-              <a:rPr lang="en-US" b="1" i="1" noProof="0" smtClean="0"/>
+              <a:rPr lang="en-US" smtClean="0"/>
               <a:pPr/>
               <a:t>5</a:t>
             </a:fld>
-            <a:endParaRPr lang="en-US" b="1" i="1" noProof="0" dirty="0"/>
-          </a:p>
-        </p:txBody>
-      </p:sp>
-      <p:sp>
-        <p:nvSpPr>
-          <p:cNvPr id="3" name="Rectangle 2">
-            <a:extLst>
-              <a:ext uri="{FF2B5EF4-FFF2-40B4-BE49-F238E27FC236}">
-                <a16:creationId xmlns:a16="http://schemas.microsoft.com/office/drawing/2014/main" id="{930FD74F-6E9B-41D6-93F8-2CFB7FAA49C1}"/>
+            <a:endParaRPr lang="en-US" dirty="0"/>
+          </a:p>
+        </p:txBody>
+      </p:sp>
+      <p:sp>
+        <p:nvSpPr>
+          <p:cNvPr id="26" name="Rectangle 25">
+            <a:extLst>
+              <a:ext uri="{FF2B5EF4-FFF2-40B4-BE49-F238E27FC236}">
+                <a16:creationId xmlns:a16="http://schemas.microsoft.com/office/drawing/2014/main" id="{2997AF93-84C4-41AE-8965-817B548BA1FE}"/>
               </a:ext>
             </a:extLst>
           </p:cNvPr>
@@ -24216,10 +25229,10 @@
       </p:sp>
       <p:pic>
         <p:nvPicPr>
-          <p:cNvPr id="4" name="Picture 3">
-            <a:extLst>
-              <a:ext uri="{FF2B5EF4-FFF2-40B4-BE49-F238E27FC236}">
-                <a16:creationId xmlns:a16="http://schemas.microsoft.com/office/drawing/2014/main" id="{D63118F6-F327-4373-A44E-EBB695664E95}"/>
+          <p:cNvPr id="27" name="Picture 26">
+            <a:extLst>
+              <a:ext uri="{FF2B5EF4-FFF2-40B4-BE49-F238E27FC236}">
+                <a16:creationId xmlns:a16="http://schemas.microsoft.com/office/drawing/2014/main" id="{E475AA0D-54D0-4A9D-B6F8-81FED71228C8}"/>
               </a:ext>
             </a:extLst>
           </p:cNvPr>
@@ -24229,7 +25242,7 @@
           <p:nvPr/>
         </p:nvPicPr>
         <p:blipFill>
-          <a:blip r:embed="rId2"/>
+          <a:blip r:embed="rId3"/>
           <a:stretch>
             <a:fillRect/>
           </a:stretch>
@@ -24246,10 +25259,10 @@
       </p:pic>
       <p:pic>
         <p:nvPicPr>
-          <p:cNvPr id="1028" name="Picture 4">
-            <a:extLst>
-              <a:ext uri="{FF2B5EF4-FFF2-40B4-BE49-F238E27FC236}">
-                <a16:creationId xmlns:a16="http://schemas.microsoft.com/office/drawing/2014/main" id="{7CB3BE9F-C037-42CF-9138-DDCF76F661BD}"/>
+          <p:cNvPr id="25" name="Picture 4">
+            <a:extLst>
+              <a:ext uri="{FF2B5EF4-FFF2-40B4-BE49-F238E27FC236}">
+                <a16:creationId xmlns:a16="http://schemas.microsoft.com/office/drawing/2014/main" id="{93E64006-FCB2-40F8-BA90-ABCA2C1EC101}"/>
               </a:ext>
             </a:extLst>
           </p:cNvPr>
@@ -24259,7 +25272,7 @@
           <p:nvPr/>
         </p:nvPicPr>
         <p:blipFill rotWithShape="1">
-          <a:blip r:embed="rId3">
+          <a:blip r:embed="rId4">
             <a:extLst>
               <a:ext uri="{28A0092B-C50C-407E-A947-70E740481C1C}">
                 <a14:useLocalDpi xmlns:a14="http://schemas.microsoft.com/office/drawing/2010/main" val="0"/>
@@ -24271,8 +25284,8 @@
         </p:blipFill>
         <p:spPr bwMode="auto">
           <a:xfrm>
-            <a:off x="1244995" y="1823590"/>
-            <a:ext cx="3574169" cy="2974125"/>
+            <a:off x="1187286" y="1137251"/>
+            <a:ext cx="5058246" cy="4209050"/>
           </a:xfrm>
           <a:prstGeom prst="roundRect">
             <a:avLst>
@@ -24292,10 +25305,10 @@
       </p:pic>
       <p:sp>
         <p:nvSpPr>
-          <p:cNvPr id="6" name="TextBox 5">
-            <a:extLst>
-              <a:ext uri="{FF2B5EF4-FFF2-40B4-BE49-F238E27FC236}">
-                <a16:creationId xmlns:a16="http://schemas.microsoft.com/office/drawing/2014/main" id="{B7868A22-A84A-4809-B4AD-3C3A1D30F724}"/>
+          <p:cNvPr id="28" name="TextBox 27">
+            <a:extLst>
+              <a:ext uri="{FF2B5EF4-FFF2-40B4-BE49-F238E27FC236}">
+                <a16:creationId xmlns:a16="http://schemas.microsoft.com/office/drawing/2014/main" id="{81E55599-2B61-4F36-B32A-13FCC1F3D077}"/>
               </a:ext>
             </a:extLst>
           </p:cNvPr>
@@ -24304,7 +25317,7 @@
         </p:nvSpPr>
         <p:spPr>
           <a:xfrm>
-            <a:off x="1053128" y="1026867"/>
+            <a:off x="472854" y="277637"/>
             <a:ext cx="3895618" cy="523220"/>
           </a:xfrm>
           <a:prstGeom prst="rect">
@@ -24334,99 +25347,10 @@
           </a:p>
         </p:txBody>
       </p:sp>
-      <p:sp>
-        <p:nvSpPr>
-          <p:cNvPr id="8" name="TextBox 7">
-            <a:extLst>
-              <a:ext uri="{FF2B5EF4-FFF2-40B4-BE49-F238E27FC236}">
-                <a16:creationId xmlns:a16="http://schemas.microsoft.com/office/drawing/2014/main" id="{83BBB4F7-222D-4788-8C60-E8592E679ED9}"/>
-              </a:ext>
-            </a:extLst>
-          </p:cNvPr>
-          <p:cNvSpPr txBox="1"/>
-          <p:nvPr/>
-        </p:nvSpPr>
-        <p:spPr>
-          <a:xfrm>
-            <a:off x="7014333" y="1026867"/>
-            <a:ext cx="3510320" cy="523220"/>
-          </a:xfrm>
-          <a:prstGeom prst="rect">
-            <a:avLst/>
-          </a:prstGeom>
-          <a:noFill/>
-        </p:spPr>
-        <p:txBody>
-          <a:bodyPr wrap="none" rtlCol="0">
-            <a:spAutoFit/>
-          </a:bodyPr>
-          <a:lstStyle/>
-          <a:p>
-            <a:r>
-              <a:rPr lang="en-US" sz="2800" b="1" dirty="0">
-                <a:solidFill>
-                  <a:schemeClr val="bg1"/>
-                </a:solidFill>
-              </a:rPr>
-              <a:t>CNN MODEL RESULT</a:t>
-            </a:r>
-            <a:endParaRPr lang="id-ID" sz="2800" b="1" dirty="0">
-              <a:solidFill>
-                <a:schemeClr val="bg1"/>
-              </a:solidFill>
-            </a:endParaRPr>
-          </a:p>
-        </p:txBody>
-      </p:sp>
-      <p:pic>
-        <p:nvPicPr>
-          <p:cNvPr id="9" name="Picture 2">
-            <a:extLst>
-              <a:ext uri="{FF2B5EF4-FFF2-40B4-BE49-F238E27FC236}">
-                <a16:creationId xmlns:a16="http://schemas.microsoft.com/office/drawing/2014/main" id="{23AEDEDD-B686-4203-86FB-EFB8CB6BA0EA}"/>
-              </a:ext>
-            </a:extLst>
-          </p:cNvPr>
-          <p:cNvPicPr>
-            <a:picLocks noChangeAspect="1" noChangeArrowheads="1"/>
-          </p:cNvPicPr>
-          <p:nvPr/>
-        </p:nvPicPr>
-        <p:blipFill rotWithShape="1">
-          <a:blip r:embed="rId4">
-            <a:extLst>
-              <a:ext uri="{28A0092B-C50C-407E-A947-70E740481C1C}">
-                <a14:useLocalDpi xmlns:a14="http://schemas.microsoft.com/office/drawing/2010/main" val="0"/>
-              </a:ext>
-            </a:extLst>
-          </a:blip>
-          <a:srcRect l="6505" t="24254" r="24365" b="16105"/>
-          <a:stretch/>
-        </p:blipFill>
-        <p:spPr bwMode="auto">
-          <a:xfrm>
-            <a:off x="6411913" y="1823590"/>
-            <a:ext cx="4815735" cy="2974125"/>
-          </a:xfrm>
-          <a:prstGeom prst="rect">
-            <a:avLst/>
-          </a:prstGeom>
-          <a:noFill/>
-          <a:extLst>
-            <a:ext uri="{909E8E84-426E-40DD-AFC4-6F175D3DCCD1}">
-              <a14:hiddenFill xmlns:a14="http://schemas.microsoft.com/office/drawing/2010/main">
-                <a:solidFill>
-                  <a:srgbClr val="FFFFFF"/>
-                </a:solidFill>
-              </a14:hiddenFill>
-            </a:ext>
-          </a:extLst>
-        </p:spPr>
-      </p:pic>
     </p:spTree>
     <p:extLst>
       <p:ext uri="{BB962C8B-B14F-4D97-AF65-F5344CB8AC3E}">
-        <p14:creationId xmlns:p14="http://schemas.microsoft.com/office/powerpoint/2010/main" val="916333350"/>
+        <p14:creationId xmlns:p14="http://schemas.microsoft.com/office/powerpoint/2010/main" val="526078625"/>
       </p:ext>
     </p:extLst>
   </p:cSld>
@@ -24577,10 +25501,10 @@
       </p:pic>
       <p:sp>
         <p:nvSpPr>
-          <p:cNvPr id="7" name="TextBox 6">
-            <a:extLst>
-              <a:ext uri="{FF2B5EF4-FFF2-40B4-BE49-F238E27FC236}">
-                <a16:creationId xmlns:a16="http://schemas.microsoft.com/office/drawing/2014/main" id="{06C6E732-549A-4E0A-A031-8DD68F21D909}"/>
+          <p:cNvPr id="8" name="TextBox 7">
+            <a:extLst>
+              <a:ext uri="{FF2B5EF4-FFF2-40B4-BE49-F238E27FC236}">
+                <a16:creationId xmlns:a16="http://schemas.microsoft.com/office/drawing/2014/main" id="{83BBB4F7-222D-4788-8C60-E8592E679ED9}"/>
               </a:ext>
             </a:extLst>
           </p:cNvPr>
@@ -24589,8 +25513,8 @@
         </p:nvSpPr>
         <p:spPr>
           <a:xfrm>
-            <a:off x="4110937" y="1071837"/>
-            <a:ext cx="3970126" cy="584775"/>
+            <a:off x="1581095" y="963071"/>
+            <a:ext cx="3510320" cy="523220"/>
           </a:xfrm>
           <a:prstGeom prst="rect">
             <a:avLst/>
@@ -24604,14 +25528,14 @@
           <a:lstStyle/>
           <a:p>
             <a:r>
-              <a:rPr lang="en-US" sz="3200" b="1" dirty="0">
+              <a:rPr lang="en-US" sz="2800" b="1" dirty="0">
                 <a:solidFill>
                   <a:schemeClr val="bg1"/>
                 </a:solidFill>
               </a:rPr>
-              <a:t>OUR IMPROVEMENT</a:t>
-            </a:r>
-            <a:endParaRPr lang="id-ID" sz="3200" b="1" dirty="0">
+              <a:t>CNN MODEL RESULT</a:t>
+            </a:r>
+            <a:endParaRPr lang="id-ID" sz="2800" b="1" dirty="0">
               <a:solidFill>
                 <a:schemeClr val="bg1"/>
               </a:solidFill>
@@ -24619,89 +25543,85 @@
           </a:p>
         </p:txBody>
       </p:sp>
-      <p:sp>
-        <p:nvSpPr>
-          <p:cNvPr id="8" name="Rectangle: Rounded Corners 7">
-            <a:extLst>
-              <a:ext uri="{FF2B5EF4-FFF2-40B4-BE49-F238E27FC236}">
-                <a16:creationId xmlns:a16="http://schemas.microsoft.com/office/drawing/2014/main" id="{E22AB6C3-C59B-466E-A0DF-E09F6998A1AF}"/>
-              </a:ext>
-            </a:extLst>
-          </p:cNvPr>
-          <p:cNvSpPr/>
+      <p:pic>
+        <p:nvPicPr>
+          <p:cNvPr id="9" name="Picture 2">
+            <a:extLst>
+              <a:ext uri="{FF2B5EF4-FFF2-40B4-BE49-F238E27FC236}">
+                <a16:creationId xmlns:a16="http://schemas.microsoft.com/office/drawing/2014/main" id="{23AEDEDD-B686-4203-86FB-EFB8CB6BA0EA}"/>
+              </a:ext>
+            </a:extLst>
+          </p:cNvPr>
+          <p:cNvPicPr>
+            <a:picLocks noChangeAspect="1" noChangeArrowheads="1"/>
+          </p:cNvPicPr>
           <p:nvPr/>
-        </p:nvSpPr>
-        <p:spPr>
-          <a:xfrm>
-            <a:off x="3679970" y="2550740"/>
-            <a:ext cx="4832060" cy="2189527"/>
-          </a:xfrm>
-          <a:prstGeom prst="roundRect">
+        </p:nvPicPr>
+        <p:blipFill rotWithShape="1">
+          <a:blip r:embed="rId3">
+            <a:extLst>
+              <a:ext uri="{28A0092B-C50C-407E-A947-70E740481C1C}">
+                <a14:useLocalDpi xmlns:a14="http://schemas.microsoft.com/office/drawing/2010/main" val="0"/>
+              </a:ext>
+            </a:extLst>
+          </a:blip>
+          <a:srcRect l="6505" t="24254" r="24365" b="16105"/>
+          <a:stretch/>
+        </p:blipFill>
+        <p:spPr bwMode="auto">
+          <a:xfrm>
+            <a:off x="1488243" y="2750400"/>
+            <a:ext cx="4815735" cy="2974125"/>
+          </a:xfrm>
+          <a:prstGeom prst="rect">
             <a:avLst/>
           </a:prstGeom>
           <a:noFill/>
-          <a:ln w="57150">
-            <a:solidFill>
-              <a:schemeClr val="bg1"/>
-            </a:solidFill>
-          </a:ln>
-          <a:effectLst>
-            <a:glow rad="165100">
-              <a:schemeClr val="bg1">
-                <a:alpha val="9000"/>
-              </a:schemeClr>
-            </a:glow>
-          </a:effectLst>
-        </p:spPr>
-        <p:style>
-          <a:lnRef idx="2">
-            <a:schemeClr val="accent1">
-              <a:shade val="50000"/>
-            </a:schemeClr>
-          </a:lnRef>
-          <a:fillRef idx="1">
-            <a:schemeClr val="accent1"/>
-          </a:fillRef>
-          <a:effectRef idx="0">
-            <a:schemeClr val="accent1"/>
-          </a:effectRef>
-          <a:fontRef idx="minor">
-            <a:schemeClr val="lt1"/>
-          </a:fontRef>
-        </p:style>
-        <p:txBody>
-          <a:bodyPr rot="0" spcFirstLastPara="0" vertOverflow="overflow" horzOverflow="overflow" vert="horz" wrap="square" lIns="91440" tIns="45720" rIns="91440" bIns="45720" numCol="1" spcCol="0" rtlCol="0" fromWordArt="0" anchor="t" anchorCtr="0" forceAA="0" compatLnSpc="1">
-            <a:prstTxWarp prst="textNoShape">
-              <a:avLst/>
-            </a:prstTxWarp>
-            <a:noAutofit/>
-          </a:bodyPr>
-          <a:lstStyle/>
-          <a:p>
-            <a:pPr algn="ctr"/>
-            <a:r>
-              <a:rPr lang="en-US" sz="2800" dirty="0"/>
-              <a:t>ADDING DROPOUT LAYER</a:t>
-            </a:r>
-          </a:p>
-          <a:p>
-            <a:pPr algn="ctr"/>
-            <a:endParaRPr lang="en-US" sz="2800" dirty="0"/>
-          </a:p>
-          <a:p>
-            <a:pPr algn="ctr"/>
-            <a:r>
-              <a:rPr lang="en-US" sz="1600" dirty="0"/>
-              <a:t>The Dropout layer randomly sets input units to 0 with a frequency of rate at each step during training time, which helps prevent overfitting</a:t>
-            </a:r>
-            <a:endParaRPr lang="id-ID" sz="2800" dirty="0"/>
-          </a:p>
-        </p:txBody>
-      </p:sp>
+          <a:extLst>
+            <a:ext uri="{909E8E84-426E-40DD-AFC4-6F175D3DCCD1}">
+              <a14:hiddenFill xmlns:a14="http://schemas.microsoft.com/office/drawing/2010/main">
+                <a:solidFill>
+                  <a:srgbClr val="FFFFFF"/>
+                </a:solidFill>
+              </a14:hiddenFill>
+            </a:ext>
+          </a:extLst>
+        </p:spPr>
+      </p:pic>
+      <p:pic>
+        <p:nvPicPr>
+          <p:cNvPr id="7" name="Picture 6">
+            <a:extLst>
+              <a:ext uri="{FF2B5EF4-FFF2-40B4-BE49-F238E27FC236}">
+                <a16:creationId xmlns:a16="http://schemas.microsoft.com/office/drawing/2014/main" id="{297A4306-9D81-48C1-A548-B471E7F50003}"/>
+              </a:ext>
+            </a:extLst>
+          </p:cNvPr>
+          <p:cNvPicPr>
+            <a:picLocks noChangeAspect="1"/>
+          </p:cNvPicPr>
+          <p:nvPr/>
+        </p:nvPicPr>
+        <p:blipFill>
+          <a:blip r:embed="rId4"/>
+          <a:stretch>
+            <a:fillRect/>
+          </a:stretch>
+        </p:blipFill>
+        <p:spPr>
+          <a:xfrm>
+            <a:off x="7323239" y="1133475"/>
+            <a:ext cx="3238500" cy="4591050"/>
+          </a:xfrm>
+          <a:prstGeom prst="rect">
+            <a:avLst/>
+          </a:prstGeom>
+        </p:spPr>
+      </p:pic>
     </p:spTree>
     <p:extLst>
       <p:ext uri="{BB962C8B-B14F-4D97-AF65-F5344CB8AC3E}">
-        <p14:creationId xmlns:p14="http://schemas.microsoft.com/office/powerpoint/2010/main" val="3239456330"/>
+        <p14:creationId xmlns:p14="http://schemas.microsoft.com/office/powerpoint/2010/main" val="916333350"/>
       </p:ext>
     </p:extLst>
   </p:cSld>
@@ -24850,42 +25770,12 @@
           </a:prstGeom>
         </p:spPr>
       </p:pic>
-      <p:pic>
-        <p:nvPicPr>
-          <p:cNvPr id="8" name="Picture 7" descr="Graphical user interface, application&#10;&#10;Description automatically generated">
-            <a:extLst>
-              <a:ext uri="{FF2B5EF4-FFF2-40B4-BE49-F238E27FC236}">
-                <a16:creationId xmlns:a16="http://schemas.microsoft.com/office/drawing/2014/main" id="{ED10B3B0-2D36-4B53-BA93-02076D0A1247}"/>
-              </a:ext>
-            </a:extLst>
-          </p:cNvPr>
-          <p:cNvPicPr>
-            <a:picLocks noChangeAspect="1"/>
-          </p:cNvPicPr>
-          <p:nvPr/>
-        </p:nvPicPr>
-        <p:blipFill>
-          <a:blip r:embed="rId3"/>
-          <a:stretch>
-            <a:fillRect/>
-          </a:stretch>
-        </p:blipFill>
-        <p:spPr>
-          <a:xfrm>
-            <a:off x="3708683" y="1396519"/>
-            <a:ext cx="4774634" cy="2688420"/>
-          </a:xfrm>
-          <a:prstGeom prst="rect">
-            <a:avLst/>
-          </a:prstGeom>
-        </p:spPr>
-      </p:pic>
-      <p:sp>
-        <p:nvSpPr>
-          <p:cNvPr id="9" name="TextBox 8">
-            <a:extLst>
-              <a:ext uri="{FF2B5EF4-FFF2-40B4-BE49-F238E27FC236}">
-                <a16:creationId xmlns:a16="http://schemas.microsoft.com/office/drawing/2014/main" id="{13DCE05F-8FB2-4C28-A345-39AC60DD0EC9}"/>
+      <p:sp>
+        <p:nvSpPr>
+          <p:cNvPr id="7" name="TextBox 6">
+            <a:extLst>
+              <a:ext uri="{FF2B5EF4-FFF2-40B4-BE49-F238E27FC236}">
+                <a16:creationId xmlns:a16="http://schemas.microsoft.com/office/drawing/2014/main" id="{06C6E732-549A-4E0A-A031-8DD68F21D909}"/>
               </a:ext>
             </a:extLst>
           </p:cNvPr>
@@ -24894,8 +25784,8 @@
         </p:nvSpPr>
         <p:spPr>
           <a:xfrm>
-            <a:off x="3010828" y="496913"/>
-            <a:ext cx="6170344" cy="646331"/>
+            <a:off x="4110937" y="1071837"/>
+            <a:ext cx="3970126" cy="584775"/>
           </a:xfrm>
           <a:prstGeom prst="rect">
             <a:avLst/>
@@ -24909,88 +25799,104 @@
           <a:lstStyle/>
           <a:p>
             <a:r>
-              <a:rPr lang="en-US" sz="3600" b="1" dirty="0">
-                <a:solidFill>
-                  <a:schemeClr val="bg1"/>
-                </a:solidFill>
-                <a:latin typeface="+mj-lt"/>
-              </a:rPr>
-              <a:t>ANDROID IMPLEMENTATION</a:t>
-            </a:r>
-          </a:p>
-        </p:txBody>
-      </p:sp>
-      <p:sp>
-        <p:nvSpPr>
-          <p:cNvPr id="14" name="TextBox 13">
-            <a:extLst>
-              <a:ext uri="{FF2B5EF4-FFF2-40B4-BE49-F238E27FC236}">
-                <a16:creationId xmlns:a16="http://schemas.microsoft.com/office/drawing/2014/main" id="{8D041BD4-587A-4478-BD9B-24F3AA439D49}"/>
-              </a:ext>
-            </a:extLst>
-          </p:cNvPr>
-          <p:cNvSpPr txBox="1"/>
-          <p:nvPr/>
-        </p:nvSpPr>
-        <p:spPr>
-          <a:xfrm>
-            <a:off x="1907289" y="3438608"/>
-            <a:ext cx="8377422" cy="646331"/>
-          </a:xfrm>
-          <a:prstGeom prst="rect">
-            <a:avLst/>
-          </a:prstGeom>
-          <a:noFill/>
-        </p:spPr>
-        <p:txBody>
-          <a:bodyPr wrap="none" rtlCol="0">
-            <a:spAutoFit/>
-          </a:bodyPr>
-          <a:lstStyle/>
-          <a:p>
-            <a:pPr algn="ctr"/>
-            <a:r>
-              <a:rPr lang="en-US" dirty="0">
+              <a:rPr lang="en-US" sz="3200" b="1" dirty="0">
                 <a:solidFill>
                   <a:schemeClr val="bg1"/>
                 </a:solidFill>
               </a:rPr>
-              <a:t>We are using </a:t>
-            </a:r>
-            <a:r>
-              <a:rPr lang="en-US" dirty="0" err="1">
-                <a:solidFill>
-                  <a:schemeClr val="bg1"/>
-                </a:solidFill>
-              </a:rPr>
-              <a:t>CameraX</a:t>
-            </a:r>
-            <a:r>
-              <a:rPr lang="en-US" dirty="0">
-                <a:solidFill>
-                  <a:schemeClr val="bg1"/>
-                </a:solidFill>
-              </a:rPr>
-              <a:t> to get android camera permission, capturing image, and saving</a:t>
-            </a:r>
-          </a:p>
+              <a:t>OUR IMPROVEMENT</a:t>
+            </a:r>
+            <a:endParaRPr lang="id-ID" sz="3200" b="1" dirty="0">
+              <a:solidFill>
+                <a:schemeClr val="bg1"/>
+              </a:solidFill>
+            </a:endParaRPr>
+          </a:p>
+        </p:txBody>
+      </p:sp>
+      <p:sp>
+        <p:nvSpPr>
+          <p:cNvPr id="8" name="Rectangle: Rounded Corners 7">
+            <a:extLst>
+              <a:ext uri="{FF2B5EF4-FFF2-40B4-BE49-F238E27FC236}">
+                <a16:creationId xmlns:a16="http://schemas.microsoft.com/office/drawing/2014/main" id="{E22AB6C3-C59B-466E-A0DF-E09F6998A1AF}"/>
+              </a:ext>
+            </a:extLst>
+          </p:cNvPr>
+          <p:cNvSpPr/>
+          <p:nvPr/>
+        </p:nvSpPr>
+        <p:spPr>
+          <a:xfrm>
+            <a:off x="3679970" y="2550740"/>
+            <a:ext cx="4832060" cy="2189527"/>
+          </a:xfrm>
+          <a:prstGeom prst="roundRect">
+            <a:avLst/>
+          </a:prstGeom>
+          <a:noFill/>
+          <a:ln w="57150">
+            <a:solidFill>
+              <a:schemeClr val="bg1"/>
+            </a:solidFill>
+          </a:ln>
+          <a:effectLst>
+            <a:glow rad="165100">
+              <a:schemeClr val="bg1">
+                <a:alpha val="9000"/>
+              </a:schemeClr>
+            </a:glow>
+          </a:effectLst>
+        </p:spPr>
+        <p:style>
+          <a:lnRef idx="2">
+            <a:schemeClr val="accent1">
+              <a:shade val="50000"/>
+            </a:schemeClr>
+          </a:lnRef>
+          <a:fillRef idx="1">
+            <a:schemeClr val="accent1"/>
+          </a:fillRef>
+          <a:effectRef idx="0">
+            <a:schemeClr val="accent1"/>
+          </a:effectRef>
+          <a:fontRef idx="minor">
+            <a:schemeClr val="lt1"/>
+          </a:fontRef>
+        </p:style>
+        <p:txBody>
+          <a:bodyPr rot="0" spcFirstLastPara="0" vertOverflow="overflow" horzOverflow="overflow" vert="horz" wrap="square" lIns="91440" tIns="45720" rIns="91440" bIns="45720" numCol="1" spcCol="0" rtlCol="0" fromWordArt="0" anchor="t" anchorCtr="0" forceAA="0" compatLnSpc="1">
+            <a:prstTxWarp prst="textNoShape">
+              <a:avLst/>
+            </a:prstTxWarp>
+            <a:noAutofit/>
+          </a:bodyPr>
+          <a:lstStyle/>
           <a:p>
             <a:pPr algn="ctr"/>
             <a:r>
-              <a:rPr lang="en-US" dirty="0">
-                <a:solidFill>
-                  <a:schemeClr val="bg1"/>
-                </a:solidFill>
-              </a:rPr>
-              <a:t>the captured image to the application storage.</a:t>
-            </a:r>
+              <a:rPr lang="en-US" sz="2800" dirty="0"/>
+              <a:t>ADDING DROPOUT LAYER</a:t>
+            </a:r>
+          </a:p>
+          <a:p>
+            <a:pPr algn="ctr"/>
+            <a:endParaRPr lang="en-US" sz="2800" dirty="0"/>
+          </a:p>
+          <a:p>
+            <a:pPr algn="ctr"/>
+            <a:r>
+              <a:rPr lang="en-US" sz="1600" dirty="0"/>
+              <a:t>The Dropout layer randomly sets input units to 0 with a frequency of rate at each step during training time, which helps prevent overfitting</a:t>
+            </a:r>
+            <a:endParaRPr lang="id-ID" sz="2800" dirty="0"/>
           </a:p>
         </p:txBody>
       </p:sp>
     </p:spTree>
     <p:extLst>
       <p:ext uri="{BB962C8B-B14F-4D97-AF65-F5344CB8AC3E}">
-        <p14:creationId xmlns:p14="http://schemas.microsoft.com/office/powerpoint/2010/main" val="3557721423"/>
+        <p14:creationId xmlns:p14="http://schemas.microsoft.com/office/powerpoint/2010/main" val="3239456330"/>
       </p:ext>
     </p:extLst>
   </p:cSld>
@@ -25139,52 +26045,12 @@
           </a:prstGeom>
         </p:spPr>
       </p:pic>
-      <p:sp>
-        <p:nvSpPr>
-          <p:cNvPr id="9" name="TextBox 8">
-            <a:extLst>
-              <a:ext uri="{FF2B5EF4-FFF2-40B4-BE49-F238E27FC236}">
-                <a16:creationId xmlns:a16="http://schemas.microsoft.com/office/drawing/2014/main" id="{13DCE05F-8FB2-4C28-A345-39AC60DD0EC9}"/>
-              </a:ext>
-            </a:extLst>
-          </p:cNvPr>
-          <p:cNvSpPr txBox="1"/>
-          <p:nvPr/>
-        </p:nvSpPr>
-        <p:spPr>
-          <a:xfrm>
-            <a:off x="3010828" y="490725"/>
-            <a:ext cx="6170344" cy="646331"/>
-          </a:xfrm>
-          <a:prstGeom prst="rect">
-            <a:avLst/>
-          </a:prstGeom>
-          <a:noFill/>
-        </p:spPr>
-        <p:txBody>
-          <a:bodyPr wrap="none" rtlCol="0">
-            <a:spAutoFit/>
-          </a:bodyPr>
-          <a:lstStyle/>
-          <a:p>
-            <a:r>
-              <a:rPr lang="en-US" sz="3600" b="1" dirty="0">
-                <a:solidFill>
-                  <a:schemeClr val="bg1"/>
-                </a:solidFill>
-                <a:latin typeface="+mj-lt"/>
-              </a:rPr>
-              <a:t>ANDROID IMPLEMENTATION</a:t>
-            </a:r>
-          </a:p>
-        </p:txBody>
-      </p:sp>
       <p:pic>
         <p:nvPicPr>
-          <p:cNvPr id="13" name="Picture 12" descr="Graphical user interface, application&#10;&#10;Description automatically generated">
-            <a:extLst>
-              <a:ext uri="{FF2B5EF4-FFF2-40B4-BE49-F238E27FC236}">
-                <a16:creationId xmlns:a16="http://schemas.microsoft.com/office/drawing/2014/main" id="{020267C1-DE6C-4246-8D90-455F63544379}"/>
+          <p:cNvPr id="8" name="Picture 7" descr="Graphical user interface, application&#10;&#10;Description automatically generated">
+            <a:extLst>
+              <a:ext uri="{FF2B5EF4-FFF2-40B4-BE49-F238E27FC236}">
+                <a16:creationId xmlns:a16="http://schemas.microsoft.com/office/drawing/2014/main" id="{ED10B3B0-2D36-4B53-BA93-02076D0A1247}"/>
               </a:ext>
             </a:extLst>
           </p:cNvPr>
@@ -25201,8 +26067,8 @@
         </p:blipFill>
         <p:spPr>
           <a:xfrm>
-            <a:off x="4495800" y="2214045"/>
-            <a:ext cx="3200400" cy="1428750"/>
+            <a:off x="3708683" y="1396519"/>
+            <a:ext cx="4774634" cy="2688420"/>
           </a:xfrm>
           <a:prstGeom prst="rect">
             <a:avLst/>
@@ -25211,10 +26077,10 @@
       </p:pic>
       <p:sp>
         <p:nvSpPr>
-          <p:cNvPr id="14" name="TextBox 13">
-            <a:extLst>
-              <a:ext uri="{FF2B5EF4-FFF2-40B4-BE49-F238E27FC236}">
-                <a16:creationId xmlns:a16="http://schemas.microsoft.com/office/drawing/2014/main" id="{8D041BD4-587A-4478-BD9B-24F3AA439D49}"/>
+          <p:cNvPr id="9" name="TextBox 8">
+            <a:extLst>
+              <a:ext uri="{FF2B5EF4-FFF2-40B4-BE49-F238E27FC236}">
+                <a16:creationId xmlns:a16="http://schemas.microsoft.com/office/drawing/2014/main" id="{13DCE05F-8FB2-4C28-A345-39AC60DD0EC9}"/>
               </a:ext>
             </a:extLst>
           </p:cNvPr>
@@ -25223,8 +26089,48 @@
         </p:nvSpPr>
         <p:spPr>
           <a:xfrm>
-            <a:off x="1843874" y="3642795"/>
-            <a:ext cx="8504251" cy="646331"/>
+            <a:off x="3010828" y="496913"/>
+            <a:ext cx="6170344" cy="646331"/>
+          </a:xfrm>
+          <a:prstGeom prst="rect">
+            <a:avLst/>
+          </a:prstGeom>
+          <a:noFill/>
+        </p:spPr>
+        <p:txBody>
+          <a:bodyPr wrap="none" rtlCol="0">
+            <a:spAutoFit/>
+          </a:bodyPr>
+          <a:lstStyle/>
+          <a:p>
+            <a:r>
+              <a:rPr lang="en-US" sz="3600" b="1" dirty="0">
+                <a:solidFill>
+                  <a:schemeClr val="bg1"/>
+                </a:solidFill>
+                <a:latin typeface="+mj-lt"/>
+              </a:rPr>
+              <a:t>ANDROID IMPLEMENTATION</a:t>
+            </a:r>
+          </a:p>
+        </p:txBody>
+      </p:sp>
+      <p:sp>
+        <p:nvSpPr>
+          <p:cNvPr id="14" name="TextBox 13">
+            <a:extLst>
+              <a:ext uri="{FF2B5EF4-FFF2-40B4-BE49-F238E27FC236}">
+                <a16:creationId xmlns:a16="http://schemas.microsoft.com/office/drawing/2014/main" id="{8D041BD4-587A-4478-BD9B-24F3AA439D49}"/>
+              </a:ext>
+            </a:extLst>
+          </p:cNvPr>
+          <p:cNvSpPr txBox="1"/>
+          <p:nvPr/>
+        </p:nvSpPr>
+        <p:spPr>
+          <a:xfrm>
+            <a:off x="1907289" y="3438608"/>
+            <a:ext cx="8377422" cy="646331"/>
           </a:xfrm>
           <a:prstGeom prst="rect">
             <a:avLst/>
@@ -25244,34 +26150,34 @@
                   <a:schemeClr val="bg1"/>
                 </a:solidFill>
               </a:rPr>
-              <a:t>We send the captured image to firebase storage so the cloud can take the image to </a:t>
-            </a:r>
-          </a:p>
-          <a:p>
-            <a:pPr algn="ctr"/>
+              <a:t>We are using </a:t>
+            </a:r>
+            <a:r>
+              <a:rPr lang="en-US" dirty="0" err="1">
+                <a:solidFill>
+                  <a:schemeClr val="bg1"/>
+                </a:solidFill>
+              </a:rPr>
+              <a:t>CameraX</a:t>
+            </a:r>
             <a:r>
               <a:rPr lang="en-US" dirty="0">
                 <a:solidFill>
                   <a:schemeClr val="bg1"/>
                 </a:solidFill>
               </a:rPr>
-              <a:t>process it on the Machine Learning model and using firebase </a:t>
-            </a:r>
-            <a:r>
-              <a:rPr lang="en-US" dirty="0" err="1">
-                <a:solidFill>
-                  <a:schemeClr val="bg1"/>
-                </a:solidFill>
-              </a:rPr>
-              <a:t>firestore</a:t>
-            </a:r>
+              <a:t> to get android camera permission, capturing image, and saving</a:t>
+            </a:r>
+          </a:p>
+          <a:p>
+            <a:pPr algn="ctr"/>
             <a:r>
               <a:rPr lang="en-US" dirty="0">
                 <a:solidFill>
                   <a:schemeClr val="bg1"/>
                 </a:solidFill>
               </a:rPr>
-              <a:t> to save the result.</a:t>
+              <a:t>the captured image to the application storage.</a:t>
             </a:r>
           </a:p>
         </p:txBody>
@@ -25279,7 +26185,7 @@
     </p:spTree>
     <p:extLst>
       <p:ext uri="{BB962C8B-B14F-4D97-AF65-F5344CB8AC3E}">
-        <p14:creationId xmlns:p14="http://schemas.microsoft.com/office/powerpoint/2010/main" val="4253544728"/>
+        <p14:creationId xmlns:p14="http://schemas.microsoft.com/office/powerpoint/2010/main" val="3557721423"/>
       </p:ext>
     </p:extLst>
   </p:cSld>
@@ -25311,7 +26217,7 @@
           <p:cNvPr id="2" name="Slide Number Placeholder 1">
             <a:extLst>
               <a:ext uri="{FF2B5EF4-FFF2-40B4-BE49-F238E27FC236}">
-                <a16:creationId xmlns:a16="http://schemas.microsoft.com/office/drawing/2014/main" id="{C7C02147-56CD-4BB8-8D43-97A8082BEDEF}"/>
+                <a16:creationId xmlns:a16="http://schemas.microsoft.com/office/drawing/2014/main" id="{808F917B-CF2D-4E2F-811E-7C9D0F27EB40}"/>
               </a:ext>
             </a:extLst>
           </p:cNvPr>
@@ -25319,7 +26225,7 @@
             <a:spLocks noGrp="1"/>
           </p:cNvSpPr>
           <p:nvPr>
-            <p:ph type="sldNum" sz="quarter" idx="12"/>
+            <p:ph type="sldNum" sz="quarter" idx="11"/>
           </p:nvPr>
         </p:nvSpPr>
         <p:spPr/>
@@ -25342,10 +26248,10 @@
       </p:sp>
       <p:sp>
         <p:nvSpPr>
-          <p:cNvPr id="6" name="Rectangle 5">
-            <a:extLst>
-              <a:ext uri="{FF2B5EF4-FFF2-40B4-BE49-F238E27FC236}">
-                <a16:creationId xmlns:a16="http://schemas.microsoft.com/office/drawing/2014/main" id="{13EF40EC-D96C-4FF6-BA32-43563C286CED}"/>
+          <p:cNvPr id="3" name="Rectangle 2">
+            <a:extLst>
+              <a:ext uri="{FF2B5EF4-FFF2-40B4-BE49-F238E27FC236}">
+                <a16:creationId xmlns:a16="http://schemas.microsoft.com/office/drawing/2014/main" id="{930FD74F-6E9B-41D6-93F8-2CFB7FAA49C1}"/>
               </a:ext>
             </a:extLst>
           </p:cNvPr>
@@ -25400,10 +26306,10 @@
       </p:sp>
       <p:pic>
         <p:nvPicPr>
-          <p:cNvPr id="7" name="Picture 6">
-            <a:extLst>
-              <a:ext uri="{FF2B5EF4-FFF2-40B4-BE49-F238E27FC236}">
-                <a16:creationId xmlns:a16="http://schemas.microsoft.com/office/drawing/2014/main" id="{12D79A67-91A8-4F49-8E2D-2B5811170354}"/>
+          <p:cNvPr id="4" name="Picture 3">
+            <a:extLst>
+              <a:ext uri="{FF2B5EF4-FFF2-40B4-BE49-F238E27FC236}">
+                <a16:creationId xmlns:a16="http://schemas.microsoft.com/office/drawing/2014/main" id="{D63118F6-F327-4373-A44E-EBB695664E95}"/>
               </a:ext>
             </a:extLst>
           </p:cNvPr>
@@ -25428,41 +26334,12 @@
           </a:prstGeom>
         </p:spPr>
       </p:pic>
-      <p:pic>
-        <p:nvPicPr>
-          <p:cNvPr id="4" name="Picture 3">
-            <a:extLst>
-              <a:ext uri="{FF2B5EF4-FFF2-40B4-BE49-F238E27FC236}">
-                <a16:creationId xmlns:a16="http://schemas.microsoft.com/office/drawing/2014/main" id="{7A4912D6-BD9C-456C-803A-FF85A201E1D2}"/>
-              </a:ext>
-            </a:extLst>
-          </p:cNvPr>
-          <p:cNvPicPr>
-            <a:picLocks noChangeAspect="1"/>
-          </p:cNvPicPr>
-          <p:nvPr/>
-        </p:nvPicPr>
-        <p:blipFill rotWithShape="1">
-          <a:blip r:embed="rId3"/>
-          <a:srcRect b="25038"/>
-          <a:stretch/>
-        </p:blipFill>
-        <p:spPr>
-          <a:xfrm>
-            <a:off x="578310" y="2163084"/>
-            <a:ext cx="5517690" cy="3306539"/>
-          </a:xfrm>
-          <a:prstGeom prst="rect">
-            <a:avLst/>
-          </a:prstGeom>
-        </p:spPr>
-      </p:pic>
-      <p:sp>
-        <p:nvSpPr>
-          <p:cNvPr id="8" name="TextBox 7">
-            <a:extLst>
-              <a:ext uri="{FF2B5EF4-FFF2-40B4-BE49-F238E27FC236}">
-                <a16:creationId xmlns:a16="http://schemas.microsoft.com/office/drawing/2014/main" id="{82F447E8-2EB5-47CE-B896-EE81C40C8753}"/>
+      <p:sp>
+        <p:nvSpPr>
+          <p:cNvPr id="9" name="TextBox 8">
+            <a:extLst>
+              <a:ext uri="{FF2B5EF4-FFF2-40B4-BE49-F238E27FC236}">
+                <a16:creationId xmlns:a16="http://schemas.microsoft.com/office/drawing/2014/main" id="{13DCE05F-8FB2-4C28-A345-39AC60DD0EC9}"/>
               </a:ext>
             </a:extLst>
           </p:cNvPr>
@@ -25471,8 +26348,8 @@
         </p:nvSpPr>
         <p:spPr>
           <a:xfrm>
-            <a:off x="1371136" y="780734"/>
-            <a:ext cx="3932038" cy="646331"/>
+            <a:off x="3010828" y="490725"/>
+            <a:ext cx="6170344" cy="646331"/>
           </a:xfrm>
           <a:prstGeom prst="rect">
             <a:avLst/>
@@ -25492,17 +26369,47 @@
                 </a:solidFill>
                 <a:latin typeface="+mj-lt"/>
               </a:rPr>
-              <a:t>CLOUD’S SCHEMA</a:t>
-            </a:r>
-          </a:p>
-        </p:txBody>
-      </p:sp>
-      <p:sp>
-        <p:nvSpPr>
-          <p:cNvPr id="9" name="TextBox 8">
-            <a:extLst>
-              <a:ext uri="{FF2B5EF4-FFF2-40B4-BE49-F238E27FC236}">
-                <a16:creationId xmlns:a16="http://schemas.microsoft.com/office/drawing/2014/main" id="{40D93958-0C93-4E02-9644-DC6A1FC690E4}"/>
+              <a:t>ANDROID IMPLEMENTATION</a:t>
+            </a:r>
+          </a:p>
+        </p:txBody>
+      </p:sp>
+      <p:pic>
+        <p:nvPicPr>
+          <p:cNvPr id="13" name="Picture 12" descr="Graphical user interface, application&#10;&#10;Description automatically generated">
+            <a:extLst>
+              <a:ext uri="{FF2B5EF4-FFF2-40B4-BE49-F238E27FC236}">
+                <a16:creationId xmlns:a16="http://schemas.microsoft.com/office/drawing/2014/main" id="{020267C1-DE6C-4246-8D90-455F63544379}"/>
+              </a:ext>
+            </a:extLst>
+          </p:cNvPr>
+          <p:cNvPicPr>
+            <a:picLocks noChangeAspect="1"/>
+          </p:cNvPicPr>
+          <p:nvPr/>
+        </p:nvPicPr>
+        <p:blipFill>
+          <a:blip r:embed="rId3"/>
+          <a:stretch>
+            <a:fillRect/>
+          </a:stretch>
+        </p:blipFill>
+        <p:spPr>
+          <a:xfrm>
+            <a:off x="4495800" y="2214045"/>
+            <a:ext cx="3200400" cy="1428750"/>
+          </a:xfrm>
+          <a:prstGeom prst="rect">
+            <a:avLst/>
+          </a:prstGeom>
+        </p:spPr>
+      </p:pic>
+      <p:sp>
+        <p:nvSpPr>
+          <p:cNvPr id="14" name="TextBox 13">
+            <a:extLst>
+              <a:ext uri="{FF2B5EF4-FFF2-40B4-BE49-F238E27FC236}">
+                <a16:creationId xmlns:a16="http://schemas.microsoft.com/office/drawing/2014/main" id="{8D041BD4-587A-4478-BD9B-24F3AA439D49}"/>
               </a:ext>
             </a:extLst>
           </p:cNvPr>
@@ -25511,8 +26418,8 @@
         </p:nvSpPr>
         <p:spPr>
           <a:xfrm>
-            <a:off x="6500761" y="2800690"/>
-            <a:ext cx="5375066" cy="2031325"/>
+            <a:off x="1843874" y="3642795"/>
+            <a:ext cx="8504251" cy="646331"/>
           </a:xfrm>
           <a:prstGeom prst="rect">
             <a:avLst/>
@@ -25520,112 +26427,54 @@
           <a:noFill/>
         </p:spPr>
         <p:txBody>
-          <a:bodyPr wrap="square" rtlCol="0">
+          <a:bodyPr wrap="none" rtlCol="0">
             <a:spAutoFit/>
           </a:bodyPr>
           <a:lstStyle/>
           <a:p>
-            <a:pPr algn="just"/>
-            <a:r>
-              <a:rPr lang="en-US" sz="1400" dirty="0">
+            <a:pPr algn="ctr"/>
+            <a:r>
+              <a:rPr lang="en-US" dirty="0">
                 <a:solidFill>
                   <a:schemeClr val="bg1"/>
                 </a:solidFill>
-                <a:latin typeface="Candara" panose="020E0502030303020204" pitchFamily="34" charset="0"/>
               </a:rPr>
-              <a:t>Machine Learning Model deployed with Cloud Function as a Serverless Machine Learning.</a:t>
-            </a:r>
-          </a:p>
-          <a:p>
-            <a:pPr algn="just"/>
-            <a:endParaRPr lang="en-US" sz="1400" dirty="0">
-              <a:solidFill>
-                <a:schemeClr val="bg1"/>
-              </a:solidFill>
-              <a:latin typeface="Candara" panose="020E0502030303020204" pitchFamily="34" charset="0"/>
-            </a:endParaRPr>
-          </a:p>
-          <a:p>
-            <a:pPr algn="just"/>
-            <a:r>
-              <a:rPr lang="en-US" sz="1400" dirty="0">
+              <a:t>We send the captured image to firebase storage so the cloud can take the image to </a:t>
+            </a:r>
+          </a:p>
+          <a:p>
+            <a:pPr algn="ctr"/>
+            <a:r>
+              <a:rPr lang="en-US" dirty="0">
                 <a:solidFill>
                   <a:schemeClr val="bg1"/>
                 </a:solidFill>
-                <a:latin typeface="Candara" panose="020E0502030303020204" pitchFamily="34" charset="0"/>
               </a:rPr>
-              <a:t>Cloud Function triggered by finalize/create from Cloud Storage. After Machine Learning predict the input, Cloud Function then forward the result to Cloud </a:t>
-            </a:r>
-            <a:r>
-              <a:rPr lang="en-US" sz="1400" dirty="0" err="1">
+              <a:t>process it on the Machine Learning model and using firebase </a:t>
+            </a:r>
+            <a:r>
+              <a:rPr lang="en-US" dirty="0" err="1">
                 <a:solidFill>
                   <a:schemeClr val="bg1"/>
                 </a:solidFill>
-                <a:latin typeface="Candara" panose="020E0502030303020204" pitchFamily="34" charset="0"/>
               </a:rPr>
-              <a:t>Firestore</a:t>
-            </a:r>
-            <a:r>
-              <a:rPr lang="en-US" sz="1400" dirty="0">
+              <a:t>firestore</a:t>
+            </a:r>
+            <a:r>
+              <a:rPr lang="en-US" dirty="0">
                 <a:solidFill>
                   <a:schemeClr val="bg1"/>
                 </a:solidFill>
-                <a:latin typeface="Candara" panose="020E0502030303020204" pitchFamily="34" charset="0"/>
               </a:rPr>
-              <a:t>.</a:t>
-            </a:r>
-          </a:p>
-          <a:p>
-            <a:pPr algn="just"/>
-            <a:endParaRPr lang="en-US" sz="1400" dirty="0">
-              <a:solidFill>
-                <a:schemeClr val="bg1"/>
-              </a:solidFill>
-              <a:latin typeface="Candara" panose="020E0502030303020204" pitchFamily="34" charset="0"/>
-            </a:endParaRPr>
-          </a:p>
-          <a:p>
-            <a:pPr algn="just"/>
-            <a:r>
-              <a:rPr lang="en-US" sz="1400" dirty="0">
-                <a:solidFill>
-                  <a:schemeClr val="bg1"/>
-                </a:solidFill>
-                <a:latin typeface="Candara" panose="020E0502030303020204" pitchFamily="34" charset="0"/>
-              </a:rPr>
-              <a:t>Android application upload the image to Cloud Storage to trigger Cloud Function, then Pull the expected result from Cloud </a:t>
-            </a:r>
-            <a:r>
-              <a:rPr lang="en-US" sz="1400" dirty="0" err="1">
-                <a:solidFill>
-                  <a:schemeClr val="bg1"/>
-                </a:solidFill>
-                <a:latin typeface="Candara" panose="020E0502030303020204" pitchFamily="34" charset="0"/>
-              </a:rPr>
-              <a:t>Firestore</a:t>
-            </a:r>
-            <a:r>
-              <a:rPr lang="en-US" sz="1400" dirty="0">
-                <a:solidFill>
-                  <a:schemeClr val="bg1"/>
-                </a:solidFill>
-                <a:latin typeface="Candara" panose="020E0502030303020204" pitchFamily="34" charset="0"/>
-              </a:rPr>
-              <a:t>.</a:t>
-            </a:r>
-            <a:endParaRPr lang="id-ID" sz="1400" dirty="0">
-              <a:solidFill>
-                <a:schemeClr val="bg1"/>
-              </a:solidFill>
-              <a:latin typeface="Candara" panose="020E0502030303020204" pitchFamily="34" charset="0"/>
-            </a:endParaRPr>
+              <a:t> to save the result.</a:t>
+            </a:r>
           </a:p>
         </p:txBody>
       </p:sp>
     </p:spTree>
     <p:extLst>
       <p:ext uri="{BB962C8B-B14F-4D97-AF65-F5344CB8AC3E}">
-        <p14:creationId xmlns:p14="http://schemas.microsoft.com/office/powerpoint/2010/main" val="3881955609"/>
+        <p14:creationId xmlns:p14="http://schemas.microsoft.com/office/powerpoint/2010/main" val="4253544728"/>
       </p:ext>
     </p:extLst>
   </p:cSld>

--- a/laporan/Sign Language App Project Presentation.pptx
+++ b/laporan/Sign Language App Project Presentation.pptx
@@ -21544,63 +21544,6 @@
       </p:grpSpPr>
       <p:sp>
         <p:nvSpPr>
-          <p:cNvPr id="30" name="Rectangle 29">
-            <a:extLst>
-              <a:ext uri="{FF2B5EF4-FFF2-40B4-BE49-F238E27FC236}">
-                <a16:creationId xmlns:a16="http://schemas.microsoft.com/office/drawing/2014/main" id="{B3AA8824-BE92-4856-86D2-FAB3C18306B5}"/>
-              </a:ext>
-              <a:ext uri="{C183D7F6-B498-43B3-948B-1728B52AA6E4}">
-                <adec:decorative xmlns:adec="http://schemas.microsoft.com/office/drawing/2017/decorative" val="1"/>
-              </a:ext>
-            </a:extLst>
-          </p:cNvPr>
-          <p:cNvSpPr/>
-          <p:nvPr/>
-        </p:nvSpPr>
-        <p:spPr bwMode="ltGray">
-          <a:xfrm>
-            <a:off x="6894288" y="2378066"/>
-            <a:ext cx="5008820" cy="4382304"/>
-          </a:xfrm>
-          <a:prstGeom prst="rect">
-            <a:avLst/>
-          </a:prstGeom>
-          <a:solidFill>
-            <a:schemeClr val="tx1">
-              <a:alpha val="70000"/>
-            </a:schemeClr>
-          </a:solidFill>
-          <a:ln>
-            <a:noFill/>
-          </a:ln>
-        </p:spPr>
-        <p:style>
-          <a:lnRef idx="2">
-            <a:schemeClr val="accent1">
-              <a:shade val="50000"/>
-            </a:schemeClr>
-          </a:lnRef>
-          <a:fillRef idx="1">
-            <a:schemeClr val="accent1"/>
-          </a:fillRef>
-          <a:effectRef idx="0">
-            <a:schemeClr val="accent1"/>
-          </a:effectRef>
-          <a:fontRef idx="minor">
-            <a:schemeClr val="lt1"/>
-          </a:fontRef>
-        </p:style>
-        <p:txBody>
-          <a:bodyPr rtlCol="0" anchor="ctr"/>
-          <a:lstStyle/>
-          <a:p>
-            <a:pPr algn="ctr"/>
-            <a:endParaRPr lang="en-US" dirty="0"/>
-          </a:p>
-        </p:txBody>
-      </p:sp>
-      <p:sp>
-        <p:nvSpPr>
           <p:cNvPr id="31" name="Rectangle 30">
             <a:extLst>
               <a:ext uri="{FF2B5EF4-FFF2-40B4-BE49-F238E27FC236}">
@@ -21685,122 +21628,6 @@
           </a:p>
         </p:txBody>
       </p:sp>
-      <p:sp>
-        <p:nvSpPr>
-          <p:cNvPr id="4" name="Subtitle 3">
-            <a:extLst>
-              <a:ext uri="{FF2B5EF4-FFF2-40B4-BE49-F238E27FC236}">
-                <a16:creationId xmlns:a16="http://schemas.microsoft.com/office/drawing/2014/main" id="{37530160-A714-49C8-85A0-932553905B40}"/>
-              </a:ext>
-            </a:extLst>
-          </p:cNvPr>
-          <p:cNvSpPr>
-            <a:spLocks noGrp="1"/>
-          </p:cNvSpPr>
-          <p:nvPr>
-            <p:ph type="subTitle" idx="1"/>
-          </p:nvPr>
-        </p:nvSpPr>
-        <p:spPr/>
-        <p:txBody>
-          <a:bodyPr/>
-          <a:lstStyle/>
-          <a:p>
-            <a:r>
-              <a:rPr lang="en-US" noProof="1"/>
-              <a:t>Allan Mattsson</a:t>
-            </a:r>
-          </a:p>
-        </p:txBody>
-      </p:sp>
-      <p:sp>
-        <p:nvSpPr>
-          <p:cNvPr id="6" name="Text Placeholder 5">
-            <a:extLst>
-              <a:ext uri="{FF2B5EF4-FFF2-40B4-BE49-F238E27FC236}">
-                <a16:creationId xmlns:a16="http://schemas.microsoft.com/office/drawing/2014/main" id="{282CA365-4170-41B8-B4B3-7A2FA6DBD751}"/>
-              </a:ext>
-            </a:extLst>
-          </p:cNvPr>
-          <p:cNvSpPr>
-            <a:spLocks noGrp="1"/>
-          </p:cNvSpPr>
-          <p:nvPr>
-            <p:ph type="body" sz="quarter" idx="15"/>
-          </p:nvPr>
-        </p:nvSpPr>
-        <p:spPr/>
-        <p:txBody>
-          <a:bodyPr/>
-          <a:lstStyle/>
-          <a:p>
-            <a:r>
-              <a:rPr lang="en-US" dirty="0"/>
-              <a:t>+1 555-0100</a:t>
-            </a:r>
-          </a:p>
-        </p:txBody>
-      </p:sp>
-      <p:sp>
-        <p:nvSpPr>
-          <p:cNvPr id="7" name="Text Placeholder 6">
-            <a:extLst>
-              <a:ext uri="{FF2B5EF4-FFF2-40B4-BE49-F238E27FC236}">
-                <a16:creationId xmlns:a16="http://schemas.microsoft.com/office/drawing/2014/main" id="{75739431-ADAD-416E-818C-4B616D2870E5}"/>
-              </a:ext>
-            </a:extLst>
-          </p:cNvPr>
-          <p:cNvSpPr>
-            <a:spLocks noGrp="1"/>
-          </p:cNvSpPr>
-          <p:nvPr>
-            <p:ph type="body" sz="quarter" idx="16"/>
-          </p:nvPr>
-        </p:nvSpPr>
-        <p:spPr/>
-        <p:txBody>
-          <a:bodyPr/>
-          <a:lstStyle/>
-          <a:p>
-            <a:r>
-              <a:rPr lang="en-US"/>
-              <a:t>allan@contoso.com</a:t>
-            </a:r>
-          </a:p>
-          <a:p>
-            <a:endParaRPr lang="en-US" dirty="0"/>
-          </a:p>
-        </p:txBody>
-      </p:sp>
-      <p:sp>
-        <p:nvSpPr>
-          <p:cNvPr id="8" name="Text Placeholder 7">
-            <a:extLst>
-              <a:ext uri="{FF2B5EF4-FFF2-40B4-BE49-F238E27FC236}">
-                <a16:creationId xmlns:a16="http://schemas.microsoft.com/office/drawing/2014/main" id="{2258B848-99A6-4681-9D22-50069C0BDE97}"/>
-              </a:ext>
-            </a:extLst>
-          </p:cNvPr>
-          <p:cNvSpPr>
-            <a:spLocks noGrp="1"/>
-          </p:cNvSpPr>
-          <p:nvPr>
-            <p:ph type="body" sz="quarter" idx="17"/>
-          </p:nvPr>
-        </p:nvSpPr>
-        <p:spPr/>
-        <p:txBody>
-          <a:bodyPr/>
-          <a:lstStyle/>
-          <a:p>
-            <a:r>
-              <a:rPr lang="en-US"/>
-              <a:t>www.contoso.com</a:t>
-            </a:r>
-            <a:endParaRPr lang="en-US" dirty="0"/>
-          </a:p>
-        </p:txBody>
-      </p:sp>
       <p:cxnSp>
         <p:nvCxnSpPr>
           <p:cNvPr id="20" name="Straight Connector 19">
@@ -21993,12 +21820,70 @@
           </a:fontRef>
         </p:style>
       </p:cxnSp>
+      <p:sp>
+        <p:nvSpPr>
+          <p:cNvPr id="25" name="Rectangle 24">
+            <a:extLst>
+              <a:ext uri="{FF2B5EF4-FFF2-40B4-BE49-F238E27FC236}">
+                <a16:creationId xmlns:a16="http://schemas.microsoft.com/office/drawing/2014/main" id="{CC59BE91-F789-4451-A575-6ED49552739E}"/>
+              </a:ext>
+            </a:extLst>
+          </p:cNvPr>
+          <p:cNvSpPr/>
+          <p:nvPr/>
+        </p:nvSpPr>
+        <p:spPr>
+          <a:xfrm>
+            <a:off x="10203645" y="559295"/>
+            <a:ext cx="1484852" cy="600750"/>
+          </a:xfrm>
+          <a:prstGeom prst="rect">
+            <a:avLst/>
+          </a:prstGeom>
+          <a:solidFill>
+            <a:schemeClr val="tx1"/>
+          </a:solidFill>
+          <a:ln w="3175">
+            <a:noFill/>
+          </a:ln>
+          <a:effectLst/>
+        </p:spPr>
+        <p:style>
+          <a:lnRef idx="2">
+            <a:schemeClr val="accent1">
+              <a:shade val="50000"/>
+            </a:schemeClr>
+          </a:lnRef>
+          <a:fillRef idx="1">
+            <a:schemeClr val="accent1"/>
+          </a:fillRef>
+          <a:effectRef idx="0">
+            <a:schemeClr val="accent1"/>
+          </a:effectRef>
+          <a:fontRef idx="minor">
+            <a:schemeClr val="lt1"/>
+          </a:fontRef>
+        </p:style>
+        <p:txBody>
+          <a:bodyPr rot="0" spcFirstLastPara="0" vertOverflow="overflow" horzOverflow="overflow" vert="horz" wrap="square" lIns="91440" tIns="45720" rIns="91440" bIns="45720" numCol="1" spcCol="0" rtlCol="0" fromWordArt="0" anchor="ctr" anchorCtr="0" forceAA="0" compatLnSpc="1">
+            <a:prstTxWarp prst="textNoShape">
+              <a:avLst/>
+            </a:prstTxWarp>
+            <a:noAutofit/>
+          </a:bodyPr>
+          <a:lstStyle/>
+          <a:p>
+            <a:pPr algn="ctr"/>
+            <a:endParaRPr lang="id-ID"/>
+          </a:p>
+        </p:txBody>
+      </p:sp>
       <p:pic>
         <p:nvPicPr>
-          <p:cNvPr id="12" name="Graphic 11" descr="User" title="Icon - Presenter Name">
-            <a:extLst>
-              <a:ext uri="{FF2B5EF4-FFF2-40B4-BE49-F238E27FC236}">
-                <a16:creationId xmlns:a16="http://schemas.microsoft.com/office/drawing/2014/main" id="{3FD34FCD-807B-4BBC-8AFE-2162CCE29BE9}"/>
+          <p:cNvPr id="24" name="Picture 23">
+            <a:extLst>
+              <a:ext uri="{FF2B5EF4-FFF2-40B4-BE49-F238E27FC236}">
+                <a16:creationId xmlns:a16="http://schemas.microsoft.com/office/drawing/2014/main" id="{8087BD55-571D-4CCC-9854-07A9A82400D3}"/>
               </a:ext>
             </a:extLst>
           </p:cNvPr>
@@ -22008,141 +21893,15 @@
           <p:nvPr/>
         </p:nvPicPr>
         <p:blipFill>
-          <a:blip r:embed="rId5" cstate="screen">
-            <a:extLst>
-              <a:ext uri="{28A0092B-C50C-407E-A947-70E740481C1C}">
-                <a14:useLocalDpi xmlns:a14="http://schemas.microsoft.com/office/drawing/2010/main"/>
-              </a:ext>
-              <a:ext uri="{96DAC541-7B7A-43D3-8B79-37D633B846F1}">
-                <asvg:svgBlip xmlns:asvg="http://schemas.microsoft.com/office/drawing/2016/SVG/main" r:embed="rId6"/>
-              </a:ext>
-            </a:extLst>
-          </a:blip>
+          <a:blip r:embed="rId5"/>
           <a:stretch>
             <a:fillRect/>
           </a:stretch>
         </p:blipFill>
-        <p:spPr bwMode="black">
-          <a:xfrm>
-            <a:off x="11400284" y="5059754"/>
-            <a:ext cx="218900" cy="218900"/>
-          </a:xfrm>
-          <a:prstGeom prst="rect">
-            <a:avLst/>
-          </a:prstGeom>
-        </p:spPr>
-      </p:pic>
-      <p:pic>
-        <p:nvPicPr>
-          <p:cNvPr id="14" name="Graphic 13" descr="Smart Phone" title="Icon - Presenter Phone Number">
-            <a:extLst>
-              <a:ext uri="{FF2B5EF4-FFF2-40B4-BE49-F238E27FC236}">
-                <a16:creationId xmlns:a16="http://schemas.microsoft.com/office/drawing/2014/main" id="{E51263B5-564A-401A-810D-0896F97EF0CB}"/>
-              </a:ext>
-            </a:extLst>
-          </p:cNvPr>
-          <p:cNvPicPr>
-            <a:picLocks noChangeAspect="1"/>
-          </p:cNvPicPr>
-          <p:nvPr/>
-        </p:nvPicPr>
-        <p:blipFill>
-          <a:blip r:embed="rId7" cstate="screen">
-            <a:extLst>
-              <a:ext uri="{28A0092B-C50C-407E-A947-70E740481C1C}">
-                <a14:useLocalDpi xmlns:a14="http://schemas.microsoft.com/office/drawing/2010/main"/>
-              </a:ext>
-              <a:ext uri="{96DAC541-7B7A-43D3-8B79-37D633B846F1}">
-                <asvg:svgBlip xmlns:asvg="http://schemas.microsoft.com/office/drawing/2016/SVG/main" r:embed="rId8"/>
-              </a:ext>
-            </a:extLst>
-          </a:blip>
-          <a:stretch>
-            <a:fillRect/>
-          </a:stretch>
-        </p:blipFill>
-        <p:spPr bwMode="black">
-          <a:xfrm>
-            <a:off x="11400284" y="5468514"/>
-            <a:ext cx="218900" cy="218900"/>
-          </a:xfrm>
-          <a:prstGeom prst="rect">
-            <a:avLst/>
-          </a:prstGeom>
-        </p:spPr>
-      </p:pic>
-      <p:pic>
-        <p:nvPicPr>
-          <p:cNvPr id="13" name="Graphic 12" descr="Envelope" title="Icon Presenter Email">
-            <a:extLst>
-              <a:ext uri="{FF2B5EF4-FFF2-40B4-BE49-F238E27FC236}">
-                <a16:creationId xmlns:a16="http://schemas.microsoft.com/office/drawing/2014/main" id="{A24A1417-AE3F-44AE-98EB-3E6ADA1E2017}"/>
-              </a:ext>
-            </a:extLst>
-          </p:cNvPr>
-          <p:cNvPicPr>
-            <a:picLocks noChangeAspect="1"/>
-          </p:cNvPicPr>
-          <p:nvPr/>
-        </p:nvPicPr>
-        <p:blipFill>
-          <a:blip r:embed="rId9" cstate="screen">
-            <a:extLst>
-              <a:ext uri="{28A0092B-C50C-407E-A947-70E740481C1C}">
-                <a14:useLocalDpi xmlns:a14="http://schemas.microsoft.com/office/drawing/2010/main"/>
-              </a:ext>
-              <a:ext uri="{96DAC541-7B7A-43D3-8B79-37D633B846F1}">
-                <asvg:svgBlip xmlns:asvg="http://schemas.microsoft.com/office/drawing/2016/SVG/main" r:embed="rId10"/>
-              </a:ext>
-            </a:extLst>
-          </a:blip>
-          <a:stretch>
-            <a:fillRect/>
-          </a:stretch>
-        </p:blipFill>
-        <p:spPr bwMode="black">
-          <a:xfrm>
-            <a:off x="11400284" y="5836232"/>
-            <a:ext cx="218900" cy="218900"/>
-          </a:xfrm>
-          <a:prstGeom prst="rect">
-            <a:avLst/>
-          </a:prstGeom>
-        </p:spPr>
-      </p:pic>
-      <p:pic>
-        <p:nvPicPr>
-          <p:cNvPr id="15" name="Graphic 14" descr="Link">
-            <a:extLst>
-              <a:ext uri="{FF2B5EF4-FFF2-40B4-BE49-F238E27FC236}">
-                <a16:creationId xmlns:a16="http://schemas.microsoft.com/office/drawing/2014/main" id="{0161B5EF-405A-4DEA-8E00-0A6A7B71F7BA}"/>
-              </a:ext>
-            </a:extLst>
-          </p:cNvPr>
-          <p:cNvPicPr>
-            <a:picLocks noChangeAspect="1"/>
-          </p:cNvPicPr>
-          <p:nvPr/>
-        </p:nvPicPr>
-        <p:blipFill>
-          <a:blip r:embed="rId11" cstate="screen">
-            <a:extLst>
-              <a:ext uri="{28A0092B-C50C-407E-A947-70E740481C1C}">
-                <a14:useLocalDpi xmlns:a14="http://schemas.microsoft.com/office/drawing/2010/main"/>
-              </a:ext>
-              <a:ext uri="{96DAC541-7B7A-43D3-8B79-37D633B846F1}">
-                <asvg:svgBlip xmlns:asvg="http://schemas.microsoft.com/office/drawing/2016/SVG/main" r:embed="rId12"/>
-              </a:ext>
-            </a:extLst>
-          </a:blip>
-          <a:stretch>
-            <a:fillRect/>
-          </a:stretch>
-        </p:blipFill>
-        <p:spPr bwMode="black">
-          <a:xfrm>
-            <a:off x="11383425" y="6203950"/>
-            <a:ext cx="244786" cy="244786"/>
+        <p:spPr>
+          <a:xfrm>
+            <a:off x="9376364" y="335254"/>
+            <a:ext cx="2395528" cy="561280"/>
           </a:xfrm>
           <a:prstGeom prst="rect">
             <a:avLst/>

--- a/laporan/Sign Language App Project Presentation.pptx
+++ b/laporan/Sign Language App Project Presentation.pptx
@@ -5,10 +5,10 @@
     <p:sldMasterId id="2147483648" r:id="rId1"/>
   </p:sldMasterIdLst>
   <p:notesMasterIdLst>
-    <p:notesMasterId r:id="rId14"/>
+    <p:notesMasterId r:id="rId19"/>
   </p:notesMasterIdLst>
   <p:handoutMasterIdLst>
-    <p:handoutMasterId r:id="rId15"/>
+    <p:handoutMasterId r:id="rId20"/>
   </p:handoutMasterIdLst>
   <p:sldIdLst>
     <p:sldId id="286" r:id="rId2"/>
@@ -22,7 +22,12 @@
     <p:sldId id="298" r:id="rId10"/>
     <p:sldId id="295" r:id="rId11"/>
     <p:sldId id="297" r:id="rId12"/>
-    <p:sldId id="280" r:id="rId13"/>
+    <p:sldId id="306" r:id="rId13"/>
+    <p:sldId id="300" r:id="rId14"/>
+    <p:sldId id="304" r:id="rId15"/>
+    <p:sldId id="301" r:id="rId16"/>
+    <p:sldId id="302" r:id="rId17"/>
+    <p:sldId id="280" r:id="rId18"/>
   </p:sldIdLst>
   <p:sldSz cx="12192000" cy="6858000"/>
   <p:notesSz cx="6858000" cy="9144000"/>
@@ -232,7 +237,7 @@
           <a:p>
             <a:fld id="{EF1077DB-935E-4A0A-947A-D283B9F9F452}" type="datetimeFigureOut">
               <a:rPr lang="en-US" smtClean="0"/>
-              <a:t>6/3/2021</a:t>
+              <a:t>6/5/2021</a:t>
             </a:fld>
             <a:endParaRPr lang="en-US"/>
           </a:p>
@@ -409,7 +414,7 @@
           <a:p>
             <a:fld id="{19EDBDA2-4480-4D82-8886-1B64A7ECBBAC}" type="datetimeFigureOut">
               <a:rPr lang="en-US" noProof="0" smtClean="0"/>
-              <a:t>6/3/2021</a:t>
+              <a:t>6/5/2021</a:t>
             </a:fld>
             <a:endParaRPr lang="en-US" noProof="0" dirty="0"/>
           </a:p>
@@ -993,7 +998,7 @@
           <a:p>
             <a:fld id="{EFDDBACE-0F8F-43FD-98F0-DEE13552DADA}" type="slidenum">
               <a:rPr lang="en-US" smtClean="0"/>
-              <a:t>12</a:t>
+              <a:t>17</a:t>
             </a:fld>
             <a:endParaRPr lang="en-US"/>
           </a:p>
@@ -20768,8 +20773,8 @@
         </p:blipFill>
         <p:spPr>
           <a:xfrm>
-            <a:off x="3752763" y="281782"/>
-            <a:ext cx="2471332" cy="579041"/>
+            <a:off x="3916290" y="432774"/>
+            <a:ext cx="2332467" cy="546504"/>
           </a:xfrm>
           <a:prstGeom prst="rect">
             <a:avLst/>
@@ -20854,7 +20859,7 @@
         </p:nvSpPr>
         <p:spPr>
           <a:xfrm>
-            <a:off x="10561739" y="167780"/>
+            <a:off x="10591427" y="194575"/>
             <a:ext cx="1484852" cy="600750"/>
           </a:xfrm>
           <a:prstGeom prst="rect">
@@ -20920,7 +20925,7 @@
         </p:blipFill>
         <p:spPr>
           <a:xfrm>
-            <a:off x="10408461" y="104175"/>
+            <a:off x="10408461" y="299562"/>
             <a:ext cx="1667818" cy="390775"/>
           </a:xfrm>
           <a:prstGeom prst="rect">
@@ -21266,7 +21271,7 @@
         </p:blipFill>
         <p:spPr>
           <a:xfrm>
-            <a:off x="10408461" y="104175"/>
+            <a:off x="10378773" y="272767"/>
             <a:ext cx="1667818" cy="390775"/>
           </a:xfrm>
           <a:prstGeom prst="rect">
@@ -21526,6 +21531,8521 @@
 </file>
 
 <file path=ppt/slides/slide12.xml><?xml version="1.0" encoding="utf-8"?>
+<p:sld xmlns:a="http://schemas.openxmlformats.org/drawingml/2006/main" xmlns:r="http://schemas.openxmlformats.org/officeDocument/2006/relationships" xmlns:p="http://schemas.openxmlformats.org/presentationml/2006/main">
+  <p:cSld>
+    <p:spTree>
+      <p:nvGrpSpPr>
+        <p:cNvPr id="1" name=""/>
+        <p:cNvGrpSpPr/>
+        <p:nvPr/>
+      </p:nvGrpSpPr>
+      <p:grpSpPr>
+        <a:xfrm>
+          <a:off x="0" y="0"/>
+          <a:ext cx="0" cy="0"/>
+          <a:chOff x="0" y="0"/>
+          <a:chExt cx="0" cy="0"/>
+        </a:xfrm>
+      </p:grpSpPr>
+      <p:sp>
+        <p:nvSpPr>
+          <p:cNvPr id="2" name="Slide Number Placeholder 1">
+            <a:extLst>
+              <a:ext uri="{FF2B5EF4-FFF2-40B4-BE49-F238E27FC236}">
+                <a16:creationId xmlns:a16="http://schemas.microsoft.com/office/drawing/2014/main" id="{9FDE2C01-6D44-4AE9-ACE9-9A5A5C75930F}"/>
+              </a:ext>
+            </a:extLst>
+          </p:cNvPr>
+          <p:cNvSpPr>
+            <a:spLocks noGrp="1"/>
+          </p:cNvSpPr>
+          <p:nvPr>
+            <p:ph type="sldNum" sz="quarter" idx="11"/>
+          </p:nvPr>
+        </p:nvSpPr>
+        <p:spPr/>
+        <p:txBody>
+          <a:bodyPr/>
+          <a:lstStyle/>
+          <a:p>
+            <a:pPr marL="0" marR="0" lvl="0" indent="0" algn="r" defTabSz="914400" rtl="0" eaLnBrk="1" fontAlgn="auto" latinLnBrk="0" hangingPunct="1">
+              <a:lnSpc>
+                <a:spcPct val="100000"/>
+              </a:lnSpc>
+              <a:spcBef>
+                <a:spcPts val="0"/>
+              </a:spcBef>
+              <a:spcAft>
+                <a:spcPts val="0"/>
+              </a:spcAft>
+              <a:buClrTx/>
+              <a:buSzTx/>
+              <a:buFontTx/>
+              <a:buNone/>
+              <a:tabLst/>
+              <a:defRPr/>
+            </a:pPr>
+            <a:r>
+              <a:rPr kumimoji="0" lang="en-US" sz="900" b="0" i="0" u="none" strike="noStrike" kern="1200" cap="none" spc="0" normalizeH="0" baseline="0" noProof="0">
+                <a:ln>
+                  <a:noFill/>
+                </a:ln>
+                <a:solidFill>
+                  <a:prstClr val="white"/>
+                </a:solidFill>
+                <a:effectLst/>
+                <a:uLnTx/>
+                <a:uFillTx/>
+                <a:latin typeface="Corbel" panose="020B0503020204020204"/>
+                <a:ea typeface="+mn-ea"/>
+                <a:cs typeface="+mn-cs"/>
+              </a:rPr>
+              <a:t>page </a:t>
+            </a:r>
+            <a:fld id="{19B51A1E-902D-48AF-9020-955120F399B6}" type="slidenum">
+              <a:rPr kumimoji="0" lang="en-US" sz="900" b="1" i="1" u="none" strike="noStrike" kern="1200" cap="none" spc="0" normalizeH="0" baseline="0" noProof="0" smtClean="0">
+                <a:ln>
+                  <a:noFill/>
+                </a:ln>
+                <a:solidFill>
+                  <a:prstClr val="white"/>
+                </a:solidFill>
+                <a:effectLst/>
+                <a:uLnTx/>
+                <a:uFillTx/>
+                <a:latin typeface="Corbel" panose="020B0503020204020204"/>
+                <a:ea typeface="+mn-ea"/>
+                <a:cs typeface="+mn-cs"/>
+              </a:rPr>
+              <a:pPr marL="0" marR="0" lvl="0" indent="0" algn="r" defTabSz="914400" rtl="0" eaLnBrk="1" fontAlgn="auto" latinLnBrk="0" hangingPunct="1">
+                <a:lnSpc>
+                  <a:spcPct val="100000"/>
+                </a:lnSpc>
+                <a:spcBef>
+                  <a:spcPts val="0"/>
+                </a:spcBef>
+                <a:spcAft>
+                  <a:spcPts val="0"/>
+                </a:spcAft>
+                <a:buClrTx/>
+                <a:buSzTx/>
+                <a:buFontTx/>
+                <a:buNone/>
+                <a:tabLst/>
+                <a:defRPr/>
+              </a:pPr>
+              <a:t>12</a:t>
+            </a:fld>
+            <a:endParaRPr kumimoji="0" lang="en-US" sz="900" b="1" i="1" u="none" strike="noStrike" kern="1200" cap="none" spc="0" normalizeH="0" baseline="0" noProof="0" dirty="0">
+              <a:ln>
+                <a:noFill/>
+              </a:ln>
+              <a:solidFill>
+                <a:prstClr val="white"/>
+              </a:solidFill>
+              <a:effectLst/>
+              <a:uLnTx/>
+              <a:uFillTx/>
+              <a:latin typeface="Corbel" panose="020B0503020204020204"/>
+              <a:ea typeface="+mn-ea"/>
+              <a:cs typeface="+mn-cs"/>
+            </a:endParaRPr>
+          </a:p>
+        </p:txBody>
+      </p:sp>
+      <p:sp>
+        <p:nvSpPr>
+          <p:cNvPr id="6" name="Title 2">
+            <a:extLst>
+              <a:ext uri="{FF2B5EF4-FFF2-40B4-BE49-F238E27FC236}">
+                <a16:creationId xmlns:a16="http://schemas.microsoft.com/office/drawing/2014/main" id="{3872BC28-BE9C-4C1A-BCA2-C257AD583FF6}"/>
+              </a:ext>
+            </a:extLst>
+          </p:cNvPr>
+          <p:cNvSpPr txBox="1">
+            <a:spLocks/>
+          </p:cNvSpPr>
+          <p:nvPr/>
+        </p:nvSpPr>
+        <p:spPr>
+          <a:xfrm>
+            <a:off x="4012842" y="207283"/>
+            <a:ext cx="4166316" cy="578114"/>
+          </a:xfrm>
+          <a:prstGeom prst="rect">
+            <a:avLst/>
+          </a:prstGeom>
+        </p:spPr>
+        <p:txBody>
+          <a:bodyPr vert="horz" lIns="0" tIns="0" rIns="0" bIns="0" rtlCol="0" anchor="ctr">
+            <a:noAutofit/>
+          </a:bodyPr>
+          <a:lstStyle>
+            <a:lvl1pPr algn="r" defTabSz="914400" rtl="0" eaLnBrk="1" latinLnBrk="0" hangingPunct="1">
+              <a:lnSpc>
+                <a:spcPct val="90000"/>
+              </a:lnSpc>
+              <a:spcBef>
+                <a:spcPct val="0"/>
+              </a:spcBef>
+              <a:buNone/>
+              <a:defRPr lang="en-ZA" sz="3500" b="1" kern="1200" cap="all" spc="-150" baseline="0" dirty="0">
+                <a:solidFill>
+                  <a:schemeClr val="bg1"/>
+                </a:solidFill>
+                <a:latin typeface="+mj-lt"/>
+                <a:ea typeface="+mj-ea"/>
+                <a:cs typeface="+mj-cs"/>
+              </a:defRPr>
+            </a:lvl1pPr>
+          </a:lstStyle>
+          <a:p>
+            <a:pPr marL="0" marR="0" lvl="0" indent="0" algn="ctr" defTabSz="914400" rtl="0" eaLnBrk="1" fontAlgn="auto" latinLnBrk="0" hangingPunct="1">
+              <a:lnSpc>
+                <a:spcPct val="90000"/>
+              </a:lnSpc>
+              <a:spcBef>
+                <a:spcPct val="0"/>
+              </a:spcBef>
+              <a:spcAft>
+                <a:spcPts val="0"/>
+              </a:spcAft>
+              <a:buClrTx/>
+              <a:buSzTx/>
+              <a:buFontTx/>
+              <a:buNone/>
+              <a:tabLst/>
+              <a:defRPr/>
+            </a:pPr>
+            <a:r>
+              <a:rPr kumimoji="0" lang="en-US" sz="3600" b="1" i="0" u="none" strike="noStrike" kern="1200" cap="all" spc="-150" normalizeH="0" baseline="0" noProof="0" dirty="0">
+                <a:ln>
+                  <a:noFill/>
+                </a:ln>
+                <a:solidFill>
+                  <a:sysClr val="window" lastClr="FFFFFF"/>
+                </a:solidFill>
+                <a:effectLst/>
+                <a:uLnTx/>
+                <a:uFillTx/>
+                <a:latin typeface="Corbel" panose="020B0503020204020204"/>
+                <a:ea typeface="+mj-ea"/>
+                <a:cs typeface="+mj-cs"/>
+              </a:rPr>
+              <a:t>DOCUMENTATION</a:t>
+            </a:r>
+          </a:p>
+        </p:txBody>
+      </p:sp>
+      <p:sp>
+        <p:nvSpPr>
+          <p:cNvPr id="8" name="Rectangle 7">
+            <a:extLst>
+              <a:ext uri="{FF2B5EF4-FFF2-40B4-BE49-F238E27FC236}">
+                <a16:creationId xmlns:a16="http://schemas.microsoft.com/office/drawing/2014/main" id="{9AE57B54-DA9D-49A7-868D-6C7D71F5E5A8}"/>
+              </a:ext>
+            </a:extLst>
+          </p:cNvPr>
+          <p:cNvSpPr/>
+          <p:nvPr/>
+        </p:nvSpPr>
+        <p:spPr>
+          <a:xfrm>
+            <a:off x="10486239" y="167780"/>
+            <a:ext cx="1560352" cy="763398"/>
+          </a:xfrm>
+          <a:prstGeom prst="rect">
+            <a:avLst/>
+          </a:prstGeom>
+          <a:solidFill>
+            <a:schemeClr val="tx1"/>
+          </a:solidFill>
+          <a:ln w="3175">
+            <a:noFill/>
+          </a:ln>
+          <a:effectLst/>
+        </p:spPr>
+        <p:style>
+          <a:lnRef idx="2">
+            <a:schemeClr val="accent1">
+              <a:shade val="50000"/>
+            </a:schemeClr>
+          </a:lnRef>
+          <a:fillRef idx="1">
+            <a:schemeClr val="accent1"/>
+          </a:fillRef>
+          <a:effectRef idx="0">
+            <a:schemeClr val="accent1"/>
+          </a:effectRef>
+          <a:fontRef idx="minor">
+            <a:schemeClr val="lt1"/>
+          </a:fontRef>
+        </p:style>
+        <p:txBody>
+          <a:bodyPr rot="0" spcFirstLastPara="0" vertOverflow="overflow" horzOverflow="overflow" vert="horz" wrap="square" lIns="91440" tIns="45720" rIns="91440" bIns="45720" numCol="1" spcCol="0" rtlCol="0" fromWordArt="0" anchor="ctr" anchorCtr="0" forceAA="0" compatLnSpc="1">
+            <a:prstTxWarp prst="textNoShape">
+              <a:avLst/>
+            </a:prstTxWarp>
+            <a:noAutofit/>
+          </a:bodyPr>
+          <a:lstStyle/>
+          <a:p>
+            <a:pPr marL="0" marR="0" lvl="0" indent="0" algn="ctr" defTabSz="914400" rtl="0" eaLnBrk="1" fontAlgn="auto" latinLnBrk="0" hangingPunct="1">
+              <a:lnSpc>
+                <a:spcPct val="100000"/>
+              </a:lnSpc>
+              <a:spcBef>
+                <a:spcPts val="0"/>
+              </a:spcBef>
+              <a:spcAft>
+                <a:spcPts val="0"/>
+              </a:spcAft>
+              <a:buClrTx/>
+              <a:buSzTx/>
+              <a:buFontTx/>
+              <a:buNone/>
+              <a:tabLst/>
+              <a:defRPr/>
+            </a:pPr>
+            <a:endParaRPr kumimoji="0" lang="id-ID" sz="1800" b="0" i="0" u="none" strike="noStrike" kern="1200" cap="none" spc="0" normalizeH="0" baseline="0" noProof="0">
+              <a:ln>
+                <a:noFill/>
+              </a:ln>
+              <a:solidFill>
+                <a:prstClr val="white"/>
+              </a:solidFill>
+              <a:effectLst/>
+              <a:uLnTx/>
+              <a:uFillTx/>
+              <a:latin typeface="Corbel" panose="020B0503020204020204"/>
+              <a:ea typeface="+mn-ea"/>
+              <a:cs typeface="+mn-cs"/>
+            </a:endParaRPr>
+          </a:p>
+        </p:txBody>
+      </p:sp>
+      <p:pic>
+        <p:nvPicPr>
+          <p:cNvPr id="7" name="Picture 6">
+            <a:extLst>
+              <a:ext uri="{FF2B5EF4-FFF2-40B4-BE49-F238E27FC236}">
+                <a16:creationId xmlns:a16="http://schemas.microsoft.com/office/drawing/2014/main" id="{1A8307FD-81F0-4F8E-ABFC-D268BA1D1197}"/>
+              </a:ext>
+            </a:extLst>
+          </p:cNvPr>
+          <p:cNvPicPr>
+            <a:picLocks noChangeAspect="1"/>
+          </p:cNvPicPr>
+          <p:nvPr/>
+        </p:nvPicPr>
+        <p:blipFill>
+          <a:blip r:embed="rId2"/>
+          <a:stretch>
+            <a:fillRect/>
+          </a:stretch>
+        </p:blipFill>
+        <p:spPr>
+          <a:xfrm>
+            <a:off x="10408461" y="104175"/>
+            <a:ext cx="1667818" cy="390775"/>
+          </a:xfrm>
+          <a:prstGeom prst="rect">
+            <a:avLst/>
+          </a:prstGeom>
+        </p:spPr>
+      </p:pic>
+      <p:pic>
+        <p:nvPicPr>
+          <p:cNvPr id="1026" name="Picture 2" descr="Android free icon">
+            <a:extLst>
+              <a:ext uri="{FF2B5EF4-FFF2-40B4-BE49-F238E27FC236}">
+                <a16:creationId xmlns:a16="http://schemas.microsoft.com/office/drawing/2014/main" id="{63BAC636-252F-42FE-8133-67AF4C79F3CB}"/>
+              </a:ext>
+            </a:extLst>
+          </p:cNvPr>
+          <p:cNvPicPr>
+            <a:picLocks noChangeAspect="1" noChangeArrowheads="1"/>
+          </p:cNvPicPr>
+          <p:nvPr/>
+        </p:nvPicPr>
+        <p:blipFill>
+          <a:blip r:embed="rId3">
+            <a:extLst>
+              <a:ext uri="{28A0092B-C50C-407E-A947-70E740481C1C}">
+                <a14:useLocalDpi xmlns:a14="http://schemas.microsoft.com/office/drawing/2010/main" val="0"/>
+              </a:ext>
+            </a:extLst>
+          </a:blip>
+          <a:srcRect/>
+          <a:stretch>
+            <a:fillRect/>
+          </a:stretch>
+        </p:blipFill>
+        <p:spPr bwMode="auto">
+          <a:xfrm>
+            <a:off x="5159406" y="994783"/>
+            <a:ext cx="1873188" cy="1873188"/>
+          </a:xfrm>
+          <a:prstGeom prst="rect">
+            <a:avLst/>
+          </a:prstGeom>
+          <a:noFill/>
+          <a:extLst>
+            <a:ext uri="{909E8E84-426E-40DD-AFC4-6F175D3DCCD1}">
+              <a14:hiddenFill xmlns:a14="http://schemas.microsoft.com/office/drawing/2010/main">
+                <a:solidFill>
+                  <a:srgbClr val="FFFFFF"/>
+                </a:solidFill>
+              </a14:hiddenFill>
+            </a:ext>
+          </a:extLst>
+        </p:spPr>
+      </p:pic>
+      <p:pic>
+        <p:nvPicPr>
+          <p:cNvPr id="1028" name="Picture 4" descr="Computer free icon">
+            <a:extLst>
+              <a:ext uri="{FF2B5EF4-FFF2-40B4-BE49-F238E27FC236}">
+                <a16:creationId xmlns:a16="http://schemas.microsoft.com/office/drawing/2014/main" id="{B4BBECC4-6715-456B-A077-81D2DC80DF9F}"/>
+              </a:ext>
+            </a:extLst>
+          </p:cNvPr>
+          <p:cNvPicPr>
+            <a:picLocks noChangeAspect="1" noChangeArrowheads="1"/>
+          </p:cNvPicPr>
+          <p:nvPr/>
+        </p:nvPicPr>
+        <p:blipFill>
+          <a:blip r:embed="rId4">
+            <a:lum bright="70000" contrast="-70000"/>
+            <a:extLst>
+              <a:ext uri="{28A0092B-C50C-407E-A947-70E740481C1C}">
+                <a14:useLocalDpi xmlns:a14="http://schemas.microsoft.com/office/drawing/2010/main" val="0"/>
+              </a:ext>
+            </a:extLst>
+          </a:blip>
+          <a:srcRect/>
+          <a:stretch>
+            <a:fillRect/>
+          </a:stretch>
+        </p:blipFill>
+        <p:spPr bwMode="auto">
+          <a:xfrm>
+            <a:off x="9647358" y="994782"/>
+            <a:ext cx="1873189" cy="1873189"/>
+          </a:xfrm>
+          <a:prstGeom prst="rect">
+            <a:avLst/>
+          </a:prstGeom>
+          <a:noFill/>
+          <a:extLst>
+            <a:ext uri="{909E8E84-426E-40DD-AFC4-6F175D3DCCD1}">
+              <a14:hiddenFill xmlns:a14="http://schemas.microsoft.com/office/drawing/2010/main">
+                <a:solidFill>
+                  <a:srgbClr val="FFFFFF"/>
+                </a:solidFill>
+              </a14:hiddenFill>
+            </a:ext>
+          </a:extLst>
+        </p:spPr>
+      </p:pic>
+      <p:pic>
+        <p:nvPicPr>
+          <p:cNvPr id="1030" name="Picture 6" descr="Machine learning free icon">
+            <a:extLst>
+              <a:ext uri="{FF2B5EF4-FFF2-40B4-BE49-F238E27FC236}">
+                <a16:creationId xmlns:a16="http://schemas.microsoft.com/office/drawing/2014/main" id="{BFDE6813-0A79-4E5D-9AE9-28776B35A9C4}"/>
+              </a:ext>
+            </a:extLst>
+          </p:cNvPr>
+          <p:cNvPicPr>
+            <a:picLocks noChangeAspect="1" noChangeArrowheads="1"/>
+          </p:cNvPicPr>
+          <p:nvPr/>
+        </p:nvPicPr>
+        <p:blipFill>
+          <a:blip r:embed="rId5">
+            <a:lum bright="70000" contrast="-70000"/>
+            <a:extLst>
+              <a:ext uri="{28A0092B-C50C-407E-A947-70E740481C1C}">
+                <a14:useLocalDpi xmlns:a14="http://schemas.microsoft.com/office/drawing/2010/main" val="0"/>
+              </a:ext>
+            </a:extLst>
+          </a:blip>
+          <a:srcRect/>
+          <a:stretch>
+            <a:fillRect/>
+          </a:stretch>
+        </p:blipFill>
+        <p:spPr bwMode="auto">
+          <a:xfrm>
+            <a:off x="603254" y="994782"/>
+            <a:ext cx="1941388" cy="1941388"/>
+          </a:xfrm>
+          <a:prstGeom prst="rect">
+            <a:avLst/>
+          </a:prstGeom>
+          <a:noFill/>
+          <a:extLst>
+            <a:ext uri="{909E8E84-426E-40DD-AFC4-6F175D3DCCD1}">
+              <a14:hiddenFill xmlns:a14="http://schemas.microsoft.com/office/drawing/2010/main">
+                <a:solidFill>
+                  <a:srgbClr val="FFFFFF"/>
+                </a:solidFill>
+              </a14:hiddenFill>
+            </a:ext>
+          </a:extLst>
+        </p:spPr>
+      </p:pic>
+      <p:sp>
+        <p:nvSpPr>
+          <p:cNvPr id="3" name="TextBox 2">
+            <a:extLst>
+              <a:ext uri="{FF2B5EF4-FFF2-40B4-BE49-F238E27FC236}">
+                <a16:creationId xmlns:a16="http://schemas.microsoft.com/office/drawing/2014/main" id="{B4ACAE21-7578-4424-9BFC-F5A795222D8B}"/>
+              </a:ext>
+            </a:extLst>
+          </p:cNvPr>
+          <p:cNvSpPr txBox="1"/>
+          <p:nvPr/>
+        </p:nvSpPr>
+        <p:spPr>
+          <a:xfrm>
+            <a:off x="8497960" y="2931575"/>
+            <a:ext cx="3279762" cy="3016210"/>
+          </a:xfrm>
+          <a:prstGeom prst="rect">
+            <a:avLst/>
+          </a:prstGeom>
+          <a:noFill/>
+        </p:spPr>
+        <p:txBody>
+          <a:bodyPr wrap="square" lIns="0" tIns="0" rIns="0" bIns="0" rtlCol="0">
+            <a:spAutoFit/>
+          </a:bodyPr>
+          <a:lstStyle/>
+          <a:p>
+            <a:pPr marL="0" marR="0" lvl="0" indent="0" algn="ctr" defTabSz="914400" rtl="0" eaLnBrk="1" fontAlgn="auto" latinLnBrk="0" hangingPunct="1">
+              <a:lnSpc>
+                <a:spcPct val="100000"/>
+              </a:lnSpc>
+              <a:spcBef>
+                <a:spcPts val="0"/>
+              </a:spcBef>
+              <a:spcAft>
+                <a:spcPts val="0"/>
+              </a:spcAft>
+              <a:buClrTx/>
+              <a:buSzTx/>
+              <a:buFontTx/>
+              <a:buNone/>
+              <a:tabLst/>
+              <a:defRPr/>
+            </a:pPr>
+            <a:r>
+              <a:rPr kumimoji="0" lang="en-US" sz="2800" b="0" i="0" u="none" strike="noStrike" kern="1200" cap="none" spc="0" normalizeH="0" baseline="0" noProof="0" dirty="0">
+                <a:ln>
+                  <a:noFill/>
+                </a:ln>
+                <a:solidFill>
+                  <a:prstClr val="white"/>
+                </a:solidFill>
+                <a:effectLst/>
+                <a:uLnTx/>
+                <a:uFillTx/>
+                <a:latin typeface="Corbel" panose="020B0503020204020204"/>
+                <a:ea typeface="+mn-ea"/>
+                <a:cs typeface="+mn-cs"/>
+              </a:rPr>
+              <a:t>Cloud Computing</a:t>
+            </a:r>
+          </a:p>
+          <a:p>
+            <a:pPr marL="0" marR="0" lvl="0" indent="0" defTabSz="914400" rtl="0" eaLnBrk="1" fontAlgn="auto" latinLnBrk="0" hangingPunct="1">
+              <a:lnSpc>
+                <a:spcPct val="100000"/>
+              </a:lnSpc>
+              <a:spcBef>
+                <a:spcPts val="0"/>
+              </a:spcBef>
+              <a:spcAft>
+                <a:spcPts val="0"/>
+              </a:spcAft>
+              <a:buClrTx/>
+              <a:buSzTx/>
+              <a:buFontTx/>
+              <a:buNone/>
+              <a:tabLst/>
+              <a:defRPr/>
+            </a:pPr>
+            <a:r>
+              <a:rPr lang="en-US" sz="1400" dirty="0">
+                <a:solidFill>
+                  <a:prstClr val="white"/>
+                </a:solidFill>
+                <a:latin typeface="Corbel" panose="020B0503020204020204"/>
+              </a:rPr>
+              <a:t>1. Make Google Cloud Storage Bucket to store image input from Android</a:t>
+            </a:r>
+          </a:p>
+          <a:p>
+            <a:pPr marL="0" marR="0" lvl="0" indent="0" defTabSz="914400" rtl="0" eaLnBrk="1" fontAlgn="auto" latinLnBrk="0" hangingPunct="1">
+              <a:lnSpc>
+                <a:spcPct val="100000"/>
+              </a:lnSpc>
+              <a:spcBef>
+                <a:spcPts val="0"/>
+              </a:spcBef>
+              <a:spcAft>
+                <a:spcPts val="0"/>
+              </a:spcAft>
+              <a:buClrTx/>
+              <a:buSzTx/>
+              <a:buFontTx/>
+              <a:buNone/>
+              <a:tabLst/>
+              <a:defRPr/>
+            </a:pPr>
+            <a:r>
+              <a:rPr kumimoji="0" lang="en-US" sz="1400" b="0" i="0" u="none" strike="noStrike" kern="1200" cap="none" spc="0" normalizeH="0" baseline="0" noProof="0" dirty="0">
+                <a:ln>
+                  <a:noFill/>
+                </a:ln>
+                <a:solidFill>
+                  <a:prstClr val="white"/>
+                </a:solidFill>
+                <a:effectLst/>
+                <a:uLnTx/>
+                <a:uFillTx/>
+                <a:latin typeface="Corbel" panose="020B0503020204020204"/>
+                <a:ea typeface="+mn-ea"/>
+                <a:cs typeface="+mn-cs"/>
+              </a:rPr>
+              <a:t>2. Enable Google Cloud </a:t>
+            </a:r>
+            <a:r>
+              <a:rPr kumimoji="0" lang="en-US" sz="1400" b="0" i="0" u="none" strike="noStrike" kern="1200" cap="none" spc="0" normalizeH="0" baseline="0" noProof="0" dirty="0" err="1">
+                <a:ln>
+                  <a:noFill/>
+                </a:ln>
+                <a:solidFill>
+                  <a:prstClr val="white"/>
+                </a:solidFill>
+                <a:effectLst/>
+                <a:uLnTx/>
+                <a:uFillTx/>
+                <a:latin typeface="Corbel" panose="020B0503020204020204"/>
+                <a:ea typeface="+mn-ea"/>
+                <a:cs typeface="+mn-cs"/>
+              </a:rPr>
+              <a:t>Firestore</a:t>
+            </a:r>
+            <a:r>
+              <a:rPr kumimoji="0" lang="en-US" sz="1400" b="0" i="0" u="none" strike="noStrike" kern="1200" cap="none" spc="0" normalizeH="0" baseline="0" noProof="0" dirty="0">
+                <a:ln>
+                  <a:noFill/>
+                </a:ln>
+                <a:solidFill>
+                  <a:prstClr val="white"/>
+                </a:solidFill>
+                <a:effectLst/>
+                <a:uLnTx/>
+                <a:uFillTx/>
+                <a:latin typeface="Corbel" panose="020B0503020204020204"/>
+                <a:ea typeface="+mn-ea"/>
+                <a:cs typeface="+mn-cs"/>
+              </a:rPr>
+              <a:t> to store output data from Machine </a:t>
+            </a:r>
+            <a:r>
+              <a:rPr lang="en-US" sz="1400" dirty="0">
+                <a:solidFill>
+                  <a:prstClr val="white"/>
+                </a:solidFill>
+                <a:latin typeface="Corbel" panose="020B0503020204020204"/>
+              </a:rPr>
+              <a:t>L</a:t>
+            </a:r>
+            <a:r>
+              <a:rPr kumimoji="0" lang="en-US" sz="1400" b="0" i="0" u="none" strike="noStrike" kern="1200" cap="none" spc="0" normalizeH="0" baseline="0" noProof="0" dirty="0">
+                <a:ln>
+                  <a:noFill/>
+                </a:ln>
+                <a:solidFill>
+                  <a:prstClr val="white"/>
+                </a:solidFill>
+                <a:effectLst/>
+                <a:uLnTx/>
+                <a:uFillTx/>
+                <a:latin typeface="Corbel" panose="020B0503020204020204"/>
+                <a:ea typeface="+mn-ea"/>
+                <a:cs typeface="+mn-cs"/>
+              </a:rPr>
+              <a:t>earning model</a:t>
+            </a:r>
+          </a:p>
+          <a:p>
+            <a:pPr marL="0" marR="0" lvl="0" indent="0" defTabSz="914400" rtl="0" eaLnBrk="1" fontAlgn="auto" latinLnBrk="0" hangingPunct="1">
+              <a:lnSpc>
+                <a:spcPct val="100000"/>
+              </a:lnSpc>
+              <a:spcBef>
+                <a:spcPts val="0"/>
+              </a:spcBef>
+              <a:spcAft>
+                <a:spcPts val="0"/>
+              </a:spcAft>
+              <a:buClrTx/>
+              <a:buSzTx/>
+              <a:buFontTx/>
+              <a:buNone/>
+              <a:tabLst/>
+              <a:defRPr/>
+            </a:pPr>
+            <a:r>
+              <a:rPr lang="en-US" sz="1400" dirty="0">
+                <a:solidFill>
+                  <a:prstClr val="white"/>
+                </a:solidFill>
+                <a:latin typeface="Corbel" panose="020B0503020204020204"/>
+              </a:rPr>
+              <a:t>3. Make Google Cloud Function to deploy a Serverless Machine Learning</a:t>
+            </a:r>
+          </a:p>
+          <a:p>
+            <a:pPr marL="0" marR="0" lvl="0" indent="0" defTabSz="914400" rtl="0" eaLnBrk="1" fontAlgn="auto" latinLnBrk="0" hangingPunct="1">
+              <a:lnSpc>
+                <a:spcPct val="100000"/>
+              </a:lnSpc>
+              <a:spcBef>
+                <a:spcPts val="0"/>
+              </a:spcBef>
+              <a:spcAft>
+                <a:spcPts val="0"/>
+              </a:spcAft>
+              <a:buClrTx/>
+              <a:buSzTx/>
+              <a:buFontTx/>
+              <a:buNone/>
+              <a:tabLst/>
+              <a:defRPr/>
+            </a:pPr>
+            <a:r>
+              <a:rPr kumimoji="0" lang="en-US" sz="1400" b="0" i="0" u="none" strike="noStrike" kern="1200" cap="none" spc="0" normalizeH="0" baseline="0" noProof="0" dirty="0">
+                <a:ln>
+                  <a:noFill/>
+                </a:ln>
+                <a:solidFill>
+                  <a:prstClr val="white"/>
+                </a:solidFill>
+                <a:effectLst/>
+                <a:uLnTx/>
+                <a:uFillTx/>
+                <a:latin typeface="Corbel" panose="020B0503020204020204"/>
+                <a:ea typeface="+mn-ea"/>
+                <a:cs typeface="+mn-cs"/>
+              </a:rPr>
+              <a:t>4. Test Cloud Function, manually upload image to GCS Bucket</a:t>
+            </a:r>
+          </a:p>
+          <a:p>
+            <a:pPr marL="0" marR="0" lvl="0" indent="0" defTabSz="914400" rtl="0" eaLnBrk="1" fontAlgn="auto" latinLnBrk="0" hangingPunct="1">
+              <a:lnSpc>
+                <a:spcPct val="100000"/>
+              </a:lnSpc>
+              <a:spcBef>
+                <a:spcPts val="0"/>
+              </a:spcBef>
+              <a:spcAft>
+                <a:spcPts val="0"/>
+              </a:spcAft>
+              <a:buClrTx/>
+              <a:buSzTx/>
+              <a:buFontTx/>
+              <a:buNone/>
+              <a:tabLst/>
+              <a:defRPr/>
+            </a:pPr>
+            <a:r>
+              <a:rPr lang="en-US" sz="1400" dirty="0">
+                <a:solidFill>
+                  <a:prstClr val="white"/>
+                </a:solidFill>
+                <a:latin typeface="Corbel" panose="020B0503020204020204"/>
+              </a:rPr>
+              <a:t>5. Make a monitoring dashboard to check activity of Cloud Function</a:t>
+            </a:r>
+            <a:endParaRPr kumimoji="0" lang="en-US" sz="1400" b="0" i="0" u="none" strike="noStrike" kern="1200" cap="none" spc="0" normalizeH="0" baseline="0" noProof="0" dirty="0">
+              <a:ln>
+                <a:noFill/>
+              </a:ln>
+              <a:solidFill>
+                <a:prstClr val="white"/>
+              </a:solidFill>
+              <a:effectLst/>
+              <a:uLnTx/>
+              <a:uFillTx/>
+              <a:latin typeface="Corbel" panose="020B0503020204020204"/>
+              <a:ea typeface="+mn-ea"/>
+              <a:cs typeface="+mn-cs"/>
+            </a:endParaRPr>
+          </a:p>
+          <a:p>
+            <a:pPr marL="0" marR="0" lvl="0" indent="0" defTabSz="914400" rtl="0" eaLnBrk="1" fontAlgn="auto" latinLnBrk="0" hangingPunct="1">
+              <a:lnSpc>
+                <a:spcPct val="100000"/>
+              </a:lnSpc>
+              <a:spcBef>
+                <a:spcPts val="0"/>
+              </a:spcBef>
+              <a:spcAft>
+                <a:spcPts val="0"/>
+              </a:spcAft>
+              <a:buClrTx/>
+              <a:buSzTx/>
+              <a:buFontTx/>
+              <a:buNone/>
+              <a:tabLst/>
+              <a:defRPr/>
+            </a:pPr>
+            <a:endParaRPr kumimoji="0" lang="en-US" sz="1400" b="0" i="0" u="none" strike="noStrike" kern="1200" cap="none" spc="0" normalizeH="0" baseline="0" noProof="0" dirty="0">
+              <a:ln>
+                <a:noFill/>
+              </a:ln>
+              <a:solidFill>
+                <a:prstClr val="white"/>
+              </a:solidFill>
+              <a:effectLst/>
+              <a:uLnTx/>
+              <a:uFillTx/>
+              <a:latin typeface="Corbel" panose="020B0503020204020204"/>
+              <a:ea typeface="+mn-ea"/>
+              <a:cs typeface="+mn-cs"/>
+            </a:endParaRPr>
+          </a:p>
+          <a:p>
+            <a:pPr marL="0" marR="0" lvl="0" indent="0" algn="r" defTabSz="914400" rtl="0" eaLnBrk="1" fontAlgn="auto" latinLnBrk="0" hangingPunct="1">
+              <a:lnSpc>
+                <a:spcPct val="100000"/>
+              </a:lnSpc>
+              <a:spcBef>
+                <a:spcPts val="0"/>
+              </a:spcBef>
+              <a:spcAft>
+                <a:spcPts val="0"/>
+              </a:spcAft>
+              <a:buClrTx/>
+              <a:buSzTx/>
+              <a:buFontTx/>
+              <a:buNone/>
+              <a:tabLst/>
+              <a:defRPr/>
+            </a:pPr>
+            <a:endParaRPr kumimoji="0" lang="en-US" sz="1400" b="0" i="0" u="none" strike="noStrike" kern="1200" cap="none" spc="0" normalizeH="0" baseline="0" noProof="0" dirty="0">
+              <a:ln>
+                <a:noFill/>
+              </a:ln>
+              <a:solidFill>
+                <a:prstClr val="white"/>
+              </a:solidFill>
+              <a:effectLst/>
+              <a:uLnTx/>
+              <a:uFillTx/>
+              <a:latin typeface="Corbel" panose="020B0503020204020204"/>
+              <a:ea typeface="+mn-ea"/>
+              <a:cs typeface="+mn-cs"/>
+            </a:endParaRPr>
+          </a:p>
+        </p:txBody>
+      </p:sp>
+      <p:sp>
+        <p:nvSpPr>
+          <p:cNvPr id="13" name="TextBox 12">
+            <a:extLst>
+              <a:ext uri="{FF2B5EF4-FFF2-40B4-BE49-F238E27FC236}">
+                <a16:creationId xmlns:a16="http://schemas.microsoft.com/office/drawing/2014/main" id="{C7C07AD5-3F8F-4167-B4AD-FA2223A76D65}"/>
+              </a:ext>
+            </a:extLst>
+          </p:cNvPr>
+          <p:cNvSpPr txBox="1"/>
+          <p:nvPr/>
+        </p:nvSpPr>
+        <p:spPr>
+          <a:xfrm>
+            <a:off x="4221060" y="2936168"/>
+            <a:ext cx="3749879" cy="2154436"/>
+          </a:xfrm>
+          <a:prstGeom prst="rect">
+            <a:avLst/>
+          </a:prstGeom>
+          <a:noFill/>
+        </p:spPr>
+        <p:txBody>
+          <a:bodyPr wrap="square" lIns="0" tIns="0" rIns="0" bIns="0" rtlCol="0">
+            <a:spAutoFit/>
+          </a:bodyPr>
+          <a:lstStyle/>
+          <a:p>
+            <a:pPr marL="0" marR="0" lvl="0" indent="0" algn="ctr" defTabSz="914400" rtl="0" eaLnBrk="1" fontAlgn="auto" latinLnBrk="0" hangingPunct="1">
+              <a:lnSpc>
+                <a:spcPct val="100000"/>
+              </a:lnSpc>
+              <a:spcBef>
+                <a:spcPts val="0"/>
+              </a:spcBef>
+              <a:spcAft>
+                <a:spcPts val="0"/>
+              </a:spcAft>
+              <a:buClrTx/>
+              <a:buSzTx/>
+              <a:buFontTx/>
+              <a:buNone/>
+              <a:tabLst/>
+              <a:defRPr/>
+            </a:pPr>
+            <a:r>
+              <a:rPr kumimoji="0" lang="en-US" sz="2800" b="0" i="0" u="none" strike="noStrike" kern="1200" cap="none" spc="0" normalizeH="0" baseline="0" noProof="0" dirty="0">
+                <a:ln>
+                  <a:noFill/>
+                </a:ln>
+                <a:solidFill>
+                  <a:prstClr val="white"/>
+                </a:solidFill>
+                <a:effectLst/>
+                <a:uLnTx/>
+                <a:uFillTx/>
+                <a:latin typeface="Corbel" panose="020B0503020204020204"/>
+                <a:ea typeface="+mn-ea"/>
+                <a:cs typeface="+mn-cs"/>
+              </a:rPr>
+              <a:t>Mobile Development</a:t>
+            </a:r>
+          </a:p>
+          <a:p>
+            <a:pPr marL="0" marR="0" lvl="0" indent="0" defTabSz="914400" rtl="0" eaLnBrk="1" fontAlgn="auto" latinLnBrk="0" hangingPunct="1">
+              <a:lnSpc>
+                <a:spcPct val="100000"/>
+              </a:lnSpc>
+              <a:spcBef>
+                <a:spcPts val="0"/>
+              </a:spcBef>
+              <a:spcAft>
+                <a:spcPts val="0"/>
+              </a:spcAft>
+              <a:buClrTx/>
+              <a:buSzTx/>
+              <a:buFontTx/>
+              <a:buNone/>
+              <a:tabLst/>
+              <a:defRPr/>
+            </a:pPr>
+            <a:r>
+              <a:rPr lang="en-US" sz="1400" dirty="0">
+                <a:solidFill>
+                  <a:prstClr val="white"/>
+                </a:solidFill>
+                <a:latin typeface="Corbel" panose="020B0503020204020204"/>
+              </a:rPr>
+              <a:t>1. Implement </a:t>
+            </a:r>
+            <a:r>
+              <a:rPr lang="en-US" sz="1400" dirty="0" err="1">
+                <a:solidFill>
+                  <a:prstClr val="white"/>
+                </a:solidFill>
+                <a:latin typeface="Corbel" panose="020B0503020204020204"/>
+              </a:rPr>
+              <a:t>CameraX</a:t>
+            </a:r>
+            <a:endParaRPr lang="en-US" sz="1400" dirty="0">
+              <a:solidFill>
+                <a:prstClr val="white"/>
+              </a:solidFill>
+              <a:latin typeface="Corbel" panose="020B0503020204020204"/>
+            </a:endParaRPr>
+          </a:p>
+          <a:p>
+            <a:pPr marL="0" marR="0" lvl="0" indent="0" defTabSz="914400" rtl="0" eaLnBrk="1" fontAlgn="auto" latinLnBrk="0" hangingPunct="1">
+              <a:lnSpc>
+                <a:spcPct val="100000"/>
+              </a:lnSpc>
+              <a:spcBef>
+                <a:spcPts val="0"/>
+              </a:spcBef>
+              <a:spcAft>
+                <a:spcPts val="0"/>
+              </a:spcAft>
+              <a:buClrTx/>
+              <a:buSzTx/>
+              <a:buFontTx/>
+              <a:buNone/>
+              <a:tabLst/>
+              <a:defRPr/>
+            </a:pPr>
+            <a:r>
+              <a:rPr kumimoji="0" lang="en-US" sz="1400" b="0" i="0" u="none" strike="noStrike" kern="1200" cap="none" spc="0" normalizeH="0" baseline="0" noProof="0" dirty="0">
+                <a:ln>
+                  <a:noFill/>
+                </a:ln>
+                <a:solidFill>
+                  <a:prstClr val="white"/>
+                </a:solidFill>
+                <a:effectLst/>
+                <a:uLnTx/>
+                <a:uFillTx/>
+                <a:latin typeface="Corbel" panose="020B0503020204020204"/>
+                <a:ea typeface="+mn-ea"/>
+                <a:cs typeface="+mn-cs"/>
+              </a:rPr>
+              <a:t>2. Add camera request permission</a:t>
+            </a:r>
+          </a:p>
+          <a:p>
+            <a:pPr marL="0" marR="0" lvl="0" indent="0" defTabSz="914400" rtl="0" eaLnBrk="1" fontAlgn="auto" latinLnBrk="0" hangingPunct="1">
+              <a:lnSpc>
+                <a:spcPct val="100000"/>
+              </a:lnSpc>
+              <a:spcBef>
+                <a:spcPts val="0"/>
+              </a:spcBef>
+              <a:spcAft>
+                <a:spcPts val="0"/>
+              </a:spcAft>
+              <a:buClrTx/>
+              <a:buSzTx/>
+              <a:buFontTx/>
+              <a:buNone/>
+              <a:tabLst/>
+              <a:defRPr/>
+            </a:pPr>
+            <a:r>
+              <a:rPr lang="en-US" sz="1400" dirty="0">
+                <a:solidFill>
+                  <a:prstClr val="white"/>
+                </a:solidFill>
+                <a:latin typeface="Corbel" panose="020B0503020204020204"/>
+              </a:rPr>
+              <a:t>3. </a:t>
+            </a:r>
+            <a:r>
+              <a:rPr lang="en-US" sz="1400">
+                <a:solidFill>
+                  <a:prstClr val="white"/>
+                </a:solidFill>
+                <a:latin typeface="Corbel" panose="020B0503020204020204"/>
+              </a:rPr>
+              <a:t>Implement </a:t>
+            </a:r>
+            <a:r>
+              <a:rPr lang="en-US" sz="1400" dirty="0">
+                <a:solidFill>
+                  <a:prstClr val="white"/>
+                </a:solidFill>
+                <a:latin typeface="Corbel" panose="020B0503020204020204"/>
+              </a:rPr>
+              <a:t>Firebase to use Cloud Storage for media storage and Cloud </a:t>
+            </a:r>
+            <a:r>
+              <a:rPr lang="en-US" sz="1400" dirty="0" err="1">
+                <a:solidFill>
+                  <a:prstClr val="white"/>
+                </a:solidFill>
+                <a:latin typeface="Corbel" panose="020B0503020204020204"/>
+              </a:rPr>
+              <a:t>Firestore</a:t>
+            </a:r>
+            <a:r>
+              <a:rPr lang="en-US" sz="1400" dirty="0">
+                <a:solidFill>
+                  <a:prstClr val="white"/>
+                </a:solidFill>
+                <a:latin typeface="Corbel" panose="020B0503020204020204"/>
+              </a:rPr>
+              <a:t> to contain predictions output</a:t>
+            </a:r>
+          </a:p>
+          <a:p>
+            <a:pPr marL="0" marR="0" lvl="0" indent="0" defTabSz="914400" rtl="0" eaLnBrk="1" fontAlgn="auto" latinLnBrk="0" hangingPunct="1">
+              <a:lnSpc>
+                <a:spcPct val="100000"/>
+              </a:lnSpc>
+              <a:spcBef>
+                <a:spcPts val="0"/>
+              </a:spcBef>
+              <a:spcAft>
+                <a:spcPts val="0"/>
+              </a:spcAft>
+              <a:buClrTx/>
+              <a:buSzTx/>
+              <a:buFontTx/>
+              <a:buNone/>
+              <a:tabLst/>
+              <a:defRPr/>
+            </a:pPr>
+            <a:r>
+              <a:rPr kumimoji="0" lang="en-US" sz="1400" b="0" i="0" u="none" strike="noStrike" kern="1200" cap="none" spc="0" normalizeH="0" baseline="0" noProof="0" dirty="0">
+                <a:ln>
+                  <a:noFill/>
+                </a:ln>
+                <a:solidFill>
+                  <a:prstClr val="white"/>
+                </a:solidFill>
+                <a:effectLst/>
+                <a:uLnTx/>
+                <a:uFillTx/>
+                <a:latin typeface="Corbel" panose="020B0503020204020204"/>
+                <a:ea typeface="+mn-ea"/>
+                <a:cs typeface="+mn-cs"/>
+              </a:rPr>
+              <a:t>4. Add </a:t>
+            </a:r>
+            <a:r>
+              <a:rPr kumimoji="0" lang="en-US" sz="1400" b="0" i="0" u="none" strike="noStrike" kern="1200" cap="none" spc="0" normalizeH="0" baseline="0" noProof="0" dirty="0" err="1">
+                <a:ln>
+                  <a:noFill/>
+                </a:ln>
+                <a:solidFill>
+                  <a:prstClr val="white"/>
+                </a:solidFill>
+                <a:effectLst/>
+                <a:uLnTx/>
+                <a:uFillTx/>
+                <a:latin typeface="Corbel" panose="020B0503020204020204"/>
+                <a:ea typeface="+mn-ea"/>
+                <a:cs typeface="+mn-cs"/>
+              </a:rPr>
+              <a:t>wifi</a:t>
+            </a:r>
+            <a:r>
+              <a:rPr kumimoji="0" lang="en-US" sz="1400" b="0" i="0" u="none" strike="noStrike" kern="1200" cap="none" spc="0" normalizeH="0" baseline="0" noProof="0" dirty="0">
+                <a:ln>
+                  <a:noFill/>
+                </a:ln>
+                <a:solidFill>
+                  <a:prstClr val="white"/>
+                </a:solidFill>
+                <a:effectLst/>
+                <a:uLnTx/>
+                <a:uFillTx/>
+                <a:latin typeface="Corbel" panose="020B0503020204020204"/>
+                <a:ea typeface="+mn-ea"/>
+                <a:cs typeface="+mn-cs"/>
+              </a:rPr>
+              <a:t> request permission and internet access</a:t>
+            </a:r>
+            <a:endParaRPr lang="en-US" sz="1400" dirty="0">
+              <a:solidFill>
+                <a:prstClr val="white"/>
+              </a:solidFill>
+              <a:latin typeface="Corbel" panose="020B0503020204020204"/>
+            </a:endParaRPr>
+          </a:p>
+          <a:p>
+            <a:pPr marL="0" marR="0" lvl="0" indent="0" defTabSz="914400" rtl="0" eaLnBrk="1" fontAlgn="auto" latinLnBrk="0" hangingPunct="1">
+              <a:lnSpc>
+                <a:spcPct val="100000"/>
+              </a:lnSpc>
+              <a:spcBef>
+                <a:spcPts val="0"/>
+              </a:spcBef>
+              <a:spcAft>
+                <a:spcPts val="0"/>
+              </a:spcAft>
+              <a:buClrTx/>
+              <a:buSzTx/>
+              <a:buFontTx/>
+              <a:buNone/>
+              <a:tabLst/>
+              <a:defRPr/>
+            </a:pPr>
+            <a:r>
+              <a:rPr lang="en-US" sz="1400" dirty="0">
+                <a:solidFill>
+                  <a:prstClr val="white"/>
+                </a:solidFill>
+                <a:latin typeface="Corbel" panose="020B0503020204020204"/>
+              </a:rPr>
+              <a:t>5. Move the implementation of firebase to view model</a:t>
+            </a:r>
+            <a:endParaRPr kumimoji="0" lang="en-US" sz="1400" b="0" i="0" u="none" strike="noStrike" kern="1200" cap="none" spc="0" normalizeH="0" baseline="0" noProof="0" dirty="0">
+              <a:ln>
+                <a:noFill/>
+              </a:ln>
+              <a:solidFill>
+                <a:prstClr val="white"/>
+              </a:solidFill>
+              <a:effectLst/>
+              <a:uLnTx/>
+              <a:uFillTx/>
+              <a:latin typeface="Corbel" panose="020B0503020204020204"/>
+              <a:ea typeface="+mn-ea"/>
+              <a:cs typeface="+mn-cs"/>
+            </a:endParaRPr>
+          </a:p>
+        </p:txBody>
+      </p:sp>
+      <p:sp>
+        <p:nvSpPr>
+          <p:cNvPr id="14" name="TextBox 13">
+            <a:extLst>
+              <a:ext uri="{FF2B5EF4-FFF2-40B4-BE49-F238E27FC236}">
+                <a16:creationId xmlns:a16="http://schemas.microsoft.com/office/drawing/2014/main" id="{357CBC83-4E77-48D9-A59D-9E16F7192C20}"/>
+              </a:ext>
+            </a:extLst>
+          </p:cNvPr>
+          <p:cNvSpPr txBox="1"/>
+          <p:nvPr/>
+        </p:nvSpPr>
+        <p:spPr>
+          <a:xfrm>
+            <a:off x="603253" y="2936168"/>
+            <a:ext cx="3347961" cy="3662541"/>
+          </a:xfrm>
+          <a:prstGeom prst="rect">
+            <a:avLst/>
+          </a:prstGeom>
+          <a:noFill/>
+        </p:spPr>
+        <p:txBody>
+          <a:bodyPr wrap="square" lIns="0" tIns="0" rIns="0" bIns="0" rtlCol="0">
+            <a:spAutoFit/>
+          </a:bodyPr>
+          <a:lstStyle/>
+          <a:p>
+            <a:pPr marL="0" marR="0" lvl="0" indent="0" algn="ctr" defTabSz="914400" rtl="0" eaLnBrk="1" fontAlgn="auto" latinLnBrk="0" hangingPunct="1">
+              <a:lnSpc>
+                <a:spcPct val="100000"/>
+              </a:lnSpc>
+              <a:spcBef>
+                <a:spcPts val="0"/>
+              </a:spcBef>
+              <a:spcAft>
+                <a:spcPts val="0"/>
+              </a:spcAft>
+              <a:buClrTx/>
+              <a:buSzTx/>
+              <a:buFontTx/>
+              <a:buNone/>
+              <a:tabLst/>
+              <a:defRPr/>
+            </a:pPr>
+            <a:r>
+              <a:rPr kumimoji="0" lang="en-US" sz="2800" b="0" i="0" u="none" strike="noStrike" kern="1200" cap="none" spc="0" normalizeH="0" baseline="0" noProof="0" dirty="0">
+                <a:ln>
+                  <a:noFill/>
+                </a:ln>
+                <a:solidFill>
+                  <a:prstClr val="white"/>
+                </a:solidFill>
+                <a:effectLst/>
+                <a:uLnTx/>
+                <a:uFillTx/>
+                <a:latin typeface="Corbel" panose="020B0503020204020204"/>
+                <a:ea typeface="+mn-ea"/>
+                <a:cs typeface="+mn-cs"/>
+              </a:rPr>
+              <a:t>Machine Learning </a:t>
+            </a:r>
+          </a:p>
+          <a:p>
+            <a:pPr marL="0" marR="0" lvl="0" indent="0" defTabSz="914400" rtl="0" eaLnBrk="1" fontAlgn="auto" latinLnBrk="0" hangingPunct="1">
+              <a:lnSpc>
+                <a:spcPct val="100000"/>
+              </a:lnSpc>
+              <a:spcBef>
+                <a:spcPts val="0"/>
+              </a:spcBef>
+              <a:spcAft>
+                <a:spcPts val="0"/>
+              </a:spcAft>
+              <a:buClrTx/>
+              <a:buSzTx/>
+              <a:buFontTx/>
+              <a:buNone/>
+              <a:tabLst/>
+              <a:defRPr/>
+            </a:pPr>
+            <a:r>
+              <a:rPr lang="en-US" sz="1400" dirty="0">
+                <a:solidFill>
+                  <a:prstClr val="white"/>
+                </a:solidFill>
+                <a:latin typeface="Corbel" panose="020B0503020204020204"/>
+              </a:rPr>
+              <a:t>1. Download the dataset, then </a:t>
+            </a:r>
+            <a:r>
+              <a:rPr lang="en-US" sz="1400" dirty="0" err="1">
+                <a:solidFill>
+                  <a:prstClr val="white"/>
+                </a:solidFill>
+                <a:latin typeface="Corbel" panose="020B0503020204020204"/>
+              </a:rPr>
+              <a:t>perfom</a:t>
+            </a:r>
+            <a:r>
+              <a:rPr lang="en-US" sz="1400" dirty="0">
+                <a:solidFill>
+                  <a:prstClr val="white"/>
+                </a:solidFill>
+                <a:latin typeface="Corbel" panose="020B0503020204020204"/>
+              </a:rPr>
+              <a:t> reading on the Notebook (</a:t>
+            </a:r>
+            <a:r>
+              <a:rPr lang="en-US" sz="1400" dirty="0" err="1">
+                <a:solidFill>
+                  <a:prstClr val="white"/>
+                </a:solidFill>
+                <a:latin typeface="Corbel" panose="020B0503020204020204"/>
+              </a:rPr>
+              <a:t>colaboratory</a:t>
+            </a:r>
+            <a:r>
+              <a:rPr lang="en-US" sz="1400" dirty="0">
+                <a:solidFill>
+                  <a:prstClr val="white"/>
+                </a:solidFill>
+                <a:latin typeface="Corbel" panose="020B0503020204020204"/>
+              </a:rPr>
+              <a:t>)</a:t>
+            </a:r>
+          </a:p>
+          <a:p>
+            <a:pPr marL="0" marR="0" lvl="0" indent="0" defTabSz="914400" rtl="0" eaLnBrk="1" fontAlgn="auto" latinLnBrk="0" hangingPunct="1">
+              <a:lnSpc>
+                <a:spcPct val="100000"/>
+              </a:lnSpc>
+              <a:spcBef>
+                <a:spcPts val="0"/>
+              </a:spcBef>
+              <a:spcAft>
+                <a:spcPts val="0"/>
+              </a:spcAft>
+              <a:buClrTx/>
+              <a:buSzTx/>
+              <a:buFontTx/>
+              <a:buNone/>
+              <a:tabLst/>
+              <a:defRPr/>
+            </a:pPr>
+            <a:r>
+              <a:rPr kumimoji="0" lang="en-US" sz="1400" b="0" i="0" u="none" strike="noStrike" kern="1200" cap="none" spc="0" normalizeH="0" baseline="0" noProof="0" dirty="0">
+                <a:ln>
+                  <a:noFill/>
+                </a:ln>
+                <a:solidFill>
+                  <a:prstClr val="white"/>
+                </a:solidFill>
+                <a:effectLst/>
+                <a:uLnTx/>
+                <a:uFillTx/>
+                <a:latin typeface="Corbel" panose="020B0503020204020204"/>
+                <a:ea typeface="+mn-ea"/>
+                <a:cs typeface="+mn-cs"/>
+              </a:rPr>
+              <a:t>2. Make sure the dataset is divided into two, training data labels and validation data labels</a:t>
+            </a:r>
+          </a:p>
+          <a:p>
+            <a:pPr marL="0" marR="0" lvl="0" indent="0" defTabSz="914400" rtl="0" eaLnBrk="1" fontAlgn="auto" latinLnBrk="0" hangingPunct="1">
+              <a:lnSpc>
+                <a:spcPct val="100000"/>
+              </a:lnSpc>
+              <a:spcBef>
+                <a:spcPts val="0"/>
+              </a:spcBef>
+              <a:spcAft>
+                <a:spcPts val="0"/>
+              </a:spcAft>
+              <a:buClrTx/>
+              <a:buSzTx/>
+              <a:buFontTx/>
+              <a:buNone/>
+              <a:tabLst/>
+              <a:defRPr/>
+            </a:pPr>
+            <a:r>
+              <a:rPr lang="en-US" sz="1400" dirty="0">
+                <a:solidFill>
+                  <a:prstClr val="white"/>
+                </a:solidFill>
+                <a:latin typeface="Corbel" panose="020B0503020204020204"/>
+              </a:rPr>
+              <a:t>3. Using </a:t>
+            </a:r>
+            <a:r>
+              <a:rPr lang="en-US" sz="1400" dirty="0" err="1">
+                <a:solidFill>
+                  <a:prstClr val="white"/>
+                </a:solidFill>
+                <a:latin typeface="Corbel" panose="020B0503020204020204"/>
+              </a:rPr>
+              <a:t>ImageDataGenerator</a:t>
+            </a:r>
+            <a:r>
+              <a:rPr lang="en-US" sz="1400" dirty="0">
+                <a:solidFill>
+                  <a:prstClr val="white"/>
+                </a:solidFill>
+                <a:latin typeface="Corbel" panose="020B0503020204020204"/>
+              </a:rPr>
+              <a:t>, prepare the dataset pipeline and perform image augmentation</a:t>
+            </a:r>
+          </a:p>
+          <a:p>
+            <a:pPr marL="0" marR="0" lvl="0" indent="0" defTabSz="914400" rtl="0" eaLnBrk="1" fontAlgn="auto" latinLnBrk="0" hangingPunct="1">
+              <a:lnSpc>
+                <a:spcPct val="100000"/>
+              </a:lnSpc>
+              <a:spcBef>
+                <a:spcPts val="0"/>
+              </a:spcBef>
+              <a:spcAft>
+                <a:spcPts val="0"/>
+              </a:spcAft>
+              <a:buClrTx/>
+              <a:buSzTx/>
+              <a:buFontTx/>
+              <a:buNone/>
+              <a:tabLst/>
+              <a:defRPr/>
+            </a:pPr>
+            <a:r>
+              <a:rPr kumimoji="0" lang="en-US" sz="1400" b="0" i="0" u="none" strike="noStrike" kern="1200" cap="none" spc="0" normalizeH="0" baseline="0" noProof="0" dirty="0">
+                <a:ln>
+                  <a:noFill/>
+                </a:ln>
+                <a:solidFill>
+                  <a:prstClr val="white"/>
+                </a:solidFill>
+                <a:effectLst/>
+                <a:uLnTx/>
+                <a:uFillTx/>
+                <a:latin typeface="Corbel" panose="020B0503020204020204"/>
+                <a:ea typeface="+mn-ea"/>
+                <a:cs typeface="+mn-cs"/>
+              </a:rPr>
+              <a:t>4. Create a </a:t>
+            </a:r>
+            <a:r>
+              <a:rPr kumimoji="0" lang="en-US" sz="1400" b="0" i="0" u="none" strike="noStrike" kern="1200" cap="none" spc="0" normalizeH="0" baseline="0" noProof="0" dirty="0" err="1">
+                <a:ln>
+                  <a:noFill/>
+                </a:ln>
+                <a:solidFill>
+                  <a:prstClr val="white"/>
+                </a:solidFill>
+                <a:effectLst/>
+                <a:uLnTx/>
+                <a:uFillTx/>
+                <a:latin typeface="Corbel" panose="020B0503020204020204"/>
+                <a:ea typeface="+mn-ea"/>
+                <a:cs typeface="+mn-cs"/>
+              </a:rPr>
+              <a:t>sequ</a:t>
+            </a:r>
+            <a:r>
+              <a:rPr lang="en-US" sz="1400" dirty="0" err="1">
+                <a:solidFill>
+                  <a:prstClr val="white"/>
+                </a:solidFill>
+                <a:latin typeface="Corbel" panose="020B0503020204020204"/>
+              </a:rPr>
+              <a:t>ential</a:t>
+            </a:r>
+            <a:r>
+              <a:rPr lang="en-US" sz="1400" dirty="0">
+                <a:solidFill>
+                  <a:prstClr val="white"/>
+                </a:solidFill>
+                <a:latin typeface="Corbel" panose="020B0503020204020204"/>
+              </a:rPr>
+              <a:t> model of Convolution Neural Network</a:t>
+            </a:r>
+          </a:p>
+          <a:p>
+            <a:pPr marL="0" marR="0" lvl="0" indent="0" defTabSz="914400" rtl="0" eaLnBrk="1" fontAlgn="auto" latinLnBrk="0" hangingPunct="1">
+              <a:lnSpc>
+                <a:spcPct val="100000"/>
+              </a:lnSpc>
+              <a:spcBef>
+                <a:spcPts val="0"/>
+              </a:spcBef>
+              <a:spcAft>
+                <a:spcPts val="0"/>
+              </a:spcAft>
+              <a:buClrTx/>
+              <a:buSzTx/>
+              <a:buFontTx/>
+              <a:buNone/>
+              <a:tabLst/>
+              <a:defRPr/>
+            </a:pPr>
+            <a:r>
+              <a:rPr lang="en-US" sz="1400" dirty="0">
+                <a:solidFill>
+                  <a:prstClr val="white"/>
+                </a:solidFill>
+                <a:latin typeface="Corbel" panose="020B0503020204020204"/>
+              </a:rPr>
+              <a:t>5. Compile the model, so that it is ready for being trained and validated</a:t>
+            </a:r>
+          </a:p>
+          <a:p>
+            <a:pPr marL="0" marR="0" lvl="0" indent="0" defTabSz="914400" rtl="0" eaLnBrk="1" fontAlgn="auto" latinLnBrk="0" hangingPunct="1">
+              <a:lnSpc>
+                <a:spcPct val="100000"/>
+              </a:lnSpc>
+              <a:spcBef>
+                <a:spcPts val="0"/>
+              </a:spcBef>
+              <a:spcAft>
+                <a:spcPts val="0"/>
+              </a:spcAft>
+              <a:buClrTx/>
+              <a:buSzTx/>
+              <a:buFontTx/>
+              <a:buNone/>
+              <a:tabLst/>
+              <a:defRPr/>
+            </a:pPr>
+            <a:r>
+              <a:rPr kumimoji="0" lang="en-US" sz="1400" b="0" i="0" u="none" strike="noStrike" kern="1200" cap="none" spc="0" normalizeH="0" baseline="0" noProof="0" dirty="0">
+                <a:ln>
+                  <a:noFill/>
+                </a:ln>
+                <a:solidFill>
+                  <a:prstClr val="white"/>
+                </a:solidFill>
+                <a:effectLst/>
+                <a:uLnTx/>
+                <a:uFillTx/>
+                <a:latin typeface="Corbel" panose="020B0503020204020204"/>
+                <a:ea typeface="+mn-ea"/>
+                <a:cs typeface="+mn-cs"/>
+              </a:rPr>
+              <a:t>6. Train and validate the model</a:t>
+            </a:r>
+          </a:p>
+          <a:p>
+            <a:pPr marL="0" marR="0" lvl="0" indent="0" defTabSz="914400" rtl="0" eaLnBrk="1" fontAlgn="auto" latinLnBrk="0" hangingPunct="1">
+              <a:lnSpc>
+                <a:spcPct val="100000"/>
+              </a:lnSpc>
+              <a:spcBef>
+                <a:spcPts val="0"/>
+              </a:spcBef>
+              <a:spcAft>
+                <a:spcPts val="0"/>
+              </a:spcAft>
+              <a:buClrTx/>
+              <a:buSzTx/>
+              <a:buFontTx/>
+              <a:buNone/>
+              <a:tabLst/>
+              <a:defRPr/>
+            </a:pPr>
+            <a:r>
+              <a:rPr lang="en-US" sz="1400" dirty="0">
+                <a:solidFill>
+                  <a:prstClr val="white"/>
+                </a:solidFill>
+                <a:latin typeface="Corbel" panose="020B0503020204020204"/>
+              </a:rPr>
+              <a:t>7. Save the model in hdf5 format</a:t>
+            </a:r>
+            <a:endParaRPr kumimoji="0" lang="en-US" sz="1400" b="0" i="0" u="none" strike="noStrike" kern="1200" cap="none" spc="0" normalizeH="0" baseline="0" noProof="0" dirty="0">
+              <a:ln>
+                <a:noFill/>
+              </a:ln>
+              <a:solidFill>
+                <a:prstClr val="white"/>
+              </a:solidFill>
+              <a:effectLst/>
+              <a:uLnTx/>
+              <a:uFillTx/>
+              <a:latin typeface="Corbel" panose="020B0503020204020204"/>
+              <a:ea typeface="+mn-ea"/>
+              <a:cs typeface="+mn-cs"/>
+            </a:endParaRPr>
+          </a:p>
+          <a:p>
+            <a:pPr marL="0" marR="0" lvl="0" indent="0" defTabSz="914400" rtl="0" eaLnBrk="1" fontAlgn="auto" latinLnBrk="0" hangingPunct="1">
+              <a:lnSpc>
+                <a:spcPct val="100000"/>
+              </a:lnSpc>
+              <a:spcBef>
+                <a:spcPts val="0"/>
+              </a:spcBef>
+              <a:spcAft>
+                <a:spcPts val="0"/>
+              </a:spcAft>
+              <a:buClrTx/>
+              <a:buSzTx/>
+              <a:buFontTx/>
+              <a:buNone/>
+              <a:tabLst/>
+              <a:defRPr/>
+            </a:pPr>
+            <a:endParaRPr kumimoji="0" lang="en-US" sz="2800" b="0" i="0" u="none" strike="noStrike" kern="1200" cap="none" spc="0" normalizeH="0" baseline="0" noProof="0" dirty="0">
+              <a:ln>
+                <a:noFill/>
+              </a:ln>
+              <a:solidFill>
+                <a:prstClr val="white"/>
+              </a:solidFill>
+              <a:effectLst/>
+              <a:uLnTx/>
+              <a:uFillTx/>
+              <a:latin typeface="Corbel" panose="020B0503020204020204"/>
+              <a:ea typeface="+mn-ea"/>
+              <a:cs typeface="+mn-cs"/>
+            </a:endParaRPr>
+          </a:p>
+        </p:txBody>
+      </p:sp>
+    </p:spTree>
+    <p:extLst>
+      <p:ext uri="{BB962C8B-B14F-4D97-AF65-F5344CB8AC3E}">
+        <p14:creationId xmlns:p14="http://schemas.microsoft.com/office/powerpoint/2010/main" val="2231996201"/>
+      </p:ext>
+    </p:extLst>
+  </p:cSld>
+  <p:clrMapOvr>
+    <a:masterClrMapping/>
+  </p:clrMapOvr>
+</p:sld>
+</file>
+
+<file path=ppt/slides/slide13.xml><?xml version="1.0" encoding="utf-8"?>
+<p:sld xmlns:a="http://schemas.openxmlformats.org/drawingml/2006/main" xmlns:r="http://schemas.openxmlformats.org/officeDocument/2006/relationships" xmlns:p="http://schemas.openxmlformats.org/presentationml/2006/main">
+  <p:cSld>
+    <p:spTree>
+      <p:nvGrpSpPr>
+        <p:cNvPr id="1" name=""/>
+        <p:cNvGrpSpPr/>
+        <p:nvPr/>
+      </p:nvGrpSpPr>
+      <p:grpSpPr>
+        <a:xfrm>
+          <a:off x="0" y="0"/>
+          <a:ext cx="0" cy="0"/>
+          <a:chOff x="0" y="0"/>
+          <a:chExt cx="0" cy="0"/>
+        </a:xfrm>
+      </p:grpSpPr>
+      <p:sp>
+        <p:nvSpPr>
+          <p:cNvPr id="2" name="Slide Number Placeholder 1">
+            <a:extLst>
+              <a:ext uri="{FF2B5EF4-FFF2-40B4-BE49-F238E27FC236}">
+                <a16:creationId xmlns:a16="http://schemas.microsoft.com/office/drawing/2014/main" id="{7B9FD48B-78D1-4311-B479-011D796734A1}"/>
+              </a:ext>
+            </a:extLst>
+          </p:cNvPr>
+          <p:cNvSpPr>
+            <a:spLocks noGrp="1"/>
+          </p:cNvSpPr>
+          <p:nvPr>
+            <p:ph type="sldNum" sz="quarter" idx="11"/>
+          </p:nvPr>
+        </p:nvSpPr>
+        <p:spPr/>
+        <p:txBody>
+          <a:bodyPr/>
+          <a:lstStyle/>
+          <a:p>
+            <a:r>
+              <a:rPr lang="en-US" noProof="0"/>
+              <a:t>page </a:t>
+            </a:r>
+            <a:fld id="{19B51A1E-902D-48AF-9020-955120F399B6}" type="slidenum">
+              <a:rPr lang="en-US" b="1" i="1" noProof="0" smtClean="0"/>
+              <a:pPr/>
+              <a:t>13</a:t>
+            </a:fld>
+            <a:endParaRPr lang="en-US" b="1" i="1" noProof="0" dirty="0"/>
+          </a:p>
+        </p:txBody>
+      </p:sp>
+      <p:sp>
+        <p:nvSpPr>
+          <p:cNvPr id="3" name="Google Shape;196;p22">
+            <a:extLst>
+              <a:ext uri="{FF2B5EF4-FFF2-40B4-BE49-F238E27FC236}">
+                <a16:creationId xmlns:a16="http://schemas.microsoft.com/office/drawing/2014/main" id="{9A14253C-8793-45CB-A84F-7885E8BF9B7A}"/>
+              </a:ext>
+            </a:extLst>
+          </p:cNvPr>
+          <p:cNvSpPr txBox="1">
+            <a:spLocks/>
+          </p:cNvSpPr>
+          <p:nvPr/>
+        </p:nvSpPr>
+        <p:spPr>
+          <a:xfrm>
+            <a:off x="2074626" y="3911572"/>
+            <a:ext cx="1786200" cy="2313000"/>
+          </a:xfrm>
+          <a:prstGeom prst="rect">
+            <a:avLst/>
+          </a:prstGeom>
+        </p:spPr>
+        <p:txBody>
+          <a:bodyPr spcFirstLastPara="1" wrap="square" lIns="91425" tIns="91425" rIns="91425" bIns="91425" anchor="t" anchorCtr="0">
+            <a:normAutofit/>
+          </a:bodyPr>
+          <a:lstStyle>
+            <a:lvl1pPr marL="266700" indent="-266700" algn="l" defTabSz="914400" rtl="0" eaLnBrk="1" latinLnBrk="0" hangingPunct="1">
+              <a:lnSpc>
+                <a:spcPct val="90000"/>
+              </a:lnSpc>
+              <a:spcBef>
+                <a:spcPts val="1000"/>
+              </a:spcBef>
+              <a:buFont typeface="Arial" panose="020B0604020202020204" pitchFamily="34" charset="0"/>
+              <a:buChar char="•"/>
+              <a:defRPr sz="1800" kern="1200">
+                <a:solidFill>
+                  <a:schemeClr val="bg1"/>
+                </a:solidFill>
+                <a:latin typeface="+mn-lt"/>
+                <a:ea typeface="+mn-ea"/>
+                <a:cs typeface="+mn-cs"/>
+              </a:defRPr>
+            </a:lvl1pPr>
+            <a:lvl2pPr marL="542925" indent="-276225" algn="l" defTabSz="914400" rtl="0" eaLnBrk="1" latinLnBrk="0" hangingPunct="1">
+              <a:lnSpc>
+                <a:spcPct val="90000"/>
+              </a:lnSpc>
+              <a:spcBef>
+                <a:spcPts val="500"/>
+              </a:spcBef>
+              <a:buFont typeface="Arial" panose="020B0604020202020204" pitchFamily="34" charset="0"/>
+              <a:buChar char="•"/>
+              <a:defRPr sz="1600" kern="1200">
+                <a:solidFill>
+                  <a:schemeClr val="bg1"/>
+                </a:solidFill>
+                <a:latin typeface="+mn-lt"/>
+                <a:ea typeface="+mn-ea"/>
+                <a:cs typeface="+mn-cs"/>
+              </a:defRPr>
+            </a:lvl2pPr>
+            <a:lvl3pPr marL="809625" indent="-266700" algn="l" defTabSz="914400" rtl="0" eaLnBrk="1" latinLnBrk="0" hangingPunct="1">
+              <a:lnSpc>
+                <a:spcPct val="90000"/>
+              </a:lnSpc>
+              <a:spcBef>
+                <a:spcPts val="500"/>
+              </a:spcBef>
+              <a:buFont typeface="Arial" panose="020B0604020202020204" pitchFamily="34" charset="0"/>
+              <a:buChar char="•"/>
+              <a:defRPr sz="1400" kern="1200">
+                <a:solidFill>
+                  <a:schemeClr val="bg1"/>
+                </a:solidFill>
+                <a:latin typeface="+mn-lt"/>
+                <a:ea typeface="+mn-ea"/>
+                <a:cs typeface="+mn-cs"/>
+              </a:defRPr>
+            </a:lvl3pPr>
+            <a:lvl4pPr marL="1076325" indent="-266700" algn="l" defTabSz="914400" rtl="0" eaLnBrk="1" latinLnBrk="0" hangingPunct="1">
+              <a:lnSpc>
+                <a:spcPct val="90000"/>
+              </a:lnSpc>
+              <a:spcBef>
+                <a:spcPts val="500"/>
+              </a:spcBef>
+              <a:buFont typeface="Arial" panose="020B0604020202020204" pitchFamily="34" charset="0"/>
+              <a:buChar char="•"/>
+              <a:defRPr sz="1400" kern="1200">
+                <a:solidFill>
+                  <a:schemeClr val="bg1"/>
+                </a:solidFill>
+                <a:latin typeface="+mn-lt"/>
+                <a:ea typeface="+mn-ea"/>
+                <a:cs typeface="+mn-cs"/>
+              </a:defRPr>
+            </a:lvl4pPr>
+            <a:lvl5pPr marL="1343025" indent="-266700" algn="l" defTabSz="914400" rtl="0" eaLnBrk="1" latinLnBrk="0" hangingPunct="1">
+              <a:lnSpc>
+                <a:spcPct val="90000"/>
+              </a:lnSpc>
+              <a:spcBef>
+                <a:spcPts val="500"/>
+              </a:spcBef>
+              <a:buFont typeface="Arial" panose="020B0604020202020204" pitchFamily="34" charset="0"/>
+              <a:buChar char="•"/>
+              <a:defRPr sz="1400" kern="1200">
+                <a:solidFill>
+                  <a:schemeClr val="bg1"/>
+                </a:solidFill>
+                <a:latin typeface="+mn-lt"/>
+                <a:ea typeface="+mn-ea"/>
+                <a:cs typeface="+mn-cs"/>
+              </a:defRPr>
+            </a:lvl5pPr>
+            <a:lvl6pPr marL="2514600" indent="-228600" algn="l" defTabSz="914400" rtl="0" eaLnBrk="1" latinLnBrk="0" hangingPunct="1">
+              <a:lnSpc>
+                <a:spcPct val="90000"/>
+              </a:lnSpc>
+              <a:spcBef>
+                <a:spcPts val="500"/>
+              </a:spcBef>
+              <a:buFont typeface="Arial" panose="020B0604020202020204" pitchFamily="34" charset="0"/>
+              <a:buChar char="•"/>
+              <a:defRPr sz="1800" kern="1200">
+                <a:solidFill>
+                  <a:schemeClr val="tx1"/>
+                </a:solidFill>
+                <a:latin typeface="+mn-lt"/>
+                <a:ea typeface="+mn-ea"/>
+                <a:cs typeface="+mn-cs"/>
+              </a:defRPr>
+            </a:lvl6pPr>
+            <a:lvl7pPr marL="2971800" indent="-228600" algn="l" defTabSz="914400" rtl="0" eaLnBrk="1" latinLnBrk="0" hangingPunct="1">
+              <a:lnSpc>
+                <a:spcPct val="90000"/>
+              </a:lnSpc>
+              <a:spcBef>
+                <a:spcPts val="500"/>
+              </a:spcBef>
+              <a:buFont typeface="Arial" panose="020B0604020202020204" pitchFamily="34" charset="0"/>
+              <a:buChar char="•"/>
+              <a:defRPr sz="1800" kern="1200">
+                <a:solidFill>
+                  <a:schemeClr val="tx1"/>
+                </a:solidFill>
+                <a:latin typeface="+mn-lt"/>
+                <a:ea typeface="+mn-ea"/>
+                <a:cs typeface="+mn-cs"/>
+              </a:defRPr>
+            </a:lvl7pPr>
+            <a:lvl8pPr marL="3429000" indent="-228600" algn="l" defTabSz="914400" rtl="0" eaLnBrk="1" latinLnBrk="0" hangingPunct="1">
+              <a:lnSpc>
+                <a:spcPct val="90000"/>
+              </a:lnSpc>
+              <a:spcBef>
+                <a:spcPts val="500"/>
+              </a:spcBef>
+              <a:buFont typeface="Arial" panose="020B0604020202020204" pitchFamily="34" charset="0"/>
+              <a:buChar char="•"/>
+              <a:defRPr sz="1800" kern="1200">
+                <a:solidFill>
+                  <a:schemeClr val="tx1"/>
+                </a:solidFill>
+                <a:latin typeface="+mn-lt"/>
+                <a:ea typeface="+mn-ea"/>
+                <a:cs typeface="+mn-cs"/>
+              </a:defRPr>
+            </a:lvl8pPr>
+            <a:lvl9pPr marL="3886200" indent="-228600" algn="l" defTabSz="914400" rtl="0" eaLnBrk="1" latinLnBrk="0" hangingPunct="1">
+              <a:lnSpc>
+                <a:spcPct val="90000"/>
+              </a:lnSpc>
+              <a:spcBef>
+                <a:spcPts val="500"/>
+              </a:spcBef>
+              <a:buFont typeface="Arial" panose="020B0604020202020204" pitchFamily="34" charset="0"/>
+              <a:buChar char="•"/>
+              <a:defRPr sz="1800" kern="1200">
+                <a:solidFill>
+                  <a:schemeClr val="tx1"/>
+                </a:solidFill>
+                <a:latin typeface="+mn-lt"/>
+                <a:ea typeface="+mn-ea"/>
+                <a:cs typeface="+mn-cs"/>
+              </a:defRPr>
+            </a:lvl9pPr>
+          </a:lstStyle>
+          <a:p>
+            <a:pPr marL="0" indent="0" algn="ctr">
+              <a:spcBef>
+                <a:spcPts val="0"/>
+              </a:spcBef>
+              <a:buFont typeface="Arial" panose="020B0604020202020204" pitchFamily="34" charset="0"/>
+              <a:buNone/>
+            </a:pPr>
+            <a:r>
+              <a:rPr lang="en-US" dirty="0"/>
+              <a:t>Application design, Google ads, Demo the apps</a:t>
+            </a:r>
+          </a:p>
+        </p:txBody>
+      </p:sp>
+      <p:sp>
+        <p:nvSpPr>
+          <p:cNvPr id="4" name="Google Shape;197;p22">
+            <a:extLst>
+              <a:ext uri="{FF2B5EF4-FFF2-40B4-BE49-F238E27FC236}">
+                <a16:creationId xmlns:a16="http://schemas.microsoft.com/office/drawing/2014/main" id="{251D82A5-0794-44EA-9A17-1E3B4A1879E6}"/>
+              </a:ext>
+            </a:extLst>
+          </p:cNvPr>
+          <p:cNvSpPr txBox="1">
+            <a:spLocks/>
+          </p:cNvSpPr>
+          <p:nvPr/>
+        </p:nvSpPr>
+        <p:spPr>
+          <a:xfrm>
+            <a:off x="748996" y="537007"/>
+            <a:ext cx="7505700" cy="954600"/>
+          </a:xfrm>
+          <a:prstGeom prst="rect">
+            <a:avLst/>
+          </a:prstGeom>
+        </p:spPr>
+        <p:txBody>
+          <a:bodyPr spcFirstLastPara="1" wrap="square" lIns="91425" tIns="91425" rIns="91425" bIns="91425" anchor="t" anchorCtr="0">
+            <a:normAutofit/>
+          </a:bodyPr>
+          <a:lstStyle>
+            <a:lvl1pPr algn="l" defTabSz="914400" rtl="0" eaLnBrk="1" latinLnBrk="0" hangingPunct="1">
+              <a:lnSpc>
+                <a:spcPct val="90000"/>
+              </a:lnSpc>
+              <a:spcBef>
+                <a:spcPct val="0"/>
+              </a:spcBef>
+              <a:buNone/>
+              <a:defRPr sz="3200" b="1" kern="1200" spc="-150">
+                <a:solidFill>
+                  <a:schemeClr val="bg1"/>
+                </a:solidFill>
+                <a:latin typeface="+mj-lt"/>
+                <a:ea typeface="+mj-ea"/>
+                <a:cs typeface="+mj-cs"/>
+              </a:defRPr>
+            </a:lvl1pPr>
+          </a:lstStyle>
+          <a:p>
+            <a:pPr>
+              <a:spcBef>
+                <a:spcPts val="0"/>
+              </a:spcBef>
+            </a:pPr>
+            <a:r>
+              <a:rPr lang="id-ID" dirty="0"/>
+              <a:t>Your Roadmap</a:t>
+            </a:r>
+          </a:p>
+        </p:txBody>
+      </p:sp>
+      <p:sp>
+        <p:nvSpPr>
+          <p:cNvPr id="5" name="Google Shape;198;p22">
+            <a:extLst>
+              <a:ext uri="{FF2B5EF4-FFF2-40B4-BE49-F238E27FC236}">
+                <a16:creationId xmlns:a16="http://schemas.microsoft.com/office/drawing/2014/main" id="{A74CDF36-F452-42BE-B533-804A9817A67B}"/>
+              </a:ext>
+            </a:extLst>
+          </p:cNvPr>
+          <p:cNvSpPr txBox="1">
+            <a:spLocks/>
+          </p:cNvSpPr>
+          <p:nvPr/>
+        </p:nvSpPr>
+        <p:spPr>
+          <a:xfrm>
+            <a:off x="6096000" y="3924795"/>
+            <a:ext cx="1825200" cy="1529700"/>
+          </a:xfrm>
+          <a:prstGeom prst="rect">
+            <a:avLst/>
+          </a:prstGeom>
+        </p:spPr>
+        <p:txBody>
+          <a:bodyPr spcFirstLastPara="1" wrap="square" lIns="91425" tIns="91425" rIns="91425" bIns="91425" anchor="t" anchorCtr="0">
+            <a:normAutofit lnSpcReduction="10000"/>
+          </a:bodyPr>
+          <a:lstStyle>
+            <a:lvl1pPr marL="266700" indent="-266700" algn="l" defTabSz="914400" rtl="0" eaLnBrk="1" latinLnBrk="0" hangingPunct="1">
+              <a:lnSpc>
+                <a:spcPct val="90000"/>
+              </a:lnSpc>
+              <a:spcBef>
+                <a:spcPts val="1000"/>
+              </a:spcBef>
+              <a:buFont typeface="Arial" panose="020B0604020202020204" pitchFamily="34" charset="0"/>
+              <a:buChar char="•"/>
+              <a:defRPr sz="1800" kern="1200">
+                <a:solidFill>
+                  <a:schemeClr val="bg1"/>
+                </a:solidFill>
+                <a:latin typeface="+mn-lt"/>
+                <a:ea typeface="+mn-ea"/>
+                <a:cs typeface="+mn-cs"/>
+              </a:defRPr>
+            </a:lvl1pPr>
+            <a:lvl2pPr marL="542925" indent="-276225" algn="l" defTabSz="914400" rtl="0" eaLnBrk="1" latinLnBrk="0" hangingPunct="1">
+              <a:lnSpc>
+                <a:spcPct val="90000"/>
+              </a:lnSpc>
+              <a:spcBef>
+                <a:spcPts val="500"/>
+              </a:spcBef>
+              <a:buFont typeface="Arial" panose="020B0604020202020204" pitchFamily="34" charset="0"/>
+              <a:buChar char="•"/>
+              <a:defRPr sz="1600" kern="1200">
+                <a:solidFill>
+                  <a:schemeClr val="bg1"/>
+                </a:solidFill>
+                <a:latin typeface="+mn-lt"/>
+                <a:ea typeface="+mn-ea"/>
+                <a:cs typeface="+mn-cs"/>
+              </a:defRPr>
+            </a:lvl2pPr>
+            <a:lvl3pPr marL="809625" indent="-266700" algn="l" defTabSz="914400" rtl="0" eaLnBrk="1" latinLnBrk="0" hangingPunct="1">
+              <a:lnSpc>
+                <a:spcPct val="90000"/>
+              </a:lnSpc>
+              <a:spcBef>
+                <a:spcPts val="500"/>
+              </a:spcBef>
+              <a:buFont typeface="Arial" panose="020B0604020202020204" pitchFamily="34" charset="0"/>
+              <a:buChar char="•"/>
+              <a:defRPr sz="1400" kern="1200">
+                <a:solidFill>
+                  <a:schemeClr val="bg1"/>
+                </a:solidFill>
+                <a:latin typeface="+mn-lt"/>
+                <a:ea typeface="+mn-ea"/>
+                <a:cs typeface="+mn-cs"/>
+              </a:defRPr>
+            </a:lvl3pPr>
+            <a:lvl4pPr marL="1076325" indent="-266700" algn="l" defTabSz="914400" rtl="0" eaLnBrk="1" latinLnBrk="0" hangingPunct="1">
+              <a:lnSpc>
+                <a:spcPct val="90000"/>
+              </a:lnSpc>
+              <a:spcBef>
+                <a:spcPts val="500"/>
+              </a:spcBef>
+              <a:buFont typeface="Arial" panose="020B0604020202020204" pitchFamily="34" charset="0"/>
+              <a:buChar char="•"/>
+              <a:defRPr sz="1400" kern="1200">
+                <a:solidFill>
+                  <a:schemeClr val="bg1"/>
+                </a:solidFill>
+                <a:latin typeface="+mn-lt"/>
+                <a:ea typeface="+mn-ea"/>
+                <a:cs typeface="+mn-cs"/>
+              </a:defRPr>
+            </a:lvl4pPr>
+            <a:lvl5pPr marL="1343025" indent="-266700" algn="l" defTabSz="914400" rtl="0" eaLnBrk="1" latinLnBrk="0" hangingPunct="1">
+              <a:lnSpc>
+                <a:spcPct val="90000"/>
+              </a:lnSpc>
+              <a:spcBef>
+                <a:spcPts val="500"/>
+              </a:spcBef>
+              <a:buFont typeface="Arial" panose="020B0604020202020204" pitchFamily="34" charset="0"/>
+              <a:buChar char="•"/>
+              <a:defRPr sz="1400" kern="1200">
+                <a:solidFill>
+                  <a:schemeClr val="bg1"/>
+                </a:solidFill>
+                <a:latin typeface="+mn-lt"/>
+                <a:ea typeface="+mn-ea"/>
+                <a:cs typeface="+mn-cs"/>
+              </a:defRPr>
+            </a:lvl5pPr>
+            <a:lvl6pPr marL="2514600" indent="-228600" algn="l" defTabSz="914400" rtl="0" eaLnBrk="1" latinLnBrk="0" hangingPunct="1">
+              <a:lnSpc>
+                <a:spcPct val="90000"/>
+              </a:lnSpc>
+              <a:spcBef>
+                <a:spcPts val="500"/>
+              </a:spcBef>
+              <a:buFont typeface="Arial" panose="020B0604020202020204" pitchFamily="34" charset="0"/>
+              <a:buChar char="•"/>
+              <a:defRPr sz="1800" kern="1200">
+                <a:solidFill>
+                  <a:schemeClr val="tx1"/>
+                </a:solidFill>
+                <a:latin typeface="+mn-lt"/>
+                <a:ea typeface="+mn-ea"/>
+                <a:cs typeface="+mn-cs"/>
+              </a:defRPr>
+            </a:lvl6pPr>
+            <a:lvl7pPr marL="2971800" indent="-228600" algn="l" defTabSz="914400" rtl="0" eaLnBrk="1" latinLnBrk="0" hangingPunct="1">
+              <a:lnSpc>
+                <a:spcPct val="90000"/>
+              </a:lnSpc>
+              <a:spcBef>
+                <a:spcPts val="500"/>
+              </a:spcBef>
+              <a:buFont typeface="Arial" panose="020B0604020202020204" pitchFamily="34" charset="0"/>
+              <a:buChar char="•"/>
+              <a:defRPr sz="1800" kern="1200">
+                <a:solidFill>
+                  <a:schemeClr val="tx1"/>
+                </a:solidFill>
+                <a:latin typeface="+mn-lt"/>
+                <a:ea typeface="+mn-ea"/>
+                <a:cs typeface="+mn-cs"/>
+              </a:defRPr>
+            </a:lvl7pPr>
+            <a:lvl8pPr marL="3429000" indent="-228600" algn="l" defTabSz="914400" rtl="0" eaLnBrk="1" latinLnBrk="0" hangingPunct="1">
+              <a:lnSpc>
+                <a:spcPct val="90000"/>
+              </a:lnSpc>
+              <a:spcBef>
+                <a:spcPts val="500"/>
+              </a:spcBef>
+              <a:buFont typeface="Arial" panose="020B0604020202020204" pitchFamily="34" charset="0"/>
+              <a:buChar char="•"/>
+              <a:defRPr sz="1800" kern="1200">
+                <a:solidFill>
+                  <a:schemeClr val="tx1"/>
+                </a:solidFill>
+                <a:latin typeface="+mn-lt"/>
+                <a:ea typeface="+mn-ea"/>
+                <a:cs typeface="+mn-cs"/>
+              </a:defRPr>
+            </a:lvl8pPr>
+            <a:lvl9pPr marL="3886200" indent="-228600" algn="l" defTabSz="914400" rtl="0" eaLnBrk="1" latinLnBrk="0" hangingPunct="1">
+              <a:lnSpc>
+                <a:spcPct val="90000"/>
+              </a:lnSpc>
+              <a:spcBef>
+                <a:spcPts val="500"/>
+              </a:spcBef>
+              <a:buFont typeface="Arial" panose="020B0604020202020204" pitchFamily="34" charset="0"/>
+              <a:buChar char="•"/>
+              <a:defRPr sz="1800" kern="1200">
+                <a:solidFill>
+                  <a:schemeClr val="tx1"/>
+                </a:solidFill>
+                <a:latin typeface="+mn-lt"/>
+                <a:ea typeface="+mn-ea"/>
+                <a:cs typeface="+mn-cs"/>
+              </a:defRPr>
+            </a:lvl9pPr>
+          </a:lstStyle>
+          <a:p>
+            <a:pPr marL="0" indent="0" algn="ctr">
+              <a:spcBef>
+                <a:spcPts val="0"/>
+              </a:spcBef>
+              <a:buFont typeface="Arial" panose="020B0604020202020204" pitchFamily="34" charset="0"/>
+              <a:buNone/>
+            </a:pPr>
+            <a:r>
+              <a:rPr lang="en-US"/>
+              <a:t>Promotion campaign through social media,  Active online customer service.</a:t>
+            </a:r>
+          </a:p>
+          <a:p>
+            <a:pPr marL="0" indent="0" algn="ctr">
+              <a:spcBef>
+                <a:spcPts val="0"/>
+              </a:spcBef>
+              <a:buFont typeface="Arial" panose="020B0604020202020204" pitchFamily="34" charset="0"/>
+              <a:buNone/>
+            </a:pPr>
+            <a:endParaRPr lang="en-US"/>
+          </a:p>
+          <a:p>
+            <a:pPr marL="0" indent="0" algn="ctr">
+              <a:spcBef>
+                <a:spcPts val="0"/>
+              </a:spcBef>
+              <a:buFont typeface="Arial" panose="020B0604020202020204" pitchFamily="34" charset="0"/>
+              <a:buNone/>
+            </a:pPr>
+            <a:endParaRPr lang="en-US" dirty="0"/>
+          </a:p>
+        </p:txBody>
+      </p:sp>
+      <p:sp>
+        <p:nvSpPr>
+          <p:cNvPr id="6" name="Google Shape;199;p22">
+            <a:extLst>
+              <a:ext uri="{FF2B5EF4-FFF2-40B4-BE49-F238E27FC236}">
+                <a16:creationId xmlns:a16="http://schemas.microsoft.com/office/drawing/2014/main" id="{9164F26A-5560-439C-AFAC-24BA924FFAAE}"/>
+              </a:ext>
+            </a:extLst>
+          </p:cNvPr>
+          <p:cNvSpPr txBox="1">
+            <a:spLocks/>
+          </p:cNvSpPr>
+          <p:nvPr/>
+        </p:nvSpPr>
+        <p:spPr>
+          <a:xfrm>
+            <a:off x="4038675" y="1678045"/>
+            <a:ext cx="1909800" cy="1899300"/>
+          </a:xfrm>
+          <a:prstGeom prst="rect">
+            <a:avLst/>
+          </a:prstGeom>
+        </p:spPr>
+        <p:txBody>
+          <a:bodyPr spcFirstLastPara="1" wrap="square" lIns="91425" tIns="91425" rIns="91425" bIns="91425" anchor="t" anchorCtr="0">
+            <a:normAutofit/>
+          </a:bodyPr>
+          <a:lstStyle>
+            <a:lvl1pPr marL="266700" indent="-266700" algn="l" defTabSz="914400" rtl="0" eaLnBrk="1" latinLnBrk="0" hangingPunct="1">
+              <a:lnSpc>
+                <a:spcPct val="90000"/>
+              </a:lnSpc>
+              <a:spcBef>
+                <a:spcPts val="1000"/>
+              </a:spcBef>
+              <a:buFont typeface="Arial" panose="020B0604020202020204" pitchFamily="34" charset="0"/>
+              <a:buChar char="•"/>
+              <a:defRPr sz="1800" kern="1200">
+                <a:solidFill>
+                  <a:schemeClr val="bg1"/>
+                </a:solidFill>
+                <a:latin typeface="+mn-lt"/>
+                <a:ea typeface="+mn-ea"/>
+                <a:cs typeface="+mn-cs"/>
+              </a:defRPr>
+            </a:lvl1pPr>
+            <a:lvl2pPr marL="542925" indent="-276225" algn="l" defTabSz="914400" rtl="0" eaLnBrk="1" latinLnBrk="0" hangingPunct="1">
+              <a:lnSpc>
+                <a:spcPct val="90000"/>
+              </a:lnSpc>
+              <a:spcBef>
+                <a:spcPts val="500"/>
+              </a:spcBef>
+              <a:buFont typeface="Arial" panose="020B0604020202020204" pitchFamily="34" charset="0"/>
+              <a:buChar char="•"/>
+              <a:defRPr sz="1600" kern="1200">
+                <a:solidFill>
+                  <a:schemeClr val="bg1"/>
+                </a:solidFill>
+                <a:latin typeface="+mn-lt"/>
+                <a:ea typeface="+mn-ea"/>
+                <a:cs typeface="+mn-cs"/>
+              </a:defRPr>
+            </a:lvl2pPr>
+            <a:lvl3pPr marL="809625" indent="-266700" algn="l" defTabSz="914400" rtl="0" eaLnBrk="1" latinLnBrk="0" hangingPunct="1">
+              <a:lnSpc>
+                <a:spcPct val="90000"/>
+              </a:lnSpc>
+              <a:spcBef>
+                <a:spcPts val="500"/>
+              </a:spcBef>
+              <a:buFont typeface="Arial" panose="020B0604020202020204" pitchFamily="34" charset="0"/>
+              <a:buChar char="•"/>
+              <a:defRPr sz="1400" kern="1200">
+                <a:solidFill>
+                  <a:schemeClr val="bg1"/>
+                </a:solidFill>
+                <a:latin typeface="+mn-lt"/>
+                <a:ea typeface="+mn-ea"/>
+                <a:cs typeface="+mn-cs"/>
+              </a:defRPr>
+            </a:lvl3pPr>
+            <a:lvl4pPr marL="1076325" indent="-266700" algn="l" defTabSz="914400" rtl="0" eaLnBrk="1" latinLnBrk="0" hangingPunct="1">
+              <a:lnSpc>
+                <a:spcPct val="90000"/>
+              </a:lnSpc>
+              <a:spcBef>
+                <a:spcPts val="500"/>
+              </a:spcBef>
+              <a:buFont typeface="Arial" panose="020B0604020202020204" pitchFamily="34" charset="0"/>
+              <a:buChar char="•"/>
+              <a:defRPr sz="1400" kern="1200">
+                <a:solidFill>
+                  <a:schemeClr val="bg1"/>
+                </a:solidFill>
+                <a:latin typeface="+mn-lt"/>
+                <a:ea typeface="+mn-ea"/>
+                <a:cs typeface="+mn-cs"/>
+              </a:defRPr>
+            </a:lvl4pPr>
+            <a:lvl5pPr marL="1343025" indent="-266700" algn="l" defTabSz="914400" rtl="0" eaLnBrk="1" latinLnBrk="0" hangingPunct="1">
+              <a:lnSpc>
+                <a:spcPct val="90000"/>
+              </a:lnSpc>
+              <a:spcBef>
+                <a:spcPts val="500"/>
+              </a:spcBef>
+              <a:buFont typeface="Arial" panose="020B0604020202020204" pitchFamily="34" charset="0"/>
+              <a:buChar char="•"/>
+              <a:defRPr sz="1400" kern="1200">
+                <a:solidFill>
+                  <a:schemeClr val="bg1"/>
+                </a:solidFill>
+                <a:latin typeface="+mn-lt"/>
+                <a:ea typeface="+mn-ea"/>
+                <a:cs typeface="+mn-cs"/>
+              </a:defRPr>
+            </a:lvl5pPr>
+            <a:lvl6pPr marL="2514600" indent="-228600" algn="l" defTabSz="914400" rtl="0" eaLnBrk="1" latinLnBrk="0" hangingPunct="1">
+              <a:lnSpc>
+                <a:spcPct val="90000"/>
+              </a:lnSpc>
+              <a:spcBef>
+                <a:spcPts val="500"/>
+              </a:spcBef>
+              <a:buFont typeface="Arial" panose="020B0604020202020204" pitchFamily="34" charset="0"/>
+              <a:buChar char="•"/>
+              <a:defRPr sz="1800" kern="1200">
+                <a:solidFill>
+                  <a:schemeClr val="tx1"/>
+                </a:solidFill>
+                <a:latin typeface="+mn-lt"/>
+                <a:ea typeface="+mn-ea"/>
+                <a:cs typeface="+mn-cs"/>
+              </a:defRPr>
+            </a:lvl6pPr>
+            <a:lvl7pPr marL="2971800" indent="-228600" algn="l" defTabSz="914400" rtl="0" eaLnBrk="1" latinLnBrk="0" hangingPunct="1">
+              <a:lnSpc>
+                <a:spcPct val="90000"/>
+              </a:lnSpc>
+              <a:spcBef>
+                <a:spcPts val="500"/>
+              </a:spcBef>
+              <a:buFont typeface="Arial" panose="020B0604020202020204" pitchFamily="34" charset="0"/>
+              <a:buChar char="•"/>
+              <a:defRPr sz="1800" kern="1200">
+                <a:solidFill>
+                  <a:schemeClr val="tx1"/>
+                </a:solidFill>
+                <a:latin typeface="+mn-lt"/>
+                <a:ea typeface="+mn-ea"/>
+                <a:cs typeface="+mn-cs"/>
+              </a:defRPr>
+            </a:lvl7pPr>
+            <a:lvl8pPr marL="3429000" indent="-228600" algn="l" defTabSz="914400" rtl="0" eaLnBrk="1" latinLnBrk="0" hangingPunct="1">
+              <a:lnSpc>
+                <a:spcPct val="90000"/>
+              </a:lnSpc>
+              <a:spcBef>
+                <a:spcPts val="500"/>
+              </a:spcBef>
+              <a:buFont typeface="Arial" panose="020B0604020202020204" pitchFamily="34" charset="0"/>
+              <a:buChar char="•"/>
+              <a:defRPr sz="1800" kern="1200">
+                <a:solidFill>
+                  <a:schemeClr val="tx1"/>
+                </a:solidFill>
+                <a:latin typeface="+mn-lt"/>
+                <a:ea typeface="+mn-ea"/>
+                <a:cs typeface="+mn-cs"/>
+              </a:defRPr>
+            </a:lvl8pPr>
+            <a:lvl9pPr marL="3886200" indent="-228600" algn="l" defTabSz="914400" rtl="0" eaLnBrk="1" latinLnBrk="0" hangingPunct="1">
+              <a:lnSpc>
+                <a:spcPct val="90000"/>
+              </a:lnSpc>
+              <a:spcBef>
+                <a:spcPts val="500"/>
+              </a:spcBef>
+              <a:buFont typeface="Arial" panose="020B0604020202020204" pitchFamily="34" charset="0"/>
+              <a:buChar char="•"/>
+              <a:defRPr sz="1800" kern="1200">
+                <a:solidFill>
+                  <a:schemeClr val="tx1"/>
+                </a:solidFill>
+                <a:latin typeface="+mn-lt"/>
+                <a:ea typeface="+mn-ea"/>
+                <a:cs typeface="+mn-cs"/>
+              </a:defRPr>
+            </a:lvl9pPr>
+          </a:lstStyle>
+          <a:p>
+            <a:pPr marL="0" indent="0" algn="ctr">
+              <a:spcBef>
+                <a:spcPts val="0"/>
+              </a:spcBef>
+              <a:spcAft>
+                <a:spcPts val="1200"/>
+              </a:spcAft>
+              <a:buFont typeface="Arial" panose="020B0604020202020204" pitchFamily="34" charset="0"/>
+              <a:buNone/>
+            </a:pPr>
+            <a:r>
+              <a:rPr lang="en-US" dirty="0"/>
+              <a:t>Deploying Application. Machine Learning prediction improvement,  </a:t>
+            </a:r>
+          </a:p>
+        </p:txBody>
+      </p:sp>
+      <p:sp>
+        <p:nvSpPr>
+          <p:cNvPr id="7" name="Google Shape;200;p22">
+            <a:extLst>
+              <a:ext uri="{FF2B5EF4-FFF2-40B4-BE49-F238E27FC236}">
+                <a16:creationId xmlns:a16="http://schemas.microsoft.com/office/drawing/2014/main" id="{5F1FFEBC-17CF-4B44-BF80-BEA05D231BF5}"/>
+              </a:ext>
+            </a:extLst>
+          </p:cNvPr>
+          <p:cNvSpPr txBox="1">
+            <a:spLocks/>
+          </p:cNvSpPr>
+          <p:nvPr/>
+        </p:nvSpPr>
+        <p:spPr>
+          <a:xfrm>
+            <a:off x="8117825" y="1764420"/>
+            <a:ext cx="1825200" cy="1830300"/>
+          </a:xfrm>
+          <a:prstGeom prst="rect">
+            <a:avLst/>
+          </a:prstGeom>
+        </p:spPr>
+        <p:txBody>
+          <a:bodyPr spcFirstLastPara="1" wrap="square" lIns="91425" tIns="91425" rIns="91425" bIns="91425" anchor="t" anchorCtr="0">
+            <a:normAutofit/>
+          </a:bodyPr>
+          <a:lstStyle>
+            <a:lvl1pPr marL="266700" indent="-266700" algn="l" defTabSz="914400" rtl="0" eaLnBrk="1" latinLnBrk="0" hangingPunct="1">
+              <a:lnSpc>
+                <a:spcPct val="90000"/>
+              </a:lnSpc>
+              <a:spcBef>
+                <a:spcPts val="1000"/>
+              </a:spcBef>
+              <a:buFont typeface="Arial" panose="020B0604020202020204" pitchFamily="34" charset="0"/>
+              <a:buChar char="•"/>
+              <a:defRPr sz="1800" kern="1200">
+                <a:solidFill>
+                  <a:schemeClr val="bg1"/>
+                </a:solidFill>
+                <a:latin typeface="+mn-lt"/>
+                <a:ea typeface="+mn-ea"/>
+                <a:cs typeface="+mn-cs"/>
+              </a:defRPr>
+            </a:lvl1pPr>
+            <a:lvl2pPr marL="542925" indent="-276225" algn="l" defTabSz="914400" rtl="0" eaLnBrk="1" latinLnBrk="0" hangingPunct="1">
+              <a:lnSpc>
+                <a:spcPct val="90000"/>
+              </a:lnSpc>
+              <a:spcBef>
+                <a:spcPts val="500"/>
+              </a:spcBef>
+              <a:buFont typeface="Arial" panose="020B0604020202020204" pitchFamily="34" charset="0"/>
+              <a:buChar char="•"/>
+              <a:defRPr sz="1600" kern="1200">
+                <a:solidFill>
+                  <a:schemeClr val="bg1"/>
+                </a:solidFill>
+                <a:latin typeface="+mn-lt"/>
+                <a:ea typeface="+mn-ea"/>
+                <a:cs typeface="+mn-cs"/>
+              </a:defRPr>
+            </a:lvl2pPr>
+            <a:lvl3pPr marL="809625" indent="-266700" algn="l" defTabSz="914400" rtl="0" eaLnBrk="1" latinLnBrk="0" hangingPunct="1">
+              <a:lnSpc>
+                <a:spcPct val="90000"/>
+              </a:lnSpc>
+              <a:spcBef>
+                <a:spcPts val="500"/>
+              </a:spcBef>
+              <a:buFont typeface="Arial" panose="020B0604020202020204" pitchFamily="34" charset="0"/>
+              <a:buChar char="•"/>
+              <a:defRPr sz="1400" kern="1200">
+                <a:solidFill>
+                  <a:schemeClr val="bg1"/>
+                </a:solidFill>
+                <a:latin typeface="+mn-lt"/>
+                <a:ea typeface="+mn-ea"/>
+                <a:cs typeface="+mn-cs"/>
+              </a:defRPr>
+            </a:lvl3pPr>
+            <a:lvl4pPr marL="1076325" indent="-266700" algn="l" defTabSz="914400" rtl="0" eaLnBrk="1" latinLnBrk="0" hangingPunct="1">
+              <a:lnSpc>
+                <a:spcPct val="90000"/>
+              </a:lnSpc>
+              <a:spcBef>
+                <a:spcPts val="500"/>
+              </a:spcBef>
+              <a:buFont typeface="Arial" panose="020B0604020202020204" pitchFamily="34" charset="0"/>
+              <a:buChar char="•"/>
+              <a:defRPr sz="1400" kern="1200">
+                <a:solidFill>
+                  <a:schemeClr val="bg1"/>
+                </a:solidFill>
+                <a:latin typeface="+mn-lt"/>
+                <a:ea typeface="+mn-ea"/>
+                <a:cs typeface="+mn-cs"/>
+              </a:defRPr>
+            </a:lvl4pPr>
+            <a:lvl5pPr marL="1343025" indent="-266700" algn="l" defTabSz="914400" rtl="0" eaLnBrk="1" latinLnBrk="0" hangingPunct="1">
+              <a:lnSpc>
+                <a:spcPct val="90000"/>
+              </a:lnSpc>
+              <a:spcBef>
+                <a:spcPts val="500"/>
+              </a:spcBef>
+              <a:buFont typeface="Arial" panose="020B0604020202020204" pitchFamily="34" charset="0"/>
+              <a:buChar char="•"/>
+              <a:defRPr sz="1400" kern="1200">
+                <a:solidFill>
+                  <a:schemeClr val="bg1"/>
+                </a:solidFill>
+                <a:latin typeface="+mn-lt"/>
+                <a:ea typeface="+mn-ea"/>
+                <a:cs typeface="+mn-cs"/>
+              </a:defRPr>
+            </a:lvl5pPr>
+            <a:lvl6pPr marL="2514600" indent="-228600" algn="l" defTabSz="914400" rtl="0" eaLnBrk="1" latinLnBrk="0" hangingPunct="1">
+              <a:lnSpc>
+                <a:spcPct val="90000"/>
+              </a:lnSpc>
+              <a:spcBef>
+                <a:spcPts val="500"/>
+              </a:spcBef>
+              <a:buFont typeface="Arial" panose="020B0604020202020204" pitchFamily="34" charset="0"/>
+              <a:buChar char="•"/>
+              <a:defRPr sz="1800" kern="1200">
+                <a:solidFill>
+                  <a:schemeClr val="tx1"/>
+                </a:solidFill>
+                <a:latin typeface="+mn-lt"/>
+                <a:ea typeface="+mn-ea"/>
+                <a:cs typeface="+mn-cs"/>
+              </a:defRPr>
+            </a:lvl6pPr>
+            <a:lvl7pPr marL="2971800" indent="-228600" algn="l" defTabSz="914400" rtl="0" eaLnBrk="1" latinLnBrk="0" hangingPunct="1">
+              <a:lnSpc>
+                <a:spcPct val="90000"/>
+              </a:lnSpc>
+              <a:spcBef>
+                <a:spcPts val="500"/>
+              </a:spcBef>
+              <a:buFont typeface="Arial" panose="020B0604020202020204" pitchFamily="34" charset="0"/>
+              <a:buChar char="•"/>
+              <a:defRPr sz="1800" kern="1200">
+                <a:solidFill>
+                  <a:schemeClr val="tx1"/>
+                </a:solidFill>
+                <a:latin typeface="+mn-lt"/>
+                <a:ea typeface="+mn-ea"/>
+                <a:cs typeface="+mn-cs"/>
+              </a:defRPr>
+            </a:lvl7pPr>
+            <a:lvl8pPr marL="3429000" indent="-228600" algn="l" defTabSz="914400" rtl="0" eaLnBrk="1" latinLnBrk="0" hangingPunct="1">
+              <a:lnSpc>
+                <a:spcPct val="90000"/>
+              </a:lnSpc>
+              <a:spcBef>
+                <a:spcPts val="500"/>
+              </a:spcBef>
+              <a:buFont typeface="Arial" panose="020B0604020202020204" pitchFamily="34" charset="0"/>
+              <a:buChar char="•"/>
+              <a:defRPr sz="1800" kern="1200">
+                <a:solidFill>
+                  <a:schemeClr val="tx1"/>
+                </a:solidFill>
+                <a:latin typeface="+mn-lt"/>
+                <a:ea typeface="+mn-ea"/>
+                <a:cs typeface="+mn-cs"/>
+              </a:defRPr>
+            </a:lvl8pPr>
+            <a:lvl9pPr marL="3886200" indent="-228600" algn="l" defTabSz="914400" rtl="0" eaLnBrk="1" latinLnBrk="0" hangingPunct="1">
+              <a:lnSpc>
+                <a:spcPct val="90000"/>
+              </a:lnSpc>
+              <a:spcBef>
+                <a:spcPts val="500"/>
+              </a:spcBef>
+              <a:buFont typeface="Arial" panose="020B0604020202020204" pitchFamily="34" charset="0"/>
+              <a:buChar char="•"/>
+              <a:defRPr sz="1800" kern="1200">
+                <a:solidFill>
+                  <a:schemeClr val="tx1"/>
+                </a:solidFill>
+                <a:latin typeface="+mn-lt"/>
+                <a:ea typeface="+mn-ea"/>
+                <a:cs typeface="+mn-cs"/>
+              </a:defRPr>
+            </a:lvl9pPr>
+          </a:lstStyle>
+          <a:p>
+            <a:pPr marL="0" indent="0" algn="ctr">
+              <a:spcBef>
+                <a:spcPts val="0"/>
+              </a:spcBef>
+              <a:buFont typeface="Arial" panose="020B0604020202020204" pitchFamily="34" charset="0"/>
+              <a:buNone/>
+            </a:pPr>
+            <a:r>
+              <a:rPr lang="id-ID" dirty="0"/>
+              <a:t>Application maintenance and evaluation, improving services</a:t>
+            </a:r>
+          </a:p>
+          <a:p>
+            <a:pPr marL="0" indent="0" algn="ctr">
+              <a:spcBef>
+                <a:spcPts val="0"/>
+              </a:spcBef>
+              <a:buFont typeface="Arial" panose="020B0604020202020204" pitchFamily="34" charset="0"/>
+              <a:buNone/>
+            </a:pPr>
+            <a:endParaRPr lang="id-ID" dirty="0"/>
+          </a:p>
+        </p:txBody>
+      </p:sp>
+      <p:grpSp>
+        <p:nvGrpSpPr>
+          <p:cNvPr id="9" name="Google Shape;202;p22">
+            <a:extLst>
+              <a:ext uri="{FF2B5EF4-FFF2-40B4-BE49-F238E27FC236}">
+                <a16:creationId xmlns:a16="http://schemas.microsoft.com/office/drawing/2014/main" id="{F4F63FD0-39B4-4385-B212-3762933F6422}"/>
+              </a:ext>
+            </a:extLst>
+          </p:cNvPr>
+          <p:cNvGrpSpPr/>
+          <p:nvPr/>
+        </p:nvGrpSpPr>
+        <p:grpSpPr>
+          <a:xfrm>
+            <a:off x="1910275" y="2411345"/>
+            <a:ext cx="8176650" cy="2221750"/>
+            <a:chOff x="403525" y="1647125"/>
+            <a:chExt cx="8176650" cy="2221750"/>
+          </a:xfrm>
+        </p:grpSpPr>
+        <p:sp>
+          <p:nvSpPr>
+            <p:cNvPr id="10" name="Google Shape;203;p22">
+              <a:extLst>
+                <a:ext uri="{FF2B5EF4-FFF2-40B4-BE49-F238E27FC236}">
+                  <a16:creationId xmlns:a16="http://schemas.microsoft.com/office/drawing/2014/main" id="{5D8BDABF-4F38-47B2-82BB-0A2066D5D259}"/>
+                </a:ext>
+              </a:extLst>
+            </p:cNvPr>
+            <p:cNvSpPr/>
+            <p:nvPr/>
+          </p:nvSpPr>
+          <p:spPr>
+            <a:xfrm>
+              <a:off x="403525" y="1647125"/>
+              <a:ext cx="2143200" cy="2187000"/>
+            </a:xfrm>
+            <a:prstGeom prst="blockArc">
+              <a:avLst>
+                <a:gd name="adj1" fmla="val 10800000"/>
+                <a:gd name="adj2" fmla="val 92211"/>
+                <a:gd name="adj3" fmla="val 6210"/>
+              </a:avLst>
+            </a:prstGeom>
+            <a:solidFill>
+              <a:schemeClr val="bg1"/>
+            </a:solidFill>
+            <a:ln>
+              <a:noFill/>
+            </a:ln>
+          </p:spPr>
+          <p:txBody>
+            <a:bodyPr spcFirstLastPara="1" wrap="square" lIns="91425" tIns="91425" rIns="91425" bIns="91425" anchor="ctr" anchorCtr="0">
+              <a:noAutofit/>
+            </a:bodyPr>
+            <a:lstStyle/>
+            <a:p>
+              <a:pPr marL="0" lvl="0" indent="0" algn="l" rtl="0">
+                <a:spcBef>
+                  <a:spcPts val="0"/>
+                </a:spcBef>
+                <a:spcAft>
+                  <a:spcPts val="0"/>
+                </a:spcAft>
+                <a:buNone/>
+              </a:pPr>
+              <a:endParaRPr/>
+            </a:p>
+          </p:txBody>
+        </p:sp>
+        <p:sp>
+          <p:nvSpPr>
+            <p:cNvPr id="11" name="Google Shape;204;p22">
+              <a:extLst>
+                <a:ext uri="{FF2B5EF4-FFF2-40B4-BE49-F238E27FC236}">
+                  <a16:creationId xmlns:a16="http://schemas.microsoft.com/office/drawing/2014/main" id="{F68667F2-E2C5-41AF-894A-DEF73551B4AA}"/>
+                </a:ext>
+              </a:extLst>
+            </p:cNvPr>
+            <p:cNvSpPr/>
+            <p:nvPr/>
+          </p:nvSpPr>
+          <p:spPr>
+            <a:xfrm rot="10800000">
+              <a:off x="2418550" y="1681875"/>
+              <a:ext cx="2143200" cy="2187000"/>
+            </a:xfrm>
+            <a:prstGeom prst="blockArc">
+              <a:avLst>
+                <a:gd name="adj1" fmla="val 10800000"/>
+                <a:gd name="adj2" fmla="val 92211"/>
+                <a:gd name="adj3" fmla="val 6210"/>
+              </a:avLst>
+            </a:prstGeom>
+            <a:solidFill>
+              <a:schemeClr val="bg1"/>
+            </a:solidFill>
+            <a:ln>
+              <a:noFill/>
+            </a:ln>
+          </p:spPr>
+          <p:txBody>
+            <a:bodyPr spcFirstLastPara="1" wrap="square" lIns="91425" tIns="91425" rIns="91425" bIns="91425" anchor="ctr" anchorCtr="0">
+              <a:noAutofit/>
+            </a:bodyPr>
+            <a:lstStyle/>
+            <a:p>
+              <a:pPr marL="0" lvl="0" indent="0" algn="l" rtl="0">
+                <a:spcBef>
+                  <a:spcPts val="0"/>
+                </a:spcBef>
+                <a:spcAft>
+                  <a:spcPts val="0"/>
+                </a:spcAft>
+                <a:buNone/>
+              </a:pPr>
+              <a:endParaRPr/>
+            </a:p>
+          </p:txBody>
+        </p:sp>
+        <p:sp>
+          <p:nvSpPr>
+            <p:cNvPr id="12" name="Google Shape;205;p22">
+              <a:extLst>
+                <a:ext uri="{FF2B5EF4-FFF2-40B4-BE49-F238E27FC236}">
+                  <a16:creationId xmlns:a16="http://schemas.microsoft.com/office/drawing/2014/main" id="{D7FBB871-3F35-474C-AC0C-F3D98C1DBB7D}"/>
+                </a:ext>
+              </a:extLst>
+            </p:cNvPr>
+            <p:cNvSpPr/>
+            <p:nvPr/>
+          </p:nvSpPr>
+          <p:spPr>
+            <a:xfrm>
+              <a:off x="4424525" y="1681875"/>
+              <a:ext cx="2143200" cy="2187000"/>
+            </a:xfrm>
+            <a:prstGeom prst="blockArc">
+              <a:avLst>
+                <a:gd name="adj1" fmla="val 10800000"/>
+                <a:gd name="adj2" fmla="val 92211"/>
+                <a:gd name="adj3" fmla="val 6210"/>
+              </a:avLst>
+            </a:prstGeom>
+            <a:solidFill>
+              <a:schemeClr val="bg1"/>
+            </a:solidFill>
+            <a:ln>
+              <a:noFill/>
+            </a:ln>
+          </p:spPr>
+          <p:txBody>
+            <a:bodyPr spcFirstLastPara="1" wrap="square" lIns="91425" tIns="91425" rIns="91425" bIns="91425" anchor="ctr" anchorCtr="0">
+              <a:noAutofit/>
+            </a:bodyPr>
+            <a:lstStyle/>
+            <a:p>
+              <a:pPr marL="0" lvl="0" indent="0" algn="l" rtl="0">
+                <a:spcBef>
+                  <a:spcPts val="0"/>
+                </a:spcBef>
+                <a:spcAft>
+                  <a:spcPts val="0"/>
+                </a:spcAft>
+                <a:buNone/>
+              </a:pPr>
+              <a:endParaRPr/>
+            </a:p>
+          </p:txBody>
+        </p:sp>
+        <p:sp>
+          <p:nvSpPr>
+            <p:cNvPr id="13" name="Google Shape;206;p22">
+              <a:extLst>
+                <a:ext uri="{FF2B5EF4-FFF2-40B4-BE49-F238E27FC236}">
+                  <a16:creationId xmlns:a16="http://schemas.microsoft.com/office/drawing/2014/main" id="{D2F06249-2780-4549-8A76-B68BE999FA2B}"/>
+                </a:ext>
+              </a:extLst>
+            </p:cNvPr>
+            <p:cNvSpPr/>
+            <p:nvPr/>
+          </p:nvSpPr>
+          <p:spPr>
+            <a:xfrm rot="10800000">
+              <a:off x="6436975" y="1681875"/>
+              <a:ext cx="2143200" cy="2187000"/>
+            </a:xfrm>
+            <a:prstGeom prst="blockArc">
+              <a:avLst>
+                <a:gd name="adj1" fmla="val 10800000"/>
+                <a:gd name="adj2" fmla="val 92211"/>
+                <a:gd name="adj3" fmla="val 6210"/>
+              </a:avLst>
+            </a:prstGeom>
+            <a:solidFill>
+              <a:schemeClr val="bg1"/>
+            </a:solidFill>
+            <a:ln>
+              <a:noFill/>
+            </a:ln>
+          </p:spPr>
+          <p:txBody>
+            <a:bodyPr spcFirstLastPara="1" wrap="square" lIns="91425" tIns="91425" rIns="91425" bIns="91425" anchor="ctr" anchorCtr="0">
+              <a:noAutofit/>
+            </a:bodyPr>
+            <a:lstStyle/>
+            <a:p>
+              <a:pPr marL="0" lvl="0" indent="0" algn="l" rtl="0">
+                <a:spcBef>
+                  <a:spcPts val="0"/>
+                </a:spcBef>
+                <a:spcAft>
+                  <a:spcPts val="0"/>
+                </a:spcAft>
+                <a:buNone/>
+              </a:pPr>
+              <a:endParaRPr/>
+            </a:p>
+          </p:txBody>
+        </p:sp>
+      </p:grpSp>
+      <p:grpSp>
+        <p:nvGrpSpPr>
+          <p:cNvPr id="14" name="Google Shape;207;p22">
+            <a:extLst>
+              <a:ext uri="{FF2B5EF4-FFF2-40B4-BE49-F238E27FC236}">
+                <a16:creationId xmlns:a16="http://schemas.microsoft.com/office/drawing/2014/main" id="{91BAACE7-9715-48A8-9CBF-D9D9FC921A79}"/>
+              </a:ext>
+            </a:extLst>
+          </p:cNvPr>
+          <p:cNvGrpSpPr/>
+          <p:nvPr/>
+        </p:nvGrpSpPr>
+        <p:grpSpPr>
+          <a:xfrm>
+            <a:off x="4767025" y="3185220"/>
+            <a:ext cx="439500" cy="849000"/>
+            <a:chOff x="3260275" y="2421000"/>
+            <a:chExt cx="439500" cy="849000"/>
+          </a:xfrm>
+        </p:grpSpPr>
+        <p:sp>
+          <p:nvSpPr>
+            <p:cNvPr id="15" name="Google Shape;208;p22">
+              <a:extLst>
+                <a:ext uri="{FF2B5EF4-FFF2-40B4-BE49-F238E27FC236}">
+                  <a16:creationId xmlns:a16="http://schemas.microsoft.com/office/drawing/2014/main" id="{70FF6212-32F1-4C2C-AEDC-C1574DACD317}"/>
+                </a:ext>
+              </a:extLst>
+            </p:cNvPr>
+            <p:cNvSpPr/>
+            <p:nvPr/>
+          </p:nvSpPr>
+          <p:spPr>
+            <a:xfrm>
+              <a:off x="3260275" y="2830500"/>
+              <a:ext cx="439500" cy="439500"/>
+            </a:xfrm>
+            <a:prstGeom prst="ellipse">
+              <a:avLst/>
+            </a:prstGeom>
+            <a:solidFill>
+              <a:schemeClr val="dk1"/>
+            </a:solidFill>
+            <a:ln w="38100" cap="flat" cmpd="sng">
+              <a:solidFill>
+                <a:schemeClr val="bg1"/>
+              </a:solidFill>
+              <a:prstDash val="solid"/>
+              <a:round/>
+              <a:headEnd type="none" w="sm" len="sm"/>
+              <a:tailEnd type="none" w="sm" len="sm"/>
+            </a:ln>
+          </p:spPr>
+          <p:txBody>
+            <a:bodyPr spcFirstLastPara="1" wrap="square" lIns="91425" tIns="91425" rIns="91425" bIns="91425" anchor="ctr" anchorCtr="0">
+              <a:noAutofit/>
+            </a:bodyPr>
+            <a:lstStyle/>
+            <a:p>
+              <a:pPr marL="0" lvl="0" indent="0" algn="l" rtl="0">
+                <a:spcBef>
+                  <a:spcPts val="0"/>
+                </a:spcBef>
+                <a:spcAft>
+                  <a:spcPts val="0"/>
+                </a:spcAft>
+                <a:buNone/>
+              </a:pPr>
+              <a:endParaRPr/>
+            </a:p>
+          </p:txBody>
+        </p:sp>
+        <p:cxnSp>
+          <p:nvCxnSpPr>
+            <p:cNvPr id="16" name="Google Shape;209;p22">
+              <a:extLst>
+                <a:ext uri="{FF2B5EF4-FFF2-40B4-BE49-F238E27FC236}">
+                  <a16:creationId xmlns:a16="http://schemas.microsoft.com/office/drawing/2014/main" id="{6752F76A-2968-484C-9411-ABFC505FD7D5}"/>
+                </a:ext>
+              </a:extLst>
+            </p:cNvPr>
+            <p:cNvCxnSpPr>
+              <a:stCxn id="15" idx="0"/>
+            </p:cNvCxnSpPr>
+            <p:nvPr/>
+          </p:nvCxnSpPr>
+          <p:spPr>
+            <a:xfrm rot="10800000">
+              <a:off x="3480025" y="2421000"/>
+              <a:ext cx="0" cy="409500"/>
+            </a:xfrm>
+            <a:prstGeom prst="straightConnector1">
+              <a:avLst/>
+            </a:prstGeom>
+            <a:noFill/>
+            <a:ln w="38100" cap="flat" cmpd="sng">
+              <a:solidFill>
+                <a:schemeClr val="bg1"/>
+              </a:solidFill>
+              <a:prstDash val="solid"/>
+              <a:round/>
+              <a:headEnd type="none" w="med" len="med"/>
+              <a:tailEnd type="none" w="med" len="med"/>
+            </a:ln>
+          </p:spPr>
+        </p:cxnSp>
+      </p:grpSp>
+      <p:grpSp>
+        <p:nvGrpSpPr>
+          <p:cNvPr id="17" name="Google Shape;210;p22">
+            <a:extLst>
+              <a:ext uri="{FF2B5EF4-FFF2-40B4-BE49-F238E27FC236}">
+                <a16:creationId xmlns:a16="http://schemas.microsoft.com/office/drawing/2014/main" id="{A9D325CC-8361-45CE-AF54-CB2B1530E9C1}"/>
+              </a:ext>
+            </a:extLst>
+          </p:cNvPr>
+          <p:cNvGrpSpPr/>
+          <p:nvPr/>
+        </p:nvGrpSpPr>
+        <p:grpSpPr>
+          <a:xfrm>
+            <a:off x="8810675" y="3261970"/>
+            <a:ext cx="439500" cy="849000"/>
+            <a:chOff x="3260275" y="2421000"/>
+            <a:chExt cx="439500" cy="849000"/>
+          </a:xfrm>
+        </p:grpSpPr>
+        <p:sp>
+          <p:nvSpPr>
+            <p:cNvPr id="18" name="Google Shape;211;p22">
+              <a:extLst>
+                <a:ext uri="{FF2B5EF4-FFF2-40B4-BE49-F238E27FC236}">
+                  <a16:creationId xmlns:a16="http://schemas.microsoft.com/office/drawing/2014/main" id="{A82F04E8-89F3-4DFD-899D-7092067030C0}"/>
+                </a:ext>
+              </a:extLst>
+            </p:cNvPr>
+            <p:cNvSpPr/>
+            <p:nvPr/>
+          </p:nvSpPr>
+          <p:spPr>
+            <a:xfrm>
+              <a:off x="3260275" y="2830500"/>
+              <a:ext cx="439500" cy="439500"/>
+            </a:xfrm>
+            <a:prstGeom prst="ellipse">
+              <a:avLst/>
+            </a:prstGeom>
+            <a:solidFill>
+              <a:schemeClr val="dk1"/>
+            </a:solidFill>
+            <a:ln w="38100" cap="flat" cmpd="sng">
+              <a:solidFill>
+                <a:schemeClr val="bg1"/>
+              </a:solidFill>
+              <a:prstDash val="solid"/>
+              <a:round/>
+              <a:headEnd type="none" w="sm" len="sm"/>
+              <a:tailEnd type="none" w="sm" len="sm"/>
+            </a:ln>
+          </p:spPr>
+          <p:txBody>
+            <a:bodyPr spcFirstLastPara="1" wrap="square" lIns="91425" tIns="91425" rIns="91425" bIns="91425" anchor="ctr" anchorCtr="0">
+              <a:noAutofit/>
+            </a:bodyPr>
+            <a:lstStyle/>
+            <a:p>
+              <a:pPr marL="0" lvl="0" indent="0" algn="l" rtl="0">
+                <a:spcBef>
+                  <a:spcPts val="0"/>
+                </a:spcBef>
+                <a:spcAft>
+                  <a:spcPts val="0"/>
+                </a:spcAft>
+                <a:buNone/>
+              </a:pPr>
+              <a:endParaRPr/>
+            </a:p>
+          </p:txBody>
+        </p:sp>
+        <p:cxnSp>
+          <p:nvCxnSpPr>
+            <p:cNvPr id="19" name="Google Shape;212;p22">
+              <a:extLst>
+                <a:ext uri="{FF2B5EF4-FFF2-40B4-BE49-F238E27FC236}">
+                  <a16:creationId xmlns:a16="http://schemas.microsoft.com/office/drawing/2014/main" id="{90F3E9E3-645C-4A29-961D-6412B51DF860}"/>
+                </a:ext>
+              </a:extLst>
+            </p:cNvPr>
+            <p:cNvCxnSpPr>
+              <a:stCxn id="18" idx="0"/>
+            </p:cNvCxnSpPr>
+            <p:nvPr/>
+          </p:nvCxnSpPr>
+          <p:spPr>
+            <a:xfrm rot="10800000">
+              <a:off x="3480025" y="2421000"/>
+              <a:ext cx="0" cy="409500"/>
+            </a:xfrm>
+            <a:prstGeom prst="straightConnector1">
+              <a:avLst/>
+            </a:prstGeom>
+            <a:noFill/>
+            <a:ln w="38100" cap="flat" cmpd="sng">
+              <a:solidFill>
+                <a:schemeClr val="bg1"/>
+              </a:solidFill>
+              <a:prstDash val="solid"/>
+              <a:round/>
+              <a:headEnd type="none" w="med" len="med"/>
+              <a:tailEnd type="none" w="med" len="med"/>
+            </a:ln>
+          </p:spPr>
+        </p:cxnSp>
+      </p:grpSp>
+      <p:grpSp>
+        <p:nvGrpSpPr>
+          <p:cNvPr id="20" name="Google Shape;213;p22">
+            <a:extLst>
+              <a:ext uri="{FF2B5EF4-FFF2-40B4-BE49-F238E27FC236}">
+                <a16:creationId xmlns:a16="http://schemas.microsoft.com/office/drawing/2014/main" id="{E0F97B03-E4CE-49F6-A1FB-D6C46B106A62}"/>
+              </a:ext>
+            </a:extLst>
+          </p:cNvPr>
+          <p:cNvGrpSpPr/>
+          <p:nvPr/>
+        </p:nvGrpSpPr>
+        <p:grpSpPr>
+          <a:xfrm rot="10800000" flipH="1">
+            <a:off x="2745200" y="2911470"/>
+            <a:ext cx="439500" cy="849000"/>
+            <a:chOff x="3260275" y="2421000"/>
+            <a:chExt cx="439500" cy="849000"/>
+          </a:xfrm>
+        </p:grpSpPr>
+        <p:sp>
+          <p:nvSpPr>
+            <p:cNvPr id="21" name="Google Shape;214;p22">
+              <a:extLst>
+                <a:ext uri="{FF2B5EF4-FFF2-40B4-BE49-F238E27FC236}">
+                  <a16:creationId xmlns:a16="http://schemas.microsoft.com/office/drawing/2014/main" id="{E1A20B4D-1A11-40D6-BFA6-654EC4ADC7D3}"/>
+                </a:ext>
+              </a:extLst>
+            </p:cNvPr>
+            <p:cNvSpPr/>
+            <p:nvPr/>
+          </p:nvSpPr>
+          <p:spPr>
+            <a:xfrm>
+              <a:off x="3260275" y="2830500"/>
+              <a:ext cx="439500" cy="439500"/>
+            </a:xfrm>
+            <a:prstGeom prst="ellipse">
+              <a:avLst/>
+            </a:prstGeom>
+            <a:solidFill>
+              <a:schemeClr val="dk1"/>
+            </a:solidFill>
+            <a:ln w="38100" cap="flat" cmpd="sng">
+              <a:solidFill>
+                <a:schemeClr val="bg1"/>
+              </a:solidFill>
+              <a:prstDash val="solid"/>
+              <a:round/>
+              <a:headEnd type="none" w="sm" len="sm"/>
+              <a:tailEnd type="none" w="sm" len="sm"/>
+            </a:ln>
+          </p:spPr>
+          <p:txBody>
+            <a:bodyPr spcFirstLastPara="1" wrap="square" lIns="91425" tIns="91425" rIns="91425" bIns="91425" anchor="ctr" anchorCtr="0">
+              <a:noAutofit/>
+            </a:bodyPr>
+            <a:lstStyle/>
+            <a:p>
+              <a:pPr marL="0" lvl="0" indent="0" algn="l" rtl="0">
+                <a:spcBef>
+                  <a:spcPts val="0"/>
+                </a:spcBef>
+                <a:spcAft>
+                  <a:spcPts val="0"/>
+                </a:spcAft>
+                <a:buNone/>
+              </a:pPr>
+              <a:endParaRPr/>
+            </a:p>
+          </p:txBody>
+        </p:sp>
+        <p:cxnSp>
+          <p:nvCxnSpPr>
+            <p:cNvPr id="22" name="Google Shape;215;p22">
+              <a:extLst>
+                <a:ext uri="{FF2B5EF4-FFF2-40B4-BE49-F238E27FC236}">
+                  <a16:creationId xmlns:a16="http://schemas.microsoft.com/office/drawing/2014/main" id="{930DC0B7-D602-4452-912F-A7F99FC4B901}"/>
+                </a:ext>
+              </a:extLst>
+            </p:cNvPr>
+            <p:cNvCxnSpPr>
+              <a:stCxn id="21" idx="0"/>
+            </p:cNvCxnSpPr>
+            <p:nvPr/>
+          </p:nvCxnSpPr>
+          <p:spPr>
+            <a:xfrm rot="10800000">
+              <a:off x="3480025" y="2421000"/>
+              <a:ext cx="0" cy="409500"/>
+            </a:xfrm>
+            <a:prstGeom prst="straightConnector1">
+              <a:avLst/>
+            </a:prstGeom>
+            <a:noFill/>
+            <a:ln w="38100" cap="flat" cmpd="sng">
+              <a:solidFill>
+                <a:schemeClr val="bg1"/>
+              </a:solidFill>
+              <a:prstDash val="solid"/>
+              <a:round/>
+              <a:headEnd type="none" w="med" len="med"/>
+              <a:tailEnd type="none" w="med" len="med"/>
+            </a:ln>
+          </p:spPr>
+        </p:cxnSp>
+      </p:grpSp>
+      <p:grpSp>
+        <p:nvGrpSpPr>
+          <p:cNvPr id="23" name="Google Shape;216;p22">
+            <a:extLst>
+              <a:ext uri="{FF2B5EF4-FFF2-40B4-BE49-F238E27FC236}">
+                <a16:creationId xmlns:a16="http://schemas.microsoft.com/office/drawing/2014/main" id="{25D07E22-CC19-4EB4-82AB-48C49F2BB6CB}"/>
+              </a:ext>
+            </a:extLst>
+          </p:cNvPr>
+          <p:cNvGrpSpPr/>
+          <p:nvPr/>
+        </p:nvGrpSpPr>
+        <p:grpSpPr>
+          <a:xfrm rot="10800000" flipH="1">
+            <a:off x="6788850" y="2955995"/>
+            <a:ext cx="439500" cy="849000"/>
+            <a:chOff x="3260275" y="2421000"/>
+            <a:chExt cx="439500" cy="849000"/>
+          </a:xfrm>
+        </p:grpSpPr>
+        <p:sp>
+          <p:nvSpPr>
+            <p:cNvPr id="24" name="Google Shape;217;p22">
+              <a:extLst>
+                <a:ext uri="{FF2B5EF4-FFF2-40B4-BE49-F238E27FC236}">
+                  <a16:creationId xmlns:a16="http://schemas.microsoft.com/office/drawing/2014/main" id="{433AB821-E0D2-4062-AF7D-BBC0F66F7006}"/>
+                </a:ext>
+              </a:extLst>
+            </p:cNvPr>
+            <p:cNvSpPr/>
+            <p:nvPr/>
+          </p:nvSpPr>
+          <p:spPr>
+            <a:xfrm>
+              <a:off x="3260275" y="2830500"/>
+              <a:ext cx="439500" cy="439500"/>
+            </a:xfrm>
+            <a:prstGeom prst="ellipse">
+              <a:avLst/>
+            </a:prstGeom>
+            <a:solidFill>
+              <a:schemeClr val="dk1"/>
+            </a:solidFill>
+            <a:ln w="38100" cap="flat" cmpd="sng">
+              <a:solidFill>
+                <a:schemeClr val="bg1"/>
+              </a:solidFill>
+              <a:prstDash val="solid"/>
+              <a:round/>
+              <a:headEnd type="none" w="sm" len="sm"/>
+              <a:tailEnd type="none" w="sm" len="sm"/>
+            </a:ln>
+          </p:spPr>
+          <p:txBody>
+            <a:bodyPr spcFirstLastPara="1" wrap="square" lIns="91425" tIns="91425" rIns="91425" bIns="91425" anchor="ctr" anchorCtr="0">
+              <a:noAutofit/>
+            </a:bodyPr>
+            <a:lstStyle/>
+            <a:p>
+              <a:pPr marL="0" lvl="0" indent="0" algn="l" rtl="0">
+                <a:spcBef>
+                  <a:spcPts val="0"/>
+                </a:spcBef>
+                <a:spcAft>
+                  <a:spcPts val="0"/>
+                </a:spcAft>
+                <a:buNone/>
+              </a:pPr>
+              <a:endParaRPr/>
+            </a:p>
+          </p:txBody>
+        </p:sp>
+        <p:cxnSp>
+          <p:nvCxnSpPr>
+            <p:cNvPr id="25" name="Google Shape;218;p22">
+              <a:extLst>
+                <a:ext uri="{FF2B5EF4-FFF2-40B4-BE49-F238E27FC236}">
+                  <a16:creationId xmlns:a16="http://schemas.microsoft.com/office/drawing/2014/main" id="{BA434583-71DF-4C6D-A17D-D39EFD99863E}"/>
+                </a:ext>
+              </a:extLst>
+            </p:cNvPr>
+            <p:cNvCxnSpPr>
+              <a:stCxn id="24" idx="0"/>
+            </p:cNvCxnSpPr>
+            <p:nvPr/>
+          </p:nvCxnSpPr>
+          <p:spPr>
+            <a:xfrm rot="10800000">
+              <a:off x="3480025" y="2421000"/>
+              <a:ext cx="0" cy="409500"/>
+            </a:xfrm>
+            <a:prstGeom prst="straightConnector1">
+              <a:avLst/>
+            </a:prstGeom>
+            <a:noFill/>
+            <a:ln w="38100" cap="flat" cmpd="sng">
+              <a:solidFill>
+                <a:schemeClr val="bg1"/>
+              </a:solidFill>
+              <a:prstDash val="solid"/>
+              <a:round/>
+              <a:headEnd type="none" w="med" len="med"/>
+              <a:tailEnd type="none" w="med" len="med"/>
+            </a:ln>
+          </p:spPr>
+        </p:cxnSp>
+      </p:grpSp>
+      <p:sp>
+        <p:nvSpPr>
+          <p:cNvPr id="27" name="Rectangle 26">
+            <a:extLst>
+              <a:ext uri="{FF2B5EF4-FFF2-40B4-BE49-F238E27FC236}">
+                <a16:creationId xmlns:a16="http://schemas.microsoft.com/office/drawing/2014/main" id="{3168BE46-80C0-4869-83B2-138FFEDC4AD3}"/>
+              </a:ext>
+            </a:extLst>
+          </p:cNvPr>
+          <p:cNvSpPr/>
+          <p:nvPr/>
+        </p:nvSpPr>
+        <p:spPr>
+          <a:xfrm>
+            <a:off x="10249804" y="97578"/>
+            <a:ext cx="1942196" cy="679508"/>
+          </a:xfrm>
+          <a:prstGeom prst="rect">
+            <a:avLst/>
+          </a:prstGeom>
+          <a:solidFill>
+            <a:schemeClr val="tx1"/>
+          </a:solidFill>
+          <a:ln w="3175">
+            <a:noFill/>
+          </a:ln>
+          <a:effectLst/>
+        </p:spPr>
+        <p:style>
+          <a:lnRef idx="2">
+            <a:schemeClr val="accent1">
+              <a:shade val="50000"/>
+            </a:schemeClr>
+          </a:lnRef>
+          <a:fillRef idx="1">
+            <a:schemeClr val="accent1"/>
+          </a:fillRef>
+          <a:effectRef idx="0">
+            <a:schemeClr val="accent1"/>
+          </a:effectRef>
+          <a:fontRef idx="minor">
+            <a:schemeClr val="lt1"/>
+          </a:fontRef>
+        </p:style>
+        <p:txBody>
+          <a:bodyPr rot="0" spcFirstLastPara="0" vertOverflow="overflow" horzOverflow="overflow" vert="horz" wrap="square" lIns="91440" tIns="45720" rIns="91440" bIns="45720" numCol="1" spcCol="0" rtlCol="0" fromWordArt="0" anchor="ctr" anchorCtr="0" forceAA="0" compatLnSpc="1">
+            <a:prstTxWarp prst="textNoShape">
+              <a:avLst/>
+            </a:prstTxWarp>
+            <a:noAutofit/>
+          </a:bodyPr>
+          <a:lstStyle/>
+          <a:p>
+            <a:pPr algn="ctr"/>
+            <a:endParaRPr lang="id-ID"/>
+          </a:p>
+        </p:txBody>
+      </p:sp>
+      <p:pic>
+        <p:nvPicPr>
+          <p:cNvPr id="26" name="Picture 25">
+            <a:extLst>
+              <a:ext uri="{FF2B5EF4-FFF2-40B4-BE49-F238E27FC236}">
+                <a16:creationId xmlns:a16="http://schemas.microsoft.com/office/drawing/2014/main" id="{E1B2258D-8872-49AF-8523-E2B67AF69CA3}"/>
+              </a:ext>
+            </a:extLst>
+          </p:cNvPr>
+          <p:cNvPicPr>
+            <a:picLocks noChangeAspect="1"/>
+          </p:cNvPicPr>
+          <p:nvPr/>
+        </p:nvPicPr>
+        <p:blipFill>
+          <a:blip r:embed="rId2"/>
+          <a:stretch>
+            <a:fillRect/>
+          </a:stretch>
+        </p:blipFill>
+        <p:spPr>
+          <a:xfrm>
+            <a:off x="10386993" y="341619"/>
+            <a:ext cx="1667818" cy="390775"/>
+          </a:xfrm>
+          <a:prstGeom prst="rect">
+            <a:avLst/>
+          </a:prstGeom>
+        </p:spPr>
+      </p:pic>
+    </p:spTree>
+    <p:extLst>
+      <p:ext uri="{BB962C8B-B14F-4D97-AF65-F5344CB8AC3E}">
+        <p14:creationId xmlns:p14="http://schemas.microsoft.com/office/powerpoint/2010/main" val="1534448217"/>
+      </p:ext>
+    </p:extLst>
+  </p:cSld>
+  <p:clrMapOvr>
+    <a:masterClrMapping/>
+  </p:clrMapOvr>
+</p:sld>
+</file>
+
+<file path=ppt/slides/slide14.xml><?xml version="1.0" encoding="utf-8"?>
+<p:sld xmlns:a="http://schemas.openxmlformats.org/drawingml/2006/main" xmlns:r="http://schemas.openxmlformats.org/officeDocument/2006/relationships" xmlns:p="http://schemas.openxmlformats.org/presentationml/2006/main">
+  <p:cSld>
+    <p:spTree>
+      <p:nvGrpSpPr>
+        <p:cNvPr id="1" name=""/>
+        <p:cNvGrpSpPr/>
+        <p:nvPr/>
+      </p:nvGrpSpPr>
+      <p:grpSpPr>
+        <a:xfrm>
+          <a:off x="0" y="0"/>
+          <a:ext cx="0" cy="0"/>
+          <a:chOff x="0" y="0"/>
+          <a:chExt cx="0" cy="0"/>
+        </a:xfrm>
+      </p:grpSpPr>
+      <p:sp>
+        <p:nvSpPr>
+          <p:cNvPr id="17" name="Slide Number Placeholder 16">
+            <a:extLst>
+              <a:ext uri="{FF2B5EF4-FFF2-40B4-BE49-F238E27FC236}">
+                <a16:creationId xmlns:a16="http://schemas.microsoft.com/office/drawing/2014/main" id="{A1C50541-31B5-4BE4-B588-11B481A10266}"/>
+              </a:ext>
+            </a:extLst>
+          </p:cNvPr>
+          <p:cNvSpPr>
+            <a:spLocks noGrp="1"/>
+          </p:cNvSpPr>
+          <p:nvPr>
+            <p:ph type="sldNum" sz="quarter" idx="52"/>
+          </p:nvPr>
+        </p:nvSpPr>
+        <p:spPr/>
+        <p:txBody>
+          <a:bodyPr/>
+          <a:lstStyle/>
+          <a:p>
+            <a:r>
+              <a:rPr lang="en-US" noProof="0"/>
+              <a:t>page </a:t>
+            </a:r>
+            <a:fld id="{19B51A1E-902D-48AF-9020-955120F399B6}" type="slidenum">
+              <a:rPr lang="en-US" b="1" i="1" noProof="0" smtClean="0"/>
+              <a:pPr/>
+              <a:t>14</a:t>
+            </a:fld>
+            <a:endParaRPr lang="en-US" b="1" i="1" noProof="0" dirty="0"/>
+          </a:p>
+        </p:txBody>
+      </p:sp>
+      <p:sp>
+        <p:nvSpPr>
+          <p:cNvPr id="20" name="Rectangle 19">
+            <a:extLst>
+              <a:ext uri="{FF2B5EF4-FFF2-40B4-BE49-F238E27FC236}">
+                <a16:creationId xmlns:a16="http://schemas.microsoft.com/office/drawing/2014/main" id="{960602EE-A98E-4467-877F-3A3A75B4840A}"/>
+              </a:ext>
+            </a:extLst>
+          </p:cNvPr>
+          <p:cNvSpPr/>
+          <p:nvPr/>
+        </p:nvSpPr>
+        <p:spPr>
+          <a:xfrm>
+            <a:off x="10249804" y="97578"/>
+            <a:ext cx="1942196" cy="679508"/>
+          </a:xfrm>
+          <a:prstGeom prst="rect">
+            <a:avLst/>
+          </a:prstGeom>
+          <a:solidFill>
+            <a:schemeClr val="tx1"/>
+          </a:solidFill>
+          <a:ln w="3175">
+            <a:noFill/>
+          </a:ln>
+          <a:effectLst/>
+        </p:spPr>
+        <p:style>
+          <a:lnRef idx="2">
+            <a:schemeClr val="accent1">
+              <a:shade val="50000"/>
+            </a:schemeClr>
+          </a:lnRef>
+          <a:fillRef idx="1">
+            <a:schemeClr val="accent1"/>
+          </a:fillRef>
+          <a:effectRef idx="0">
+            <a:schemeClr val="accent1"/>
+          </a:effectRef>
+          <a:fontRef idx="minor">
+            <a:schemeClr val="lt1"/>
+          </a:fontRef>
+        </p:style>
+        <p:txBody>
+          <a:bodyPr rot="0" spcFirstLastPara="0" vertOverflow="overflow" horzOverflow="overflow" vert="horz" wrap="square" lIns="91440" tIns="45720" rIns="91440" bIns="45720" numCol="1" spcCol="0" rtlCol="0" fromWordArt="0" anchor="ctr" anchorCtr="0" forceAA="0" compatLnSpc="1">
+            <a:prstTxWarp prst="textNoShape">
+              <a:avLst/>
+            </a:prstTxWarp>
+            <a:noAutofit/>
+          </a:bodyPr>
+          <a:lstStyle/>
+          <a:p>
+            <a:pPr algn="ctr"/>
+            <a:endParaRPr lang="id-ID"/>
+          </a:p>
+        </p:txBody>
+      </p:sp>
+      <p:pic>
+        <p:nvPicPr>
+          <p:cNvPr id="21" name="Picture 20">
+            <a:extLst>
+              <a:ext uri="{FF2B5EF4-FFF2-40B4-BE49-F238E27FC236}">
+                <a16:creationId xmlns:a16="http://schemas.microsoft.com/office/drawing/2014/main" id="{7512DEBE-4E48-4162-BA62-94293242202D}"/>
+              </a:ext>
+            </a:extLst>
+          </p:cNvPr>
+          <p:cNvPicPr>
+            <a:picLocks noChangeAspect="1"/>
+          </p:cNvPicPr>
+          <p:nvPr/>
+        </p:nvPicPr>
+        <p:blipFill>
+          <a:blip r:embed="rId2"/>
+          <a:stretch>
+            <a:fillRect/>
+          </a:stretch>
+        </p:blipFill>
+        <p:spPr>
+          <a:xfrm>
+            <a:off x="10386993" y="341619"/>
+            <a:ext cx="1667818" cy="390775"/>
+          </a:xfrm>
+          <a:prstGeom prst="rect">
+            <a:avLst/>
+          </a:prstGeom>
+        </p:spPr>
+      </p:pic>
+      <p:sp>
+        <p:nvSpPr>
+          <p:cNvPr id="22" name="Rectangle 21">
+            <a:extLst>
+              <a:ext uri="{FF2B5EF4-FFF2-40B4-BE49-F238E27FC236}">
+                <a16:creationId xmlns:a16="http://schemas.microsoft.com/office/drawing/2014/main" id="{3070C20E-E174-41AF-84CA-D67F2771B77B}"/>
+              </a:ext>
+            </a:extLst>
+          </p:cNvPr>
+          <p:cNvSpPr/>
+          <p:nvPr/>
+        </p:nvSpPr>
+        <p:spPr>
+          <a:xfrm>
+            <a:off x="2432806" y="2991096"/>
+            <a:ext cx="922789" cy="45719"/>
+          </a:xfrm>
+          <a:prstGeom prst="rect">
+            <a:avLst/>
+          </a:prstGeom>
+          <a:solidFill>
+            <a:schemeClr val="accent2">
+              <a:lumMod val="20000"/>
+              <a:lumOff val="80000"/>
+            </a:schemeClr>
+          </a:solidFill>
+          <a:ln w="3175">
+            <a:solidFill>
+              <a:schemeClr val="bg1"/>
+            </a:solidFill>
+          </a:ln>
+          <a:effectLst>
+            <a:glow rad="139700">
+              <a:schemeClr val="accent2">
+                <a:satMod val="175000"/>
+                <a:alpha val="40000"/>
+              </a:schemeClr>
+            </a:glow>
+          </a:effectLst>
+        </p:spPr>
+        <p:style>
+          <a:lnRef idx="2">
+            <a:schemeClr val="accent1">
+              <a:shade val="50000"/>
+            </a:schemeClr>
+          </a:lnRef>
+          <a:fillRef idx="1">
+            <a:schemeClr val="accent1"/>
+          </a:fillRef>
+          <a:effectRef idx="0">
+            <a:schemeClr val="accent1"/>
+          </a:effectRef>
+          <a:fontRef idx="minor">
+            <a:schemeClr val="lt1"/>
+          </a:fontRef>
+        </p:style>
+        <p:txBody>
+          <a:bodyPr rot="0" spcFirstLastPara="0" vertOverflow="overflow" horzOverflow="overflow" vert="horz" wrap="square" lIns="91440" tIns="45720" rIns="91440" bIns="45720" numCol="1" spcCol="0" rtlCol="0" fromWordArt="0" anchor="ctr" anchorCtr="0" forceAA="0" compatLnSpc="1">
+            <a:prstTxWarp prst="textNoShape">
+              <a:avLst/>
+            </a:prstTxWarp>
+            <a:noAutofit/>
+          </a:bodyPr>
+          <a:lstStyle/>
+          <a:p>
+            <a:pPr algn="ctr"/>
+            <a:endParaRPr lang="id-ID"/>
+          </a:p>
+        </p:txBody>
+      </p:sp>
+      <p:sp>
+        <p:nvSpPr>
+          <p:cNvPr id="23" name="Rectangle 22">
+            <a:extLst>
+              <a:ext uri="{FF2B5EF4-FFF2-40B4-BE49-F238E27FC236}">
+                <a16:creationId xmlns:a16="http://schemas.microsoft.com/office/drawing/2014/main" id="{A6892A2C-F2DA-4A69-8235-30CE322D9040}"/>
+              </a:ext>
+            </a:extLst>
+          </p:cNvPr>
+          <p:cNvSpPr/>
+          <p:nvPr/>
+        </p:nvSpPr>
+        <p:spPr>
+          <a:xfrm>
+            <a:off x="4598563" y="2991096"/>
+            <a:ext cx="922789" cy="45719"/>
+          </a:xfrm>
+          <a:prstGeom prst="rect">
+            <a:avLst/>
+          </a:prstGeom>
+          <a:solidFill>
+            <a:schemeClr val="accent2">
+              <a:lumMod val="20000"/>
+              <a:lumOff val="80000"/>
+            </a:schemeClr>
+          </a:solidFill>
+          <a:ln w="3175">
+            <a:solidFill>
+              <a:schemeClr val="bg1"/>
+            </a:solidFill>
+          </a:ln>
+          <a:effectLst>
+            <a:glow rad="139700">
+              <a:schemeClr val="accent2">
+                <a:satMod val="175000"/>
+                <a:alpha val="40000"/>
+              </a:schemeClr>
+            </a:glow>
+          </a:effectLst>
+        </p:spPr>
+        <p:style>
+          <a:lnRef idx="2">
+            <a:schemeClr val="accent1">
+              <a:shade val="50000"/>
+            </a:schemeClr>
+          </a:lnRef>
+          <a:fillRef idx="1">
+            <a:schemeClr val="accent1"/>
+          </a:fillRef>
+          <a:effectRef idx="0">
+            <a:schemeClr val="accent1"/>
+          </a:effectRef>
+          <a:fontRef idx="minor">
+            <a:schemeClr val="lt1"/>
+          </a:fontRef>
+        </p:style>
+        <p:txBody>
+          <a:bodyPr rot="0" spcFirstLastPara="0" vertOverflow="overflow" horzOverflow="overflow" vert="horz" wrap="square" lIns="91440" tIns="45720" rIns="91440" bIns="45720" numCol="1" spcCol="0" rtlCol="0" fromWordArt="0" anchor="ctr" anchorCtr="0" forceAA="0" compatLnSpc="1">
+            <a:prstTxWarp prst="textNoShape">
+              <a:avLst/>
+            </a:prstTxWarp>
+            <a:noAutofit/>
+          </a:bodyPr>
+          <a:lstStyle/>
+          <a:p>
+            <a:pPr algn="ctr"/>
+            <a:endParaRPr lang="id-ID"/>
+          </a:p>
+        </p:txBody>
+      </p:sp>
+      <p:sp>
+        <p:nvSpPr>
+          <p:cNvPr id="24" name="Rectangle 23">
+            <a:extLst>
+              <a:ext uri="{FF2B5EF4-FFF2-40B4-BE49-F238E27FC236}">
+                <a16:creationId xmlns:a16="http://schemas.microsoft.com/office/drawing/2014/main" id="{B77156BE-0F9F-4B53-9977-EF22E0F140BB}"/>
+              </a:ext>
+            </a:extLst>
+          </p:cNvPr>
+          <p:cNvSpPr/>
+          <p:nvPr/>
+        </p:nvSpPr>
+        <p:spPr>
+          <a:xfrm>
+            <a:off x="6670650" y="3007873"/>
+            <a:ext cx="922789" cy="45719"/>
+          </a:xfrm>
+          <a:prstGeom prst="rect">
+            <a:avLst/>
+          </a:prstGeom>
+          <a:solidFill>
+            <a:schemeClr val="bg1"/>
+          </a:solidFill>
+          <a:ln w="3175">
+            <a:solidFill>
+              <a:schemeClr val="bg1"/>
+            </a:solidFill>
+          </a:ln>
+          <a:effectLst/>
+        </p:spPr>
+        <p:style>
+          <a:lnRef idx="2">
+            <a:schemeClr val="accent1">
+              <a:shade val="50000"/>
+            </a:schemeClr>
+          </a:lnRef>
+          <a:fillRef idx="1">
+            <a:schemeClr val="accent1"/>
+          </a:fillRef>
+          <a:effectRef idx="0">
+            <a:schemeClr val="accent1"/>
+          </a:effectRef>
+          <a:fontRef idx="minor">
+            <a:schemeClr val="lt1"/>
+          </a:fontRef>
+        </p:style>
+        <p:txBody>
+          <a:bodyPr rot="0" spcFirstLastPara="0" vertOverflow="overflow" horzOverflow="overflow" vert="horz" wrap="square" lIns="91440" tIns="45720" rIns="91440" bIns="45720" numCol="1" spcCol="0" rtlCol="0" fromWordArt="0" anchor="ctr" anchorCtr="0" forceAA="0" compatLnSpc="1">
+            <a:prstTxWarp prst="textNoShape">
+              <a:avLst/>
+            </a:prstTxWarp>
+            <a:noAutofit/>
+          </a:bodyPr>
+          <a:lstStyle/>
+          <a:p>
+            <a:pPr algn="ctr"/>
+            <a:endParaRPr lang="id-ID"/>
+          </a:p>
+        </p:txBody>
+      </p:sp>
+      <p:sp>
+        <p:nvSpPr>
+          <p:cNvPr id="25" name="Rectangle 24">
+            <a:extLst>
+              <a:ext uri="{FF2B5EF4-FFF2-40B4-BE49-F238E27FC236}">
+                <a16:creationId xmlns:a16="http://schemas.microsoft.com/office/drawing/2014/main" id="{6AE92C68-4B23-4EA0-BDB7-79AE53103B1C}"/>
+              </a:ext>
+            </a:extLst>
+          </p:cNvPr>
+          <p:cNvSpPr/>
+          <p:nvPr/>
+        </p:nvSpPr>
+        <p:spPr>
+          <a:xfrm>
+            <a:off x="8836407" y="3007872"/>
+            <a:ext cx="922789" cy="45719"/>
+          </a:xfrm>
+          <a:prstGeom prst="rect">
+            <a:avLst/>
+          </a:prstGeom>
+          <a:solidFill>
+            <a:schemeClr val="bg1"/>
+          </a:solidFill>
+          <a:ln w="3175">
+            <a:solidFill>
+              <a:schemeClr val="bg1"/>
+            </a:solidFill>
+          </a:ln>
+          <a:effectLst/>
+        </p:spPr>
+        <p:style>
+          <a:lnRef idx="2">
+            <a:schemeClr val="accent1">
+              <a:shade val="50000"/>
+            </a:schemeClr>
+          </a:lnRef>
+          <a:fillRef idx="1">
+            <a:schemeClr val="accent1"/>
+          </a:fillRef>
+          <a:effectRef idx="0">
+            <a:schemeClr val="accent1"/>
+          </a:effectRef>
+          <a:fontRef idx="minor">
+            <a:schemeClr val="lt1"/>
+          </a:fontRef>
+        </p:style>
+        <p:txBody>
+          <a:bodyPr rot="0" spcFirstLastPara="0" vertOverflow="overflow" horzOverflow="overflow" vert="horz" wrap="square" lIns="91440" tIns="45720" rIns="91440" bIns="45720" numCol="1" spcCol="0" rtlCol="0" fromWordArt="0" anchor="ctr" anchorCtr="0" forceAA="0" compatLnSpc="1">
+            <a:prstTxWarp prst="textNoShape">
+              <a:avLst/>
+            </a:prstTxWarp>
+            <a:noAutofit/>
+          </a:bodyPr>
+          <a:lstStyle/>
+          <a:p>
+            <a:pPr algn="ctr"/>
+            <a:endParaRPr lang="id-ID"/>
+          </a:p>
+        </p:txBody>
+      </p:sp>
+      <p:sp>
+        <p:nvSpPr>
+          <p:cNvPr id="29" name="TextBox 28">
+            <a:extLst>
+              <a:ext uri="{FF2B5EF4-FFF2-40B4-BE49-F238E27FC236}">
+                <a16:creationId xmlns:a16="http://schemas.microsoft.com/office/drawing/2014/main" id="{FBB09BFE-9D07-4ADE-B4C3-F1DA7472B3CC}"/>
+              </a:ext>
+            </a:extLst>
+          </p:cNvPr>
+          <p:cNvSpPr txBox="1"/>
+          <p:nvPr/>
+        </p:nvSpPr>
+        <p:spPr>
+          <a:xfrm>
+            <a:off x="2432806" y="3911192"/>
+            <a:ext cx="2242653" cy="1374735"/>
+          </a:xfrm>
+          <a:prstGeom prst="rect">
+            <a:avLst/>
+          </a:prstGeom>
+          <a:noFill/>
+        </p:spPr>
+        <p:txBody>
+          <a:bodyPr wrap="square">
+            <a:spAutoFit/>
+          </a:bodyPr>
+          <a:lstStyle/>
+          <a:p>
+            <a:pPr algn="ctr" rtl="0">
+              <a:spcBef>
+                <a:spcPts val="0"/>
+              </a:spcBef>
+              <a:spcAft>
+                <a:spcPts val="1600"/>
+              </a:spcAft>
+            </a:pPr>
+            <a:r>
+              <a:rPr lang="en-US" sz="1400" b="0" i="0" u="none" strike="noStrike" dirty="0">
+                <a:solidFill>
+                  <a:srgbClr val="FFFFFF"/>
+                </a:solidFill>
+                <a:effectLst/>
+                <a:latin typeface="Roboto"/>
+              </a:rPr>
+              <a:t>The finishing of the application prototype and prototype deployment</a:t>
+            </a:r>
+            <a:endParaRPr lang="en-US" sz="1400" b="0" dirty="0">
+              <a:effectLst/>
+            </a:endParaRPr>
+          </a:p>
+          <a:p>
+            <a:br>
+              <a:rPr lang="en-US" sz="1400" dirty="0"/>
+            </a:br>
+            <a:endParaRPr lang="id-ID" sz="1400" dirty="0"/>
+          </a:p>
+        </p:txBody>
+      </p:sp>
+      <p:sp>
+        <p:nvSpPr>
+          <p:cNvPr id="31" name="TextBox 30">
+            <a:extLst>
+              <a:ext uri="{FF2B5EF4-FFF2-40B4-BE49-F238E27FC236}">
+                <a16:creationId xmlns:a16="http://schemas.microsoft.com/office/drawing/2014/main" id="{EDF14418-1689-4D19-8FF9-E3F8B3045CD2}"/>
+              </a:ext>
+            </a:extLst>
+          </p:cNvPr>
+          <p:cNvSpPr txBox="1"/>
+          <p:nvPr/>
+        </p:nvSpPr>
+        <p:spPr>
+          <a:xfrm>
+            <a:off x="4676170" y="1405205"/>
+            <a:ext cx="2465661" cy="1405513"/>
+          </a:xfrm>
+          <a:prstGeom prst="rect">
+            <a:avLst/>
+          </a:prstGeom>
+          <a:noFill/>
+        </p:spPr>
+        <p:txBody>
+          <a:bodyPr wrap="square">
+            <a:spAutoFit/>
+          </a:bodyPr>
+          <a:lstStyle/>
+          <a:p>
+            <a:pPr algn="ctr" rtl="0">
+              <a:spcBef>
+                <a:spcPts val="0"/>
+              </a:spcBef>
+              <a:spcAft>
+                <a:spcPts val="1600"/>
+              </a:spcAft>
+            </a:pPr>
+            <a:r>
+              <a:rPr lang="en-US" sz="1200" b="0" i="0" u="none" strike="noStrike" dirty="0">
+                <a:solidFill>
+                  <a:srgbClr val="FFFFFF"/>
+                </a:solidFill>
+                <a:effectLst/>
+                <a:latin typeface="Roboto"/>
+              </a:rPr>
+              <a:t>Improve the accuracy of our application in predicting Sign language based on user inputs and </a:t>
+            </a:r>
+            <a:r>
+              <a:rPr lang="en-US" sz="1200" b="0" i="0" u="none" strike="noStrike" dirty="0" err="1">
+                <a:solidFill>
+                  <a:srgbClr val="FFFFFF"/>
+                </a:solidFill>
+                <a:effectLst/>
+                <a:latin typeface="Roboto"/>
+              </a:rPr>
+              <a:t>Federeated</a:t>
+            </a:r>
+            <a:r>
+              <a:rPr lang="en-US" sz="1200" b="0" i="0" u="none" strike="noStrike" dirty="0">
+                <a:solidFill>
+                  <a:srgbClr val="FFFFFF"/>
+                </a:solidFill>
+                <a:effectLst/>
+                <a:latin typeface="Roboto"/>
+              </a:rPr>
+              <a:t> learning</a:t>
+            </a:r>
+            <a:endParaRPr lang="en-US" sz="1200" b="0" dirty="0">
+              <a:effectLst/>
+            </a:endParaRPr>
+          </a:p>
+          <a:p>
+            <a:br>
+              <a:rPr lang="en-US" sz="1200" dirty="0"/>
+            </a:br>
+            <a:endParaRPr lang="id-ID" sz="1200" dirty="0"/>
+          </a:p>
+        </p:txBody>
+      </p:sp>
+      <p:sp>
+        <p:nvSpPr>
+          <p:cNvPr id="33" name="TextBox 32">
+            <a:extLst>
+              <a:ext uri="{FF2B5EF4-FFF2-40B4-BE49-F238E27FC236}">
+                <a16:creationId xmlns:a16="http://schemas.microsoft.com/office/drawing/2014/main" id="{4DAD5F92-C78B-4212-9FDE-452E3B7CB41A}"/>
+              </a:ext>
+            </a:extLst>
+          </p:cNvPr>
+          <p:cNvSpPr txBox="1"/>
+          <p:nvPr/>
+        </p:nvSpPr>
+        <p:spPr>
+          <a:xfrm>
+            <a:off x="7153019" y="3814718"/>
+            <a:ext cx="2144782" cy="2021066"/>
+          </a:xfrm>
+          <a:prstGeom prst="rect">
+            <a:avLst/>
+          </a:prstGeom>
+          <a:noFill/>
+        </p:spPr>
+        <p:txBody>
+          <a:bodyPr wrap="square">
+            <a:spAutoFit/>
+          </a:bodyPr>
+          <a:lstStyle/>
+          <a:p>
+            <a:pPr algn="ctr" rtl="0">
+              <a:spcBef>
+                <a:spcPts val="0"/>
+              </a:spcBef>
+              <a:spcAft>
+                <a:spcPts val="1600"/>
+              </a:spcAft>
+            </a:pPr>
+            <a:r>
+              <a:rPr lang="en-US" sz="1400" b="0" i="0" u="none" strike="noStrike" dirty="0">
+                <a:solidFill>
+                  <a:schemeClr val="bg1"/>
+                </a:solidFill>
+                <a:effectLst/>
+                <a:latin typeface="Roboto"/>
+              </a:rPr>
+              <a:t>Adding Features that will improve the usability of the application. Optimizing with new dataset(Data entered by user)</a:t>
+            </a:r>
+            <a:endParaRPr lang="en-US" sz="1400" b="0" dirty="0">
+              <a:solidFill>
+                <a:schemeClr val="bg1"/>
+              </a:solidFill>
+              <a:effectLst/>
+            </a:endParaRPr>
+          </a:p>
+          <a:p>
+            <a:br>
+              <a:rPr lang="en-US" sz="1400" dirty="0">
+                <a:solidFill>
+                  <a:schemeClr val="bg1"/>
+                </a:solidFill>
+              </a:rPr>
+            </a:br>
+            <a:endParaRPr lang="id-ID" sz="1400" dirty="0">
+              <a:solidFill>
+                <a:schemeClr val="bg1"/>
+              </a:solidFill>
+            </a:endParaRPr>
+          </a:p>
+        </p:txBody>
+      </p:sp>
+      <p:sp>
+        <p:nvSpPr>
+          <p:cNvPr id="35" name="TextBox 34">
+            <a:extLst>
+              <a:ext uri="{FF2B5EF4-FFF2-40B4-BE49-F238E27FC236}">
+                <a16:creationId xmlns:a16="http://schemas.microsoft.com/office/drawing/2014/main" id="{3EDCEBE6-E9F7-4E14-80F0-16A103FD44A0}"/>
+              </a:ext>
+            </a:extLst>
+          </p:cNvPr>
+          <p:cNvSpPr txBox="1"/>
+          <p:nvPr/>
+        </p:nvSpPr>
+        <p:spPr>
+          <a:xfrm>
+            <a:off x="9089321" y="1435983"/>
+            <a:ext cx="2595344" cy="1374735"/>
+          </a:xfrm>
+          <a:prstGeom prst="rect">
+            <a:avLst/>
+          </a:prstGeom>
+          <a:noFill/>
+        </p:spPr>
+        <p:txBody>
+          <a:bodyPr wrap="square">
+            <a:spAutoFit/>
+          </a:bodyPr>
+          <a:lstStyle/>
+          <a:p>
+            <a:pPr algn="ctr" rtl="0">
+              <a:spcBef>
+                <a:spcPts val="0"/>
+              </a:spcBef>
+              <a:spcAft>
+                <a:spcPts val="1600"/>
+              </a:spcAft>
+            </a:pPr>
+            <a:r>
+              <a:rPr lang="en-US" sz="1400" b="0" i="0" u="none" strike="noStrike" dirty="0">
+                <a:solidFill>
+                  <a:schemeClr val="bg1"/>
+                </a:solidFill>
+                <a:effectLst/>
+                <a:latin typeface="Roboto"/>
+              </a:rPr>
+              <a:t>Doing research and start </a:t>
+            </a:r>
+            <a:r>
+              <a:rPr lang="en-US" sz="1400" b="0" i="0" u="none" strike="noStrike" dirty="0" err="1">
+                <a:solidFill>
+                  <a:schemeClr val="bg1"/>
+                </a:solidFill>
+                <a:effectLst/>
+                <a:latin typeface="Roboto"/>
+              </a:rPr>
+              <a:t>implementating</a:t>
+            </a:r>
+            <a:r>
+              <a:rPr lang="en-US" sz="1400" b="0" i="0" u="none" strike="noStrike" dirty="0">
+                <a:solidFill>
+                  <a:schemeClr val="bg1"/>
+                </a:solidFill>
+                <a:effectLst/>
+                <a:latin typeface="Roboto"/>
+              </a:rPr>
+              <a:t> of using video as input for translation</a:t>
+            </a:r>
+            <a:endParaRPr lang="en-US" sz="1400" b="0" dirty="0">
+              <a:solidFill>
+                <a:schemeClr val="bg1"/>
+              </a:solidFill>
+              <a:effectLst/>
+            </a:endParaRPr>
+          </a:p>
+          <a:p>
+            <a:br>
+              <a:rPr lang="en-US" sz="1400" dirty="0">
+                <a:solidFill>
+                  <a:schemeClr val="bg1"/>
+                </a:solidFill>
+              </a:rPr>
+            </a:br>
+            <a:endParaRPr lang="id-ID" sz="1400" dirty="0">
+              <a:solidFill>
+                <a:schemeClr val="bg1"/>
+              </a:solidFill>
+            </a:endParaRPr>
+          </a:p>
+        </p:txBody>
+      </p:sp>
+      <p:sp>
+        <p:nvSpPr>
+          <p:cNvPr id="37" name="TextBox 36">
+            <a:extLst>
+              <a:ext uri="{FF2B5EF4-FFF2-40B4-BE49-F238E27FC236}">
+                <a16:creationId xmlns:a16="http://schemas.microsoft.com/office/drawing/2014/main" id="{3A06F2C9-D86A-4E91-82EB-B844BD863801}"/>
+              </a:ext>
+            </a:extLst>
+          </p:cNvPr>
+          <p:cNvSpPr txBox="1"/>
+          <p:nvPr/>
+        </p:nvSpPr>
+        <p:spPr>
+          <a:xfrm>
+            <a:off x="1256508" y="2823206"/>
+            <a:ext cx="1115387" cy="369332"/>
+          </a:xfrm>
+          <a:prstGeom prst="rect">
+            <a:avLst/>
+          </a:prstGeom>
+          <a:noFill/>
+        </p:spPr>
+        <p:txBody>
+          <a:bodyPr wrap="square">
+            <a:spAutoFit/>
+          </a:bodyPr>
+          <a:lstStyle/>
+          <a:p>
+            <a:pPr algn="ctr" rtl="0">
+              <a:spcBef>
+                <a:spcPts val="0"/>
+              </a:spcBef>
+              <a:spcAft>
+                <a:spcPts val="1600"/>
+              </a:spcAft>
+            </a:pPr>
+            <a:r>
+              <a:rPr lang="id-ID" sz="1800" b="1" i="0" u="none" strike="noStrike" dirty="0">
+                <a:solidFill>
+                  <a:schemeClr val="bg1"/>
+                </a:solidFill>
+                <a:effectLst/>
+                <a:latin typeface="Roboto"/>
+              </a:rPr>
+              <a:t>Ju</a:t>
+            </a:r>
+            <a:r>
+              <a:rPr lang="en-US" sz="1800" b="1" i="0" u="none" strike="noStrike" dirty="0">
+                <a:solidFill>
+                  <a:schemeClr val="bg1"/>
+                </a:solidFill>
+                <a:effectLst/>
+                <a:latin typeface="Roboto"/>
+              </a:rPr>
+              <a:t>n</a:t>
+            </a:r>
+            <a:r>
+              <a:rPr lang="en-US" b="1" dirty="0">
+                <a:solidFill>
+                  <a:schemeClr val="bg1"/>
+                </a:solidFill>
+                <a:latin typeface="Roboto"/>
+              </a:rPr>
+              <a:t>e</a:t>
+            </a:r>
+            <a:endParaRPr lang="id-ID" dirty="0">
+              <a:solidFill>
+                <a:schemeClr val="bg1"/>
+              </a:solidFill>
+            </a:endParaRPr>
+          </a:p>
+        </p:txBody>
+      </p:sp>
+      <p:sp>
+        <p:nvSpPr>
+          <p:cNvPr id="38" name="TextBox 37">
+            <a:extLst>
+              <a:ext uri="{FF2B5EF4-FFF2-40B4-BE49-F238E27FC236}">
+                <a16:creationId xmlns:a16="http://schemas.microsoft.com/office/drawing/2014/main" id="{495DD4BA-70C6-428A-A3DA-BD9D24C4FF95}"/>
+              </a:ext>
+            </a:extLst>
+          </p:cNvPr>
+          <p:cNvSpPr txBox="1"/>
+          <p:nvPr/>
+        </p:nvSpPr>
+        <p:spPr>
+          <a:xfrm>
+            <a:off x="3420433" y="2823206"/>
+            <a:ext cx="1115387" cy="369332"/>
+          </a:xfrm>
+          <a:prstGeom prst="rect">
+            <a:avLst/>
+          </a:prstGeom>
+          <a:noFill/>
+        </p:spPr>
+        <p:txBody>
+          <a:bodyPr wrap="square">
+            <a:spAutoFit/>
+          </a:bodyPr>
+          <a:lstStyle/>
+          <a:p>
+            <a:pPr algn="ctr" rtl="0">
+              <a:spcBef>
+                <a:spcPts val="0"/>
+              </a:spcBef>
+              <a:spcAft>
+                <a:spcPts val="1600"/>
+              </a:spcAft>
+            </a:pPr>
+            <a:r>
+              <a:rPr lang="id-ID" sz="1800" b="1" i="0" u="none" strike="noStrike" dirty="0">
+                <a:solidFill>
+                  <a:schemeClr val="bg1"/>
+                </a:solidFill>
+                <a:effectLst/>
+                <a:latin typeface="Roboto"/>
+              </a:rPr>
+              <a:t>July</a:t>
+            </a:r>
+            <a:endParaRPr lang="id-ID" dirty="0">
+              <a:solidFill>
+                <a:schemeClr val="bg1"/>
+              </a:solidFill>
+            </a:endParaRPr>
+          </a:p>
+        </p:txBody>
+      </p:sp>
+      <p:sp>
+        <p:nvSpPr>
+          <p:cNvPr id="39" name="TextBox 38">
+            <a:extLst>
+              <a:ext uri="{FF2B5EF4-FFF2-40B4-BE49-F238E27FC236}">
+                <a16:creationId xmlns:a16="http://schemas.microsoft.com/office/drawing/2014/main" id="{A675268F-8E1A-46D8-B0CD-227E415E026D}"/>
+              </a:ext>
+            </a:extLst>
+          </p:cNvPr>
+          <p:cNvSpPr txBox="1"/>
+          <p:nvPr/>
+        </p:nvSpPr>
+        <p:spPr>
+          <a:xfrm>
+            <a:off x="5501863" y="2816232"/>
+            <a:ext cx="1115387" cy="369332"/>
+          </a:xfrm>
+          <a:prstGeom prst="rect">
+            <a:avLst/>
+          </a:prstGeom>
+          <a:noFill/>
+        </p:spPr>
+        <p:txBody>
+          <a:bodyPr wrap="square">
+            <a:spAutoFit/>
+          </a:bodyPr>
+          <a:lstStyle/>
+          <a:p>
+            <a:pPr algn="ctr" rtl="0">
+              <a:spcBef>
+                <a:spcPts val="0"/>
+              </a:spcBef>
+              <a:spcAft>
+                <a:spcPts val="1600"/>
+              </a:spcAft>
+            </a:pPr>
+            <a:r>
+              <a:rPr lang="en-US" sz="1800" b="1" i="0" u="none" strike="noStrike" dirty="0">
+                <a:solidFill>
+                  <a:schemeClr val="bg1"/>
+                </a:solidFill>
+                <a:effectLst/>
+                <a:latin typeface="Roboto"/>
+              </a:rPr>
+              <a:t>August</a:t>
+            </a:r>
+            <a:endParaRPr lang="id-ID" dirty="0">
+              <a:solidFill>
+                <a:schemeClr val="bg1"/>
+              </a:solidFill>
+            </a:endParaRPr>
+          </a:p>
+        </p:txBody>
+      </p:sp>
+      <p:sp>
+        <p:nvSpPr>
+          <p:cNvPr id="40" name="TextBox 39">
+            <a:extLst>
+              <a:ext uri="{FF2B5EF4-FFF2-40B4-BE49-F238E27FC236}">
+                <a16:creationId xmlns:a16="http://schemas.microsoft.com/office/drawing/2014/main" id="{5C7F56A1-9656-4996-9043-29B4574138F9}"/>
+              </a:ext>
+            </a:extLst>
+          </p:cNvPr>
+          <p:cNvSpPr txBox="1"/>
+          <p:nvPr/>
+        </p:nvSpPr>
+        <p:spPr>
+          <a:xfrm>
+            <a:off x="7646839" y="2811027"/>
+            <a:ext cx="1115387" cy="369332"/>
+          </a:xfrm>
+          <a:prstGeom prst="rect">
+            <a:avLst/>
+          </a:prstGeom>
+          <a:noFill/>
+        </p:spPr>
+        <p:txBody>
+          <a:bodyPr wrap="square">
+            <a:spAutoFit/>
+          </a:bodyPr>
+          <a:lstStyle/>
+          <a:p>
+            <a:pPr algn="ctr" rtl="0">
+              <a:spcBef>
+                <a:spcPts val="0"/>
+              </a:spcBef>
+              <a:spcAft>
+                <a:spcPts val="1600"/>
+              </a:spcAft>
+            </a:pPr>
+            <a:r>
+              <a:rPr lang="en-US" b="1" dirty="0">
+                <a:solidFill>
+                  <a:schemeClr val="bg1"/>
+                </a:solidFill>
+                <a:latin typeface="Roboto"/>
+              </a:rPr>
+              <a:t>O</a:t>
+            </a:r>
+            <a:r>
+              <a:rPr lang="en-US" sz="1800" b="1" i="0" u="none" strike="noStrike" dirty="0">
+                <a:solidFill>
+                  <a:schemeClr val="bg1"/>
+                </a:solidFill>
+                <a:effectLst/>
+                <a:latin typeface="Roboto"/>
+              </a:rPr>
+              <a:t>ctober</a:t>
+            </a:r>
+            <a:endParaRPr lang="id-ID" dirty="0">
+              <a:solidFill>
+                <a:schemeClr val="bg1"/>
+              </a:solidFill>
+            </a:endParaRPr>
+          </a:p>
+        </p:txBody>
+      </p:sp>
+      <p:sp>
+        <p:nvSpPr>
+          <p:cNvPr id="41" name="TextBox 40">
+            <a:extLst>
+              <a:ext uri="{FF2B5EF4-FFF2-40B4-BE49-F238E27FC236}">
+                <a16:creationId xmlns:a16="http://schemas.microsoft.com/office/drawing/2014/main" id="{B63DC59F-3D95-40F8-BCA9-102757242637}"/>
+              </a:ext>
+            </a:extLst>
+          </p:cNvPr>
+          <p:cNvSpPr txBox="1"/>
+          <p:nvPr/>
+        </p:nvSpPr>
+        <p:spPr>
+          <a:xfrm>
+            <a:off x="9759194" y="2816232"/>
+            <a:ext cx="1230384" cy="338554"/>
+          </a:xfrm>
+          <a:prstGeom prst="rect">
+            <a:avLst/>
+          </a:prstGeom>
+          <a:noFill/>
+        </p:spPr>
+        <p:txBody>
+          <a:bodyPr wrap="square">
+            <a:spAutoFit/>
+          </a:bodyPr>
+          <a:lstStyle/>
+          <a:p>
+            <a:pPr algn="ctr" rtl="0">
+              <a:spcBef>
+                <a:spcPts val="0"/>
+              </a:spcBef>
+              <a:spcAft>
+                <a:spcPts val="1600"/>
+              </a:spcAft>
+            </a:pPr>
+            <a:r>
+              <a:rPr lang="en-US" sz="1600" b="1" i="0" u="none" strike="noStrike" dirty="0">
+                <a:solidFill>
+                  <a:schemeClr val="bg1"/>
+                </a:solidFill>
+                <a:effectLst/>
+                <a:latin typeface="Roboto"/>
+              </a:rPr>
+              <a:t>December</a:t>
+            </a:r>
+            <a:endParaRPr lang="id-ID" sz="1600" dirty="0">
+              <a:solidFill>
+                <a:schemeClr val="bg1"/>
+              </a:solidFill>
+            </a:endParaRPr>
+          </a:p>
+        </p:txBody>
+      </p:sp>
+    </p:spTree>
+    <p:extLst>
+      <p:ext uri="{BB962C8B-B14F-4D97-AF65-F5344CB8AC3E}">
+        <p14:creationId xmlns:p14="http://schemas.microsoft.com/office/powerpoint/2010/main" val="2655112668"/>
+      </p:ext>
+    </p:extLst>
+  </p:cSld>
+  <p:clrMapOvr>
+    <a:masterClrMapping/>
+  </p:clrMapOvr>
+</p:sld>
+</file>
+
+<file path=ppt/slides/slide15.xml><?xml version="1.0" encoding="utf-8"?>
+<p:sld xmlns:a="http://schemas.openxmlformats.org/drawingml/2006/main" xmlns:r="http://schemas.openxmlformats.org/officeDocument/2006/relationships" xmlns:p="http://schemas.openxmlformats.org/presentationml/2006/main">
+  <p:cSld>
+    <p:spTree>
+      <p:nvGrpSpPr>
+        <p:cNvPr id="1" name=""/>
+        <p:cNvGrpSpPr/>
+        <p:nvPr/>
+      </p:nvGrpSpPr>
+      <p:grpSpPr>
+        <a:xfrm>
+          <a:off x="0" y="0"/>
+          <a:ext cx="0" cy="0"/>
+          <a:chOff x="0" y="0"/>
+          <a:chExt cx="0" cy="0"/>
+        </a:xfrm>
+      </p:grpSpPr>
+      <p:sp>
+        <p:nvSpPr>
+          <p:cNvPr id="10" name="Rectangle 9">
+            <a:extLst>
+              <a:ext uri="{FF2B5EF4-FFF2-40B4-BE49-F238E27FC236}">
+                <a16:creationId xmlns:a16="http://schemas.microsoft.com/office/drawing/2014/main" id="{00D17D39-E415-43DE-8F40-9D57CE25928C}"/>
+              </a:ext>
+            </a:extLst>
+          </p:cNvPr>
+          <p:cNvSpPr/>
+          <p:nvPr/>
+        </p:nvSpPr>
+        <p:spPr>
+          <a:xfrm>
+            <a:off x="10249804" y="97578"/>
+            <a:ext cx="1942196" cy="679508"/>
+          </a:xfrm>
+          <a:prstGeom prst="rect">
+            <a:avLst/>
+          </a:prstGeom>
+          <a:solidFill>
+            <a:schemeClr val="tx1"/>
+          </a:solidFill>
+          <a:ln w="3175">
+            <a:noFill/>
+          </a:ln>
+          <a:effectLst/>
+        </p:spPr>
+        <p:style>
+          <a:lnRef idx="2">
+            <a:schemeClr val="accent1">
+              <a:shade val="50000"/>
+            </a:schemeClr>
+          </a:lnRef>
+          <a:fillRef idx="1">
+            <a:schemeClr val="accent1"/>
+          </a:fillRef>
+          <a:effectRef idx="0">
+            <a:schemeClr val="accent1"/>
+          </a:effectRef>
+          <a:fontRef idx="minor">
+            <a:schemeClr val="lt1"/>
+          </a:fontRef>
+        </p:style>
+        <p:txBody>
+          <a:bodyPr rot="0" spcFirstLastPara="0" vertOverflow="overflow" horzOverflow="overflow" vert="horz" wrap="square" lIns="91440" tIns="45720" rIns="91440" bIns="45720" numCol="1" spcCol="0" rtlCol="0" fromWordArt="0" anchor="ctr" anchorCtr="0" forceAA="0" compatLnSpc="1">
+            <a:prstTxWarp prst="textNoShape">
+              <a:avLst/>
+            </a:prstTxWarp>
+            <a:noAutofit/>
+          </a:bodyPr>
+          <a:lstStyle/>
+          <a:p>
+            <a:pPr algn="ctr"/>
+            <a:endParaRPr lang="id-ID"/>
+          </a:p>
+        </p:txBody>
+      </p:sp>
+      <p:sp>
+        <p:nvSpPr>
+          <p:cNvPr id="2" name="Slide Number Placeholder 1">
+            <a:extLst>
+              <a:ext uri="{FF2B5EF4-FFF2-40B4-BE49-F238E27FC236}">
+                <a16:creationId xmlns:a16="http://schemas.microsoft.com/office/drawing/2014/main" id="{33027699-C7C7-4873-870D-17B0BBC2BEA9}"/>
+              </a:ext>
+            </a:extLst>
+          </p:cNvPr>
+          <p:cNvSpPr>
+            <a:spLocks noGrp="1"/>
+          </p:cNvSpPr>
+          <p:nvPr>
+            <p:ph type="sldNum" sz="quarter" idx="11"/>
+          </p:nvPr>
+        </p:nvSpPr>
+        <p:spPr/>
+        <p:txBody>
+          <a:bodyPr/>
+          <a:lstStyle/>
+          <a:p>
+            <a:r>
+              <a:rPr lang="en-US" noProof="0"/>
+              <a:t>page </a:t>
+            </a:r>
+            <a:fld id="{19B51A1E-902D-48AF-9020-955120F399B6}" type="slidenum">
+              <a:rPr lang="en-US" b="1" i="1" noProof="0" smtClean="0"/>
+              <a:pPr/>
+              <a:t>15</a:t>
+            </a:fld>
+            <a:endParaRPr lang="en-US" b="1" i="1" noProof="0" dirty="0"/>
+          </a:p>
+        </p:txBody>
+      </p:sp>
+      <p:graphicFrame>
+        <p:nvGraphicFramePr>
+          <p:cNvPr id="7" name="Table 6">
+            <a:extLst>
+              <a:ext uri="{FF2B5EF4-FFF2-40B4-BE49-F238E27FC236}">
+                <a16:creationId xmlns:a16="http://schemas.microsoft.com/office/drawing/2014/main" id="{31E6541A-EEEA-44B1-B354-D7714F52B2C3}"/>
+              </a:ext>
+            </a:extLst>
+          </p:cNvPr>
+          <p:cNvGraphicFramePr>
+            <a:graphicFrameLocks noGrp="1"/>
+          </p:cNvGraphicFramePr>
+          <p:nvPr>
+            <p:extLst>
+              <p:ext uri="{D42A27DB-BD31-4B8C-83A1-F6EECF244321}">
+                <p14:modId xmlns:p14="http://schemas.microsoft.com/office/powerpoint/2010/main" val="4036233035"/>
+              </p:ext>
+            </p:extLst>
+          </p:nvPr>
+        </p:nvGraphicFramePr>
+        <p:xfrm>
+          <a:off x="2074404" y="1686187"/>
+          <a:ext cx="7181850" cy="3775011"/>
+        </p:xfrm>
+        <a:graphic>
+          <a:graphicData uri="http://schemas.openxmlformats.org/drawingml/2006/table">
+            <a:tbl>
+              <a:tblPr/>
+              <a:tblGrid>
+                <a:gridCol w="3248025">
+                  <a:extLst>
+                    <a:ext uri="{9D8B030D-6E8A-4147-A177-3AD203B41FA5}">
+                      <a16:colId xmlns:a16="http://schemas.microsoft.com/office/drawing/2014/main" val="3197097936"/>
+                    </a:ext>
+                  </a:extLst>
+                </a:gridCol>
+                <a:gridCol w="1924050">
+                  <a:extLst>
+                    <a:ext uri="{9D8B030D-6E8A-4147-A177-3AD203B41FA5}">
+                      <a16:colId xmlns:a16="http://schemas.microsoft.com/office/drawing/2014/main" val="2437362600"/>
+                    </a:ext>
+                  </a:extLst>
+                </a:gridCol>
+                <a:gridCol w="2009775">
+                  <a:extLst>
+                    <a:ext uri="{9D8B030D-6E8A-4147-A177-3AD203B41FA5}">
+                      <a16:colId xmlns:a16="http://schemas.microsoft.com/office/drawing/2014/main" val="880174768"/>
+                    </a:ext>
+                  </a:extLst>
+                </a:gridCol>
+              </a:tblGrid>
+              <a:tr h="627951">
+                <a:tc>
+                  <a:txBody>
+                    <a:bodyPr/>
+                    <a:lstStyle/>
+                    <a:p>
+                      <a:pPr algn="ctr" rtl="0" fontAlgn="t">
+                        <a:spcBef>
+                          <a:spcPts val="0"/>
+                        </a:spcBef>
+                        <a:spcAft>
+                          <a:spcPts val="0"/>
+                        </a:spcAft>
+                      </a:pPr>
+                      <a:r>
+                        <a:rPr lang="id-ID" sz="1400" b="1" i="0" u="none" strike="noStrike">
+                          <a:solidFill>
+                            <a:schemeClr val="bg1"/>
+                          </a:solidFill>
+                          <a:effectLst/>
+                          <a:latin typeface="Arial" panose="020B0604020202020204" pitchFamily="34" charset="0"/>
+                        </a:rPr>
+                        <a:t>Category </a:t>
+                      </a:r>
+                      <a:endParaRPr lang="id-ID">
+                        <a:solidFill>
+                          <a:schemeClr val="bg1"/>
+                        </a:solidFill>
+                        <a:effectLst/>
+                      </a:endParaRPr>
+                    </a:p>
+                  </a:txBody>
+                  <a:tcPr marL="95250" marR="95250" marT="95250" marB="95250">
+                    <a:lnL w="9468" cap="flat" cmpd="sng" algn="ctr">
+                      <a:solidFill>
+                        <a:srgbClr val="9E9E9E"/>
+                      </a:solidFill>
+                      <a:prstDash val="solid"/>
+                      <a:round/>
+                      <a:headEnd type="none" w="med" len="med"/>
+                      <a:tailEnd type="none" w="med" len="med"/>
+                    </a:lnL>
+                    <a:lnR w="9468" cap="flat" cmpd="sng" algn="ctr">
+                      <a:solidFill>
+                        <a:srgbClr val="9E9E9E"/>
+                      </a:solidFill>
+                      <a:prstDash val="solid"/>
+                      <a:round/>
+                      <a:headEnd type="none" w="med" len="med"/>
+                      <a:tailEnd type="none" w="med" len="med"/>
+                    </a:lnR>
+                    <a:lnT w="9468" cap="flat" cmpd="sng" algn="ctr">
+                      <a:solidFill>
+                        <a:srgbClr val="9E9E9E"/>
+                      </a:solidFill>
+                      <a:prstDash val="solid"/>
+                      <a:round/>
+                      <a:headEnd type="none" w="med" len="med"/>
+                      <a:tailEnd type="none" w="med" len="med"/>
+                    </a:lnT>
+                    <a:lnB w="9468" cap="flat" cmpd="sng" algn="ctr">
+                      <a:solidFill>
+                        <a:srgbClr val="9E9E9E"/>
+                      </a:solidFill>
+                      <a:prstDash val="solid"/>
+                      <a:round/>
+                      <a:headEnd type="none" w="med" len="med"/>
+                      <a:tailEnd type="none" w="med" len="med"/>
+                    </a:lnB>
+                  </a:tcPr>
+                </a:tc>
+                <a:tc>
+                  <a:txBody>
+                    <a:bodyPr/>
+                    <a:lstStyle/>
+                    <a:p>
+                      <a:pPr algn="ctr" rtl="0" fontAlgn="t">
+                        <a:spcBef>
+                          <a:spcPts val="0"/>
+                        </a:spcBef>
+                        <a:spcAft>
+                          <a:spcPts val="0"/>
+                        </a:spcAft>
+                      </a:pPr>
+                      <a:r>
+                        <a:rPr lang="id-ID" sz="1400" b="1" i="0" u="none" strike="noStrike">
+                          <a:solidFill>
+                            <a:schemeClr val="bg1"/>
+                          </a:solidFill>
+                          <a:effectLst/>
+                          <a:latin typeface="Arial" panose="020B0604020202020204" pitchFamily="34" charset="0"/>
+                        </a:rPr>
+                        <a:t>Proportion (Max) </a:t>
+                      </a:r>
+                      <a:endParaRPr lang="id-ID">
+                        <a:solidFill>
+                          <a:schemeClr val="bg1"/>
+                        </a:solidFill>
+                        <a:effectLst/>
+                      </a:endParaRPr>
+                    </a:p>
+                    <a:p>
+                      <a:pPr algn="ctr" rtl="0" fontAlgn="t">
+                        <a:spcBef>
+                          <a:spcPts val="0"/>
+                        </a:spcBef>
+                        <a:spcAft>
+                          <a:spcPts val="0"/>
+                        </a:spcAft>
+                      </a:pPr>
+                      <a:r>
+                        <a:rPr lang="id-ID" sz="1400" b="1" i="0" u="none" strike="noStrike">
+                          <a:solidFill>
+                            <a:schemeClr val="bg1"/>
+                          </a:solidFill>
+                          <a:effectLst/>
+                          <a:latin typeface="Arial" panose="020B0604020202020204" pitchFamily="34" charset="0"/>
+                        </a:rPr>
+                        <a:t>(%)</a:t>
+                      </a:r>
+                      <a:endParaRPr lang="id-ID">
+                        <a:solidFill>
+                          <a:schemeClr val="bg1"/>
+                        </a:solidFill>
+                        <a:effectLst/>
+                      </a:endParaRPr>
+                    </a:p>
+                  </a:txBody>
+                  <a:tcPr marL="95250" marR="95250" marT="95250" marB="95250">
+                    <a:lnL w="9468" cap="flat" cmpd="sng" algn="ctr">
+                      <a:solidFill>
+                        <a:srgbClr val="9E9E9E"/>
+                      </a:solidFill>
+                      <a:prstDash val="solid"/>
+                      <a:round/>
+                      <a:headEnd type="none" w="med" len="med"/>
+                      <a:tailEnd type="none" w="med" len="med"/>
+                    </a:lnL>
+                    <a:lnR w="9468" cap="flat" cmpd="sng" algn="ctr">
+                      <a:solidFill>
+                        <a:srgbClr val="9E9E9E"/>
+                      </a:solidFill>
+                      <a:prstDash val="solid"/>
+                      <a:round/>
+                      <a:headEnd type="none" w="med" len="med"/>
+                      <a:tailEnd type="none" w="med" len="med"/>
+                    </a:lnR>
+                    <a:lnT w="9468" cap="flat" cmpd="sng" algn="ctr">
+                      <a:solidFill>
+                        <a:srgbClr val="9E9E9E"/>
+                      </a:solidFill>
+                      <a:prstDash val="solid"/>
+                      <a:round/>
+                      <a:headEnd type="none" w="med" len="med"/>
+                      <a:tailEnd type="none" w="med" len="med"/>
+                    </a:lnT>
+                    <a:lnB w="9468" cap="flat" cmpd="sng" algn="ctr">
+                      <a:solidFill>
+                        <a:srgbClr val="9E9E9E"/>
+                      </a:solidFill>
+                      <a:prstDash val="solid"/>
+                      <a:round/>
+                      <a:headEnd type="none" w="med" len="med"/>
+                      <a:tailEnd type="none" w="med" len="med"/>
+                    </a:lnB>
+                  </a:tcPr>
+                </a:tc>
+                <a:tc>
+                  <a:txBody>
+                    <a:bodyPr/>
+                    <a:lstStyle/>
+                    <a:p>
+                      <a:pPr algn="ctr" rtl="0" fontAlgn="t">
+                        <a:spcBef>
+                          <a:spcPts val="0"/>
+                        </a:spcBef>
+                        <a:spcAft>
+                          <a:spcPts val="0"/>
+                        </a:spcAft>
+                      </a:pPr>
+                      <a:r>
+                        <a:rPr lang="id-ID" sz="1400" b="1" i="0" u="none" strike="noStrike">
+                          <a:solidFill>
+                            <a:schemeClr val="bg1"/>
+                          </a:solidFill>
+                          <a:effectLst/>
+                          <a:latin typeface="Arial" panose="020B0604020202020204" pitchFamily="34" charset="0"/>
+                        </a:rPr>
+                        <a:t>Budget (max) </a:t>
+                      </a:r>
+                      <a:endParaRPr lang="id-ID">
+                        <a:solidFill>
+                          <a:schemeClr val="bg1"/>
+                        </a:solidFill>
+                        <a:effectLst/>
+                      </a:endParaRPr>
+                    </a:p>
+                    <a:p>
+                      <a:pPr algn="ctr" rtl="0" fontAlgn="t">
+                        <a:spcBef>
+                          <a:spcPts val="0"/>
+                        </a:spcBef>
+                        <a:spcAft>
+                          <a:spcPts val="0"/>
+                        </a:spcAft>
+                      </a:pPr>
+                      <a:r>
+                        <a:rPr lang="id-ID" sz="1400" b="1" i="0" u="none" strike="noStrike">
+                          <a:solidFill>
+                            <a:schemeClr val="bg1"/>
+                          </a:solidFill>
+                          <a:effectLst/>
+                          <a:latin typeface="Arial" panose="020B0604020202020204" pitchFamily="34" charset="0"/>
+                        </a:rPr>
+                        <a:t>(USD)</a:t>
+                      </a:r>
+                      <a:endParaRPr lang="id-ID">
+                        <a:solidFill>
+                          <a:schemeClr val="bg1"/>
+                        </a:solidFill>
+                        <a:effectLst/>
+                      </a:endParaRPr>
+                    </a:p>
+                  </a:txBody>
+                  <a:tcPr marL="95250" marR="95250" marT="95250" marB="95250">
+                    <a:lnL w="9468" cap="flat" cmpd="sng" algn="ctr">
+                      <a:solidFill>
+                        <a:srgbClr val="9E9E9E"/>
+                      </a:solidFill>
+                      <a:prstDash val="solid"/>
+                      <a:round/>
+                      <a:headEnd type="none" w="med" len="med"/>
+                      <a:tailEnd type="none" w="med" len="med"/>
+                    </a:lnL>
+                    <a:lnR w="9468" cap="flat" cmpd="sng" algn="ctr">
+                      <a:solidFill>
+                        <a:srgbClr val="9E9E9E"/>
+                      </a:solidFill>
+                      <a:prstDash val="solid"/>
+                      <a:round/>
+                      <a:headEnd type="none" w="med" len="med"/>
+                      <a:tailEnd type="none" w="med" len="med"/>
+                    </a:lnR>
+                    <a:lnT w="9468" cap="flat" cmpd="sng" algn="ctr">
+                      <a:solidFill>
+                        <a:srgbClr val="9E9E9E"/>
+                      </a:solidFill>
+                      <a:prstDash val="solid"/>
+                      <a:round/>
+                      <a:headEnd type="none" w="med" len="med"/>
+                      <a:tailEnd type="none" w="med" len="med"/>
+                    </a:lnT>
+                    <a:lnB w="9468" cap="flat" cmpd="sng" algn="ctr">
+                      <a:solidFill>
+                        <a:srgbClr val="9E9E9E"/>
+                      </a:solidFill>
+                      <a:prstDash val="solid"/>
+                      <a:round/>
+                      <a:headEnd type="none" w="med" len="med"/>
+                      <a:tailEnd type="none" w="med" len="med"/>
+                    </a:lnB>
+                  </a:tcPr>
+                </a:tc>
+                <a:extLst>
+                  <a:ext uri="{0D108BD9-81ED-4DB2-BD59-A6C34878D82A}">
+                    <a16:rowId xmlns:a16="http://schemas.microsoft.com/office/drawing/2014/main" val="1953361344"/>
+                  </a:ext>
+                </a:extLst>
+              </a:tr>
+              <a:tr h="457200">
+                <a:tc>
+                  <a:txBody>
+                    <a:bodyPr/>
+                    <a:lstStyle/>
+                    <a:p>
+                      <a:pPr rtl="0" fontAlgn="t">
+                        <a:spcBef>
+                          <a:spcPts val="0"/>
+                        </a:spcBef>
+                        <a:spcAft>
+                          <a:spcPts val="0"/>
+                        </a:spcAft>
+                      </a:pPr>
+                      <a:r>
+                        <a:rPr lang="id-ID" sz="1400" b="0" i="0" u="none" strike="noStrike">
+                          <a:solidFill>
+                            <a:schemeClr val="bg1"/>
+                          </a:solidFill>
+                          <a:effectLst/>
+                          <a:latin typeface="Arial" panose="020B0604020202020204" pitchFamily="34" charset="0"/>
+                        </a:rPr>
+                        <a:t>Team Salary </a:t>
+                      </a:r>
+                      <a:endParaRPr lang="id-ID">
+                        <a:solidFill>
+                          <a:schemeClr val="bg1"/>
+                        </a:solidFill>
+                        <a:effectLst/>
+                      </a:endParaRPr>
+                    </a:p>
+                  </a:txBody>
+                  <a:tcPr marL="95250" marR="95250" marT="95250" marB="95250">
+                    <a:lnL w="9468" cap="flat" cmpd="sng" algn="ctr">
+                      <a:solidFill>
+                        <a:srgbClr val="9E9E9E"/>
+                      </a:solidFill>
+                      <a:prstDash val="solid"/>
+                      <a:round/>
+                      <a:headEnd type="none" w="med" len="med"/>
+                      <a:tailEnd type="none" w="med" len="med"/>
+                    </a:lnL>
+                    <a:lnR w="9468" cap="flat" cmpd="sng" algn="ctr">
+                      <a:solidFill>
+                        <a:srgbClr val="9E9E9E"/>
+                      </a:solidFill>
+                      <a:prstDash val="solid"/>
+                      <a:round/>
+                      <a:headEnd type="none" w="med" len="med"/>
+                      <a:tailEnd type="none" w="med" len="med"/>
+                    </a:lnR>
+                    <a:lnT w="9468" cap="flat" cmpd="sng" algn="ctr">
+                      <a:solidFill>
+                        <a:srgbClr val="9E9E9E"/>
+                      </a:solidFill>
+                      <a:prstDash val="solid"/>
+                      <a:round/>
+                      <a:headEnd type="none" w="med" len="med"/>
+                      <a:tailEnd type="none" w="med" len="med"/>
+                    </a:lnT>
+                    <a:lnB w="9468" cap="flat" cmpd="sng" algn="ctr">
+                      <a:solidFill>
+                        <a:srgbClr val="9E9E9E"/>
+                      </a:solidFill>
+                      <a:prstDash val="solid"/>
+                      <a:round/>
+                      <a:headEnd type="none" w="med" len="med"/>
+                      <a:tailEnd type="none" w="med" len="med"/>
+                    </a:lnB>
+                  </a:tcPr>
+                </a:tc>
+                <a:tc>
+                  <a:txBody>
+                    <a:bodyPr/>
+                    <a:lstStyle/>
+                    <a:p>
+                      <a:pPr rtl="0" fontAlgn="t">
+                        <a:spcBef>
+                          <a:spcPts val="0"/>
+                        </a:spcBef>
+                        <a:spcAft>
+                          <a:spcPts val="0"/>
+                        </a:spcAft>
+                      </a:pPr>
+                      <a:r>
+                        <a:rPr lang="id-ID" sz="1400" b="0" i="0" u="none" strike="noStrike">
+                          <a:solidFill>
+                            <a:schemeClr val="bg1"/>
+                          </a:solidFill>
+                          <a:effectLst/>
+                          <a:latin typeface="Arial" panose="020B0604020202020204" pitchFamily="34" charset="0"/>
+                        </a:rPr>
+                        <a:t> 24%</a:t>
+                      </a:r>
+                      <a:endParaRPr lang="id-ID">
+                        <a:solidFill>
+                          <a:schemeClr val="bg1"/>
+                        </a:solidFill>
+                        <a:effectLst/>
+                      </a:endParaRPr>
+                    </a:p>
+                  </a:txBody>
+                  <a:tcPr marL="95250" marR="95250" marT="95250" marB="95250">
+                    <a:lnL w="9468" cap="flat" cmpd="sng" algn="ctr">
+                      <a:solidFill>
+                        <a:srgbClr val="9E9E9E"/>
+                      </a:solidFill>
+                      <a:prstDash val="solid"/>
+                      <a:round/>
+                      <a:headEnd type="none" w="med" len="med"/>
+                      <a:tailEnd type="none" w="med" len="med"/>
+                    </a:lnL>
+                    <a:lnR w="9468" cap="flat" cmpd="sng" algn="ctr">
+                      <a:solidFill>
+                        <a:srgbClr val="9E9E9E"/>
+                      </a:solidFill>
+                      <a:prstDash val="solid"/>
+                      <a:round/>
+                      <a:headEnd type="none" w="med" len="med"/>
+                      <a:tailEnd type="none" w="med" len="med"/>
+                    </a:lnR>
+                    <a:lnT w="9468" cap="flat" cmpd="sng" algn="ctr">
+                      <a:solidFill>
+                        <a:srgbClr val="9E9E9E"/>
+                      </a:solidFill>
+                      <a:prstDash val="solid"/>
+                      <a:round/>
+                      <a:headEnd type="none" w="med" len="med"/>
+                      <a:tailEnd type="none" w="med" len="med"/>
+                    </a:lnT>
+                    <a:lnB w="9468" cap="flat" cmpd="sng" algn="ctr">
+                      <a:solidFill>
+                        <a:srgbClr val="9E9E9E"/>
+                      </a:solidFill>
+                      <a:prstDash val="solid"/>
+                      <a:round/>
+                      <a:headEnd type="none" w="med" len="med"/>
+                      <a:tailEnd type="none" w="med" len="med"/>
+                    </a:lnB>
+                  </a:tcPr>
+                </a:tc>
+                <a:tc>
+                  <a:txBody>
+                    <a:bodyPr/>
+                    <a:lstStyle/>
+                    <a:p>
+                      <a:pPr rtl="0" fontAlgn="t">
+                        <a:spcBef>
+                          <a:spcPts val="0"/>
+                        </a:spcBef>
+                        <a:spcAft>
+                          <a:spcPts val="0"/>
+                        </a:spcAft>
+                      </a:pPr>
+                      <a:r>
+                        <a:rPr lang="id-ID" sz="1400" b="0" i="0" u="none" strike="noStrike">
+                          <a:solidFill>
+                            <a:schemeClr val="bg1"/>
+                          </a:solidFill>
+                          <a:effectLst/>
+                          <a:latin typeface="Arial" panose="020B0604020202020204" pitchFamily="34" charset="0"/>
+                        </a:rPr>
+                        <a:t>$1200</a:t>
+                      </a:r>
+                      <a:endParaRPr lang="id-ID">
+                        <a:solidFill>
+                          <a:schemeClr val="bg1"/>
+                        </a:solidFill>
+                        <a:effectLst/>
+                      </a:endParaRPr>
+                    </a:p>
+                  </a:txBody>
+                  <a:tcPr marL="95250" marR="95250" marT="95250" marB="95250">
+                    <a:lnL w="9468" cap="flat" cmpd="sng" algn="ctr">
+                      <a:solidFill>
+                        <a:srgbClr val="9E9E9E"/>
+                      </a:solidFill>
+                      <a:prstDash val="solid"/>
+                      <a:round/>
+                      <a:headEnd type="none" w="med" len="med"/>
+                      <a:tailEnd type="none" w="med" len="med"/>
+                    </a:lnL>
+                    <a:lnR w="9468" cap="flat" cmpd="sng" algn="ctr">
+                      <a:solidFill>
+                        <a:srgbClr val="9E9E9E"/>
+                      </a:solidFill>
+                      <a:prstDash val="solid"/>
+                      <a:round/>
+                      <a:headEnd type="none" w="med" len="med"/>
+                      <a:tailEnd type="none" w="med" len="med"/>
+                    </a:lnR>
+                    <a:lnT w="9468" cap="flat" cmpd="sng" algn="ctr">
+                      <a:solidFill>
+                        <a:srgbClr val="9E9E9E"/>
+                      </a:solidFill>
+                      <a:prstDash val="solid"/>
+                      <a:round/>
+                      <a:headEnd type="none" w="med" len="med"/>
+                      <a:tailEnd type="none" w="med" len="med"/>
+                    </a:lnT>
+                    <a:lnB w="9468" cap="flat" cmpd="sng" algn="ctr">
+                      <a:solidFill>
+                        <a:srgbClr val="9E9E9E"/>
+                      </a:solidFill>
+                      <a:prstDash val="solid"/>
+                      <a:round/>
+                      <a:headEnd type="none" w="med" len="med"/>
+                      <a:tailEnd type="none" w="med" len="med"/>
+                    </a:lnB>
+                  </a:tcPr>
+                </a:tc>
+                <a:extLst>
+                  <a:ext uri="{0D108BD9-81ED-4DB2-BD59-A6C34878D82A}">
+                    <a16:rowId xmlns:a16="http://schemas.microsoft.com/office/drawing/2014/main" val="1895759872"/>
+                  </a:ext>
+                </a:extLst>
+              </a:tr>
+              <a:tr h="457200">
+                <a:tc>
+                  <a:txBody>
+                    <a:bodyPr/>
+                    <a:lstStyle/>
+                    <a:p>
+                      <a:pPr rtl="0" fontAlgn="t">
+                        <a:spcBef>
+                          <a:spcPts val="0"/>
+                        </a:spcBef>
+                        <a:spcAft>
+                          <a:spcPts val="0"/>
+                        </a:spcAft>
+                      </a:pPr>
+                      <a:r>
+                        <a:rPr lang="id-ID" sz="1400" b="0" i="0" u="none" strike="noStrike">
+                          <a:solidFill>
+                            <a:schemeClr val="bg1"/>
+                          </a:solidFill>
+                          <a:effectLst/>
+                          <a:latin typeface="Arial" panose="020B0604020202020204" pitchFamily="34" charset="0"/>
+                        </a:rPr>
+                        <a:t>Computer/Laptop</a:t>
+                      </a:r>
+                      <a:endParaRPr lang="id-ID">
+                        <a:solidFill>
+                          <a:schemeClr val="bg1"/>
+                        </a:solidFill>
+                        <a:effectLst/>
+                      </a:endParaRPr>
+                    </a:p>
+                  </a:txBody>
+                  <a:tcPr marL="95250" marR="95250" marT="95250" marB="95250">
+                    <a:lnL w="9468" cap="flat" cmpd="sng" algn="ctr">
+                      <a:solidFill>
+                        <a:srgbClr val="9E9E9E"/>
+                      </a:solidFill>
+                      <a:prstDash val="solid"/>
+                      <a:round/>
+                      <a:headEnd type="none" w="med" len="med"/>
+                      <a:tailEnd type="none" w="med" len="med"/>
+                    </a:lnL>
+                    <a:lnR w="9468" cap="flat" cmpd="sng" algn="ctr">
+                      <a:solidFill>
+                        <a:srgbClr val="9E9E9E"/>
+                      </a:solidFill>
+                      <a:prstDash val="solid"/>
+                      <a:round/>
+                      <a:headEnd type="none" w="med" len="med"/>
+                      <a:tailEnd type="none" w="med" len="med"/>
+                    </a:lnR>
+                    <a:lnT w="9468" cap="flat" cmpd="sng" algn="ctr">
+                      <a:solidFill>
+                        <a:srgbClr val="9E9E9E"/>
+                      </a:solidFill>
+                      <a:prstDash val="solid"/>
+                      <a:round/>
+                      <a:headEnd type="none" w="med" len="med"/>
+                      <a:tailEnd type="none" w="med" len="med"/>
+                    </a:lnT>
+                    <a:lnB w="9468" cap="flat" cmpd="sng" algn="ctr">
+                      <a:solidFill>
+                        <a:srgbClr val="9E9E9E"/>
+                      </a:solidFill>
+                      <a:prstDash val="solid"/>
+                      <a:round/>
+                      <a:headEnd type="none" w="med" len="med"/>
+                      <a:tailEnd type="none" w="med" len="med"/>
+                    </a:lnB>
+                  </a:tcPr>
+                </a:tc>
+                <a:tc>
+                  <a:txBody>
+                    <a:bodyPr/>
+                    <a:lstStyle/>
+                    <a:p>
+                      <a:pPr rtl="0" fontAlgn="t">
+                        <a:spcBef>
+                          <a:spcPts val="0"/>
+                        </a:spcBef>
+                        <a:spcAft>
+                          <a:spcPts val="0"/>
+                        </a:spcAft>
+                      </a:pPr>
+                      <a:r>
+                        <a:rPr lang="id-ID" sz="1400" b="0" i="0" u="none" strike="noStrike">
+                          <a:solidFill>
+                            <a:schemeClr val="bg1"/>
+                          </a:solidFill>
+                          <a:effectLst/>
+                          <a:latin typeface="Arial" panose="020B0604020202020204" pitchFamily="34" charset="0"/>
+                        </a:rPr>
+                        <a:t> 25%</a:t>
+                      </a:r>
+                      <a:endParaRPr lang="id-ID">
+                        <a:solidFill>
+                          <a:schemeClr val="bg1"/>
+                        </a:solidFill>
+                        <a:effectLst/>
+                      </a:endParaRPr>
+                    </a:p>
+                  </a:txBody>
+                  <a:tcPr marL="95250" marR="95250" marT="95250" marB="95250">
+                    <a:lnL w="9468" cap="flat" cmpd="sng" algn="ctr">
+                      <a:solidFill>
+                        <a:srgbClr val="9E9E9E"/>
+                      </a:solidFill>
+                      <a:prstDash val="solid"/>
+                      <a:round/>
+                      <a:headEnd type="none" w="med" len="med"/>
+                      <a:tailEnd type="none" w="med" len="med"/>
+                    </a:lnL>
+                    <a:lnR w="9468" cap="flat" cmpd="sng" algn="ctr">
+                      <a:solidFill>
+                        <a:srgbClr val="9E9E9E"/>
+                      </a:solidFill>
+                      <a:prstDash val="solid"/>
+                      <a:round/>
+                      <a:headEnd type="none" w="med" len="med"/>
+                      <a:tailEnd type="none" w="med" len="med"/>
+                    </a:lnR>
+                    <a:lnT w="9468" cap="flat" cmpd="sng" algn="ctr">
+                      <a:solidFill>
+                        <a:srgbClr val="9E9E9E"/>
+                      </a:solidFill>
+                      <a:prstDash val="solid"/>
+                      <a:round/>
+                      <a:headEnd type="none" w="med" len="med"/>
+                      <a:tailEnd type="none" w="med" len="med"/>
+                    </a:lnT>
+                    <a:lnB w="9468" cap="flat" cmpd="sng" algn="ctr">
+                      <a:solidFill>
+                        <a:srgbClr val="9E9E9E"/>
+                      </a:solidFill>
+                      <a:prstDash val="solid"/>
+                      <a:round/>
+                      <a:headEnd type="none" w="med" len="med"/>
+                      <a:tailEnd type="none" w="med" len="med"/>
+                    </a:lnB>
+                  </a:tcPr>
+                </a:tc>
+                <a:tc>
+                  <a:txBody>
+                    <a:bodyPr/>
+                    <a:lstStyle/>
+                    <a:p>
+                      <a:pPr rtl="0" fontAlgn="t">
+                        <a:spcBef>
+                          <a:spcPts val="0"/>
+                        </a:spcBef>
+                        <a:spcAft>
+                          <a:spcPts val="0"/>
+                        </a:spcAft>
+                      </a:pPr>
+                      <a:r>
+                        <a:rPr lang="id-ID" sz="1400" b="0" i="0" u="none" strike="noStrike">
+                          <a:solidFill>
+                            <a:schemeClr val="bg1"/>
+                          </a:solidFill>
+                          <a:effectLst/>
+                          <a:latin typeface="Arial" panose="020B0604020202020204" pitchFamily="34" charset="0"/>
+                        </a:rPr>
+                        <a:t>$1250</a:t>
+                      </a:r>
+                      <a:endParaRPr lang="id-ID">
+                        <a:solidFill>
+                          <a:schemeClr val="bg1"/>
+                        </a:solidFill>
+                        <a:effectLst/>
+                      </a:endParaRPr>
+                    </a:p>
+                  </a:txBody>
+                  <a:tcPr marL="95250" marR="95250" marT="95250" marB="95250">
+                    <a:lnL w="9468" cap="flat" cmpd="sng" algn="ctr">
+                      <a:solidFill>
+                        <a:srgbClr val="9E9E9E"/>
+                      </a:solidFill>
+                      <a:prstDash val="solid"/>
+                      <a:round/>
+                      <a:headEnd type="none" w="med" len="med"/>
+                      <a:tailEnd type="none" w="med" len="med"/>
+                    </a:lnL>
+                    <a:lnR w="9468" cap="flat" cmpd="sng" algn="ctr">
+                      <a:solidFill>
+                        <a:srgbClr val="9E9E9E"/>
+                      </a:solidFill>
+                      <a:prstDash val="solid"/>
+                      <a:round/>
+                      <a:headEnd type="none" w="med" len="med"/>
+                      <a:tailEnd type="none" w="med" len="med"/>
+                    </a:lnR>
+                    <a:lnT w="9468" cap="flat" cmpd="sng" algn="ctr">
+                      <a:solidFill>
+                        <a:srgbClr val="9E9E9E"/>
+                      </a:solidFill>
+                      <a:prstDash val="solid"/>
+                      <a:round/>
+                      <a:headEnd type="none" w="med" len="med"/>
+                      <a:tailEnd type="none" w="med" len="med"/>
+                    </a:lnT>
+                    <a:lnB w="9468" cap="flat" cmpd="sng" algn="ctr">
+                      <a:solidFill>
+                        <a:srgbClr val="9E9E9E"/>
+                      </a:solidFill>
+                      <a:prstDash val="solid"/>
+                      <a:round/>
+                      <a:headEnd type="none" w="med" len="med"/>
+                      <a:tailEnd type="none" w="med" len="med"/>
+                    </a:lnB>
+                  </a:tcPr>
+                </a:tc>
+                <a:extLst>
+                  <a:ext uri="{0D108BD9-81ED-4DB2-BD59-A6C34878D82A}">
+                    <a16:rowId xmlns:a16="http://schemas.microsoft.com/office/drawing/2014/main" val="3685815351"/>
+                  </a:ext>
+                </a:extLst>
+              </a:tr>
+              <a:tr h="457200">
+                <a:tc>
+                  <a:txBody>
+                    <a:bodyPr/>
+                    <a:lstStyle/>
+                    <a:p>
+                      <a:pPr rtl="0" fontAlgn="t">
+                        <a:spcBef>
+                          <a:spcPts val="0"/>
+                        </a:spcBef>
+                        <a:spcAft>
+                          <a:spcPts val="0"/>
+                        </a:spcAft>
+                      </a:pPr>
+                      <a:r>
+                        <a:rPr lang="id-ID" sz="1400" b="0" i="0" u="none" strike="noStrike">
+                          <a:solidFill>
+                            <a:schemeClr val="bg1"/>
+                          </a:solidFill>
+                          <a:effectLst/>
+                          <a:latin typeface="Arial" panose="020B0604020202020204" pitchFamily="34" charset="0"/>
+                        </a:rPr>
+                        <a:t>Transportation</a:t>
+                      </a:r>
+                      <a:endParaRPr lang="id-ID">
+                        <a:solidFill>
+                          <a:schemeClr val="bg1"/>
+                        </a:solidFill>
+                        <a:effectLst/>
+                      </a:endParaRPr>
+                    </a:p>
+                  </a:txBody>
+                  <a:tcPr marL="95250" marR="95250" marT="95250" marB="95250">
+                    <a:lnL w="9468" cap="flat" cmpd="sng" algn="ctr">
+                      <a:solidFill>
+                        <a:srgbClr val="9E9E9E"/>
+                      </a:solidFill>
+                      <a:prstDash val="solid"/>
+                      <a:round/>
+                      <a:headEnd type="none" w="med" len="med"/>
+                      <a:tailEnd type="none" w="med" len="med"/>
+                    </a:lnL>
+                    <a:lnR w="9468" cap="flat" cmpd="sng" algn="ctr">
+                      <a:solidFill>
+                        <a:srgbClr val="9E9E9E"/>
+                      </a:solidFill>
+                      <a:prstDash val="solid"/>
+                      <a:round/>
+                      <a:headEnd type="none" w="med" len="med"/>
+                      <a:tailEnd type="none" w="med" len="med"/>
+                    </a:lnR>
+                    <a:lnT w="9468" cap="flat" cmpd="sng" algn="ctr">
+                      <a:solidFill>
+                        <a:srgbClr val="9E9E9E"/>
+                      </a:solidFill>
+                      <a:prstDash val="solid"/>
+                      <a:round/>
+                      <a:headEnd type="none" w="med" len="med"/>
+                      <a:tailEnd type="none" w="med" len="med"/>
+                    </a:lnT>
+                    <a:lnB w="9468" cap="flat" cmpd="sng" algn="ctr">
+                      <a:solidFill>
+                        <a:srgbClr val="9E9E9E"/>
+                      </a:solidFill>
+                      <a:prstDash val="solid"/>
+                      <a:round/>
+                      <a:headEnd type="none" w="med" len="med"/>
+                      <a:tailEnd type="none" w="med" len="med"/>
+                    </a:lnB>
+                  </a:tcPr>
+                </a:tc>
+                <a:tc>
+                  <a:txBody>
+                    <a:bodyPr/>
+                    <a:lstStyle/>
+                    <a:p>
+                      <a:pPr rtl="0" fontAlgn="t">
+                        <a:spcBef>
+                          <a:spcPts val="0"/>
+                        </a:spcBef>
+                        <a:spcAft>
+                          <a:spcPts val="0"/>
+                        </a:spcAft>
+                      </a:pPr>
+                      <a:r>
+                        <a:rPr lang="id-ID" sz="1400" b="0" i="0" u="none" strike="noStrike">
+                          <a:solidFill>
+                            <a:schemeClr val="bg1"/>
+                          </a:solidFill>
+                          <a:effectLst/>
+                          <a:latin typeface="Arial" panose="020B0604020202020204" pitchFamily="34" charset="0"/>
+                        </a:rPr>
+                        <a:t> 8%</a:t>
+                      </a:r>
+                      <a:endParaRPr lang="id-ID">
+                        <a:solidFill>
+                          <a:schemeClr val="bg1"/>
+                        </a:solidFill>
+                        <a:effectLst/>
+                      </a:endParaRPr>
+                    </a:p>
+                  </a:txBody>
+                  <a:tcPr marL="95250" marR="95250" marT="95250" marB="95250">
+                    <a:lnL w="9468" cap="flat" cmpd="sng" algn="ctr">
+                      <a:solidFill>
+                        <a:srgbClr val="9E9E9E"/>
+                      </a:solidFill>
+                      <a:prstDash val="solid"/>
+                      <a:round/>
+                      <a:headEnd type="none" w="med" len="med"/>
+                      <a:tailEnd type="none" w="med" len="med"/>
+                    </a:lnL>
+                    <a:lnR w="9468" cap="flat" cmpd="sng" algn="ctr">
+                      <a:solidFill>
+                        <a:srgbClr val="9E9E9E"/>
+                      </a:solidFill>
+                      <a:prstDash val="solid"/>
+                      <a:round/>
+                      <a:headEnd type="none" w="med" len="med"/>
+                      <a:tailEnd type="none" w="med" len="med"/>
+                    </a:lnR>
+                    <a:lnT w="9468" cap="flat" cmpd="sng" algn="ctr">
+                      <a:solidFill>
+                        <a:srgbClr val="9E9E9E"/>
+                      </a:solidFill>
+                      <a:prstDash val="solid"/>
+                      <a:round/>
+                      <a:headEnd type="none" w="med" len="med"/>
+                      <a:tailEnd type="none" w="med" len="med"/>
+                    </a:lnT>
+                    <a:lnB w="9468" cap="flat" cmpd="sng" algn="ctr">
+                      <a:solidFill>
+                        <a:srgbClr val="9E9E9E"/>
+                      </a:solidFill>
+                      <a:prstDash val="solid"/>
+                      <a:round/>
+                      <a:headEnd type="none" w="med" len="med"/>
+                      <a:tailEnd type="none" w="med" len="med"/>
+                    </a:lnB>
+                  </a:tcPr>
+                </a:tc>
+                <a:tc>
+                  <a:txBody>
+                    <a:bodyPr/>
+                    <a:lstStyle/>
+                    <a:p>
+                      <a:pPr rtl="0" fontAlgn="t">
+                        <a:spcBef>
+                          <a:spcPts val="0"/>
+                        </a:spcBef>
+                        <a:spcAft>
+                          <a:spcPts val="0"/>
+                        </a:spcAft>
+                      </a:pPr>
+                      <a:r>
+                        <a:rPr lang="id-ID" sz="1400" b="0" i="0" u="none" strike="noStrike" dirty="0">
+                          <a:solidFill>
+                            <a:schemeClr val="bg1"/>
+                          </a:solidFill>
+                          <a:effectLst/>
+                          <a:latin typeface="Arial" panose="020B0604020202020204" pitchFamily="34" charset="0"/>
+                        </a:rPr>
+                        <a:t>$400</a:t>
+                      </a:r>
+                      <a:endParaRPr lang="id-ID" dirty="0">
+                        <a:solidFill>
+                          <a:schemeClr val="bg1"/>
+                        </a:solidFill>
+                        <a:effectLst/>
+                      </a:endParaRPr>
+                    </a:p>
+                  </a:txBody>
+                  <a:tcPr marL="95250" marR="95250" marT="95250" marB="95250">
+                    <a:lnL w="9468" cap="flat" cmpd="sng" algn="ctr">
+                      <a:solidFill>
+                        <a:srgbClr val="9E9E9E"/>
+                      </a:solidFill>
+                      <a:prstDash val="solid"/>
+                      <a:round/>
+                      <a:headEnd type="none" w="med" len="med"/>
+                      <a:tailEnd type="none" w="med" len="med"/>
+                    </a:lnL>
+                    <a:lnR w="9468" cap="flat" cmpd="sng" algn="ctr">
+                      <a:solidFill>
+                        <a:srgbClr val="9E9E9E"/>
+                      </a:solidFill>
+                      <a:prstDash val="solid"/>
+                      <a:round/>
+                      <a:headEnd type="none" w="med" len="med"/>
+                      <a:tailEnd type="none" w="med" len="med"/>
+                    </a:lnR>
+                    <a:lnT w="9468" cap="flat" cmpd="sng" algn="ctr">
+                      <a:solidFill>
+                        <a:srgbClr val="9E9E9E"/>
+                      </a:solidFill>
+                      <a:prstDash val="solid"/>
+                      <a:round/>
+                      <a:headEnd type="none" w="med" len="med"/>
+                      <a:tailEnd type="none" w="med" len="med"/>
+                    </a:lnT>
+                    <a:lnB w="9468" cap="flat" cmpd="sng" algn="ctr">
+                      <a:solidFill>
+                        <a:srgbClr val="9E9E9E"/>
+                      </a:solidFill>
+                      <a:prstDash val="solid"/>
+                      <a:round/>
+                      <a:headEnd type="none" w="med" len="med"/>
+                      <a:tailEnd type="none" w="med" len="med"/>
+                    </a:lnB>
+                  </a:tcPr>
+                </a:tc>
+                <a:extLst>
+                  <a:ext uri="{0D108BD9-81ED-4DB2-BD59-A6C34878D82A}">
+                    <a16:rowId xmlns:a16="http://schemas.microsoft.com/office/drawing/2014/main" val="678017808"/>
+                  </a:ext>
+                </a:extLst>
+              </a:tr>
+              <a:tr h="457200">
+                <a:tc>
+                  <a:txBody>
+                    <a:bodyPr/>
+                    <a:lstStyle/>
+                    <a:p>
+                      <a:pPr rtl="0" fontAlgn="t">
+                        <a:spcBef>
+                          <a:spcPts val="0"/>
+                        </a:spcBef>
+                        <a:spcAft>
+                          <a:spcPts val="0"/>
+                        </a:spcAft>
+                      </a:pPr>
+                      <a:r>
+                        <a:rPr lang="id-ID" sz="1400" b="0" i="0" u="none" strike="noStrike">
+                          <a:solidFill>
+                            <a:schemeClr val="bg1"/>
+                          </a:solidFill>
+                          <a:effectLst/>
+                          <a:latin typeface="Arial" panose="020B0604020202020204" pitchFamily="34" charset="0"/>
+                        </a:rPr>
+                        <a:t>Running Test</a:t>
+                      </a:r>
+                      <a:endParaRPr lang="id-ID">
+                        <a:solidFill>
+                          <a:schemeClr val="bg1"/>
+                        </a:solidFill>
+                        <a:effectLst/>
+                      </a:endParaRPr>
+                    </a:p>
+                  </a:txBody>
+                  <a:tcPr marL="95250" marR="95250" marT="95250" marB="95250">
+                    <a:lnL w="9468" cap="flat" cmpd="sng" algn="ctr">
+                      <a:solidFill>
+                        <a:srgbClr val="9E9E9E"/>
+                      </a:solidFill>
+                      <a:prstDash val="solid"/>
+                      <a:round/>
+                      <a:headEnd type="none" w="med" len="med"/>
+                      <a:tailEnd type="none" w="med" len="med"/>
+                    </a:lnL>
+                    <a:lnR w="9468" cap="flat" cmpd="sng" algn="ctr">
+                      <a:solidFill>
+                        <a:srgbClr val="9E9E9E"/>
+                      </a:solidFill>
+                      <a:prstDash val="solid"/>
+                      <a:round/>
+                      <a:headEnd type="none" w="med" len="med"/>
+                      <a:tailEnd type="none" w="med" len="med"/>
+                    </a:lnR>
+                    <a:lnT w="9468" cap="flat" cmpd="sng" algn="ctr">
+                      <a:solidFill>
+                        <a:srgbClr val="9E9E9E"/>
+                      </a:solidFill>
+                      <a:prstDash val="solid"/>
+                      <a:round/>
+                      <a:headEnd type="none" w="med" len="med"/>
+                      <a:tailEnd type="none" w="med" len="med"/>
+                    </a:lnT>
+                    <a:lnB w="9468" cap="flat" cmpd="sng" algn="ctr">
+                      <a:solidFill>
+                        <a:srgbClr val="9E9E9E"/>
+                      </a:solidFill>
+                      <a:prstDash val="solid"/>
+                      <a:round/>
+                      <a:headEnd type="none" w="med" len="med"/>
+                      <a:tailEnd type="none" w="med" len="med"/>
+                    </a:lnB>
+                  </a:tcPr>
+                </a:tc>
+                <a:tc>
+                  <a:txBody>
+                    <a:bodyPr/>
+                    <a:lstStyle/>
+                    <a:p>
+                      <a:pPr rtl="0" fontAlgn="t">
+                        <a:spcBef>
+                          <a:spcPts val="0"/>
+                        </a:spcBef>
+                        <a:spcAft>
+                          <a:spcPts val="0"/>
+                        </a:spcAft>
+                      </a:pPr>
+                      <a:r>
+                        <a:rPr lang="id-ID" sz="1400" b="0" i="0" u="none" strike="noStrike">
+                          <a:solidFill>
+                            <a:schemeClr val="bg1"/>
+                          </a:solidFill>
+                          <a:effectLst/>
+                          <a:latin typeface="Arial" panose="020B0604020202020204" pitchFamily="34" charset="0"/>
+                        </a:rPr>
+                        <a:t>10%</a:t>
+                      </a:r>
+                      <a:endParaRPr lang="id-ID">
+                        <a:solidFill>
+                          <a:schemeClr val="bg1"/>
+                        </a:solidFill>
+                        <a:effectLst/>
+                      </a:endParaRPr>
+                    </a:p>
+                  </a:txBody>
+                  <a:tcPr marL="95250" marR="95250" marT="95250" marB="95250">
+                    <a:lnL w="9468" cap="flat" cmpd="sng" algn="ctr">
+                      <a:solidFill>
+                        <a:srgbClr val="9E9E9E"/>
+                      </a:solidFill>
+                      <a:prstDash val="solid"/>
+                      <a:round/>
+                      <a:headEnd type="none" w="med" len="med"/>
+                      <a:tailEnd type="none" w="med" len="med"/>
+                    </a:lnL>
+                    <a:lnR w="9468" cap="flat" cmpd="sng" algn="ctr">
+                      <a:solidFill>
+                        <a:srgbClr val="9E9E9E"/>
+                      </a:solidFill>
+                      <a:prstDash val="solid"/>
+                      <a:round/>
+                      <a:headEnd type="none" w="med" len="med"/>
+                      <a:tailEnd type="none" w="med" len="med"/>
+                    </a:lnR>
+                    <a:lnT w="9468" cap="flat" cmpd="sng" algn="ctr">
+                      <a:solidFill>
+                        <a:srgbClr val="9E9E9E"/>
+                      </a:solidFill>
+                      <a:prstDash val="solid"/>
+                      <a:round/>
+                      <a:headEnd type="none" w="med" len="med"/>
+                      <a:tailEnd type="none" w="med" len="med"/>
+                    </a:lnT>
+                    <a:lnB w="9468" cap="flat" cmpd="sng" algn="ctr">
+                      <a:solidFill>
+                        <a:srgbClr val="9E9E9E"/>
+                      </a:solidFill>
+                      <a:prstDash val="solid"/>
+                      <a:round/>
+                      <a:headEnd type="none" w="med" len="med"/>
+                      <a:tailEnd type="none" w="med" len="med"/>
+                    </a:lnB>
+                  </a:tcPr>
+                </a:tc>
+                <a:tc>
+                  <a:txBody>
+                    <a:bodyPr/>
+                    <a:lstStyle/>
+                    <a:p>
+                      <a:pPr rtl="0" fontAlgn="t">
+                        <a:spcBef>
+                          <a:spcPts val="0"/>
+                        </a:spcBef>
+                        <a:spcAft>
+                          <a:spcPts val="0"/>
+                        </a:spcAft>
+                      </a:pPr>
+                      <a:r>
+                        <a:rPr lang="id-ID" sz="1400" b="0" i="0" u="none" strike="noStrike">
+                          <a:solidFill>
+                            <a:schemeClr val="bg1"/>
+                          </a:solidFill>
+                          <a:effectLst/>
+                          <a:latin typeface="Arial" panose="020B0604020202020204" pitchFamily="34" charset="0"/>
+                        </a:rPr>
+                        <a:t>$500</a:t>
+                      </a:r>
+                      <a:endParaRPr lang="id-ID">
+                        <a:solidFill>
+                          <a:schemeClr val="bg1"/>
+                        </a:solidFill>
+                        <a:effectLst/>
+                      </a:endParaRPr>
+                    </a:p>
+                  </a:txBody>
+                  <a:tcPr marL="95250" marR="95250" marT="95250" marB="95250">
+                    <a:lnL w="9468" cap="flat" cmpd="sng" algn="ctr">
+                      <a:solidFill>
+                        <a:srgbClr val="9E9E9E"/>
+                      </a:solidFill>
+                      <a:prstDash val="solid"/>
+                      <a:round/>
+                      <a:headEnd type="none" w="med" len="med"/>
+                      <a:tailEnd type="none" w="med" len="med"/>
+                    </a:lnL>
+                    <a:lnR w="9468" cap="flat" cmpd="sng" algn="ctr">
+                      <a:solidFill>
+                        <a:srgbClr val="9E9E9E"/>
+                      </a:solidFill>
+                      <a:prstDash val="solid"/>
+                      <a:round/>
+                      <a:headEnd type="none" w="med" len="med"/>
+                      <a:tailEnd type="none" w="med" len="med"/>
+                    </a:lnR>
+                    <a:lnT w="9468" cap="flat" cmpd="sng" algn="ctr">
+                      <a:solidFill>
+                        <a:srgbClr val="9E9E9E"/>
+                      </a:solidFill>
+                      <a:prstDash val="solid"/>
+                      <a:round/>
+                      <a:headEnd type="none" w="med" len="med"/>
+                      <a:tailEnd type="none" w="med" len="med"/>
+                    </a:lnT>
+                    <a:lnB w="9468" cap="flat" cmpd="sng" algn="ctr">
+                      <a:solidFill>
+                        <a:srgbClr val="9E9E9E"/>
+                      </a:solidFill>
+                      <a:prstDash val="solid"/>
+                      <a:round/>
+                      <a:headEnd type="none" w="med" len="med"/>
+                      <a:tailEnd type="none" w="med" len="med"/>
+                    </a:lnB>
+                  </a:tcPr>
+                </a:tc>
+                <a:extLst>
+                  <a:ext uri="{0D108BD9-81ED-4DB2-BD59-A6C34878D82A}">
+                    <a16:rowId xmlns:a16="http://schemas.microsoft.com/office/drawing/2014/main" val="3417638920"/>
+                  </a:ext>
+                </a:extLst>
+              </a:tr>
+              <a:tr h="457200">
+                <a:tc>
+                  <a:txBody>
+                    <a:bodyPr/>
+                    <a:lstStyle/>
+                    <a:p>
+                      <a:pPr rtl="0" fontAlgn="t">
+                        <a:spcBef>
+                          <a:spcPts val="0"/>
+                        </a:spcBef>
+                        <a:spcAft>
+                          <a:spcPts val="0"/>
+                        </a:spcAft>
+                      </a:pPr>
+                      <a:r>
+                        <a:rPr lang="id-ID" sz="1400" b="0" i="0" u="none" strike="noStrike">
+                          <a:solidFill>
+                            <a:schemeClr val="bg1"/>
+                          </a:solidFill>
+                          <a:effectLst/>
+                          <a:latin typeface="Arial" panose="020B0604020202020204" pitchFamily="34" charset="0"/>
+                        </a:rPr>
+                        <a:t>Data Collection</a:t>
+                      </a:r>
+                      <a:endParaRPr lang="id-ID">
+                        <a:solidFill>
+                          <a:schemeClr val="bg1"/>
+                        </a:solidFill>
+                        <a:effectLst/>
+                      </a:endParaRPr>
+                    </a:p>
+                  </a:txBody>
+                  <a:tcPr marL="95250" marR="95250" marT="95250" marB="95250">
+                    <a:lnL w="9468" cap="flat" cmpd="sng" algn="ctr">
+                      <a:solidFill>
+                        <a:srgbClr val="9E9E9E"/>
+                      </a:solidFill>
+                      <a:prstDash val="solid"/>
+                      <a:round/>
+                      <a:headEnd type="none" w="med" len="med"/>
+                      <a:tailEnd type="none" w="med" len="med"/>
+                    </a:lnL>
+                    <a:lnR w="9468" cap="flat" cmpd="sng" algn="ctr">
+                      <a:solidFill>
+                        <a:srgbClr val="9E9E9E"/>
+                      </a:solidFill>
+                      <a:prstDash val="solid"/>
+                      <a:round/>
+                      <a:headEnd type="none" w="med" len="med"/>
+                      <a:tailEnd type="none" w="med" len="med"/>
+                    </a:lnR>
+                    <a:lnT w="9468" cap="flat" cmpd="sng" algn="ctr">
+                      <a:solidFill>
+                        <a:srgbClr val="9E9E9E"/>
+                      </a:solidFill>
+                      <a:prstDash val="solid"/>
+                      <a:round/>
+                      <a:headEnd type="none" w="med" len="med"/>
+                      <a:tailEnd type="none" w="med" len="med"/>
+                    </a:lnT>
+                    <a:lnB w="9468" cap="flat" cmpd="sng" algn="ctr">
+                      <a:solidFill>
+                        <a:srgbClr val="9E9E9E"/>
+                      </a:solidFill>
+                      <a:prstDash val="solid"/>
+                      <a:round/>
+                      <a:headEnd type="none" w="med" len="med"/>
+                      <a:tailEnd type="none" w="med" len="med"/>
+                    </a:lnB>
+                  </a:tcPr>
+                </a:tc>
+                <a:tc>
+                  <a:txBody>
+                    <a:bodyPr/>
+                    <a:lstStyle/>
+                    <a:p>
+                      <a:pPr rtl="0" fontAlgn="t">
+                        <a:spcBef>
+                          <a:spcPts val="0"/>
+                        </a:spcBef>
+                        <a:spcAft>
+                          <a:spcPts val="0"/>
+                        </a:spcAft>
+                      </a:pPr>
+                      <a:r>
+                        <a:rPr lang="id-ID" sz="1400" b="0" i="0" u="none" strike="noStrike" dirty="0">
+                          <a:solidFill>
+                            <a:schemeClr val="bg1"/>
+                          </a:solidFill>
+                          <a:effectLst/>
+                          <a:latin typeface="Arial" panose="020B0604020202020204" pitchFamily="34" charset="0"/>
+                        </a:rPr>
+                        <a:t>11%</a:t>
+                      </a:r>
+                      <a:endParaRPr lang="id-ID" dirty="0">
+                        <a:solidFill>
+                          <a:schemeClr val="bg1"/>
+                        </a:solidFill>
+                        <a:effectLst/>
+                      </a:endParaRPr>
+                    </a:p>
+                  </a:txBody>
+                  <a:tcPr marL="95250" marR="95250" marT="95250" marB="95250">
+                    <a:lnL w="9468" cap="flat" cmpd="sng" algn="ctr">
+                      <a:solidFill>
+                        <a:srgbClr val="9E9E9E"/>
+                      </a:solidFill>
+                      <a:prstDash val="solid"/>
+                      <a:round/>
+                      <a:headEnd type="none" w="med" len="med"/>
+                      <a:tailEnd type="none" w="med" len="med"/>
+                    </a:lnL>
+                    <a:lnR w="9468" cap="flat" cmpd="sng" algn="ctr">
+                      <a:solidFill>
+                        <a:srgbClr val="9E9E9E"/>
+                      </a:solidFill>
+                      <a:prstDash val="solid"/>
+                      <a:round/>
+                      <a:headEnd type="none" w="med" len="med"/>
+                      <a:tailEnd type="none" w="med" len="med"/>
+                    </a:lnR>
+                    <a:lnT w="9468" cap="flat" cmpd="sng" algn="ctr">
+                      <a:solidFill>
+                        <a:srgbClr val="9E9E9E"/>
+                      </a:solidFill>
+                      <a:prstDash val="solid"/>
+                      <a:round/>
+                      <a:headEnd type="none" w="med" len="med"/>
+                      <a:tailEnd type="none" w="med" len="med"/>
+                    </a:lnT>
+                    <a:lnB w="9468" cap="flat" cmpd="sng" algn="ctr">
+                      <a:solidFill>
+                        <a:srgbClr val="9E9E9E"/>
+                      </a:solidFill>
+                      <a:prstDash val="solid"/>
+                      <a:round/>
+                      <a:headEnd type="none" w="med" len="med"/>
+                      <a:tailEnd type="none" w="med" len="med"/>
+                    </a:lnB>
+                  </a:tcPr>
+                </a:tc>
+                <a:tc>
+                  <a:txBody>
+                    <a:bodyPr/>
+                    <a:lstStyle/>
+                    <a:p>
+                      <a:pPr rtl="0" fontAlgn="t">
+                        <a:spcBef>
+                          <a:spcPts val="0"/>
+                        </a:spcBef>
+                        <a:spcAft>
+                          <a:spcPts val="0"/>
+                        </a:spcAft>
+                      </a:pPr>
+                      <a:r>
+                        <a:rPr lang="id-ID" sz="1400" b="0" i="0" u="none" strike="noStrike">
+                          <a:solidFill>
+                            <a:schemeClr val="bg1"/>
+                          </a:solidFill>
+                          <a:effectLst/>
+                          <a:latin typeface="Arial" panose="020B0604020202020204" pitchFamily="34" charset="0"/>
+                        </a:rPr>
+                        <a:t>$550</a:t>
+                      </a:r>
+                      <a:endParaRPr lang="id-ID">
+                        <a:solidFill>
+                          <a:schemeClr val="bg1"/>
+                        </a:solidFill>
+                        <a:effectLst/>
+                      </a:endParaRPr>
+                    </a:p>
+                  </a:txBody>
+                  <a:tcPr marL="95250" marR="95250" marT="95250" marB="95250">
+                    <a:lnL w="9468" cap="flat" cmpd="sng" algn="ctr">
+                      <a:solidFill>
+                        <a:srgbClr val="9E9E9E"/>
+                      </a:solidFill>
+                      <a:prstDash val="solid"/>
+                      <a:round/>
+                      <a:headEnd type="none" w="med" len="med"/>
+                      <a:tailEnd type="none" w="med" len="med"/>
+                    </a:lnL>
+                    <a:lnR w="9468" cap="flat" cmpd="sng" algn="ctr">
+                      <a:solidFill>
+                        <a:srgbClr val="9E9E9E"/>
+                      </a:solidFill>
+                      <a:prstDash val="solid"/>
+                      <a:round/>
+                      <a:headEnd type="none" w="med" len="med"/>
+                      <a:tailEnd type="none" w="med" len="med"/>
+                    </a:lnR>
+                    <a:lnT w="9468" cap="flat" cmpd="sng" algn="ctr">
+                      <a:solidFill>
+                        <a:srgbClr val="9E9E9E"/>
+                      </a:solidFill>
+                      <a:prstDash val="solid"/>
+                      <a:round/>
+                      <a:headEnd type="none" w="med" len="med"/>
+                      <a:tailEnd type="none" w="med" len="med"/>
+                    </a:lnT>
+                    <a:lnB w="9468" cap="flat" cmpd="sng" algn="ctr">
+                      <a:solidFill>
+                        <a:srgbClr val="9E9E9E"/>
+                      </a:solidFill>
+                      <a:prstDash val="solid"/>
+                      <a:round/>
+                      <a:headEnd type="none" w="med" len="med"/>
+                      <a:tailEnd type="none" w="med" len="med"/>
+                    </a:lnB>
+                  </a:tcPr>
+                </a:tc>
+                <a:extLst>
+                  <a:ext uri="{0D108BD9-81ED-4DB2-BD59-A6C34878D82A}">
+                    <a16:rowId xmlns:a16="http://schemas.microsoft.com/office/drawing/2014/main" val="2220531031"/>
+                  </a:ext>
+                </a:extLst>
+              </a:tr>
+              <a:tr h="0">
+                <a:tc>
+                  <a:txBody>
+                    <a:bodyPr/>
+                    <a:lstStyle/>
+                    <a:p>
+                      <a:pPr rtl="0" fontAlgn="t">
+                        <a:spcBef>
+                          <a:spcPts val="0"/>
+                        </a:spcBef>
+                        <a:spcAft>
+                          <a:spcPts val="0"/>
+                        </a:spcAft>
+                      </a:pPr>
+                      <a:r>
+                        <a:rPr lang="id-ID" sz="1400" b="0" i="0" u="none" strike="noStrike">
+                          <a:solidFill>
+                            <a:schemeClr val="bg1"/>
+                          </a:solidFill>
+                          <a:effectLst/>
+                          <a:latin typeface="Arial" panose="020B0604020202020204" pitchFamily="34" charset="0"/>
+                        </a:rPr>
+                        <a:t>Colloquium</a:t>
+                      </a:r>
+                      <a:endParaRPr lang="id-ID">
+                        <a:solidFill>
+                          <a:schemeClr val="bg1"/>
+                        </a:solidFill>
+                        <a:effectLst/>
+                      </a:endParaRPr>
+                    </a:p>
+                  </a:txBody>
+                  <a:tcPr marL="95250" marR="95250" marT="95250" marB="95250">
+                    <a:lnL w="9468" cap="flat" cmpd="sng" algn="ctr">
+                      <a:solidFill>
+                        <a:srgbClr val="9E9E9E"/>
+                      </a:solidFill>
+                      <a:prstDash val="solid"/>
+                      <a:round/>
+                      <a:headEnd type="none" w="med" len="med"/>
+                      <a:tailEnd type="none" w="med" len="med"/>
+                    </a:lnL>
+                    <a:lnR w="9468" cap="flat" cmpd="sng" algn="ctr">
+                      <a:solidFill>
+                        <a:srgbClr val="9E9E9E"/>
+                      </a:solidFill>
+                      <a:prstDash val="solid"/>
+                      <a:round/>
+                      <a:headEnd type="none" w="med" len="med"/>
+                      <a:tailEnd type="none" w="med" len="med"/>
+                    </a:lnR>
+                    <a:lnT w="9468" cap="flat" cmpd="sng" algn="ctr">
+                      <a:solidFill>
+                        <a:srgbClr val="9E9E9E"/>
+                      </a:solidFill>
+                      <a:prstDash val="solid"/>
+                      <a:round/>
+                      <a:headEnd type="none" w="med" len="med"/>
+                      <a:tailEnd type="none" w="med" len="med"/>
+                    </a:lnT>
+                    <a:lnB w="9468" cap="flat" cmpd="sng" algn="ctr">
+                      <a:solidFill>
+                        <a:srgbClr val="9E9E9E"/>
+                      </a:solidFill>
+                      <a:prstDash val="solid"/>
+                      <a:round/>
+                      <a:headEnd type="none" w="med" len="med"/>
+                      <a:tailEnd type="none" w="med" len="med"/>
+                    </a:lnB>
+                  </a:tcPr>
+                </a:tc>
+                <a:tc>
+                  <a:txBody>
+                    <a:bodyPr/>
+                    <a:lstStyle/>
+                    <a:p>
+                      <a:pPr rtl="0" fontAlgn="t">
+                        <a:spcBef>
+                          <a:spcPts val="0"/>
+                        </a:spcBef>
+                        <a:spcAft>
+                          <a:spcPts val="0"/>
+                        </a:spcAft>
+                      </a:pPr>
+                      <a:r>
+                        <a:rPr lang="id-ID" sz="1400" b="0" i="0" u="none" strike="noStrike">
+                          <a:solidFill>
+                            <a:schemeClr val="bg1"/>
+                          </a:solidFill>
+                          <a:effectLst/>
+                          <a:latin typeface="Arial" panose="020B0604020202020204" pitchFamily="34" charset="0"/>
+                        </a:rPr>
+                        <a:t>10%</a:t>
+                      </a:r>
+                      <a:endParaRPr lang="id-ID">
+                        <a:solidFill>
+                          <a:schemeClr val="bg1"/>
+                        </a:solidFill>
+                        <a:effectLst/>
+                      </a:endParaRPr>
+                    </a:p>
+                  </a:txBody>
+                  <a:tcPr marL="95250" marR="95250" marT="95250" marB="95250">
+                    <a:lnL w="9468" cap="flat" cmpd="sng" algn="ctr">
+                      <a:solidFill>
+                        <a:srgbClr val="9E9E9E"/>
+                      </a:solidFill>
+                      <a:prstDash val="solid"/>
+                      <a:round/>
+                      <a:headEnd type="none" w="med" len="med"/>
+                      <a:tailEnd type="none" w="med" len="med"/>
+                    </a:lnL>
+                    <a:lnR w="9468" cap="flat" cmpd="sng" algn="ctr">
+                      <a:solidFill>
+                        <a:srgbClr val="9E9E9E"/>
+                      </a:solidFill>
+                      <a:prstDash val="solid"/>
+                      <a:round/>
+                      <a:headEnd type="none" w="med" len="med"/>
+                      <a:tailEnd type="none" w="med" len="med"/>
+                    </a:lnR>
+                    <a:lnT w="9468" cap="flat" cmpd="sng" algn="ctr">
+                      <a:solidFill>
+                        <a:srgbClr val="9E9E9E"/>
+                      </a:solidFill>
+                      <a:prstDash val="solid"/>
+                      <a:round/>
+                      <a:headEnd type="none" w="med" len="med"/>
+                      <a:tailEnd type="none" w="med" len="med"/>
+                    </a:lnT>
+                    <a:lnB w="9468" cap="flat" cmpd="sng" algn="ctr">
+                      <a:solidFill>
+                        <a:srgbClr val="9E9E9E"/>
+                      </a:solidFill>
+                      <a:prstDash val="solid"/>
+                      <a:round/>
+                      <a:headEnd type="none" w="med" len="med"/>
+                      <a:tailEnd type="none" w="med" len="med"/>
+                    </a:lnB>
+                  </a:tcPr>
+                </a:tc>
+                <a:tc>
+                  <a:txBody>
+                    <a:bodyPr/>
+                    <a:lstStyle/>
+                    <a:p>
+                      <a:pPr rtl="0" fontAlgn="t">
+                        <a:spcBef>
+                          <a:spcPts val="0"/>
+                        </a:spcBef>
+                        <a:spcAft>
+                          <a:spcPts val="0"/>
+                        </a:spcAft>
+                      </a:pPr>
+                      <a:r>
+                        <a:rPr lang="id-ID" sz="1400" b="0" i="0" u="none" strike="noStrike" dirty="0">
+                          <a:solidFill>
+                            <a:schemeClr val="bg1"/>
+                          </a:solidFill>
+                          <a:effectLst/>
+                          <a:latin typeface="Arial" panose="020B0604020202020204" pitchFamily="34" charset="0"/>
+                        </a:rPr>
+                        <a:t>$500</a:t>
+                      </a:r>
+                      <a:endParaRPr lang="id-ID" dirty="0">
+                        <a:solidFill>
+                          <a:schemeClr val="bg1"/>
+                        </a:solidFill>
+                        <a:effectLst/>
+                      </a:endParaRPr>
+                    </a:p>
+                  </a:txBody>
+                  <a:tcPr marL="95250" marR="95250" marT="95250" marB="95250">
+                    <a:lnL w="9468" cap="flat" cmpd="sng" algn="ctr">
+                      <a:solidFill>
+                        <a:srgbClr val="9E9E9E"/>
+                      </a:solidFill>
+                      <a:prstDash val="solid"/>
+                      <a:round/>
+                      <a:headEnd type="none" w="med" len="med"/>
+                      <a:tailEnd type="none" w="med" len="med"/>
+                    </a:lnL>
+                    <a:lnR w="9468" cap="flat" cmpd="sng" algn="ctr">
+                      <a:solidFill>
+                        <a:srgbClr val="9E9E9E"/>
+                      </a:solidFill>
+                      <a:prstDash val="solid"/>
+                      <a:round/>
+                      <a:headEnd type="none" w="med" len="med"/>
+                      <a:tailEnd type="none" w="med" len="med"/>
+                    </a:lnR>
+                    <a:lnT w="9468" cap="flat" cmpd="sng" algn="ctr">
+                      <a:solidFill>
+                        <a:srgbClr val="9E9E9E"/>
+                      </a:solidFill>
+                      <a:prstDash val="solid"/>
+                      <a:round/>
+                      <a:headEnd type="none" w="med" len="med"/>
+                      <a:tailEnd type="none" w="med" len="med"/>
+                    </a:lnT>
+                    <a:lnB w="9468" cap="flat" cmpd="sng" algn="ctr">
+                      <a:solidFill>
+                        <a:srgbClr val="9E9E9E"/>
+                      </a:solidFill>
+                      <a:prstDash val="solid"/>
+                      <a:round/>
+                      <a:headEnd type="none" w="med" len="med"/>
+                      <a:tailEnd type="none" w="med" len="med"/>
+                    </a:lnB>
+                  </a:tcPr>
+                </a:tc>
+                <a:extLst>
+                  <a:ext uri="{0D108BD9-81ED-4DB2-BD59-A6C34878D82A}">
+                    <a16:rowId xmlns:a16="http://schemas.microsoft.com/office/drawing/2014/main" val="1289478791"/>
+                  </a:ext>
+                </a:extLst>
+              </a:tr>
+              <a:tr h="457200">
+                <a:tc>
+                  <a:txBody>
+                    <a:bodyPr/>
+                    <a:lstStyle/>
+                    <a:p>
+                      <a:pPr rtl="0" fontAlgn="t">
+                        <a:spcBef>
+                          <a:spcPts val="0"/>
+                        </a:spcBef>
+                        <a:spcAft>
+                          <a:spcPts val="0"/>
+                        </a:spcAft>
+                      </a:pPr>
+                      <a:r>
+                        <a:rPr lang="id-ID" sz="1400" b="0" i="0" u="none" strike="noStrike">
+                          <a:solidFill>
+                            <a:schemeClr val="bg1"/>
+                          </a:solidFill>
+                          <a:effectLst/>
+                          <a:latin typeface="Arial" panose="020B0604020202020204" pitchFamily="34" charset="0"/>
+                        </a:rPr>
+                        <a:t>Office Rent</a:t>
+                      </a:r>
+                      <a:endParaRPr lang="id-ID">
+                        <a:solidFill>
+                          <a:schemeClr val="bg1"/>
+                        </a:solidFill>
+                        <a:effectLst/>
+                      </a:endParaRPr>
+                    </a:p>
+                  </a:txBody>
+                  <a:tcPr marL="95250" marR="95250" marT="95250" marB="95250">
+                    <a:lnL w="9468" cap="flat" cmpd="sng" algn="ctr">
+                      <a:solidFill>
+                        <a:srgbClr val="9E9E9E"/>
+                      </a:solidFill>
+                      <a:prstDash val="solid"/>
+                      <a:round/>
+                      <a:headEnd type="none" w="med" len="med"/>
+                      <a:tailEnd type="none" w="med" len="med"/>
+                    </a:lnL>
+                    <a:lnR w="9468" cap="flat" cmpd="sng" algn="ctr">
+                      <a:solidFill>
+                        <a:srgbClr val="9E9E9E"/>
+                      </a:solidFill>
+                      <a:prstDash val="solid"/>
+                      <a:round/>
+                      <a:headEnd type="none" w="med" len="med"/>
+                      <a:tailEnd type="none" w="med" len="med"/>
+                    </a:lnR>
+                    <a:lnT w="9468" cap="flat" cmpd="sng" algn="ctr">
+                      <a:solidFill>
+                        <a:srgbClr val="9E9E9E"/>
+                      </a:solidFill>
+                      <a:prstDash val="solid"/>
+                      <a:round/>
+                      <a:headEnd type="none" w="med" len="med"/>
+                      <a:tailEnd type="none" w="med" len="med"/>
+                    </a:lnT>
+                    <a:lnB w="9468" cap="flat" cmpd="sng" algn="ctr">
+                      <a:solidFill>
+                        <a:srgbClr val="9E9E9E"/>
+                      </a:solidFill>
+                      <a:prstDash val="solid"/>
+                      <a:round/>
+                      <a:headEnd type="none" w="med" len="med"/>
+                      <a:tailEnd type="none" w="med" len="med"/>
+                    </a:lnB>
+                  </a:tcPr>
+                </a:tc>
+                <a:tc>
+                  <a:txBody>
+                    <a:bodyPr/>
+                    <a:lstStyle/>
+                    <a:p>
+                      <a:pPr rtl="0" fontAlgn="t">
+                        <a:spcBef>
+                          <a:spcPts val="0"/>
+                        </a:spcBef>
+                        <a:spcAft>
+                          <a:spcPts val="0"/>
+                        </a:spcAft>
+                      </a:pPr>
+                      <a:r>
+                        <a:rPr lang="id-ID" sz="1400" b="0" i="0" u="none" strike="noStrike">
+                          <a:solidFill>
+                            <a:schemeClr val="bg1"/>
+                          </a:solidFill>
+                          <a:effectLst/>
+                          <a:latin typeface="Arial" panose="020B0604020202020204" pitchFamily="34" charset="0"/>
+                        </a:rPr>
+                        <a:t>12%</a:t>
+                      </a:r>
+                      <a:endParaRPr lang="id-ID">
+                        <a:solidFill>
+                          <a:schemeClr val="bg1"/>
+                        </a:solidFill>
+                        <a:effectLst/>
+                      </a:endParaRPr>
+                    </a:p>
+                  </a:txBody>
+                  <a:tcPr marL="95250" marR="95250" marT="95250" marB="95250">
+                    <a:lnL w="9468" cap="flat" cmpd="sng" algn="ctr">
+                      <a:solidFill>
+                        <a:srgbClr val="9E9E9E"/>
+                      </a:solidFill>
+                      <a:prstDash val="solid"/>
+                      <a:round/>
+                      <a:headEnd type="none" w="med" len="med"/>
+                      <a:tailEnd type="none" w="med" len="med"/>
+                    </a:lnL>
+                    <a:lnR w="9468" cap="flat" cmpd="sng" algn="ctr">
+                      <a:solidFill>
+                        <a:srgbClr val="9E9E9E"/>
+                      </a:solidFill>
+                      <a:prstDash val="solid"/>
+                      <a:round/>
+                      <a:headEnd type="none" w="med" len="med"/>
+                      <a:tailEnd type="none" w="med" len="med"/>
+                    </a:lnR>
+                    <a:lnT w="9468" cap="flat" cmpd="sng" algn="ctr">
+                      <a:solidFill>
+                        <a:srgbClr val="9E9E9E"/>
+                      </a:solidFill>
+                      <a:prstDash val="solid"/>
+                      <a:round/>
+                      <a:headEnd type="none" w="med" len="med"/>
+                      <a:tailEnd type="none" w="med" len="med"/>
+                    </a:lnT>
+                    <a:lnB w="9468" cap="flat" cmpd="sng" algn="ctr">
+                      <a:solidFill>
+                        <a:srgbClr val="9E9E9E"/>
+                      </a:solidFill>
+                      <a:prstDash val="solid"/>
+                      <a:round/>
+                      <a:headEnd type="none" w="med" len="med"/>
+                      <a:tailEnd type="none" w="med" len="med"/>
+                    </a:lnB>
+                  </a:tcPr>
+                </a:tc>
+                <a:tc>
+                  <a:txBody>
+                    <a:bodyPr/>
+                    <a:lstStyle/>
+                    <a:p>
+                      <a:pPr rtl="0" fontAlgn="t">
+                        <a:spcBef>
+                          <a:spcPts val="0"/>
+                        </a:spcBef>
+                        <a:spcAft>
+                          <a:spcPts val="0"/>
+                        </a:spcAft>
+                      </a:pPr>
+                      <a:r>
+                        <a:rPr lang="id-ID" sz="1400" b="0" i="0" u="none" strike="noStrike" dirty="0">
+                          <a:solidFill>
+                            <a:schemeClr val="bg1"/>
+                          </a:solidFill>
+                          <a:effectLst/>
+                          <a:latin typeface="Arial" panose="020B0604020202020204" pitchFamily="34" charset="0"/>
+                        </a:rPr>
+                        <a:t>$600</a:t>
+                      </a:r>
+                      <a:endParaRPr lang="id-ID" dirty="0">
+                        <a:solidFill>
+                          <a:schemeClr val="bg1"/>
+                        </a:solidFill>
+                        <a:effectLst/>
+                      </a:endParaRPr>
+                    </a:p>
+                  </a:txBody>
+                  <a:tcPr marL="95250" marR="95250" marT="95250" marB="95250">
+                    <a:lnL w="9468" cap="flat" cmpd="sng" algn="ctr">
+                      <a:solidFill>
+                        <a:srgbClr val="9E9E9E"/>
+                      </a:solidFill>
+                      <a:prstDash val="solid"/>
+                      <a:round/>
+                      <a:headEnd type="none" w="med" len="med"/>
+                      <a:tailEnd type="none" w="med" len="med"/>
+                    </a:lnL>
+                    <a:lnR w="9468" cap="flat" cmpd="sng" algn="ctr">
+                      <a:solidFill>
+                        <a:srgbClr val="9E9E9E"/>
+                      </a:solidFill>
+                      <a:prstDash val="solid"/>
+                      <a:round/>
+                      <a:headEnd type="none" w="med" len="med"/>
+                      <a:tailEnd type="none" w="med" len="med"/>
+                    </a:lnR>
+                    <a:lnT w="9468" cap="flat" cmpd="sng" algn="ctr">
+                      <a:solidFill>
+                        <a:srgbClr val="9E9E9E"/>
+                      </a:solidFill>
+                      <a:prstDash val="solid"/>
+                      <a:round/>
+                      <a:headEnd type="none" w="med" len="med"/>
+                      <a:tailEnd type="none" w="med" len="med"/>
+                    </a:lnT>
+                    <a:lnB w="9468" cap="flat" cmpd="sng" algn="ctr">
+                      <a:solidFill>
+                        <a:srgbClr val="9E9E9E"/>
+                      </a:solidFill>
+                      <a:prstDash val="solid"/>
+                      <a:round/>
+                      <a:headEnd type="none" w="med" len="med"/>
+                      <a:tailEnd type="none" w="med" len="med"/>
+                    </a:lnB>
+                  </a:tcPr>
+                </a:tc>
+                <a:extLst>
+                  <a:ext uri="{0D108BD9-81ED-4DB2-BD59-A6C34878D82A}">
+                    <a16:rowId xmlns:a16="http://schemas.microsoft.com/office/drawing/2014/main" val="2532288024"/>
+                  </a:ext>
+                </a:extLst>
+              </a:tr>
+            </a:tbl>
+          </a:graphicData>
+        </a:graphic>
+      </p:graphicFrame>
+      <p:sp>
+        <p:nvSpPr>
+          <p:cNvPr id="8" name="Rectangle 2">
+            <a:extLst>
+              <a:ext uri="{FF2B5EF4-FFF2-40B4-BE49-F238E27FC236}">
+                <a16:creationId xmlns:a16="http://schemas.microsoft.com/office/drawing/2014/main" id="{90536AE3-11F7-4940-9E7F-FA40888120B0}"/>
+              </a:ext>
+            </a:extLst>
+          </p:cNvPr>
+          <p:cNvSpPr>
+            <a:spLocks noChangeArrowheads="1"/>
+          </p:cNvSpPr>
+          <p:nvPr/>
+        </p:nvSpPr>
+        <p:spPr bwMode="auto">
+          <a:xfrm>
+            <a:off x="1705670" y="654361"/>
+            <a:ext cx="5974713" cy="553998"/>
+          </a:xfrm>
+          <a:prstGeom prst="rect">
+            <a:avLst/>
+          </a:prstGeom>
+          <a:noFill/>
+          <a:ln>
+            <a:noFill/>
+          </a:ln>
+          <a:effectLst/>
+          <a:extLst>
+            <a:ext uri="{909E8E84-426E-40DD-AFC4-6F175D3DCCD1}">
+              <a14:hiddenFill xmlns:a14="http://schemas.microsoft.com/office/drawing/2010/main">
+                <a:solidFill>
+                  <a:schemeClr val="accent1"/>
+                </a:solidFill>
+              </a14:hiddenFill>
+            </a:ext>
+            <a:ext uri="{91240B29-F687-4F45-9708-019B960494DF}">
+              <a14:hiddenLine xmlns:a14="http://schemas.microsoft.com/office/drawing/2010/main" w="9525">
+                <a:solidFill>
+                  <a:schemeClr val="tx1"/>
+                </a:solidFill>
+                <a:miter lim="800000"/>
+                <a:headEnd/>
+                <a:tailEnd/>
+              </a14:hiddenLine>
+            </a:ext>
+            <a:ext uri="{AF507438-7753-43E0-B8FC-AC1667EBCBE1}">
+              <a14:hiddenEffects xmlns:a14="http://schemas.microsoft.com/office/drawing/2010/main">
+                <a:effectLst>
+                  <a:outerShdw dist="35921" dir="2700000" algn="ctr" rotWithShape="0">
+                    <a:schemeClr val="bg2"/>
+                  </a:outerShdw>
+                </a:effectLst>
+              </a14:hiddenEffects>
+            </a:ext>
+          </a:extLst>
+        </p:spPr>
+        <p:txBody>
+          <a:bodyPr vert="horz" wrap="none" lIns="91440" tIns="45720" rIns="91440" bIns="45720" numCol="1" anchor="ctr" anchorCtr="0" compatLnSpc="1">
+            <a:prstTxWarp prst="textNoShape">
+              <a:avLst/>
+            </a:prstTxWarp>
+            <a:spAutoFit/>
+          </a:bodyPr>
+          <a:lstStyle/>
+          <a:p>
+            <a:pPr marL="0" marR="0" lvl="0" indent="0" algn="l" defTabSz="914400" rtl="0" eaLnBrk="0" fontAlgn="base" latinLnBrk="0" hangingPunct="0">
+              <a:lnSpc>
+                <a:spcPct val="100000"/>
+              </a:lnSpc>
+              <a:spcBef>
+                <a:spcPct val="0"/>
+              </a:spcBef>
+              <a:spcAft>
+                <a:spcPct val="0"/>
+              </a:spcAft>
+              <a:buClrTx/>
+              <a:buSzTx/>
+              <a:buFontTx/>
+              <a:buNone/>
+              <a:tabLst/>
+            </a:pPr>
+            <a:r>
+              <a:rPr kumimoji="0" lang="id-ID" altLang="id-ID" sz="3000" b="0" i="0" u="none" strike="noStrike" cap="none" normalizeH="0" baseline="0" dirty="0">
+                <a:ln>
+                  <a:noFill/>
+                </a:ln>
+                <a:solidFill>
+                  <a:schemeClr val="bg1"/>
+                </a:solidFill>
+                <a:effectLst/>
+                <a:latin typeface="Arial" panose="020B0604020202020204" pitchFamily="34" charset="0"/>
+                <a:ea typeface="Nunito"/>
+              </a:rPr>
+              <a:t>Budgeting - 1 - USD 5k / IDR 70m</a:t>
+            </a:r>
+            <a:endParaRPr kumimoji="0" lang="id-ID" altLang="id-ID" sz="1800" b="0" i="0" u="none" strike="noStrike" cap="none" normalizeH="0" baseline="0" dirty="0">
+              <a:ln>
+                <a:noFill/>
+              </a:ln>
+              <a:solidFill>
+                <a:schemeClr val="bg1"/>
+              </a:solidFill>
+              <a:effectLst/>
+              <a:latin typeface="Arial" panose="020B0604020202020204" pitchFamily="34" charset="0"/>
+            </a:endParaRPr>
+          </a:p>
+        </p:txBody>
+      </p:sp>
+      <p:pic>
+        <p:nvPicPr>
+          <p:cNvPr id="9" name="Picture 8">
+            <a:extLst>
+              <a:ext uri="{FF2B5EF4-FFF2-40B4-BE49-F238E27FC236}">
+                <a16:creationId xmlns:a16="http://schemas.microsoft.com/office/drawing/2014/main" id="{B5551BFE-3385-4D4B-B95A-7C1889FB1B67}"/>
+              </a:ext>
+            </a:extLst>
+          </p:cNvPr>
+          <p:cNvPicPr>
+            <a:picLocks noChangeAspect="1"/>
+          </p:cNvPicPr>
+          <p:nvPr/>
+        </p:nvPicPr>
+        <p:blipFill>
+          <a:blip r:embed="rId2"/>
+          <a:stretch>
+            <a:fillRect/>
+          </a:stretch>
+        </p:blipFill>
+        <p:spPr>
+          <a:xfrm>
+            <a:off x="10420549" y="305551"/>
+            <a:ext cx="1667818" cy="390775"/>
+          </a:xfrm>
+          <a:prstGeom prst="rect">
+            <a:avLst/>
+          </a:prstGeom>
+        </p:spPr>
+      </p:pic>
+    </p:spTree>
+    <p:extLst>
+      <p:ext uri="{BB962C8B-B14F-4D97-AF65-F5344CB8AC3E}">
+        <p14:creationId xmlns:p14="http://schemas.microsoft.com/office/powerpoint/2010/main" val="1612780264"/>
+      </p:ext>
+    </p:extLst>
+  </p:cSld>
+  <p:clrMapOvr>
+    <a:masterClrMapping/>
+  </p:clrMapOvr>
+</p:sld>
+</file>
+
+<file path=ppt/slides/slide16.xml><?xml version="1.0" encoding="utf-8"?>
+<p:sld xmlns:a="http://schemas.openxmlformats.org/drawingml/2006/main" xmlns:r="http://schemas.openxmlformats.org/officeDocument/2006/relationships" xmlns:p="http://schemas.openxmlformats.org/presentationml/2006/main">
+  <p:cSld>
+    <p:spTree>
+      <p:nvGrpSpPr>
+        <p:cNvPr id="1" name=""/>
+        <p:cNvGrpSpPr/>
+        <p:nvPr/>
+      </p:nvGrpSpPr>
+      <p:grpSpPr>
+        <a:xfrm>
+          <a:off x="0" y="0"/>
+          <a:ext cx="0" cy="0"/>
+          <a:chOff x="0" y="0"/>
+          <a:chExt cx="0" cy="0"/>
+        </a:xfrm>
+      </p:grpSpPr>
+      <p:sp>
+        <p:nvSpPr>
+          <p:cNvPr id="2" name="Slide Number Placeholder 1">
+            <a:extLst>
+              <a:ext uri="{FF2B5EF4-FFF2-40B4-BE49-F238E27FC236}">
+                <a16:creationId xmlns:a16="http://schemas.microsoft.com/office/drawing/2014/main" id="{143D997B-ED2E-4609-AB67-315954795185}"/>
+              </a:ext>
+            </a:extLst>
+          </p:cNvPr>
+          <p:cNvSpPr>
+            <a:spLocks noGrp="1"/>
+          </p:cNvSpPr>
+          <p:nvPr>
+            <p:ph type="sldNum" sz="quarter" idx="11"/>
+          </p:nvPr>
+        </p:nvSpPr>
+        <p:spPr/>
+        <p:txBody>
+          <a:bodyPr/>
+          <a:lstStyle/>
+          <a:p>
+            <a:r>
+              <a:rPr lang="en-US" noProof="0"/>
+              <a:t>page </a:t>
+            </a:r>
+            <a:fld id="{19B51A1E-902D-48AF-9020-955120F399B6}" type="slidenum">
+              <a:rPr lang="en-US" b="1" i="1" noProof="0" smtClean="0"/>
+              <a:pPr/>
+              <a:t>16</a:t>
+            </a:fld>
+            <a:endParaRPr lang="en-US" b="1" i="1" noProof="0" dirty="0"/>
+          </a:p>
+        </p:txBody>
+      </p:sp>
+      <p:graphicFrame>
+        <p:nvGraphicFramePr>
+          <p:cNvPr id="3" name="Table 2">
+            <a:extLst>
+              <a:ext uri="{FF2B5EF4-FFF2-40B4-BE49-F238E27FC236}">
+                <a16:creationId xmlns:a16="http://schemas.microsoft.com/office/drawing/2014/main" id="{6A9DDBDA-C7A9-41FC-A1C3-3622C8BBA254}"/>
+              </a:ext>
+            </a:extLst>
+          </p:cNvPr>
+          <p:cNvGraphicFramePr>
+            <a:graphicFrameLocks noGrp="1"/>
+          </p:cNvGraphicFramePr>
+          <p:nvPr>
+            <p:extLst>
+              <p:ext uri="{D42A27DB-BD31-4B8C-83A1-F6EECF244321}">
+                <p14:modId xmlns:p14="http://schemas.microsoft.com/office/powerpoint/2010/main" val="359500034"/>
+              </p:ext>
+            </p:extLst>
+          </p:nvPr>
+        </p:nvGraphicFramePr>
+        <p:xfrm>
+          <a:off x="2091182" y="1583203"/>
+          <a:ext cx="7181850" cy="4076700"/>
+        </p:xfrm>
+        <a:graphic>
+          <a:graphicData uri="http://schemas.openxmlformats.org/drawingml/2006/table">
+            <a:tbl>
+              <a:tblPr/>
+              <a:tblGrid>
+                <a:gridCol w="3248025">
+                  <a:extLst>
+                    <a:ext uri="{9D8B030D-6E8A-4147-A177-3AD203B41FA5}">
+                      <a16:colId xmlns:a16="http://schemas.microsoft.com/office/drawing/2014/main" val="2241477222"/>
+                    </a:ext>
+                  </a:extLst>
+                </a:gridCol>
+                <a:gridCol w="1924050">
+                  <a:extLst>
+                    <a:ext uri="{9D8B030D-6E8A-4147-A177-3AD203B41FA5}">
+                      <a16:colId xmlns:a16="http://schemas.microsoft.com/office/drawing/2014/main" val="1466268264"/>
+                    </a:ext>
+                  </a:extLst>
+                </a:gridCol>
+                <a:gridCol w="2009775">
+                  <a:extLst>
+                    <a:ext uri="{9D8B030D-6E8A-4147-A177-3AD203B41FA5}">
+                      <a16:colId xmlns:a16="http://schemas.microsoft.com/office/drawing/2014/main" val="1114044771"/>
+                    </a:ext>
+                  </a:extLst>
+                </a:gridCol>
+              </a:tblGrid>
+              <a:tr h="695325">
+                <a:tc>
+                  <a:txBody>
+                    <a:bodyPr/>
+                    <a:lstStyle/>
+                    <a:p>
+                      <a:pPr algn="ctr" rtl="0" fontAlgn="t">
+                        <a:spcBef>
+                          <a:spcPts val="0"/>
+                        </a:spcBef>
+                        <a:spcAft>
+                          <a:spcPts val="0"/>
+                        </a:spcAft>
+                      </a:pPr>
+                      <a:r>
+                        <a:rPr lang="id-ID" sz="1400" b="1" i="0" u="none" strike="noStrike" dirty="0">
+                          <a:solidFill>
+                            <a:schemeClr val="bg1"/>
+                          </a:solidFill>
+                          <a:effectLst/>
+                          <a:latin typeface="Arial" panose="020B0604020202020204" pitchFamily="34" charset="0"/>
+                        </a:rPr>
+                        <a:t>Category </a:t>
+                      </a:r>
+                      <a:endParaRPr lang="id-ID" dirty="0">
+                        <a:solidFill>
+                          <a:schemeClr val="bg1"/>
+                        </a:solidFill>
+                        <a:effectLst/>
+                      </a:endParaRPr>
+                    </a:p>
+                  </a:txBody>
+                  <a:tcPr marL="95250" marR="95250" marT="95250" marB="95250">
+                    <a:lnL w="9468" cap="flat" cmpd="sng" algn="ctr">
+                      <a:solidFill>
+                        <a:srgbClr val="9E9E9E"/>
+                      </a:solidFill>
+                      <a:prstDash val="solid"/>
+                      <a:round/>
+                      <a:headEnd type="none" w="med" len="med"/>
+                      <a:tailEnd type="none" w="med" len="med"/>
+                    </a:lnL>
+                    <a:lnR w="9468" cap="flat" cmpd="sng" algn="ctr">
+                      <a:solidFill>
+                        <a:srgbClr val="9E9E9E"/>
+                      </a:solidFill>
+                      <a:prstDash val="solid"/>
+                      <a:round/>
+                      <a:headEnd type="none" w="med" len="med"/>
+                      <a:tailEnd type="none" w="med" len="med"/>
+                    </a:lnR>
+                    <a:lnT w="9468" cap="flat" cmpd="sng" algn="ctr">
+                      <a:solidFill>
+                        <a:srgbClr val="9E9E9E"/>
+                      </a:solidFill>
+                      <a:prstDash val="solid"/>
+                      <a:round/>
+                      <a:headEnd type="none" w="med" len="med"/>
+                      <a:tailEnd type="none" w="med" len="med"/>
+                    </a:lnT>
+                    <a:lnB w="9468" cap="flat" cmpd="sng" algn="ctr">
+                      <a:solidFill>
+                        <a:srgbClr val="9E9E9E"/>
+                      </a:solidFill>
+                      <a:prstDash val="solid"/>
+                      <a:round/>
+                      <a:headEnd type="none" w="med" len="med"/>
+                      <a:tailEnd type="none" w="med" len="med"/>
+                    </a:lnB>
+                  </a:tcPr>
+                </a:tc>
+                <a:tc>
+                  <a:txBody>
+                    <a:bodyPr/>
+                    <a:lstStyle/>
+                    <a:p>
+                      <a:pPr algn="ctr" rtl="0" fontAlgn="t">
+                        <a:spcBef>
+                          <a:spcPts val="0"/>
+                        </a:spcBef>
+                        <a:spcAft>
+                          <a:spcPts val="0"/>
+                        </a:spcAft>
+                      </a:pPr>
+                      <a:r>
+                        <a:rPr lang="id-ID" sz="1400" b="1" i="0" u="none" strike="noStrike">
+                          <a:solidFill>
+                            <a:schemeClr val="bg1"/>
+                          </a:solidFill>
+                          <a:effectLst/>
+                          <a:latin typeface="Arial" panose="020B0604020202020204" pitchFamily="34" charset="0"/>
+                        </a:rPr>
+                        <a:t>Proportion (Max) </a:t>
+                      </a:r>
+                      <a:endParaRPr lang="id-ID">
+                        <a:solidFill>
+                          <a:schemeClr val="bg1"/>
+                        </a:solidFill>
+                        <a:effectLst/>
+                      </a:endParaRPr>
+                    </a:p>
+                    <a:p>
+                      <a:pPr algn="ctr" rtl="0" fontAlgn="t">
+                        <a:spcBef>
+                          <a:spcPts val="0"/>
+                        </a:spcBef>
+                        <a:spcAft>
+                          <a:spcPts val="0"/>
+                        </a:spcAft>
+                      </a:pPr>
+                      <a:r>
+                        <a:rPr lang="id-ID" sz="1400" b="1" i="0" u="none" strike="noStrike">
+                          <a:solidFill>
+                            <a:schemeClr val="bg1"/>
+                          </a:solidFill>
+                          <a:effectLst/>
+                          <a:latin typeface="Arial" panose="020B0604020202020204" pitchFamily="34" charset="0"/>
+                        </a:rPr>
+                        <a:t>(%)</a:t>
+                      </a:r>
+                      <a:endParaRPr lang="id-ID">
+                        <a:solidFill>
+                          <a:schemeClr val="bg1"/>
+                        </a:solidFill>
+                        <a:effectLst/>
+                      </a:endParaRPr>
+                    </a:p>
+                  </a:txBody>
+                  <a:tcPr marL="95250" marR="95250" marT="95250" marB="95250">
+                    <a:lnL w="9468" cap="flat" cmpd="sng" algn="ctr">
+                      <a:solidFill>
+                        <a:srgbClr val="9E9E9E"/>
+                      </a:solidFill>
+                      <a:prstDash val="solid"/>
+                      <a:round/>
+                      <a:headEnd type="none" w="med" len="med"/>
+                      <a:tailEnd type="none" w="med" len="med"/>
+                    </a:lnL>
+                    <a:lnR w="9468" cap="flat" cmpd="sng" algn="ctr">
+                      <a:solidFill>
+                        <a:srgbClr val="9E9E9E"/>
+                      </a:solidFill>
+                      <a:prstDash val="solid"/>
+                      <a:round/>
+                      <a:headEnd type="none" w="med" len="med"/>
+                      <a:tailEnd type="none" w="med" len="med"/>
+                    </a:lnR>
+                    <a:lnT w="9468" cap="flat" cmpd="sng" algn="ctr">
+                      <a:solidFill>
+                        <a:srgbClr val="9E9E9E"/>
+                      </a:solidFill>
+                      <a:prstDash val="solid"/>
+                      <a:round/>
+                      <a:headEnd type="none" w="med" len="med"/>
+                      <a:tailEnd type="none" w="med" len="med"/>
+                    </a:lnT>
+                    <a:lnB w="9468" cap="flat" cmpd="sng" algn="ctr">
+                      <a:solidFill>
+                        <a:srgbClr val="9E9E9E"/>
+                      </a:solidFill>
+                      <a:prstDash val="solid"/>
+                      <a:round/>
+                      <a:headEnd type="none" w="med" len="med"/>
+                      <a:tailEnd type="none" w="med" len="med"/>
+                    </a:lnB>
+                  </a:tcPr>
+                </a:tc>
+                <a:tc>
+                  <a:txBody>
+                    <a:bodyPr/>
+                    <a:lstStyle/>
+                    <a:p>
+                      <a:pPr algn="ctr" rtl="0" fontAlgn="t">
+                        <a:spcBef>
+                          <a:spcPts val="0"/>
+                        </a:spcBef>
+                        <a:spcAft>
+                          <a:spcPts val="0"/>
+                        </a:spcAft>
+                      </a:pPr>
+                      <a:r>
+                        <a:rPr lang="id-ID" sz="1400" b="1" i="0" u="none" strike="noStrike">
+                          <a:solidFill>
+                            <a:schemeClr val="bg1"/>
+                          </a:solidFill>
+                          <a:effectLst/>
+                          <a:latin typeface="Arial" panose="020B0604020202020204" pitchFamily="34" charset="0"/>
+                        </a:rPr>
+                        <a:t>Budget (max) </a:t>
+                      </a:r>
+                      <a:endParaRPr lang="id-ID">
+                        <a:solidFill>
+                          <a:schemeClr val="bg1"/>
+                        </a:solidFill>
+                        <a:effectLst/>
+                      </a:endParaRPr>
+                    </a:p>
+                    <a:p>
+                      <a:pPr algn="ctr" rtl="0" fontAlgn="t">
+                        <a:spcBef>
+                          <a:spcPts val="0"/>
+                        </a:spcBef>
+                        <a:spcAft>
+                          <a:spcPts val="0"/>
+                        </a:spcAft>
+                      </a:pPr>
+                      <a:r>
+                        <a:rPr lang="id-ID" sz="1400" b="1" i="0" u="none" strike="noStrike">
+                          <a:solidFill>
+                            <a:schemeClr val="bg1"/>
+                          </a:solidFill>
+                          <a:effectLst/>
+                          <a:latin typeface="Arial" panose="020B0604020202020204" pitchFamily="34" charset="0"/>
+                        </a:rPr>
+                        <a:t>(USD)</a:t>
+                      </a:r>
+                      <a:endParaRPr lang="id-ID">
+                        <a:solidFill>
+                          <a:schemeClr val="bg1"/>
+                        </a:solidFill>
+                        <a:effectLst/>
+                      </a:endParaRPr>
+                    </a:p>
+                  </a:txBody>
+                  <a:tcPr marL="95250" marR="95250" marT="95250" marB="95250">
+                    <a:lnL w="9468" cap="flat" cmpd="sng" algn="ctr">
+                      <a:solidFill>
+                        <a:srgbClr val="9E9E9E"/>
+                      </a:solidFill>
+                      <a:prstDash val="solid"/>
+                      <a:round/>
+                      <a:headEnd type="none" w="med" len="med"/>
+                      <a:tailEnd type="none" w="med" len="med"/>
+                    </a:lnL>
+                    <a:lnR w="9468" cap="flat" cmpd="sng" algn="ctr">
+                      <a:solidFill>
+                        <a:srgbClr val="9E9E9E"/>
+                      </a:solidFill>
+                      <a:prstDash val="solid"/>
+                      <a:round/>
+                      <a:headEnd type="none" w="med" len="med"/>
+                      <a:tailEnd type="none" w="med" len="med"/>
+                    </a:lnR>
+                    <a:lnT w="9468" cap="flat" cmpd="sng" algn="ctr">
+                      <a:solidFill>
+                        <a:srgbClr val="9E9E9E"/>
+                      </a:solidFill>
+                      <a:prstDash val="solid"/>
+                      <a:round/>
+                      <a:headEnd type="none" w="med" len="med"/>
+                      <a:tailEnd type="none" w="med" len="med"/>
+                    </a:lnT>
+                    <a:lnB w="9468" cap="flat" cmpd="sng" algn="ctr">
+                      <a:solidFill>
+                        <a:srgbClr val="9E9E9E"/>
+                      </a:solidFill>
+                      <a:prstDash val="solid"/>
+                      <a:round/>
+                      <a:headEnd type="none" w="med" len="med"/>
+                      <a:tailEnd type="none" w="med" len="med"/>
+                    </a:lnB>
+                  </a:tcPr>
+                </a:tc>
+                <a:extLst>
+                  <a:ext uri="{0D108BD9-81ED-4DB2-BD59-A6C34878D82A}">
+                    <a16:rowId xmlns:a16="http://schemas.microsoft.com/office/drawing/2014/main" val="1478473535"/>
+                  </a:ext>
+                </a:extLst>
+              </a:tr>
+              <a:tr h="447675">
+                <a:tc>
+                  <a:txBody>
+                    <a:bodyPr/>
+                    <a:lstStyle/>
+                    <a:p>
+                      <a:pPr rtl="0" fontAlgn="t">
+                        <a:spcBef>
+                          <a:spcPts val="0"/>
+                        </a:spcBef>
+                        <a:spcAft>
+                          <a:spcPts val="0"/>
+                        </a:spcAft>
+                      </a:pPr>
+                      <a:r>
+                        <a:rPr lang="id-ID" sz="1400" b="0" i="0" u="none" strike="noStrike" dirty="0">
+                          <a:solidFill>
+                            <a:schemeClr val="bg1"/>
+                          </a:solidFill>
+                          <a:effectLst/>
+                          <a:latin typeface="Arial" panose="020B0604020202020204" pitchFamily="34" charset="0"/>
+                        </a:rPr>
+                        <a:t>Budgeting 1</a:t>
+                      </a:r>
+                      <a:endParaRPr lang="id-ID" dirty="0">
+                        <a:solidFill>
+                          <a:schemeClr val="bg1"/>
+                        </a:solidFill>
+                        <a:effectLst/>
+                      </a:endParaRPr>
+                    </a:p>
+                  </a:txBody>
+                  <a:tcPr marL="95250" marR="95250" marT="95250" marB="95250">
+                    <a:lnL w="9468" cap="flat" cmpd="sng" algn="ctr">
+                      <a:solidFill>
+                        <a:srgbClr val="9E9E9E"/>
+                      </a:solidFill>
+                      <a:prstDash val="solid"/>
+                      <a:round/>
+                      <a:headEnd type="none" w="med" len="med"/>
+                      <a:tailEnd type="none" w="med" len="med"/>
+                    </a:lnL>
+                    <a:lnR w="9468" cap="flat" cmpd="sng" algn="ctr">
+                      <a:solidFill>
+                        <a:srgbClr val="9E9E9E"/>
+                      </a:solidFill>
+                      <a:prstDash val="solid"/>
+                      <a:round/>
+                      <a:headEnd type="none" w="med" len="med"/>
+                      <a:tailEnd type="none" w="med" len="med"/>
+                    </a:lnR>
+                    <a:lnT w="9468" cap="flat" cmpd="sng" algn="ctr">
+                      <a:solidFill>
+                        <a:srgbClr val="9E9E9E"/>
+                      </a:solidFill>
+                      <a:prstDash val="solid"/>
+                      <a:round/>
+                      <a:headEnd type="none" w="med" len="med"/>
+                      <a:tailEnd type="none" w="med" len="med"/>
+                    </a:lnT>
+                    <a:lnB w="9468" cap="flat" cmpd="sng" algn="ctr">
+                      <a:solidFill>
+                        <a:srgbClr val="9E9E9E"/>
+                      </a:solidFill>
+                      <a:prstDash val="solid"/>
+                      <a:round/>
+                      <a:headEnd type="none" w="med" len="med"/>
+                      <a:tailEnd type="none" w="med" len="med"/>
+                    </a:lnB>
+                  </a:tcPr>
+                </a:tc>
+                <a:tc>
+                  <a:txBody>
+                    <a:bodyPr/>
+                    <a:lstStyle/>
+                    <a:p>
+                      <a:pPr rtl="0" fontAlgn="t">
+                        <a:spcBef>
+                          <a:spcPts val="0"/>
+                        </a:spcBef>
+                        <a:spcAft>
+                          <a:spcPts val="0"/>
+                        </a:spcAft>
+                      </a:pPr>
+                      <a:r>
+                        <a:rPr lang="id-ID" sz="1400" b="0" i="0" u="none" strike="noStrike">
+                          <a:solidFill>
+                            <a:schemeClr val="bg1"/>
+                          </a:solidFill>
+                          <a:effectLst/>
+                          <a:latin typeface="Arial" panose="020B0604020202020204" pitchFamily="34" charset="0"/>
+                        </a:rPr>
+                        <a:t>50%</a:t>
+                      </a:r>
+                      <a:endParaRPr lang="id-ID">
+                        <a:solidFill>
+                          <a:schemeClr val="bg1"/>
+                        </a:solidFill>
+                        <a:effectLst/>
+                      </a:endParaRPr>
+                    </a:p>
+                  </a:txBody>
+                  <a:tcPr marL="95250" marR="95250" marT="95250" marB="95250">
+                    <a:lnL w="9468" cap="flat" cmpd="sng" algn="ctr">
+                      <a:solidFill>
+                        <a:srgbClr val="9E9E9E"/>
+                      </a:solidFill>
+                      <a:prstDash val="solid"/>
+                      <a:round/>
+                      <a:headEnd type="none" w="med" len="med"/>
+                      <a:tailEnd type="none" w="med" len="med"/>
+                    </a:lnL>
+                    <a:lnR w="9468" cap="flat" cmpd="sng" algn="ctr">
+                      <a:solidFill>
+                        <a:srgbClr val="9E9E9E"/>
+                      </a:solidFill>
+                      <a:prstDash val="solid"/>
+                      <a:round/>
+                      <a:headEnd type="none" w="med" len="med"/>
+                      <a:tailEnd type="none" w="med" len="med"/>
+                    </a:lnR>
+                    <a:lnT w="9468" cap="flat" cmpd="sng" algn="ctr">
+                      <a:solidFill>
+                        <a:srgbClr val="9E9E9E"/>
+                      </a:solidFill>
+                      <a:prstDash val="solid"/>
+                      <a:round/>
+                      <a:headEnd type="none" w="med" len="med"/>
+                      <a:tailEnd type="none" w="med" len="med"/>
+                    </a:lnT>
+                    <a:lnB w="9468" cap="flat" cmpd="sng" algn="ctr">
+                      <a:solidFill>
+                        <a:srgbClr val="9E9E9E"/>
+                      </a:solidFill>
+                      <a:prstDash val="solid"/>
+                      <a:round/>
+                      <a:headEnd type="none" w="med" len="med"/>
+                      <a:tailEnd type="none" w="med" len="med"/>
+                    </a:lnB>
+                  </a:tcPr>
+                </a:tc>
+                <a:tc>
+                  <a:txBody>
+                    <a:bodyPr/>
+                    <a:lstStyle/>
+                    <a:p>
+                      <a:pPr rtl="0" fontAlgn="t">
+                        <a:spcBef>
+                          <a:spcPts val="0"/>
+                        </a:spcBef>
+                        <a:spcAft>
+                          <a:spcPts val="0"/>
+                        </a:spcAft>
+                      </a:pPr>
+                      <a:r>
+                        <a:rPr lang="id-ID" sz="1400" b="0" i="0" u="none" strike="noStrike">
+                          <a:solidFill>
+                            <a:schemeClr val="bg1"/>
+                          </a:solidFill>
+                          <a:effectLst/>
+                          <a:latin typeface="Arial" panose="020B0604020202020204" pitchFamily="34" charset="0"/>
+                        </a:rPr>
+                        <a:t>$5000</a:t>
+                      </a:r>
+                      <a:endParaRPr lang="id-ID">
+                        <a:solidFill>
+                          <a:schemeClr val="bg1"/>
+                        </a:solidFill>
+                        <a:effectLst/>
+                      </a:endParaRPr>
+                    </a:p>
+                  </a:txBody>
+                  <a:tcPr marL="95250" marR="95250" marT="95250" marB="95250">
+                    <a:lnL w="9468" cap="flat" cmpd="sng" algn="ctr">
+                      <a:solidFill>
+                        <a:srgbClr val="9E9E9E"/>
+                      </a:solidFill>
+                      <a:prstDash val="solid"/>
+                      <a:round/>
+                      <a:headEnd type="none" w="med" len="med"/>
+                      <a:tailEnd type="none" w="med" len="med"/>
+                    </a:lnL>
+                    <a:lnR w="9468" cap="flat" cmpd="sng" algn="ctr">
+                      <a:solidFill>
+                        <a:srgbClr val="9E9E9E"/>
+                      </a:solidFill>
+                      <a:prstDash val="solid"/>
+                      <a:round/>
+                      <a:headEnd type="none" w="med" len="med"/>
+                      <a:tailEnd type="none" w="med" len="med"/>
+                    </a:lnR>
+                    <a:lnT w="9468" cap="flat" cmpd="sng" algn="ctr">
+                      <a:solidFill>
+                        <a:srgbClr val="9E9E9E"/>
+                      </a:solidFill>
+                      <a:prstDash val="solid"/>
+                      <a:round/>
+                      <a:headEnd type="none" w="med" len="med"/>
+                      <a:tailEnd type="none" w="med" len="med"/>
+                    </a:lnT>
+                    <a:lnB w="9468" cap="flat" cmpd="sng" algn="ctr">
+                      <a:solidFill>
+                        <a:srgbClr val="9E9E9E"/>
+                      </a:solidFill>
+                      <a:prstDash val="solid"/>
+                      <a:round/>
+                      <a:headEnd type="none" w="med" len="med"/>
+                      <a:tailEnd type="none" w="med" len="med"/>
+                    </a:lnB>
+                  </a:tcPr>
+                </a:tc>
+                <a:extLst>
+                  <a:ext uri="{0D108BD9-81ED-4DB2-BD59-A6C34878D82A}">
+                    <a16:rowId xmlns:a16="http://schemas.microsoft.com/office/drawing/2014/main" val="1895796779"/>
+                  </a:ext>
+                </a:extLst>
+              </a:tr>
+              <a:tr h="447675">
+                <a:tc>
+                  <a:txBody>
+                    <a:bodyPr/>
+                    <a:lstStyle/>
+                    <a:p>
+                      <a:pPr rtl="0" fontAlgn="t">
+                        <a:spcBef>
+                          <a:spcPts val="0"/>
+                        </a:spcBef>
+                        <a:spcAft>
+                          <a:spcPts val="0"/>
+                        </a:spcAft>
+                      </a:pPr>
+                      <a:r>
+                        <a:rPr lang="id-ID" sz="1400" b="0" i="0" u="none" strike="noStrike" dirty="0">
+                          <a:solidFill>
+                            <a:schemeClr val="bg1"/>
+                          </a:solidFill>
+                          <a:effectLst/>
+                          <a:latin typeface="Arial" panose="020B0604020202020204" pitchFamily="34" charset="0"/>
+                        </a:rPr>
+                        <a:t>Addtional Team Salary</a:t>
+                      </a:r>
+                      <a:endParaRPr lang="id-ID" dirty="0">
+                        <a:solidFill>
+                          <a:schemeClr val="bg1"/>
+                        </a:solidFill>
+                        <a:effectLst/>
+                      </a:endParaRPr>
+                    </a:p>
+                  </a:txBody>
+                  <a:tcPr marL="95250" marR="95250" marT="95250" marB="95250">
+                    <a:lnL w="9468" cap="flat" cmpd="sng" algn="ctr">
+                      <a:solidFill>
+                        <a:srgbClr val="9E9E9E"/>
+                      </a:solidFill>
+                      <a:prstDash val="solid"/>
+                      <a:round/>
+                      <a:headEnd type="none" w="med" len="med"/>
+                      <a:tailEnd type="none" w="med" len="med"/>
+                    </a:lnL>
+                    <a:lnR w="9468" cap="flat" cmpd="sng" algn="ctr">
+                      <a:solidFill>
+                        <a:srgbClr val="9E9E9E"/>
+                      </a:solidFill>
+                      <a:prstDash val="solid"/>
+                      <a:round/>
+                      <a:headEnd type="none" w="med" len="med"/>
+                      <a:tailEnd type="none" w="med" len="med"/>
+                    </a:lnR>
+                    <a:lnT w="9468" cap="flat" cmpd="sng" algn="ctr">
+                      <a:solidFill>
+                        <a:srgbClr val="9E9E9E"/>
+                      </a:solidFill>
+                      <a:prstDash val="solid"/>
+                      <a:round/>
+                      <a:headEnd type="none" w="med" len="med"/>
+                      <a:tailEnd type="none" w="med" len="med"/>
+                    </a:lnT>
+                    <a:lnB w="9468" cap="flat" cmpd="sng" algn="ctr">
+                      <a:solidFill>
+                        <a:srgbClr val="9E9E9E"/>
+                      </a:solidFill>
+                      <a:prstDash val="solid"/>
+                      <a:round/>
+                      <a:headEnd type="none" w="med" len="med"/>
+                      <a:tailEnd type="none" w="med" len="med"/>
+                    </a:lnB>
+                  </a:tcPr>
+                </a:tc>
+                <a:tc>
+                  <a:txBody>
+                    <a:bodyPr/>
+                    <a:lstStyle/>
+                    <a:p>
+                      <a:pPr rtl="0" fontAlgn="t">
+                        <a:spcBef>
+                          <a:spcPts val="0"/>
+                        </a:spcBef>
+                        <a:spcAft>
+                          <a:spcPts val="0"/>
+                        </a:spcAft>
+                      </a:pPr>
+                      <a:r>
+                        <a:rPr lang="id-ID" sz="1400" b="0" i="0" u="none" strike="noStrike">
+                          <a:solidFill>
+                            <a:schemeClr val="bg1"/>
+                          </a:solidFill>
+                          <a:effectLst/>
+                          <a:latin typeface="Arial" panose="020B0604020202020204" pitchFamily="34" charset="0"/>
+                        </a:rPr>
+                        <a:t>5%</a:t>
+                      </a:r>
+                      <a:endParaRPr lang="id-ID">
+                        <a:solidFill>
+                          <a:schemeClr val="bg1"/>
+                        </a:solidFill>
+                        <a:effectLst/>
+                      </a:endParaRPr>
+                    </a:p>
+                  </a:txBody>
+                  <a:tcPr marL="95250" marR="95250" marT="95250" marB="95250">
+                    <a:lnL w="9468" cap="flat" cmpd="sng" algn="ctr">
+                      <a:solidFill>
+                        <a:srgbClr val="9E9E9E"/>
+                      </a:solidFill>
+                      <a:prstDash val="solid"/>
+                      <a:round/>
+                      <a:headEnd type="none" w="med" len="med"/>
+                      <a:tailEnd type="none" w="med" len="med"/>
+                    </a:lnL>
+                    <a:lnR w="9468" cap="flat" cmpd="sng" algn="ctr">
+                      <a:solidFill>
+                        <a:srgbClr val="9E9E9E"/>
+                      </a:solidFill>
+                      <a:prstDash val="solid"/>
+                      <a:round/>
+                      <a:headEnd type="none" w="med" len="med"/>
+                      <a:tailEnd type="none" w="med" len="med"/>
+                    </a:lnR>
+                    <a:lnT w="9468" cap="flat" cmpd="sng" algn="ctr">
+                      <a:solidFill>
+                        <a:srgbClr val="9E9E9E"/>
+                      </a:solidFill>
+                      <a:prstDash val="solid"/>
+                      <a:round/>
+                      <a:headEnd type="none" w="med" len="med"/>
+                      <a:tailEnd type="none" w="med" len="med"/>
+                    </a:lnT>
+                    <a:lnB w="9468" cap="flat" cmpd="sng" algn="ctr">
+                      <a:solidFill>
+                        <a:srgbClr val="9E9E9E"/>
+                      </a:solidFill>
+                      <a:prstDash val="solid"/>
+                      <a:round/>
+                      <a:headEnd type="none" w="med" len="med"/>
+                      <a:tailEnd type="none" w="med" len="med"/>
+                    </a:lnB>
+                  </a:tcPr>
+                </a:tc>
+                <a:tc>
+                  <a:txBody>
+                    <a:bodyPr/>
+                    <a:lstStyle/>
+                    <a:p>
+                      <a:pPr rtl="0" fontAlgn="t">
+                        <a:spcBef>
+                          <a:spcPts val="0"/>
+                        </a:spcBef>
+                        <a:spcAft>
+                          <a:spcPts val="0"/>
+                        </a:spcAft>
+                      </a:pPr>
+                      <a:r>
+                        <a:rPr lang="id-ID" sz="1400" b="0" i="0" u="none" strike="noStrike">
+                          <a:solidFill>
+                            <a:schemeClr val="bg1"/>
+                          </a:solidFill>
+                          <a:effectLst/>
+                          <a:latin typeface="Arial" panose="020B0604020202020204" pitchFamily="34" charset="0"/>
+                        </a:rPr>
+                        <a:t>$500</a:t>
+                      </a:r>
+                      <a:endParaRPr lang="id-ID">
+                        <a:solidFill>
+                          <a:schemeClr val="bg1"/>
+                        </a:solidFill>
+                        <a:effectLst/>
+                      </a:endParaRPr>
+                    </a:p>
+                  </a:txBody>
+                  <a:tcPr marL="95250" marR="95250" marT="95250" marB="95250">
+                    <a:lnL w="9468" cap="flat" cmpd="sng" algn="ctr">
+                      <a:solidFill>
+                        <a:srgbClr val="9E9E9E"/>
+                      </a:solidFill>
+                      <a:prstDash val="solid"/>
+                      <a:round/>
+                      <a:headEnd type="none" w="med" len="med"/>
+                      <a:tailEnd type="none" w="med" len="med"/>
+                    </a:lnL>
+                    <a:lnR w="9468" cap="flat" cmpd="sng" algn="ctr">
+                      <a:solidFill>
+                        <a:srgbClr val="9E9E9E"/>
+                      </a:solidFill>
+                      <a:prstDash val="solid"/>
+                      <a:round/>
+                      <a:headEnd type="none" w="med" len="med"/>
+                      <a:tailEnd type="none" w="med" len="med"/>
+                    </a:lnR>
+                    <a:lnT w="9468" cap="flat" cmpd="sng" algn="ctr">
+                      <a:solidFill>
+                        <a:srgbClr val="9E9E9E"/>
+                      </a:solidFill>
+                      <a:prstDash val="solid"/>
+                      <a:round/>
+                      <a:headEnd type="none" w="med" len="med"/>
+                      <a:tailEnd type="none" w="med" len="med"/>
+                    </a:lnT>
+                    <a:lnB w="9468" cap="flat" cmpd="sng" algn="ctr">
+                      <a:solidFill>
+                        <a:srgbClr val="9E9E9E"/>
+                      </a:solidFill>
+                      <a:prstDash val="solid"/>
+                      <a:round/>
+                      <a:headEnd type="none" w="med" len="med"/>
+                      <a:tailEnd type="none" w="med" len="med"/>
+                    </a:lnB>
+                  </a:tcPr>
+                </a:tc>
+                <a:extLst>
+                  <a:ext uri="{0D108BD9-81ED-4DB2-BD59-A6C34878D82A}">
+                    <a16:rowId xmlns:a16="http://schemas.microsoft.com/office/drawing/2014/main" val="481617103"/>
+                  </a:ext>
+                </a:extLst>
+              </a:tr>
+              <a:tr h="447675">
+                <a:tc>
+                  <a:txBody>
+                    <a:bodyPr/>
+                    <a:lstStyle/>
+                    <a:p>
+                      <a:pPr rtl="0" fontAlgn="t">
+                        <a:spcBef>
+                          <a:spcPts val="0"/>
+                        </a:spcBef>
+                        <a:spcAft>
+                          <a:spcPts val="0"/>
+                        </a:spcAft>
+                      </a:pPr>
+                      <a:r>
+                        <a:rPr lang="id-ID" sz="1400" b="0" i="0" u="none" strike="noStrike">
+                          <a:solidFill>
+                            <a:schemeClr val="bg1"/>
+                          </a:solidFill>
+                          <a:effectLst/>
+                          <a:latin typeface="Arial" panose="020B0604020202020204" pitchFamily="34" charset="0"/>
+                        </a:rPr>
+                        <a:t>Market Research </a:t>
+                      </a:r>
+                      <a:endParaRPr lang="id-ID">
+                        <a:solidFill>
+                          <a:schemeClr val="bg1"/>
+                        </a:solidFill>
+                        <a:effectLst/>
+                      </a:endParaRPr>
+                    </a:p>
+                  </a:txBody>
+                  <a:tcPr marL="95250" marR="95250" marT="95250" marB="95250">
+                    <a:lnL w="9468" cap="flat" cmpd="sng" algn="ctr">
+                      <a:solidFill>
+                        <a:srgbClr val="9E9E9E"/>
+                      </a:solidFill>
+                      <a:prstDash val="solid"/>
+                      <a:round/>
+                      <a:headEnd type="none" w="med" len="med"/>
+                      <a:tailEnd type="none" w="med" len="med"/>
+                    </a:lnL>
+                    <a:lnR w="9468" cap="flat" cmpd="sng" algn="ctr">
+                      <a:solidFill>
+                        <a:srgbClr val="9E9E9E"/>
+                      </a:solidFill>
+                      <a:prstDash val="solid"/>
+                      <a:round/>
+                      <a:headEnd type="none" w="med" len="med"/>
+                      <a:tailEnd type="none" w="med" len="med"/>
+                    </a:lnR>
+                    <a:lnT w="9468" cap="flat" cmpd="sng" algn="ctr">
+                      <a:solidFill>
+                        <a:srgbClr val="9E9E9E"/>
+                      </a:solidFill>
+                      <a:prstDash val="solid"/>
+                      <a:round/>
+                      <a:headEnd type="none" w="med" len="med"/>
+                      <a:tailEnd type="none" w="med" len="med"/>
+                    </a:lnT>
+                    <a:lnB w="9468" cap="flat" cmpd="sng" algn="ctr">
+                      <a:solidFill>
+                        <a:srgbClr val="9E9E9E"/>
+                      </a:solidFill>
+                      <a:prstDash val="solid"/>
+                      <a:round/>
+                      <a:headEnd type="none" w="med" len="med"/>
+                      <a:tailEnd type="none" w="med" len="med"/>
+                    </a:lnB>
+                  </a:tcPr>
+                </a:tc>
+                <a:tc>
+                  <a:txBody>
+                    <a:bodyPr/>
+                    <a:lstStyle/>
+                    <a:p>
+                      <a:pPr rtl="0" fontAlgn="t">
+                        <a:spcBef>
+                          <a:spcPts val="0"/>
+                        </a:spcBef>
+                        <a:spcAft>
+                          <a:spcPts val="0"/>
+                        </a:spcAft>
+                      </a:pPr>
+                      <a:r>
+                        <a:rPr lang="id-ID" sz="1400" b="0" i="0" u="none" strike="noStrike">
+                          <a:solidFill>
+                            <a:schemeClr val="bg1"/>
+                          </a:solidFill>
+                          <a:effectLst/>
+                          <a:latin typeface="Arial" panose="020B0604020202020204" pitchFamily="34" charset="0"/>
+                        </a:rPr>
+                        <a:t>7%</a:t>
+                      </a:r>
+                      <a:endParaRPr lang="id-ID">
+                        <a:solidFill>
+                          <a:schemeClr val="bg1"/>
+                        </a:solidFill>
+                        <a:effectLst/>
+                      </a:endParaRPr>
+                    </a:p>
+                  </a:txBody>
+                  <a:tcPr marL="95250" marR="95250" marT="95250" marB="95250">
+                    <a:lnL w="9468" cap="flat" cmpd="sng" algn="ctr">
+                      <a:solidFill>
+                        <a:srgbClr val="9E9E9E"/>
+                      </a:solidFill>
+                      <a:prstDash val="solid"/>
+                      <a:round/>
+                      <a:headEnd type="none" w="med" len="med"/>
+                      <a:tailEnd type="none" w="med" len="med"/>
+                    </a:lnL>
+                    <a:lnR w="9468" cap="flat" cmpd="sng" algn="ctr">
+                      <a:solidFill>
+                        <a:srgbClr val="9E9E9E"/>
+                      </a:solidFill>
+                      <a:prstDash val="solid"/>
+                      <a:round/>
+                      <a:headEnd type="none" w="med" len="med"/>
+                      <a:tailEnd type="none" w="med" len="med"/>
+                    </a:lnR>
+                    <a:lnT w="9468" cap="flat" cmpd="sng" algn="ctr">
+                      <a:solidFill>
+                        <a:srgbClr val="9E9E9E"/>
+                      </a:solidFill>
+                      <a:prstDash val="solid"/>
+                      <a:round/>
+                      <a:headEnd type="none" w="med" len="med"/>
+                      <a:tailEnd type="none" w="med" len="med"/>
+                    </a:lnT>
+                    <a:lnB w="9468" cap="flat" cmpd="sng" algn="ctr">
+                      <a:solidFill>
+                        <a:srgbClr val="9E9E9E"/>
+                      </a:solidFill>
+                      <a:prstDash val="solid"/>
+                      <a:round/>
+                      <a:headEnd type="none" w="med" len="med"/>
+                      <a:tailEnd type="none" w="med" len="med"/>
+                    </a:lnB>
+                  </a:tcPr>
+                </a:tc>
+                <a:tc>
+                  <a:txBody>
+                    <a:bodyPr/>
+                    <a:lstStyle/>
+                    <a:p>
+                      <a:pPr rtl="0" fontAlgn="t">
+                        <a:spcBef>
+                          <a:spcPts val="0"/>
+                        </a:spcBef>
+                        <a:spcAft>
+                          <a:spcPts val="0"/>
+                        </a:spcAft>
+                      </a:pPr>
+                      <a:r>
+                        <a:rPr lang="id-ID" sz="1400" b="0" i="0" u="none" strike="noStrike">
+                          <a:solidFill>
+                            <a:schemeClr val="bg1"/>
+                          </a:solidFill>
+                          <a:effectLst/>
+                          <a:latin typeface="Arial" panose="020B0604020202020204" pitchFamily="34" charset="0"/>
+                        </a:rPr>
+                        <a:t>$700</a:t>
+                      </a:r>
+                      <a:endParaRPr lang="id-ID">
+                        <a:solidFill>
+                          <a:schemeClr val="bg1"/>
+                        </a:solidFill>
+                        <a:effectLst/>
+                      </a:endParaRPr>
+                    </a:p>
+                  </a:txBody>
+                  <a:tcPr marL="95250" marR="95250" marT="95250" marB="95250">
+                    <a:lnL w="9468" cap="flat" cmpd="sng" algn="ctr">
+                      <a:solidFill>
+                        <a:srgbClr val="9E9E9E"/>
+                      </a:solidFill>
+                      <a:prstDash val="solid"/>
+                      <a:round/>
+                      <a:headEnd type="none" w="med" len="med"/>
+                      <a:tailEnd type="none" w="med" len="med"/>
+                    </a:lnL>
+                    <a:lnR w="9468" cap="flat" cmpd="sng" algn="ctr">
+                      <a:solidFill>
+                        <a:srgbClr val="9E9E9E"/>
+                      </a:solidFill>
+                      <a:prstDash val="solid"/>
+                      <a:round/>
+                      <a:headEnd type="none" w="med" len="med"/>
+                      <a:tailEnd type="none" w="med" len="med"/>
+                    </a:lnR>
+                    <a:lnT w="9468" cap="flat" cmpd="sng" algn="ctr">
+                      <a:solidFill>
+                        <a:srgbClr val="9E9E9E"/>
+                      </a:solidFill>
+                      <a:prstDash val="solid"/>
+                      <a:round/>
+                      <a:headEnd type="none" w="med" len="med"/>
+                      <a:tailEnd type="none" w="med" len="med"/>
+                    </a:lnT>
+                    <a:lnB w="9468" cap="flat" cmpd="sng" algn="ctr">
+                      <a:solidFill>
+                        <a:srgbClr val="9E9E9E"/>
+                      </a:solidFill>
+                      <a:prstDash val="solid"/>
+                      <a:round/>
+                      <a:headEnd type="none" w="med" len="med"/>
+                      <a:tailEnd type="none" w="med" len="med"/>
+                    </a:lnB>
+                  </a:tcPr>
+                </a:tc>
+                <a:extLst>
+                  <a:ext uri="{0D108BD9-81ED-4DB2-BD59-A6C34878D82A}">
+                    <a16:rowId xmlns:a16="http://schemas.microsoft.com/office/drawing/2014/main" val="3250147014"/>
+                  </a:ext>
+                </a:extLst>
+              </a:tr>
+              <a:tr h="447675">
+                <a:tc>
+                  <a:txBody>
+                    <a:bodyPr/>
+                    <a:lstStyle/>
+                    <a:p>
+                      <a:pPr rtl="0" fontAlgn="t">
+                        <a:spcBef>
+                          <a:spcPts val="0"/>
+                        </a:spcBef>
+                        <a:spcAft>
+                          <a:spcPts val="0"/>
+                        </a:spcAft>
+                      </a:pPr>
+                      <a:r>
+                        <a:rPr lang="id-ID" sz="1400" b="0" i="0" u="none" strike="noStrike">
+                          <a:solidFill>
+                            <a:schemeClr val="bg1"/>
+                          </a:solidFill>
+                          <a:effectLst/>
+                          <a:latin typeface="Arial" panose="020B0604020202020204" pitchFamily="34" charset="0"/>
+                        </a:rPr>
+                        <a:t>Marketing and Sales</a:t>
+                      </a:r>
+                      <a:endParaRPr lang="id-ID">
+                        <a:solidFill>
+                          <a:schemeClr val="bg1"/>
+                        </a:solidFill>
+                        <a:effectLst/>
+                      </a:endParaRPr>
+                    </a:p>
+                  </a:txBody>
+                  <a:tcPr marL="95250" marR="95250" marT="95250" marB="95250">
+                    <a:lnL w="9468" cap="flat" cmpd="sng" algn="ctr">
+                      <a:solidFill>
+                        <a:srgbClr val="9E9E9E"/>
+                      </a:solidFill>
+                      <a:prstDash val="solid"/>
+                      <a:round/>
+                      <a:headEnd type="none" w="med" len="med"/>
+                      <a:tailEnd type="none" w="med" len="med"/>
+                    </a:lnL>
+                    <a:lnR w="9468" cap="flat" cmpd="sng" algn="ctr">
+                      <a:solidFill>
+                        <a:srgbClr val="9E9E9E"/>
+                      </a:solidFill>
+                      <a:prstDash val="solid"/>
+                      <a:round/>
+                      <a:headEnd type="none" w="med" len="med"/>
+                      <a:tailEnd type="none" w="med" len="med"/>
+                    </a:lnR>
+                    <a:lnT w="9468" cap="flat" cmpd="sng" algn="ctr">
+                      <a:solidFill>
+                        <a:srgbClr val="9E9E9E"/>
+                      </a:solidFill>
+                      <a:prstDash val="solid"/>
+                      <a:round/>
+                      <a:headEnd type="none" w="med" len="med"/>
+                      <a:tailEnd type="none" w="med" len="med"/>
+                    </a:lnT>
+                    <a:lnB w="9468" cap="flat" cmpd="sng" algn="ctr">
+                      <a:solidFill>
+                        <a:srgbClr val="9E9E9E"/>
+                      </a:solidFill>
+                      <a:prstDash val="solid"/>
+                      <a:round/>
+                      <a:headEnd type="none" w="med" len="med"/>
+                      <a:tailEnd type="none" w="med" len="med"/>
+                    </a:lnB>
+                  </a:tcPr>
+                </a:tc>
+                <a:tc>
+                  <a:txBody>
+                    <a:bodyPr/>
+                    <a:lstStyle/>
+                    <a:p>
+                      <a:pPr rtl="0" fontAlgn="t">
+                        <a:spcBef>
+                          <a:spcPts val="0"/>
+                        </a:spcBef>
+                        <a:spcAft>
+                          <a:spcPts val="0"/>
+                        </a:spcAft>
+                      </a:pPr>
+                      <a:r>
+                        <a:rPr lang="id-ID" sz="1400" b="0" i="0" u="none" strike="noStrike">
+                          <a:solidFill>
+                            <a:schemeClr val="bg1"/>
+                          </a:solidFill>
+                          <a:effectLst/>
+                          <a:latin typeface="Arial" panose="020B0604020202020204" pitchFamily="34" charset="0"/>
+                        </a:rPr>
+                        <a:t>19%</a:t>
+                      </a:r>
+                      <a:endParaRPr lang="id-ID">
+                        <a:solidFill>
+                          <a:schemeClr val="bg1"/>
+                        </a:solidFill>
+                        <a:effectLst/>
+                      </a:endParaRPr>
+                    </a:p>
+                  </a:txBody>
+                  <a:tcPr marL="95250" marR="95250" marT="95250" marB="95250">
+                    <a:lnL w="9468" cap="flat" cmpd="sng" algn="ctr">
+                      <a:solidFill>
+                        <a:srgbClr val="9E9E9E"/>
+                      </a:solidFill>
+                      <a:prstDash val="solid"/>
+                      <a:round/>
+                      <a:headEnd type="none" w="med" len="med"/>
+                      <a:tailEnd type="none" w="med" len="med"/>
+                    </a:lnL>
+                    <a:lnR w="9468" cap="flat" cmpd="sng" algn="ctr">
+                      <a:solidFill>
+                        <a:srgbClr val="9E9E9E"/>
+                      </a:solidFill>
+                      <a:prstDash val="solid"/>
+                      <a:round/>
+                      <a:headEnd type="none" w="med" len="med"/>
+                      <a:tailEnd type="none" w="med" len="med"/>
+                    </a:lnR>
+                    <a:lnT w="9468" cap="flat" cmpd="sng" algn="ctr">
+                      <a:solidFill>
+                        <a:srgbClr val="9E9E9E"/>
+                      </a:solidFill>
+                      <a:prstDash val="solid"/>
+                      <a:round/>
+                      <a:headEnd type="none" w="med" len="med"/>
+                      <a:tailEnd type="none" w="med" len="med"/>
+                    </a:lnT>
+                    <a:lnB w="9468" cap="flat" cmpd="sng" algn="ctr">
+                      <a:solidFill>
+                        <a:srgbClr val="9E9E9E"/>
+                      </a:solidFill>
+                      <a:prstDash val="solid"/>
+                      <a:round/>
+                      <a:headEnd type="none" w="med" len="med"/>
+                      <a:tailEnd type="none" w="med" len="med"/>
+                    </a:lnB>
+                  </a:tcPr>
+                </a:tc>
+                <a:tc>
+                  <a:txBody>
+                    <a:bodyPr/>
+                    <a:lstStyle/>
+                    <a:p>
+                      <a:pPr rtl="0" fontAlgn="t">
+                        <a:spcBef>
+                          <a:spcPts val="0"/>
+                        </a:spcBef>
+                        <a:spcAft>
+                          <a:spcPts val="0"/>
+                        </a:spcAft>
+                      </a:pPr>
+                      <a:r>
+                        <a:rPr lang="id-ID" sz="1400" b="0" i="0" u="none" strike="noStrike">
+                          <a:solidFill>
+                            <a:schemeClr val="bg1"/>
+                          </a:solidFill>
+                          <a:effectLst/>
+                          <a:latin typeface="Arial" panose="020B0604020202020204" pitchFamily="34" charset="0"/>
+                        </a:rPr>
+                        <a:t>$1900</a:t>
+                      </a:r>
+                      <a:endParaRPr lang="id-ID">
+                        <a:solidFill>
+                          <a:schemeClr val="bg1"/>
+                        </a:solidFill>
+                        <a:effectLst/>
+                      </a:endParaRPr>
+                    </a:p>
+                  </a:txBody>
+                  <a:tcPr marL="95250" marR="95250" marT="95250" marB="95250">
+                    <a:lnL w="9468" cap="flat" cmpd="sng" algn="ctr">
+                      <a:solidFill>
+                        <a:srgbClr val="9E9E9E"/>
+                      </a:solidFill>
+                      <a:prstDash val="solid"/>
+                      <a:round/>
+                      <a:headEnd type="none" w="med" len="med"/>
+                      <a:tailEnd type="none" w="med" len="med"/>
+                    </a:lnL>
+                    <a:lnR w="9468" cap="flat" cmpd="sng" algn="ctr">
+                      <a:solidFill>
+                        <a:srgbClr val="9E9E9E"/>
+                      </a:solidFill>
+                      <a:prstDash val="solid"/>
+                      <a:round/>
+                      <a:headEnd type="none" w="med" len="med"/>
+                      <a:tailEnd type="none" w="med" len="med"/>
+                    </a:lnR>
+                    <a:lnT w="9468" cap="flat" cmpd="sng" algn="ctr">
+                      <a:solidFill>
+                        <a:srgbClr val="9E9E9E"/>
+                      </a:solidFill>
+                      <a:prstDash val="solid"/>
+                      <a:round/>
+                      <a:headEnd type="none" w="med" len="med"/>
+                      <a:tailEnd type="none" w="med" len="med"/>
+                    </a:lnT>
+                    <a:lnB w="9468" cap="flat" cmpd="sng" algn="ctr">
+                      <a:solidFill>
+                        <a:srgbClr val="9E9E9E"/>
+                      </a:solidFill>
+                      <a:prstDash val="solid"/>
+                      <a:round/>
+                      <a:headEnd type="none" w="med" len="med"/>
+                      <a:tailEnd type="none" w="med" len="med"/>
+                    </a:lnB>
+                  </a:tcPr>
+                </a:tc>
+                <a:extLst>
+                  <a:ext uri="{0D108BD9-81ED-4DB2-BD59-A6C34878D82A}">
+                    <a16:rowId xmlns:a16="http://schemas.microsoft.com/office/drawing/2014/main" val="280960054"/>
+                  </a:ext>
+                </a:extLst>
+              </a:tr>
+              <a:tr h="447675">
+                <a:tc>
+                  <a:txBody>
+                    <a:bodyPr/>
+                    <a:lstStyle/>
+                    <a:p>
+                      <a:pPr rtl="0" fontAlgn="t">
+                        <a:spcBef>
+                          <a:spcPts val="0"/>
+                        </a:spcBef>
+                        <a:spcAft>
+                          <a:spcPts val="0"/>
+                        </a:spcAft>
+                      </a:pPr>
+                      <a:r>
+                        <a:rPr lang="id-ID" sz="1400" b="0" i="0" u="none" strike="noStrike">
+                          <a:solidFill>
+                            <a:schemeClr val="bg1"/>
+                          </a:solidFill>
+                          <a:effectLst/>
+                          <a:latin typeface="Arial" panose="020B0604020202020204" pitchFamily="34" charset="0"/>
+                        </a:rPr>
+                        <a:t>Google Cloud Cost </a:t>
+                      </a:r>
+                      <a:endParaRPr lang="id-ID">
+                        <a:solidFill>
+                          <a:schemeClr val="bg1"/>
+                        </a:solidFill>
+                        <a:effectLst/>
+                      </a:endParaRPr>
+                    </a:p>
+                  </a:txBody>
+                  <a:tcPr marL="95250" marR="95250" marT="95250" marB="95250">
+                    <a:lnL w="9468" cap="flat" cmpd="sng" algn="ctr">
+                      <a:solidFill>
+                        <a:srgbClr val="9E9E9E"/>
+                      </a:solidFill>
+                      <a:prstDash val="solid"/>
+                      <a:round/>
+                      <a:headEnd type="none" w="med" len="med"/>
+                      <a:tailEnd type="none" w="med" len="med"/>
+                    </a:lnL>
+                    <a:lnR w="9468" cap="flat" cmpd="sng" algn="ctr">
+                      <a:solidFill>
+                        <a:srgbClr val="9E9E9E"/>
+                      </a:solidFill>
+                      <a:prstDash val="solid"/>
+                      <a:round/>
+                      <a:headEnd type="none" w="med" len="med"/>
+                      <a:tailEnd type="none" w="med" len="med"/>
+                    </a:lnR>
+                    <a:lnT w="9468" cap="flat" cmpd="sng" algn="ctr">
+                      <a:solidFill>
+                        <a:srgbClr val="9E9E9E"/>
+                      </a:solidFill>
+                      <a:prstDash val="solid"/>
+                      <a:round/>
+                      <a:headEnd type="none" w="med" len="med"/>
+                      <a:tailEnd type="none" w="med" len="med"/>
+                    </a:lnT>
+                    <a:lnB w="9468" cap="flat" cmpd="sng" algn="ctr">
+                      <a:solidFill>
+                        <a:srgbClr val="9E9E9E"/>
+                      </a:solidFill>
+                      <a:prstDash val="solid"/>
+                      <a:round/>
+                      <a:headEnd type="none" w="med" len="med"/>
+                      <a:tailEnd type="none" w="med" len="med"/>
+                    </a:lnB>
+                  </a:tcPr>
+                </a:tc>
+                <a:tc>
+                  <a:txBody>
+                    <a:bodyPr/>
+                    <a:lstStyle/>
+                    <a:p>
+                      <a:pPr rtl="0" fontAlgn="t">
+                        <a:spcBef>
+                          <a:spcPts val="0"/>
+                        </a:spcBef>
+                        <a:spcAft>
+                          <a:spcPts val="0"/>
+                        </a:spcAft>
+                      </a:pPr>
+                      <a:r>
+                        <a:rPr lang="id-ID" sz="1400" b="0" i="0" u="none" strike="noStrike">
+                          <a:solidFill>
+                            <a:schemeClr val="bg1"/>
+                          </a:solidFill>
+                          <a:effectLst/>
+                          <a:latin typeface="Arial" panose="020B0604020202020204" pitchFamily="34" charset="0"/>
+                        </a:rPr>
+                        <a:t>7%</a:t>
+                      </a:r>
+                      <a:endParaRPr lang="id-ID">
+                        <a:solidFill>
+                          <a:schemeClr val="bg1"/>
+                        </a:solidFill>
+                        <a:effectLst/>
+                      </a:endParaRPr>
+                    </a:p>
+                  </a:txBody>
+                  <a:tcPr marL="95250" marR="95250" marT="95250" marB="95250">
+                    <a:lnL w="9468" cap="flat" cmpd="sng" algn="ctr">
+                      <a:solidFill>
+                        <a:srgbClr val="9E9E9E"/>
+                      </a:solidFill>
+                      <a:prstDash val="solid"/>
+                      <a:round/>
+                      <a:headEnd type="none" w="med" len="med"/>
+                      <a:tailEnd type="none" w="med" len="med"/>
+                    </a:lnL>
+                    <a:lnR w="9468" cap="flat" cmpd="sng" algn="ctr">
+                      <a:solidFill>
+                        <a:srgbClr val="9E9E9E"/>
+                      </a:solidFill>
+                      <a:prstDash val="solid"/>
+                      <a:round/>
+                      <a:headEnd type="none" w="med" len="med"/>
+                      <a:tailEnd type="none" w="med" len="med"/>
+                    </a:lnR>
+                    <a:lnT w="9468" cap="flat" cmpd="sng" algn="ctr">
+                      <a:solidFill>
+                        <a:srgbClr val="9E9E9E"/>
+                      </a:solidFill>
+                      <a:prstDash val="solid"/>
+                      <a:round/>
+                      <a:headEnd type="none" w="med" len="med"/>
+                      <a:tailEnd type="none" w="med" len="med"/>
+                    </a:lnT>
+                    <a:lnB w="9468" cap="flat" cmpd="sng" algn="ctr">
+                      <a:solidFill>
+                        <a:srgbClr val="9E9E9E"/>
+                      </a:solidFill>
+                      <a:prstDash val="solid"/>
+                      <a:round/>
+                      <a:headEnd type="none" w="med" len="med"/>
+                      <a:tailEnd type="none" w="med" len="med"/>
+                    </a:lnB>
+                  </a:tcPr>
+                </a:tc>
+                <a:tc>
+                  <a:txBody>
+                    <a:bodyPr/>
+                    <a:lstStyle/>
+                    <a:p>
+                      <a:pPr rtl="0" fontAlgn="t">
+                        <a:spcBef>
+                          <a:spcPts val="0"/>
+                        </a:spcBef>
+                        <a:spcAft>
+                          <a:spcPts val="0"/>
+                        </a:spcAft>
+                      </a:pPr>
+                      <a:r>
+                        <a:rPr lang="id-ID" sz="1400" b="0" i="0" u="none" strike="noStrike">
+                          <a:solidFill>
+                            <a:schemeClr val="bg1"/>
+                          </a:solidFill>
+                          <a:effectLst/>
+                          <a:latin typeface="Arial" panose="020B0604020202020204" pitchFamily="34" charset="0"/>
+                        </a:rPr>
+                        <a:t>$700</a:t>
+                      </a:r>
+                      <a:endParaRPr lang="id-ID">
+                        <a:solidFill>
+                          <a:schemeClr val="bg1"/>
+                        </a:solidFill>
+                        <a:effectLst/>
+                      </a:endParaRPr>
+                    </a:p>
+                  </a:txBody>
+                  <a:tcPr marL="95250" marR="95250" marT="95250" marB="95250">
+                    <a:lnL w="9468" cap="flat" cmpd="sng" algn="ctr">
+                      <a:solidFill>
+                        <a:srgbClr val="9E9E9E"/>
+                      </a:solidFill>
+                      <a:prstDash val="solid"/>
+                      <a:round/>
+                      <a:headEnd type="none" w="med" len="med"/>
+                      <a:tailEnd type="none" w="med" len="med"/>
+                    </a:lnL>
+                    <a:lnR w="9468" cap="flat" cmpd="sng" algn="ctr">
+                      <a:solidFill>
+                        <a:srgbClr val="9E9E9E"/>
+                      </a:solidFill>
+                      <a:prstDash val="solid"/>
+                      <a:round/>
+                      <a:headEnd type="none" w="med" len="med"/>
+                      <a:tailEnd type="none" w="med" len="med"/>
+                    </a:lnR>
+                    <a:lnT w="9468" cap="flat" cmpd="sng" algn="ctr">
+                      <a:solidFill>
+                        <a:srgbClr val="9E9E9E"/>
+                      </a:solidFill>
+                      <a:prstDash val="solid"/>
+                      <a:round/>
+                      <a:headEnd type="none" w="med" len="med"/>
+                      <a:tailEnd type="none" w="med" len="med"/>
+                    </a:lnT>
+                    <a:lnB w="9468" cap="flat" cmpd="sng" algn="ctr">
+                      <a:solidFill>
+                        <a:srgbClr val="9E9E9E"/>
+                      </a:solidFill>
+                      <a:prstDash val="solid"/>
+                      <a:round/>
+                      <a:headEnd type="none" w="med" len="med"/>
+                      <a:tailEnd type="none" w="med" len="med"/>
+                    </a:lnB>
+                  </a:tcPr>
+                </a:tc>
+                <a:extLst>
+                  <a:ext uri="{0D108BD9-81ED-4DB2-BD59-A6C34878D82A}">
+                    <a16:rowId xmlns:a16="http://schemas.microsoft.com/office/drawing/2014/main" val="4213461918"/>
+                  </a:ext>
+                </a:extLst>
+              </a:tr>
+              <a:tr h="447675">
+                <a:tc>
+                  <a:txBody>
+                    <a:bodyPr/>
+                    <a:lstStyle/>
+                    <a:p>
+                      <a:pPr rtl="0" fontAlgn="t">
+                        <a:spcBef>
+                          <a:spcPts val="0"/>
+                        </a:spcBef>
+                        <a:spcAft>
+                          <a:spcPts val="0"/>
+                        </a:spcAft>
+                      </a:pPr>
+                      <a:r>
+                        <a:rPr lang="id-ID" sz="1400" b="0" i="0" u="none" strike="noStrike">
+                          <a:solidFill>
+                            <a:schemeClr val="bg1"/>
+                          </a:solidFill>
+                          <a:effectLst/>
+                          <a:latin typeface="Arial" panose="020B0604020202020204" pitchFamily="34" charset="0"/>
+                        </a:rPr>
+                        <a:t>Patent</a:t>
+                      </a:r>
+                      <a:endParaRPr lang="id-ID">
+                        <a:solidFill>
+                          <a:schemeClr val="bg1"/>
+                        </a:solidFill>
+                        <a:effectLst/>
+                      </a:endParaRPr>
+                    </a:p>
+                  </a:txBody>
+                  <a:tcPr marL="95250" marR="95250" marT="95250" marB="95250">
+                    <a:lnL w="9468" cap="flat" cmpd="sng" algn="ctr">
+                      <a:solidFill>
+                        <a:srgbClr val="9E9E9E"/>
+                      </a:solidFill>
+                      <a:prstDash val="solid"/>
+                      <a:round/>
+                      <a:headEnd type="none" w="med" len="med"/>
+                      <a:tailEnd type="none" w="med" len="med"/>
+                    </a:lnL>
+                    <a:lnR w="9468" cap="flat" cmpd="sng" algn="ctr">
+                      <a:solidFill>
+                        <a:srgbClr val="9E9E9E"/>
+                      </a:solidFill>
+                      <a:prstDash val="solid"/>
+                      <a:round/>
+                      <a:headEnd type="none" w="med" len="med"/>
+                      <a:tailEnd type="none" w="med" len="med"/>
+                    </a:lnR>
+                    <a:lnT w="9468" cap="flat" cmpd="sng" algn="ctr">
+                      <a:solidFill>
+                        <a:srgbClr val="9E9E9E"/>
+                      </a:solidFill>
+                      <a:prstDash val="solid"/>
+                      <a:round/>
+                      <a:headEnd type="none" w="med" len="med"/>
+                      <a:tailEnd type="none" w="med" len="med"/>
+                    </a:lnT>
+                    <a:lnB w="9468" cap="flat" cmpd="sng" algn="ctr">
+                      <a:solidFill>
+                        <a:srgbClr val="9E9E9E"/>
+                      </a:solidFill>
+                      <a:prstDash val="solid"/>
+                      <a:round/>
+                      <a:headEnd type="none" w="med" len="med"/>
+                      <a:tailEnd type="none" w="med" len="med"/>
+                    </a:lnB>
+                  </a:tcPr>
+                </a:tc>
+                <a:tc>
+                  <a:txBody>
+                    <a:bodyPr/>
+                    <a:lstStyle/>
+                    <a:p>
+                      <a:pPr rtl="0" fontAlgn="t">
+                        <a:spcBef>
+                          <a:spcPts val="0"/>
+                        </a:spcBef>
+                        <a:spcAft>
+                          <a:spcPts val="0"/>
+                        </a:spcAft>
+                      </a:pPr>
+                      <a:r>
+                        <a:rPr lang="id-ID" sz="1400" b="0" i="0" u="none" strike="noStrike">
+                          <a:solidFill>
+                            <a:schemeClr val="bg1"/>
+                          </a:solidFill>
+                          <a:effectLst/>
+                          <a:latin typeface="Arial" panose="020B0604020202020204" pitchFamily="34" charset="0"/>
+                        </a:rPr>
+                        <a:t>3,5%</a:t>
+                      </a:r>
+                      <a:endParaRPr lang="id-ID">
+                        <a:solidFill>
+                          <a:schemeClr val="bg1"/>
+                        </a:solidFill>
+                        <a:effectLst/>
+                      </a:endParaRPr>
+                    </a:p>
+                  </a:txBody>
+                  <a:tcPr marL="95250" marR="95250" marT="95250" marB="95250">
+                    <a:lnL w="9468" cap="flat" cmpd="sng" algn="ctr">
+                      <a:solidFill>
+                        <a:srgbClr val="9E9E9E"/>
+                      </a:solidFill>
+                      <a:prstDash val="solid"/>
+                      <a:round/>
+                      <a:headEnd type="none" w="med" len="med"/>
+                      <a:tailEnd type="none" w="med" len="med"/>
+                    </a:lnL>
+                    <a:lnR w="9468" cap="flat" cmpd="sng" algn="ctr">
+                      <a:solidFill>
+                        <a:srgbClr val="9E9E9E"/>
+                      </a:solidFill>
+                      <a:prstDash val="solid"/>
+                      <a:round/>
+                      <a:headEnd type="none" w="med" len="med"/>
+                      <a:tailEnd type="none" w="med" len="med"/>
+                    </a:lnR>
+                    <a:lnT w="9468" cap="flat" cmpd="sng" algn="ctr">
+                      <a:solidFill>
+                        <a:srgbClr val="9E9E9E"/>
+                      </a:solidFill>
+                      <a:prstDash val="solid"/>
+                      <a:round/>
+                      <a:headEnd type="none" w="med" len="med"/>
+                      <a:tailEnd type="none" w="med" len="med"/>
+                    </a:lnT>
+                    <a:lnB w="9468" cap="flat" cmpd="sng" algn="ctr">
+                      <a:solidFill>
+                        <a:srgbClr val="9E9E9E"/>
+                      </a:solidFill>
+                      <a:prstDash val="solid"/>
+                      <a:round/>
+                      <a:headEnd type="none" w="med" len="med"/>
+                      <a:tailEnd type="none" w="med" len="med"/>
+                    </a:lnB>
+                  </a:tcPr>
+                </a:tc>
+                <a:tc>
+                  <a:txBody>
+                    <a:bodyPr/>
+                    <a:lstStyle/>
+                    <a:p>
+                      <a:pPr rtl="0" fontAlgn="t">
+                        <a:spcBef>
+                          <a:spcPts val="0"/>
+                        </a:spcBef>
+                        <a:spcAft>
+                          <a:spcPts val="0"/>
+                        </a:spcAft>
+                      </a:pPr>
+                      <a:r>
+                        <a:rPr lang="id-ID" sz="1400" b="0" i="0" u="none" strike="noStrike">
+                          <a:solidFill>
+                            <a:schemeClr val="bg1"/>
+                          </a:solidFill>
+                          <a:effectLst/>
+                          <a:latin typeface="Arial" panose="020B0604020202020204" pitchFamily="34" charset="0"/>
+                        </a:rPr>
+                        <a:t>$350</a:t>
+                      </a:r>
+                      <a:endParaRPr lang="id-ID">
+                        <a:solidFill>
+                          <a:schemeClr val="bg1"/>
+                        </a:solidFill>
+                        <a:effectLst/>
+                      </a:endParaRPr>
+                    </a:p>
+                  </a:txBody>
+                  <a:tcPr marL="95250" marR="95250" marT="95250" marB="95250">
+                    <a:lnL w="9468" cap="flat" cmpd="sng" algn="ctr">
+                      <a:solidFill>
+                        <a:srgbClr val="9E9E9E"/>
+                      </a:solidFill>
+                      <a:prstDash val="solid"/>
+                      <a:round/>
+                      <a:headEnd type="none" w="med" len="med"/>
+                      <a:tailEnd type="none" w="med" len="med"/>
+                    </a:lnL>
+                    <a:lnR w="9468" cap="flat" cmpd="sng" algn="ctr">
+                      <a:solidFill>
+                        <a:srgbClr val="9E9E9E"/>
+                      </a:solidFill>
+                      <a:prstDash val="solid"/>
+                      <a:round/>
+                      <a:headEnd type="none" w="med" len="med"/>
+                      <a:tailEnd type="none" w="med" len="med"/>
+                    </a:lnR>
+                    <a:lnT w="9468" cap="flat" cmpd="sng" algn="ctr">
+                      <a:solidFill>
+                        <a:srgbClr val="9E9E9E"/>
+                      </a:solidFill>
+                      <a:prstDash val="solid"/>
+                      <a:round/>
+                      <a:headEnd type="none" w="med" len="med"/>
+                      <a:tailEnd type="none" w="med" len="med"/>
+                    </a:lnT>
+                    <a:lnB w="9468" cap="flat" cmpd="sng" algn="ctr">
+                      <a:solidFill>
+                        <a:srgbClr val="9E9E9E"/>
+                      </a:solidFill>
+                      <a:prstDash val="solid"/>
+                      <a:round/>
+                      <a:headEnd type="none" w="med" len="med"/>
+                      <a:tailEnd type="none" w="med" len="med"/>
+                    </a:lnB>
+                  </a:tcPr>
+                </a:tc>
+                <a:extLst>
+                  <a:ext uri="{0D108BD9-81ED-4DB2-BD59-A6C34878D82A}">
+                    <a16:rowId xmlns:a16="http://schemas.microsoft.com/office/drawing/2014/main" val="491523374"/>
+                  </a:ext>
+                </a:extLst>
+              </a:tr>
+              <a:tr h="695325">
+                <a:tc>
+                  <a:txBody>
+                    <a:bodyPr/>
+                    <a:lstStyle/>
+                    <a:p>
+                      <a:pPr rtl="0" fontAlgn="t">
+                        <a:spcBef>
+                          <a:spcPts val="0"/>
+                        </a:spcBef>
+                        <a:spcAft>
+                          <a:spcPts val="0"/>
+                        </a:spcAft>
+                      </a:pPr>
+                      <a:r>
+                        <a:rPr lang="en-US" sz="1400" b="0" i="0" u="none" strike="noStrike">
+                          <a:solidFill>
+                            <a:schemeClr val="bg1"/>
+                          </a:solidFill>
+                          <a:effectLst/>
+                          <a:latin typeface="Arial" panose="020B0604020202020204" pitchFamily="34" charset="0"/>
+                        </a:rPr>
+                        <a:t>Other Expanses (Tax, Electricity, Reward for employee)</a:t>
+                      </a:r>
+                      <a:endParaRPr lang="en-US">
+                        <a:solidFill>
+                          <a:schemeClr val="bg1"/>
+                        </a:solidFill>
+                        <a:effectLst/>
+                      </a:endParaRPr>
+                    </a:p>
+                  </a:txBody>
+                  <a:tcPr marL="95250" marR="95250" marT="95250" marB="95250">
+                    <a:lnL w="9468" cap="flat" cmpd="sng" algn="ctr">
+                      <a:solidFill>
+                        <a:srgbClr val="9E9E9E"/>
+                      </a:solidFill>
+                      <a:prstDash val="solid"/>
+                      <a:round/>
+                      <a:headEnd type="none" w="med" len="med"/>
+                      <a:tailEnd type="none" w="med" len="med"/>
+                    </a:lnL>
+                    <a:lnR w="9468" cap="flat" cmpd="sng" algn="ctr">
+                      <a:solidFill>
+                        <a:srgbClr val="9E9E9E"/>
+                      </a:solidFill>
+                      <a:prstDash val="solid"/>
+                      <a:round/>
+                      <a:headEnd type="none" w="med" len="med"/>
+                      <a:tailEnd type="none" w="med" len="med"/>
+                    </a:lnR>
+                    <a:lnT w="9468" cap="flat" cmpd="sng" algn="ctr">
+                      <a:solidFill>
+                        <a:srgbClr val="9E9E9E"/>
+                      </a:solidFill>
+                      <a:prstDash val="solid"/>
+                      <a:round/>
+                      <a:headEnd type="none" w="med" len="med"/>
+                      <a:tailEnd type="none" w="med" len="med"/>
+                    </a:lnT>
+                    <a:lnB w="9468" cap="flat" cmpd="sng" algn="ctr">
+                      <a:solidFill>
+                        <a:srgbClr val="9E9E9E"/>
+                      </a:solidFill>
+                      <a:prstDash val="solid"/>
+                      <a:round/>
+                      <a:headEnd type="none" w="med" len="med"/>
+                      <a:tailEnd type="none" w="med" len="med"/>
+                    </a:lnB>
+                  </a:tcPr>
+                </a:tc>
+                <a:tc>
+                  <a:txBody>
+                    <a:bodyPr/>
+                    <a:lstStyle/>
+                    <a:p>
+                      <a:pPr rtl="0" fontAlgn="t">
+                        <a:spcBef>
+                          <a:spcPts val="0"/>
+                        </a:spcBef>
+                        <a:spcAft>
+                          <a:spcPts val="0"/>
+                        </a:spcAft>
+                      </a:pPr>
+                      <a:r>
+                        <a:rPr lang="id-ID" sz="1400" b="0" i="0" u="none" strike="noStrike">
+                          <a:solidFill>
+                            <a:schemeClr val="bg1"/>
+                          </a:solidFill>
+                          <a:effectLst/>
+                          <a:latin typeface="Arial" panose="020B0604020202020204" pitchFamily="34" charset="0"/>
+                        </a:rPr>
+                        <a:t>8,5%</a:t>
+                      </a:r>
+                      <a:endParaRPr lang="id-ID">
+                        <a:solidFill>
+                          <a:schemeClr val="bg1"/>
+                        </a:solidFill>
+                        <a:effectLst/>
+                      </a:endParaRPr>
+                    </a:p>
+                  </a:txBody>
+                  <a:tcPr marL="95250" marR="95250" marT="95250" marB="95250">
+                    <a:lnL w="9468" cap="flat" cmpd="sng" algn="ctr">
+                      <a:solidFill>
+                        <a:srgbClr val="9E9E9E"/>
+                      </a:solidFill>
+                      <a:prstDash val="solid"/>
+                      <a:round/>
+                      <a:headEnd type="none" w="med" len="med"/>
+                      <a:tailEnd type="none" w="med" len="med"/>
+                    </a:lnL>
+                    <a:lnR w="9468" cap="flat" cmpd="sng" algn="ctr">
+                      <a:solidFill>
+                        <a:srgbClr val="9E9E9E"/>
+                      </a:solidFill>
+                      <a:prstDash val="solid"/>
+                      <a:round/>
+                      <a:headEnd type="none" w="med" len="med"/>
+                      <a:tailEnd type="none" w="med" len="med"/>
+                    </a:lnR>
+                    <a:lnT w="9468" cap="flat" cmpd="sng" algn="ctr">
+                      <a:solidFill>
+                        <a:srgbClr val="9E9E9E"/>
+                      </a:solidFill>
+                      <a:prstDash val="solid"/>
+                      <a:round/>
+                      <a:headEnd type="none" w="med" len="med"/>
+                      <a:tailEnd type="none" w="med" len="med"/>
+                    </a:lnT>
+                    <a:lnB w="9468" cap="flat" cmpd="sng" algn="ctr">
+                      <a:solidFill>
+                        <a:srgbClr val="9E9E9E"/>
+                      </a:solidFill>
+                      <a:prstDash val="solid"/>
+                      <a:round/>
+                      <a:headEnd type="none" w="med" len="med"/>
+                      <a:tailEnd type="none" w="med" len="med"/>
+                    </a:lnB>
+                  </a:tcPr>
+                </a:tc>
+                <a:tc>
+                  <a:txBody>
+                    <a:bodyPr/>
+                    <a:lstStyle/>
+                    <a:p>
+                      <a:pPr rtl="0" fontAlgn="t">
+                        <a:spcBef>
+                          <a:spcPts val="0"/>
+                        </a:spcBef>
+                        <a:spcAft>
+                          <a:spcPts val="0"/>
+                        </a:spcAft>
+                      </a:pPr>
+                      <a:r>
+                        <a:rPr lang="id-ID" sz="1400" b="0" i="0" u="none" strike="noStrike" dirty="0">
+                          <a:solidFill>
+                            <a:schemeClr val="bg1"/>
+                          </a:solidFill>
+                          <a:effectLst/>
+                          <a:latin typeface="Arial" panose="020B0604020202020204" pitchFamily="34" charset="0"/>
+                        </a:rPr>
+                        <a:t>$850</a:t>
+                      </a:r>
+                      <a:endParaRPr lang="id-ID" dirty="0">
+                        <a:solidFill>
+                          <a:schemeClr val="bg1"/>
+                        </a:solidFill>
+                        <a:effectLst/>
+                      </a:endParaRPr>
+                    </a:p>
+                  </a:txBody>
+                  <a:tcPr marL="95250" marR="95250" marT="95250" marB="95250">
+                    <a:lnL w="9468" cap="flat" cmpd="sng" algn="ctr">
+                      <a:solidFill>
+                        <a:srgbClr val="9E9E9E"/>
+                      </a:solidFill>
+                      <a:prstDash val="solid"/>
+                      <a:round/>
+                      <a:headEnd type="none" w="med" len="med"/>
+                      <a:tailEnd type="none" w="med" len="med"/>
+                    </a:lnL>
+                    <a:lnR w="9468" cap="flat" cmpd="sng" algn="ctr">
+                      <a:solidFill>
+                        <a:srgbClr val="9E9E9E"/>
+                      </a:solidFill>
+                      <a:prstDash val="solid"/>
+                      <a:round/>
+                      <a:headEnd type="none" w="med" len="med"/>
+                      <a:tailEnd type="none" w="med" len="med"/>
+                    </a:lnR>
+                    <a:lnT w="9468" cap="flat" cmpd="sng" algn="ctr">
+                      <a:solidFill>
+                        <a:srgbClr val="9E9E9E"/>
+                      </a:solidFill>
+                      <a:prstDash val="solid"/>
+                      <a:round/>
+                      <a:headEnd type="none" w="med" len="med"/>
+                      <a:tailEnd type="none" w="med" len="med"/>
+                    </a:lnT>
+                    <a:lnB w="9468" cap="flat" cmpd="sng" algn="ctr">
+                      <a:solidFill>
+                        <a:srgbClr val="9E9E9E"/>
+                      </a:solidFill>
+                      <a:prstDash val="solid"/>
+                      <a:round/>
+                      <a:headEnd type="none" w="med" len="med"/>
+                      <a:tailEnd type="none" w="med" len="med"/>
+                    </a:lnB>
+                  </a:tcPr>
+                </a:tc>
+                <a:extLst>
+                  <a:ext uri="{0D108BD9-81ED-4DB2-BD59-A6C34878D82A}">
+                    <a16:rowId xmlns:a16="http://schemas.microsoft.com/office/drawing/2014/main" val="4140644502"/>
+                  </a:ext>
+                </a:extLst>
+              </a:tr>
+            </a:tbl>
+          </a:graphicData>
+        </a:graphic>
+      </p:graphicFrame>
+      <p:sp>
+        <p:nvSpPr>
+          <p:cNvPr id="4" name="Rectangle 1">
+            <a:extLst>
+              <a:ext uri="{FF2B5EF4-FFF2-40B4-BE49-F238E27FC236}">
+                <a16:creationId xmlns:a16="http://schemas.microsoft.com/office/drawing/2014/main" id="{A3FF358C-839B-4B40-916F-1B59412B5645}"/>
+              </a:ext>
+            </a:extLst>
+          </p:cNvPr>
+          <p:cNvSpPr>
+            <a:spLocks noChangeArrowheads="1"/>
+          </p:cNvSpPr>
+          <p:nvPr/>
+        </p:nvSpPr>
+        <p:spPr bwMode="auto">
+          <a:xfrm>
+            <a:off x="1596301" y="593765"/>
+            <a:ext cx="6401111" cy="553998"/>
+          </a:xfrm>
+          <a:prstGeom prst="rect">
+            <a:avLst/>
+          </a:prstGeom>
+          <a:noFill/>
+          <a:ln>
+            <a:noFill/>
+          </a:ln>
+          <a:effectLst/>
+          <a:extLst>
+            <a:ext uri="{909E8E84-426E-40DD-AFC4-6F175D3DCCD1}">
+              <a14:hiddenFill xmlns:a14="http://schemas.microsoft.com/office/drawing/2010/main">
+                <a:solidFill>
+                  <a:schemeClr val="accent1"/>
+                </a:solidFill>
+              </a14:hiddenFill>
+            </a:ext>
+            <a:ext uri="{91240B29-F687-4F45-9708-019B960494DF}">
+              <a14:hiddenLine xmlns:a14="http://schemas.microsoft.com/office/drawing/2010/main" w="9525">
+                <a:solidFill>
+                  <a:schemeClr val="tx1"/>
+                </a:solidFill>
+                <a:miter lim="800000"/>
+                <a:headEnd/>
+                <a:tailEnd/>
+              </a14:hiddenLine>
+            </a:ext>
+            <a:ext uri="{AF507438-7753-43E0-B8FC-AC1667EBCBE1}">
+              <a14:hiddenEffects xmlns:a14="http://schemas.microsoft.com/office/drawing/2010/main">
+                <a:effectLst>
+                  <a:outerShdw dist="35921" dir="2700000" algn="ctr" rotWithShape="0">
+                    <a:schemeClr val="bg2"/>
+                  </a:outerShdw>
+                </a:effectLst>
+              </a14:hiddenEffects>
+            </a:ext>
+          </a:extLst>
+        </p:spPr>
+        <p:txBody>
+          <a:bodyPr vert="horz" wrap="none" lIns="91440" tIns="45720" rIns="91440" bIns="45720" numCol="1" anchor="ctr" anchorCtr="0" compatLnSpc="1">
+            <a:prstTxWarp prst="textNoShape">
+              <a:avLst/>
+            </a:prstTxWarp>
+            <a:spAutoFit/>
+          </a:bodyPr>
+          <a:lstStyle/>
+          <a:p>
+            <a:pPr marL="0" marR="0" lvl="0" indent="0" algn="l" defTabSz="914400" rtl="0" eaLnBrk="0" fontAlgn="base" latinLnBrk="0" hangingPunct="0">
+              <a:lnSpc>
+                <a:spcPct val="100000"/>
+              </a:lnSpc>
+              <a:spcBef>
+                <a:spcPct val="0"/>
+              </a:spcBef>
+              <a:spcAft>
+                <a:spcPct val="0"/>
+              </a:spcAft>
+              <a:buClrTx/>
+              <a:buSzTx/>
+              <a:buFontTx/>
+              <a:buNone/>
+              <a:tabLst/>
+            </a:pPr>
+            <a:r>
+              <a:rPr kumimoji="0" lang="id-ID" altLang="id-ID" sz="3000" b="0" i="0" u="none" strike="noStrike" cap="none" normalizeH="0" baseline="0" dirty="0">
+                <a:ln>
+                  <a:noFill/>
+                </a:ln>
+                <a:solidFill>
+                  <a:schemeClr val="bg1"/>
+                </a:solidFill>
+                <a:effectLst/>
+                <a:latin typeface="Arial" panose="020B0604020202020204" pitchFamily="34" charset="0"/>
+                <a:ea typeface="Nunito"/>
+              </a:rPr>
+              <a:t>Budgeting - 2 - USD 10k / IDR 140m</a:t>
+            </a:r>
+            <a:endParaRPr kumimoji="0" lang="id-ID" altLang="id-ID" sz="1800" b="0" i="0" u="none" strike="noStrike" cap="none" normalizeH="0" baseline="0" dirty="0">
+              <a:ln>
+                <a:noFill/>
+              </a:ln>
+              <a:solidFill>
+                <a:schemeClr val="bg1"/>
+              </a:solidFill>
+              <a:effectLst/>
+              <a:latin typeface="Arial" panose="020B0604020202020204" pitchFamily="34" charset="0"/>
+            </a:endParaRPr>
+          </a:p>
+        </p:txBody>
+      </p:sp>
+      <p:sp>
+        <p:nvSpPr>
+          <p:cNvPr id="5" name="Rectangle 4">
+            <a:extLst>
+              <a:ext uri="{FF2B5EF4-FFF2-40B4-BE49-F238E27FC236}">
+                <a16:creationId xmlns:a16="http://schemas.microsoft.com/office/drawing/2014/main" id="{A3CC085D-5B92-4AEA-BFA7-663C9455DDEA}"/>
+              </a:ext>
+            </a:extLst>
+          </p:cNvPr>
+          <p:cNvSpPr/>
+          <p:nvPr/>
+        </p:nvSpPr>
+        <p:spPr>
+          <a:xfrm>
+            <a:off x="10249804" y="97578"/>
+            <a:ext cx="1942196" cy="679508"/>
+          </a:xfrm>
+          <a:prstGeom prst="rect">
+            <a:avLst/>
+          </a:prstGeom>
+          <a:solidFill>
+            <a:schemeClr val="tx1"/>
+          </a:solidFill>
+          <a:ln w="3175">
+            <a:noFill/>
+          </a:ln>
+          <a:effectLst/>
+        </p:spPr>
+        <p:style>
+          <a:lnRef idx="2">
+            <a:schemeClr val="accent1">
+              <a:shade val="50000"/>
+            </a:schemeClr>
+          </a:lnRef>
+          <a:fillRef idx="1">
+            <a:schemeClr val="accent1"/>
+          </a:fillRef>
+          <a:effectRef idx="0">
+            <a:schemeClr val="accent1"/>
+          </a:effectRef>
+          <a:fontRef idx="minor">
+            <a:schemeClr val="lt1"/>
+          </a:fontRef>
+        </p:style>
+        <p:txBody>
+          <a:bodyPr rot="0" spcFirstLastPara="0" vertOverflow="overflow" horzOverflow="overflow" vert="horz" wrap="square" lIns="91440" tIns="45720" rIns="91440" bIns="45720" numCol="1" spcCol="0" rtlCol="0" fromWordArt="0" anchor="ctr" anchorCtr="0" forceAA="0" compatLnSpc="1">
+            <a:prstTxWarp prst="textNoShape">
+              <a:avLst/>
+            </a:prstTxWarp>
+            <a:noAutofit/>
+          </a:bodyPr>
+          <a:lstStyle/>
+          <a:p>
+            <a:pPr algn="ctr"/>
+            <a:endParaRPr lang="id-ID"/>
+          </a:p>
+        </p:txBody>
+      </p:sp>
+      <p:pic>
+        <p:nvPicPr>
+          <p:cNvPr id="6" name="Picture 5">
+            <a:extLst>
+              <a:ext uri="{FF2B5EF4-FFF2-40B4-BE49-F238E27FC236}">
+                <a16:creationId xmlns:a16="http://schemas.microsoft.com/office/drawing/2014/main" id="{5FDB549F-2AF4-4965-B9B7-688AA4FB17E8}"/>
+              </a:ext>
+            </a:extLst>
+          </p:cNvPr>
+          <p:cNvPicPr>
+            <a:picLocks noChangeAspect="1"/>
+          </p:cNvPicPr>
+          <p:nvPr/>
+        </p:nvPicPr>
+        <p:blipFill>
+          <a:blip r:embed="rId2"/>
+          <a:stretch>
+            <a:fillRect/>
+          </a:stretch>
+        </p:blipFill>
+        <p:spPr>
+          <a:xfrm>
+            <a:off x="10420549" y="305551"/>
+            <a:ext cx="1667818" cy="390775"/>
+          </a:xfrm>
+          <a:prstGeom prst="rect">
+            <a:avLst/>
+          </a:prstGeom>
+        </p:spPr>
+      </p:pic>
+    </p:spTree>
+    <p:extLst>
+      <p:ext uri="{BB962C8B-B14F-4D97-AF65-F5344CB8AC3E}">
+        <p14:creationId xmlns:p14="http://schemas.microsoft.com/office/powerpoint/2010/main" val="1281506570"/>
+      </p:ext>
+    </p:extLst>
+  </p:cSld>
+  <p:clrMapOvr>
+    <a:masterClrMapping/>
+  </p:clrMapOvr>
+</p:sld>
+</file>
+
+<file path=ppt/slides/slide17.xml><?xml version="1.0" encoding="utf-8"?>
 <p:sld xmlns:a="http://schemas.openxmlformats.org/drawingml/2006/main" xmlns:r="http://schemas.openxmlformats.org/officeDocument/2006/relationships" xmlns:p="http://schemas.openxmlformats.org/presentationml/2006/main">
   <p:cSld>
     <p:spTree>
@@ -22179,7 +30699,7 @@
         </p:blipFill>
         <p:spPr>
           <a:xfrm>
-            <a:off x="10408461" y="104175"/>
+            <a:off x="10378773" y="294341"/>
             <a:ext cx="1667818" cy="390775"/>
           </a:xfrm>
           <a:prstGeom prst="rect">
@@ -23410,7 +31930,7 @@
         </p:blipFill>
         <p:spPr>
           <a:xfrm>
-            <a:off x="10408461" y="104175"/>
+            <a:off x="10378773" y="303159"/>
             <a:ext cx="1667818" cy="390775"/>
           </a:xfrm>
           <a:prstGeom prst="rect">
@@ -24178,7 +32698,7 @@
         </p:blipFill>
         <p:spPr>
           <a:xfrm>
-            <a:off x="10408461" y="104175"/>
+            <a:off x="10378773" y="296522"/>
             <a:ext cx="1667818" cy="390775"/>
           </a:xfrm>
           <a:prstGeom prst="rect">
@@ -25008,7 +33528,7 @@
         </p:blipFill>
         <p:spPr>
           <a:xfrm>
-            <a:off x="10408461" y="104175"/>
+            <a:off x="10378773" y="281161"/>
             <a:ext cx="1667818" cy="390775"/>
           </a:xfrm>
           <a:prstGeom prst="rect">
@@ -25250,7 +33770,7 @@
         </p:blipFill>
         <p:spPr>
           <a:xfrm>
-            <a:off x="10408461" y="104175"/>
+            <a:off x="10378773" y="272767"/>
             <a:ext cx="1667818" cy="390775"/>
           </a:xfrm>
           <a:prstGeom prst="rect">
@@ -25521,7 +34041,7 @@
         </p:blipFill>
         <p:spPr>
           <a:xfrm>
-            <a:off x="10408461" y="104175"/>
+            <a:off x="10378773" y="272767"/>
             <a:ext cx="1667818" cy="390775"/>
           </a:xfrm>
           <a:prstGeom prst="rect">
@@ -25796,7 +34316,7 @@
         </p:blipFill>
         <p:spPr>
           <a:xfrm>
-            <a:off x="10408461" y="104175"/>
+            <a:off x="10378773" y="272767"/>
             <a:ext cx="1667818" cy="390775"/>
           </a:xfrm>
           <a:prstGeom prst="rect">
@@ -26085,7 +34605,7 @@
         </p:blipFill>
         <p:spPr>
           <a:xfrm>
-            <a:off x="10408461" y="104175"/>
+            <a:off x="10378773" y="295337"/>
             <a:ext cx="1667818" cy="390775"/>
           </a:xfrm>
           <a:prstGeom prst="rect">

--- a/laporan/Sign Language App Project Presentation.pptx
+++ b/laporan/Sign Language App Project Presentation.pptx
@@ -14,7 +14,7 @@
     <p:sldId id="286" r:id="rId2"/>
     <p:sldId id="292" r:id="rId3"/>
     <p:sldId id="290" r:id="rId4"/>
-    <p:sldId id="289" r:id="rId5"/>
+    <p:sldId id="307" r:id="rId5"/>
     <p:sldId id="299" r:id="rId6"/>
     <p:sldId id="293" r:id="rId7"/>
     <p:sldId id="294" r:id="rId8"/>
@@ -237,7 +237,7 @@
           <a:p>
             <a:fld id="{EF1077DB-935E-4A0A-947A-D283B9F9F452}" type="datetimeFigureOut">
               <a:rPr lang="en-US" smtClean="0"/>
-              <a:t>6/5/2021</a:t>
+              <a:t>6/8/2021</a:t>
             </a:fld>
             <a:endParaRPr lang="en-US"/>
           </a:p>
@@ -414,7 +414,7 @@
           <a:p>
             <a:fld id="{19EDBDA2-4480-4D82-8886-1B64A7ECBBAC}" type="datetimeFigureOut">
               <a:rPr lang="en-US" noProof="0" smtClean="0"/>
-              <a:t>6/5/2021</a:t>
+              <a:t>6/8/2021</a:t>
             </a:fld>
             <a:endParaRPr lang="en-US" noProof="0" dirty="0"/>
           </a:p>
@@ -828,11 +828,71 @@
           <a:bodyPr/>
           <a:lstStyle/>
           <a:p>
+            <a:pPr marL="0" marR="0" lvl="0" indent="0" algn="r" defTabSz="914400" rtl="0" eaLnBrk="1" fontAlgn="auto" latinLnBrk="0" hangingPunct="1">
+              <a:lnSpc>
+                <a:spcPct val="100000"/>
+              </a:lnSpc>
+              <a:spcBef>
+                <a:spcPts val="0"/>
+              </a:spcBef>
+              <a:spcAft>
+                <a:spcPts val="0"/>
+              </a:spcAft>
+              <a:buClrTx/>
+              <a:buSzTx/>
+              <a:buFontTx/>
+              <a:buNone/>
+              <a:tabLst/>
+              <a:defRPr/>
+            </a:pPr>
             <a:fld id="{EFDDBACE-0F8F-43FD-98F0-DEE13552DADA}" type="slidenum">
-              <a:rPr lang="en-US" noProof="0" smtClean="0"/>
+              <a:rPr kumimoji="0" lang="en-US" sz="1200" b="0" i="0" u="none" strike="noStrike" kern="1200" cap="none" spc="0" normalizeH="0" baseline="0" noProof="0" smtClean="0">
+                <a:ln>
+                  <a:noFill/>
+                </a:ln>
+                <a:solidFill>
+                  <a:prstClr val="black"/>
+                </a:solidFill>
+                <a:effectLst/>
+                <a:uLnTx/>
+                <a:uFillTx/>
+                <a:latin typeface="Calibri" panose="020F0502020204030204"/>
+                <a:ea typeface="+mn-ea"/>
+                <a:cs typeface="+mn-cs"/>
+              </a:rPr>
+              <a:pPr marL="0" marR="0" lvl="0" indent="0" algn="r" defTabSz="914400" rtl="0" eaLnBrk="1" fontAlgn="auto" latinLnBrk="0" hangingPunct="1">
+                <a:lnSpc>
+                  <a:spcPct val="100000"/>
+                </a:lnSpc>
+                <a:spcBef>
+                  <a:spcPts val="0"/>
+                </a:spcBef>
+                <a:spcAft>
+                  <a:spcPts val="0"/>
+                </a:spcAft>
+                <a:buClrTx/>
+                <a:buSzTx/>
+                <a:buFontTx/>
+                <a:buNone/>
+                <a:tabLst/>
+                <a:defRPr/>
+              </a:pPr>
               <a:t>4</a:t>
             </a:fld>
-            <a:endParaRPr lang="en-US" noProof="0" dirty="0"/>
+            <a:endParaRPr kumimoji="0" lang="en-US" sz="1200" b="0" i="0" u="none" strike="noStrike" kern="1200" cap="none" spc="0" normalizeH="0" baseline="0" noProof="0" dirty="0">
+              <a:ln>
+                <a:noFill/>
+              </a:ln>
+              <a:solidFill>
+                <a:prstClr val="black"/>
+              </a:solidFill>
+              <a:effectLst/>
+              <a:uLnTx/>
+              <a:uFillTx/>
+              <a:latin typeface="Calibri" panose="020F0502020204030204"/>
+              <a:ea typeface="+mn-ea"/>
+              <a:cs typeface="+mn-cs"/>
+            </a:endParaRPr>
           </a:p>
         </p:txBody>
       </p:sp>
@@ -31968,588 +32028,6 @@
           <a:chExt cx="0" cy="0"/>
         </a:xfrm>
       </p:grpSpPr>
-      <p:grpSp>
-        <p:nvGrpSpPr>
-          <p:cNvPr id="31" name="Group 30">
-            <a:extLst>
-              <a:ext uri="{FF2B5EF4-FFF2-40B4-BE49-F238E27FC236}">
-                <a16:creationId xmlns:a16="http://schemas.microsoft.com/office/drawing/2014/main" id="{A899F6F6-5846-4520-8EA6-DE53C5F0C74D}"/>
-              </a:ext>
-              <a:ext uri="{C183D7F6-B498-43B3-948B-1728B52AA6E4}">
-                <adec:decorative xmlns:adec="http://schemas.microsoft.com/office/drawing/2017/decorative" val="1"/>
-              </a:ext>
-            </a:extLst>
-          </p:cNvPr>
-          <p:cNvGrpSpPr/>
-          <p:nvPr/>
-        </p:nvGrpSpPr>
-        <p:grpSpPr>
-          <a:xfrm>
-            <a:off x="7699827" y="846814"/>
-            <a:ext cx="4025781" cy="2720745"/>
-            <a:chOff x="7699827" y="846814"/>
-            <a:chExt cx="4025781" cy="2720745"/>
-          </a:xfrm>
-        </p:grpSpPr>
-        <p:sp>
-          <p:nvSpPr>
-            <p:cNvPr id="16" name="Oval 15">
-              <a:extLst>
-                <a:ext uri="{FF2B5EF4-FFF2-40B4-BE49-F238E27FC236}">
-                  <a16:creationId xmlns:a16="http://schemas.microsoft.com/office/drawing/2014/main" id="{A52A5BC6-0335-4C37-95CC-316A81DB1506}"/>
-                </a:ext>
-              </a:extLst>
-            </p:cNvPr>
-            <p:cNvSpPr/>
-            <p:nvPr/>
-          </p:nvSpPr>
-          <p:spPr>
-            <a:xfrm>
-              <a:off x="8182897" y="1713921"/>
-              <a:ext cx="1022532" cy="1022532"/>
-            </a:xfrm>
-            <a:prstGeom prst="ellipse">
-              <a:avLst/>
-            </a:prstGeom>
-            <a:noFill/>
-            <a:ln w="3175">
-              <a:solidFill>
-                <a:schemeClr val="bg1"/>
-              </a:solidFill>
-            </a:ln>
-            <a:effectLst>
-              <a:glow rad="165100">
-                <a:schemeClr val="bg1">
-                  <a:alpha val="9000"/>
-                </a:schemeClr>
-              </a:glow>
-            </a:effectLst>
-          </p:spPr>
-          <p:style>
-            <a:lnRef idx="2">
-              <a:schemeClr val="accent1">
-                <a:shade val="50000"/>
-              </a:schemeClr>
-            </a:lnRef>
-            <a:fillRef idx="1">
-              <a:schemeClr val="accent1"/>
-            </a:fillRef>
-            <a:effectRef idx="0">
-              <a:schemeClr val="accent1"/>
-            </a:effectRef>
-            <a:fontRef idx="minor">
-              <a:schemeClr val="lt1"/>
-            </a:fontRef>
-          </p:style>
-          <p:txBody>
-            <a:bodyPr rot="0" spcFirstLastPara="0" vertOverflow="overflow" horzOverflow="overflow" vert="horz" wrap="square" lIns="91440" tIns="45720" rIns="91440" bIns="45720" numCol="1" spcCol="0" rtlCol="0" fromWordArt="0" anchor="ctr" anchorCtr="0" forceAA="0" compatLnSpc="1">
-              <a:prstTxWarp prst="textNoShape">
-                <a:avLst/>
-              </a:prstTxWarp>
-              <a:noAutofit/>
-            </a:bodyPr>
-            <a:lstStyle/>
-            <a:p>
-              <a:pPr algn="ctr"/>
-              <a:endParaRPr lang="en-US" dirty="0"/>
-            </a:p>
-          </p:txBody>
-        </p:sp>
-        <p:sp>
-          <p:nvSpPr>
-            <p:cNvPr id="17" name="Oval 16">
-              <a:extLst>
-                <a:ext uri="{FF2B5EF4-FFF2-40B4-BE49-F238E27FC236}">
-                  <a16:creationId xmlns:a16="http://schemas.microsoft.com/office/drawing/2014/main" id="{752F453A-57F5-4901-A8A9-F1625EA46C5E}"/>
-                </a:ext>
-              </a:extLst>
-            </p:cNvPr>
-            <p:cNvSpPr/>
-            <p:nvPr/>
-          </p:nvSpPr>
-          <p:spPr>
-            <a:xfrm>
-              <a:off x="11201630" y="2022136"/>
-              <a:ext cx="399819" cy="406102"/>
-            </a:xfrm>
-            <a:prstGeom prst="ellipse">
-              <a:avLst/>
-            </a:prstGeom>
-            <a:noFill/>
-            <a:ln w="3175">
-              <a:solidFill>
-                <a:schemeClr val="bg1"/>
-              </a:solidFill>
-            </a:ln>
-            <a:effectLst>
-              <a:glow rad="114300">
-                <a:schemeClr val="bg1">
-                  <a:alpha val="15000"/>
-                </a:schemeClr>
-              </a:glow>
-            </a:effectLst>
-          </p:spPr>
-          <p:style>
-            <a:lnRef idx="2">
-              <a:schemeClr val="accent1">
-                <a:shade val="50000"/>
-              </a:schemeClr>
-            </a:lnRef>
-            <a:fillRef idx="1">
-              <a:schemeClr val="accent1"/>
-            </a:fillRef>
-            <a:effectRef idx="0">
-              <a:schemeClr val="accent1"/>
-            </a:effectRef>
-            <a:fontRef idx="minor">
-              <a:schemeClr val="lt1"/>
-            </a:fontRef>
-          </p:style>
-          <p:txBody>
-            <a:bodyPr rot="0" spcFirstLastPara="0" vertOverflow="overflow" horzOverflow="overflow" vert="horz" wrap="square" lIns="91440" tIns="45720" rIns="91440" bIns="45720" numCol="1" spcCol="0" rtlCol="0" fromWordArt="0" anchor="ctr" anchorCtr="0" forceAA="0" compatLnSpc="1">
-              <a:prstTxWarp prst="textNoShape">
-                <a:avLst/>
-              </a:prstTxWarp>
-              <a:noAutofit/>
-            </a:bodyPr>
-            <a:lstStyle/>
-            <a:p>
-              <a:pPr algn="ctr"/>
-              <a:endParaRPr lang="en-US" dirty="0"/>
-            </a:p>
-          </p:txBody>
-        </p:sp>
-        <p:sp>
-          <p:nvSpPr>
-            <p:cNvPr id="18" name="Oval 17">
-              <a:extLst>
-                <a:ext uri="{FF2B5EF4-FFF2-40B4-BE49-F238E27FC236}">
-                  <a16:creationId xmlns:a16="http://schemas.microsoft.com/office/drawing/2014/main" id="{9D39D4C1-97D9-4F9B-8ABC-9865E6AC0568}"/>
-                </a:ext>
-              </a:extLst>
-            </p:cNvPr>
-            <p:cNvSpPr/>
-            <p:nvPr/>
-          </p:nvSpPr>
-          <p:spPr>
-            <a:xfrm>
-              <a:off x="9754515" y="2186345"/>
-              <a:ext cx="77685" cy="77685"/>
-            </a:xfrm>
-            <a:prstGeom prst="ellipse">
-              <a:avLst/>
-            </a:prstGeom>
-            <a:gradFill flip="none" rotWithShape="1">
-              <a:gsLst>
-                <a:gs pos="0">
-                  <a:srgbClr val="FFFFFF"/>
-                </a:gs>
-                <a:gs pos="70000">
-                  <a:schemeClr val="accent2">
-                    <a:lumMod val="20000"/>
-                    <a:lumOff val="80000"/>
-                  </a:schemeClr>
-                </a:gs>
-                <a:gs pos="65000">
-                  <a:srgbClr val="F7FFFF"/>
-                </a:gs>
-              </a:gsLst>
-              <a:path path="circle">
-                <a:fillToRect l="50000" t="50000" r="50000" b="50000"/>
-              </a:path>
-              <a:tileRect/>
-            </a:gradFill>
-            <a:ln>
-              <a:noFill/>
-            </a:ln>
-            <a:effectLst>
-              <a:glow rad="165100">
-                <a:schemeClr val="accent2">
-                  <a:satMod val="175000"/>
-                  <a:alpha val="40000"/>
-                </a:schemeClr>
-              </a:glow>
-            </a:effectLst>
-          </p:spPr>
-          <p:style>
-            <a:lnRef idx="2">
-              <a:schemeClr val="accent1">
-                <a:shade val="50000"/>
-              </a:schemeClr>
-            </a:lnRef>
-            <a:fillRef idx="1">
-              <a:schemeClr val="accent1"/>
-            </a:fillRef>
-            <a:effectRef idx="0">
-              <a:schemeClr val="accent1"/>
-            </a:effectRef>
-            <a:fontRef idx="minor">
-              <a:schemeClr val="lt1"/>
-            </a:fontRef>
-          </p:style>
-          <p:txBody>
-            <a:bodyPr rtlCol="0" anchor="ctr"/>
-            <a:lstStyle/>
-            <a:p>
-              <a:pPr algn="ctr"/>
-              <a:endParaRPr lang="en-US" dirty="0"/>
-            </a:p>
-          </p:txBody>
-        </p:sp>
-        <p:sp>
-          <p:nvSpPr>
-            <p:cNvPr id="19" name="Oval 18">
-              <a:extLst>
-                <a:ext uri="{FF2B5EF4-FFF2-40B4-BE49-F238E27FC236}">
-                  <a16:creationId xmlns:a16="http://schemas.microsoft.com/office/drawing/2014/main" id="{D7B2ABD9-2D46-41E8-A98C-92B3AD82825E}"/>
-                </a:ext>
-              </a:extLst>
-            </p:cNvPr>
-            <p:cNvSpPr/>
-            <p:nvPr/>
-          </p:nvSpPr>
-          <p:spPr>
-            <a:xfrm>
-              <a:off x="8676163" y="846814"/>
-              <a:ext cx="2678654" cy="2720745"/>
-            </a:xfrm>
-            <a:prstGeom prst="ellipse">
-              <a:avLst/>
-            </a:prstGeom>
-            <a:noFill/>
-            <a:ln w="111125">
-              <a:solidFill>
-                <a:schemeClr val="bg1">
-                  <a:alpha val="6000"/>
-                </a:schemeClr>
-              </a:solidFill>
-            </a:ln>
-            <a:effectLst/>
-          </p:spPr>
-          <p:style>
-            <a:lnRef idx="2">
-              <a:schemeClr val="accent1">
-                <a:shade val="50000"/>
-              </a:schemeClr>
-            </a:lnRef>
-            <a:fillRef idx="1">
-              <a:schemeClr val="accent1"/>
-            </a:fillRef>
-            <a:effectRef idx="0">
-              <a:schemeClr val="accent1"/>
-            </a:effectRef>
-            <a:fontRef idx="minor">
-              <a:schemeClr val="lt1"/>
-            </a:fontRef>
-          </p:style>
-          <p:txBody>
-            <a:bodyPr rot="0" spcFirstLastPara="0" vertOverflow="overflow" horzOverflow="overflow" vert="horz" wrap="square" lIns="91440" tIns="45720" rIns="91440" bIns="45720" numCol="1" spcCol="0" rtlCol="0" fromWordArt="0" anchor="ctr" anchorCtr="0" forceAA="0" compatLnSpc="1">
-              <a:prstTxWarp prst="textNoShape">
-                <a:avLst/>
-              </a:prstTxWarp>
-              <a:noAutofit/>
-            </a:bodyPr>
-            <a:lstStyle/>
-            <a:p>
-              <a:pPr algn="ctr"/>
-              <a:endParaRPr lang="en-US" dirty="0"/>
-            </a:p>
-          </p:txBody>
-        </p:sp>
-        <p:cxnSp>
-          <p:nvCxnSpPr>
-            <p:cNvPr id="20" name="Straight Connector 19">
-              <a:extLst>
-                <a:ext uri="{FF2B5EF4-FFF2-40B4-BE49-F238E27FC236}">
-                  <a16:creationId xmlns:a16="http://schemas.microsoft.com/office/drawing/2014/main" id="{C05530FC-EFC1-4DB0-AA9C-798C7CB96D95}"/>
-                </a:ext>
-              </a:extLst>
-            </p:cNvPr>
-            <p:cNvCxnSpPr>
-              <a:cxnSpLocks/>
-            </p:cNvCxnSpPr>
-            <p:nvPr/>
-          </p:nvCxnSpPr>
-          <p:spPr>
-            <a:xfrm>
-              <a:off x="7699827" y="2225187"/>
-              <a:ext cx="4025781" cy="0"/>
-            </a:xfrm>
-            <a:prstGeom prst="line">
-              <a:avLst/>
-            </a:prstGeom>
-            <a:ln>
-              <a:solidFill>
-                <a:schemeClr val="bg2">
-                  <a:alpha val="30000"/>
-                </a:schemeClr>
-              </a:solidFill>
-            </a:ln>
-          </p:spPr>
-          <p:style>
-            <a:lnRef idx="1">
-              <a:schemeClr val="accent1"/>
-            </a:lnRef>
-            <a:fillRef idx="0">
-              <a:schemeClr val="accent1"/>
-            </a:fillRef>
-            <a:effectRef idx="0">
-              <a:schemeClr val="accent1"/>
-            </a:effectRef>
-            <a:fontRef idx="minor">
-              <a:schemeClr val="tx1"/>
-            </a:fontRef>
-          </p:style>
-        </p:cxnSp>
-        <p:sp>
-          <p:nvSpPr>
-            <p:cNvPr id="21" name="Oval 20">
-              <a:extLst>
-                <a:ext uri="{FF2B5EF4-FFF2-40B4-BE49-F238E27FC236}">
-                  <a16:creationId xmlns:a16="http://schemas.microsoft.com/office/drawing/2014/main" id="{3ADCB067-D886-41C5-A83B-3EA98E194C6D}"/>
-                </a:ext>
-              </a:extLst>
-            </p:cNvPr>
-            <p:cNvSpPr/>
-            <p:nvPr/>
-          </p:nvSpPr>
-          <p:spPr>
-            <a:xfrm>
-              <a:off x="8676163" y="2207187"/>
-              <a:ext cx="36000" cy="36000"/>
-            </a:xfrm>
-            <a:prstGeom prst="ellipse">
-              <a:avLst/>
-            </a:prstGeom>
-            <a:gradFill flip="none" rotWithShape="1">
-              <a:gsLst>
-                <a:gs pos="0">
-                  <a:srgbClr val="FFFFFF"/>
-                </a:gs>
-                <a:gs pos="70000">
-                  <a:schemeClr val="accent2">
-                    <a:lumMod val="20000"/>
-                    <a:lumOff val="80000"/>
-                  </a:schemeClr>
-                </a:gs>
-                <a:gs pos="65000">
-                  <a:srgbClr val="F7FFFF"/>
-                </a:gs>
-              </a:gsLst>
-              <a:path path="circle">
-                <a:fillToRect l="50000" t="50000" r="50000" b="50000"/>
-              </a:path>
-              <a:tileRect/>
-            </a:gradFill>
-            <a:ln>
-              <a:noFill/>
-            </a:ln>
-            <a:effectLst>
-              <a:glow rad="165100">
-                <a:schemeClr val="accent2">
-                  <a:satMod val="175000"/>
-                  <a:alpha val="40000"/>
-                </a:schemeClr>
-              </a:glow>
-            </a:effectLst>
-          </p:spPr>
-          <p:style>
-            <a:lnRef idx="2">
-              <a:schemeClr val="accent1">
-                <a:shade val="50000"/>
-              </a:schemeClr>
-            </a:lnRef>
-            <a:fillRef idx="1">
-              <a:schemeClr val="accent1"/>
-            </a:fillRef>
-            <a:effectRef idx="0">
-              <a:schemeClr val="accent1"/>
-            </a:effectRef>
-            <a:fontRef idx="minor">
-              <a:schemeClr val="lt1"/>
-            </a:fontRef>
-          </p:style>
-          <p:txBody>
-            <a:bodyPr rtlCol="0" anchor="ctr"/>
-            <a:lstStyle/>
-            <a:p>
-              <a:pPr algn="ctr"/>
-              <a:endParaRPr lang="en-US" dirty="0"/>
-            </a:p>
-          </p:txBody>
-        </p:sp>
-        <p:sp>
-          <p:nvSpPr>
-            <p:cNvPr id="22" name="Oval 21">
-              <a:extLst>
-                <a:ext uri="{FF2B5EF4-FFF2-40B4-BE49-F238E27FC236}">
-                  <a16:creationId xmlns:a16="http://schemas.microsoft.com/office/drawing/2014/main" id="{4EC7057A-03E0-4875-BBFC-A48287F17198}"/>
-                </a:ext>
-              </a:extLst>
-            </p:cNvPr>
-            <p:cNvSpPr/>
-            <p:nvPr/>
-          </p:nvSpPr>
-          <p:spPr>
-            <a:xfrm>
-              <a:off x="8837524" y="2905351"/>
-              <a:ext cx="248256" cy="252158"/>
-            </a:xfrm>
-            <a:prstGeom prst="ellipse">
-              <a:avLst/>
-            </a:prstGeom>
-            <a:noFill/>
-            <a:ln w="3175">
-              <a:solidFill>
-                <a:schemeClr val="tx1">
-                  <a:lumMod val="50000"/>
-                  <a:lumOff val="50000"/>
-                </a:schemeClr>
-              </a:solidFill>
-              <a:prstDash val="sysDash"/>
-            </a:ln>
-            <a:effectLst/>
-          </p:spPr>
-          <p:style>
-            <a:lnRef idx="2">
-              <a:schemeClr val="accent1">
-                <a:shade val="50000"/>
-              </a:schemeClr>
-            </a:lnRef>
-            <a:fillRef idx="1">
-              <a:schemeClr val="accent1"/>
-            </a:fillRef>
-            <a:effectRef idx="0">
-              <a:schemeClr val="accent1"/>
-            </a:effectRef>
-            <a:fontRef idx="minor">
-              <a:schemeClr val="lt1"/>
-            </a:fontRef>
-          </p:style>
-          <p:txBody>
-            <a:bodyPr rot="0" spcFirstLastPara="0" vertOverflow="overflow" horzOverflow="overflow" vert="horz" wrap="square" lIns="91440" tIns="45720" rIns="91440" bIns="45720" numCol="1" spcCol="0" rtlCol="0" fromWordArt="0" anchor="ctr" anchorCtr="0" forceAA="0" compatLnSpc="1">
-              <a:prstTxWarp prst="textNoShape">
-                <a:avLst/>
-              </a:prstTxWarp>
-              <a:noAutofit/>
-            </a:bodyPr>
-            <a:lstStyle/>
-            <a:p>
-              <a:pPr algn="ctr"/>
-              <a:endParaRPr lang="en-US" dirty="0"/>
-            </a:p>
-          </p:txBody>
-        </p:sp>
-        <p:sp>
-          <p:nvSpPr>
-            <p:cNvPr id="23" name="Oval 22">
-              <a:extLst>
-                <a:ext uri="{FF2B5EF4-FFF2-40B4-BE49-F238E27FC236}">
-                  <a16:creationId xmlns:a16="http://schemas.microsoft.com/office/drawing/2014/main" id="{81800EBC-271F-4F7A-B2FD-DB4DDA95DE3E}"/>
-                </a:ext>
-              </a:extLst>
-            </p:cNvPr>
-            <p:cNvSpPr/>
-            <p:nvPr/>
-          </p:nvSpPr>
-          <p:spPr>
-            <a:xfrm>
-              <a:off x="7886691" y="2146902"/>
-              <a:ext cx="154147" cy="156570"/>
-            </a:xfrm>
-            <a:prstGeom prst="ellipse">
-              <a:avLst/>
-            </a:prstGeom>
-            <a:noFill/>
-            <a:ln w="3175">
-              <a:solidFill>
-                <a:schemeClr val="bg1"/>
-              </a:solidFill>
-            </a:ln>
-            <a:effectLst>
-              <a:glow rad="114300">
-                <a:schemeClr val="bg1">
-                  <a:alpha val="15000"/>
-                </a:schemeClr>
-              </a:glow>
-            </a:effectLst>
-          </p:spPr>
-          <p:style>
-            <a:lnRef idx="2">
-              <a:schemeClr val="accent1">
-                <a:shade val="50000"/>
-              </a:schemeClr>
-            </a:lnRef>
-            <a:fillRef idx="1">
-              <a:schemeClr val="accent1"/>
-            </a:fillRef>
-            <a:effectRef idx="0">
-              <a:schemeClr val="accent1"/>
-            </a:effectRef>
-            <a:fontRef idx="minor">
-              <a:schemeClr val="lt1"/>
-            </a:fontRef>
-          </p:style>
-          <p:txBody>
-            <a:bodyPr rot="0" spcFirstLastPara="0" vertOverflow="overflow" horzOverflow="overflow" vert="horz" wrap="square" lIns="91440" tIns="45720" rIns="91440" bIns="45720" numCol="1" spcCol="0" rtlCol="0" fromWordArt="0" anchor="ctr" anchorCtr="0" forceAA="0" compatLnSpc="1">
-              <a:prstTxWarp prst="textNoShape">
-                <a:avLst/>
-              </a:prstTxWarp>
-              <a:noAutofit/>
-            </a:bodyPr>
-            <a:lstStyle/>
-            <a:p>
-              <a:pPr algn="ctr"/>
-              <a:endParaRPr lang="en-US" dirty="0"/>
-            </a:p>
-          </p:txBody>
-        </p:sp>
-        <p:cxnSp>
-          <p:nvCxnSpPr>
-            <p:cNvPr id="24" name="Straight Connector 23">
-              <a:extLst>
-                <a:ext uri="{FF2B5EF4-FFF2-40B4-BE49-F238E27FC236}">
-                  <a16:creationId xmlns:a16="http://schemas.microsoft.com/office/drawing/2014/main" id="{AF2B326A-0599-4ECB-9889-DBFEDED3710F}"/>
-                </a:ext>
-              </a:extLst>
-            </p:cNvPr>
-            <p:cNvCxnSpPr>
-              <a:cxnSpLocks/>
-            </p:cNvCxnSpPr>
-            <p:nvPr/>
-          </p:nvCxnSpPr>
-          <p:spPr>
-            <a:xfrm flipV="1">
-              <a:off x="8513160" y="2225010"/>
-              <a:ext cx="1269930" cy="1269930"/>
-            </a:xfrm>
-            <a:prstGeom prst="line">
-              <a:avLst/>
-            </a:prstGeom>
-            <a:ln>
-              <a:solidFill>
-                <a:schemeClr val="bg2">
-                  <a:alpha val="30000"/>
-                </a:schemeClr>
-              </a:solidFill>
-            </a:ln>
-          </p:spPr>
-          <p:style>
-            <a:lnRef idx="1">
-              <a:schemeClr val="accent1"/>
-            </a:lnRef>
-            <a:fillRef idx="0">
-              <a:schemeClr val="accent1"/>
-            </a:fillRef>
-            <a:effectRef idx="0">
-              <a:schemeClr val="accent1"/>
-            </a:effectRef>
-            <a:fontRef idx="minor">
-              <a:schemeClr val="tx1"/>
-            </a:fontRef>
-          </p:style>
-        </p:cxnSp>
-      </p:grpSp>
       <p:sp>
         <p:nvSpPr>
           <p:cNvPr id="3" name="Title 2">
@@ -32568,7 +32046,7 @@
         </p:nvSpPr>
         <p:spPr>
           <a:xfrm>
-            <a:off x="8126943" y="3671755"/>
+            <a:off x="248440" y="428138"/>
             <a:ext cx="3843534" cy="1022517"/>
           </a:xfrm>
         </p:spPr>
@@ -32605,16 +32083,88 @@
           <a:bodyPr/>
           <a:lstStyle/>
           <a:p>
-            <a:r>
-              <a:rPr lang="en-US" dirty="0"/>
+            <a:pPr marL="0" marR="0" lvl="0" indent="0" algn="r" defTabSz="914400" rtl="0" eaLnBrk="1" fontAlgn="auto" latinLnBrk="0" hangingPunct="1">
+              <a:lnSpc>
+                <a:spcPct val="100000"/>
+              </a:lnSpc>
+              <a:spcBef>
+                <a:spcPts val="0"/>
+              </a:spcBef>
+              <a:spcAft>
+                <a:spcPts val="0"/>
+              </a:spcAft>
+              <a:buClrTx/>
+              <a:buSzTx/>
+              <a:buFontTx/>
+              <a:buNone/>
+              <a:tabLst/>
+              <a:defRPr/>
+            </a:pPr>
+            <a:r>
+              <a:rPr kumimoji="0" lang="en-US" sz="900" b="0" i="0" u="none" strike="noStrike" kern="1200" cap="none" spc="0" normalizeH="0" baseline="0" noProof="0" dirty="0">
+                <a:ln>
+                  <a:noFill/>
+                </a:ln>
+                <a:solidFill>
+                  <a:prstClr val="white"/>
+                </a:solidFill>
+                <a:effectLst/>
+                <a:uLnTx/>
+                <a:uFillTx/>
+                <a:latin typeface="Corbel" panose="020B0503020204020204"/>
+                <a:ea typeface="+mn-ea"/>
+                <a:cs typeface="+mn-cs"/>
+              </a:rPr>
               <a:t>page </a:t>
             </a:r>
             <a:fld id="{19B51A1E-902D-48AF-9020-955120F399B6}" type="slidenum">
-              <a:rPr lang="en-US" smtClean="0"/>
-              <a:pPr/>
+              <a:rPr kumimoji="0" lang="en-US" sz="900" b="0" i="0" u="none" strike="noStrike" kern="1200" cap="none" spc="0" normalizeH="0" baseline="0" noProof="0" smtClean="0">
+                <a:ln>
+                  <a:noFill/>
+                </a:ln>
+                <a:solidFill>
+                  <a:prstClr val="white"/>
+                </a:solidFill>
+                <a:effectLst/>
+                <a:uLnTx/>
+                <a:uFillTx/>
+                <a:latin typeface="Corbel" panose="020B0503020204020204"/>
+                <a:ea typeface="+mn-ea"/>
+                <a:cs typeface="+mn-cs"/>
+              </a:rPr>
+              <a:pPr marL="0" marR="0" lvl="0" indent="0" algn="r" defTabSz="914400" rtl="0" eaLnBrk="1" fontAlgn="auto" latinLnBrk="0" hangingPunct="1">
+                <a:lnSpc>
+                  <a:spcPct val="100000"/>
+                </a:lnSpc>
+                <a:spcBef>
+                  <a:spcPts val="0"/>
+                </a:spcBef>
+                <a:spcAft>
+                  <a:spcPts val="0"/>
+                </a:spcAft>
+                <a:buClrTx/>
+                <a:buSzTx/>
+                <a:buFontTx/>
+                <a:buNone/>
+                <a:tabLst/>
+                <a:defRPr/>
+              </a:pPr>
               <a:t>4</a:t>
             </a:fld>
-            <a:endParaRPr lang="en-US" dirty="0"/>
+            <a:endParaRPr kumimoji="0" lang="en-US" sz="900" b="0" i="0" u="none" strike="noStrike" kern="1200" cap="none" spc="0" normalizeH="0" baseline="0" noProof="0" dirty="0">
+              <a:ln>
+                <a:noFill/>
+              </a:ln>
+              <a:solidFill>
+                <a:prstClr val="white"/>
+              </a:solidFill>
+              <a:effectLst/>
+              <a:uLnTx/>
+              <a:uFillTx/>
+              <a:latin typeface="Corbel" panose="020B0503020204020204"/>
+              <a:ea typeface="+mn-ea"/>
+              <a:cs typeface="+mn-cs"/>
+            </a:endParaRPr>
           </a:p>
         </p:txBody>
       </p:sp>
@@ -32671,8 +32221,37 @@
           </a:bodyPr>
           <a:lstStyle/>
           <a:p>
-            <a:pPr algn="ctr"/>
-            <a:endParaRPr lang="id-ID"/>
+            <a:pPr marL="0" marR="0" lvl="0" indent="0" algn="ctr" defTabSz="914400" rtl="0" eaLnBrk="1" fontAlgn="auto" latinLnBrk="0" hangingPunct="1">
+              <a:lnSpc>
+                <a:spcPct val="100000"/>
+              </a:lnSpc>
+              <a:spcBef>
+                <a:spcPts val="0"/>
+              </a:spcBef>
+              <a:spcAft>
+                <a:spcPts val="0"/>
+              </a:spcAft>
+              <a:buClrTx/>
+              <a:buSzTx/>
+              <a:buFontTx/>
+              <a:buNone/>
+              <a:tabLst/>
+              <a:defRPr/>
+            </a:pPr>
+            <a:endParaRPr kumimoji="0" lang="id-ID" sz="1800" b="0" i="0" u="none" strike="noStrike" kern="1200" cap="none" spc="0" normalizeH="0" baseline="0" noProof="0">
+              <a:ln>
+                <a:noFill/>
+              </a:ln>
+              <a:solidFill>
+                <a:prstClr val="white"/>
+              </a:solidFill>
+              <a:effectLst/>
+              <a:uLnTx/>
+              <a:uFillTx/>
+              <a:latin typeface="Corbel" panose="020B0503020204020204"/>
+              <a:ea typeface="+mn-ea"/>
+              <a:cs typeface="+mn-cs"/>
+            </a:endParaRPr>
           </a:p>
         </p:txBody>
       </p:sp>
@@ -32698,7 +32277,7 @@
         </p:blipFill>
         <p:spPr>
           <a:xfrm>
-            <a:off x="10378773" y="296522"/>
+            <a:off x="10408461" y="104175"/>
             <a:ext cx="1667818" cy="390775"/>
           </a:xfrm>
           <a:prstGeom prst="rect">
@@ -32720,8 +32299,8 @@
         </p:nvSpPr>
         <p:spPr>
           <a:xfrm>
-            <a:off x="472854" y="5689199"/>
-            <a:ext cx="5921814" cy="615553"/>
+            <a:off x="6283204" y="5403791"/>
+            <a:ext cx="5908796" cy="615553"/>
           </a:xfrm>
           <a:prstGeom prst="rect">
             <a:avLst/>
@@ -32729,31 +32308,95 @@
           <a:noFill/>
         </p:spPr>
         <p:txBody>
-          <a:bodyPr wrap="none" rtlCol="0">
+          <a:bodyPr wrap="square" rtlCol="0">
             <a:spAutoFit/>
           </a:bodyPr>
           <a:lstStyle/>
           <a:p>
-            <a:r>
-              <a:rPr lang="en-US" sz="1700" dirty="0">
+            <a:pPr marL="0" marR="0" lvl="0" indent="0" algn="l" defTabSz="914400" rtl="0" eaLnBrk="1" fontAlgn="auto" latinLnBrk="0" hangingPunct="1">
+              <a:lnSpc>
+                <a:spcPct val="100000"/>
+              </a:lnSpc>
+              <a:spcBef>
+                <a:spcPts val="0"/>
+              </a:spcBef>
+              <a:spcAft>
+                <a:spcPts val="0"/>
+              </a:spcAft>
+              <a:buClrTx/>
+              <a:buSzTx/>
+              <a:buFontTx/>
+              <a:buNone/>
+              <a:tabLst/>
+              <a:defRPr/>
+            </a:pPr>
+            <a:r>
+              <a:rPr kumimoji="0" lang="en-US" sz="1700" b="0" i="0" u="none" strike="noStrike" kern="1200" cap="none" spc="0" normalizeH="0" baseline="0" noProof="0" dirty="0">
+                <a:ln>
+                  <a:noFill/>
+                </a:ln>
                 <a:solidFill>
-                  <a:schemeClr val="bg1"/>
+                  <a:prstClr val="white"/>
                 </a:solidFill>
+                <a:effectLst/>
+                <a:uLnTx/>
+                <a:uFillTx/>
+                <a:latin typeface="Corbel" panose="020B0503020204020204"/>
+                <a:ea typeface="+mn-ea"/>
+                <a:cs typeface="+mn-cs"/>
               </a:rPr>
               <a:t>Link Dataset : </a:t>
             </a:r>
           </a:p>
           <a:p>
-            <a:r>
-              <a:rPr lang="id-ID" sz="1700" dirty="0">
+            <a:pPr marL="0" marR="0" lvl="0" indent="0" algn="l" defTabSz="914400" rtl="0" eaLnBrk="1" fontAlgn="auto" latinLnBrk="0" hangingPunct="1">
+              <a:lnSpc>
+                <a:spcPct val="100000"/>
+              </a:lnSpc>
+              <a:spcBef>
+                <a:spcPts val="0"/>
+              </a:spcBef>
+              <a:spcAft>
+                <a:spcPts val="0"/>
+              </a:spcAft>
+              <a:buClrTx/>
+              <a:buSzTx/>
+              <a:buFontTx/>
+              <a:buNone/>
+              <a:tabLst/>
+              <a:defRPr/>
+            </a:pPr>
+            <a:r>
+              <a:rPr kumimoji="0" lang="id-ID" sz="1700" b="0" i="0" u="none" strike="noStrike" kern="1200" cap="none" spc="0" normalizeH="0" baseline="0" noProof="0" dirty="0">
+                <a:ln>
+                  <a:noFill/>
+                </a:ln>
+                <a:solidFill>
+                  <a:prstClr val="black"/>
+                </a:solidFill>
+                <a:effectLst/>
+                <a:uLnTx/>
+                <a:uFillTx/>
+                <a:latin typeface="Corbel" panose="020B0503020204020204"/>
+                <a:ea typeface="+mn-ea"/>
+                <a:cs typeface="+mn-cs"/>
                 <a:hlinkClick r:id="rId4"/>
               </a:rPr>
               <a:t>https://www.kaggle.com/datamunge/sign-language-mnist/code</a:t>
             </a:r>
-            <a:endParaRPr lang="id-ID" sz="1700" dirty="0">
+            <a:endParaRPr kumimoji="0" lang="id-ID" sz="1700" b="0" i="0" u="none" strike="noStrike" kern="1200" cap="none" spc="0" normalizeH="0" baseline="0" noProof="0" dirty="0">
+              <a:ln>
+                <a:noFill/>
+              </a:ln>
               <a:solidFill>
-                <a:schemeClr val="bg1"/>
+                <a:prstClr val="white"/>
               </a:solidFill>
+              <a:effectLst/>
+              <a:uLnTx/>
+              <a:uFillTx/>
+              <a:latin typeface="Corbel" panose="020B0503020204020204"/>
+              <a:ea typeface="+mn-ea"/>
+              <a:cs typeface="+mn-cs"/>
             </a:endParaRPr>
           </a:p>
         </p:txBody>
@@ -32772,7 +32415,7 @@
         </p:nvSpPr>
         <p:spPr>
           <a:xfrm>
-            <a:off x="826594" y="1449349"/>
+            <a:off x="899021" y="1449349"/>
             <a:ext cx="4739780" cy="3416320"/>
           </a:xfrm>
           <a:prstGeom prst="rect">
@@ -32786,26 +32429,91 @@
           </a:bodyPr>
           <a:lstStyle/>
           <a:p>
-            <a:r>
-              <a:rPr lang="en-US" dirty="0">
+            <a:pPr marL="0" marR="0" lvl="0" indent="0" algn="l" defTabSz="914400" rtl="0" eaLnBrk="1" fontAlgn="auto" latinLnBrk="0" hangingPunct="1">
+              <a:lnSpc>
+                <a:spcPct val="100000"/>
+              </a:lnSpc>
+              <a:spcBef>
+                <a:spcPts val="0"/>
+              </a:spcBef>
+              <a:spcAft>
+                <a:spcPts val="0"/>
+              </a:spcAft>
+              <a:buClrTx/>
+              <a:buSzTx/>
+              <a:buFontTx/>
+              <a:buNone/>
+              <a:tabLst/>
+              <a:defRPr/>
+            </a:pPr>
+            <a:r>
+              <a:rPr kumimoji="0" lang="en-US" sz="1800" b="0" i="0" u="none" strike="noStrike" kern="1200" cap="none" spc="0" normalizeH="0" baseline="0" noProof="0" dirty="0">
+                <a:ln>
+                  <a:noFill/>
+                </a:ln>
                 <a:solidFill>
-                  <a:schemeClr val="bg1"/>
+                  <a:prstClr val="white"/>
                 </a:solidFill>
+                <a:effectLst/>
+                <a:uLnTx/>
+                <a:uFillTx/>
+                <a:latin typeface="Corbel" panose="020B0503020204020204"/>
+                <a:ea typeface="+mn-ea"/>
+                <a:cs typeface="+mn-cs"/>
               </a:rPr>
               <a:t>The dataset format is patterned to match closely with the classic MNIST. Each training and test case represents a label (0 - 25) as a one-to-one map for each alphabetic letter A - Z (and no cases for 9 = J or 25 = Z because of gesture motions). The training data (27,455 cases) and test data (7172 cases) are approximately half the size of the standard MNIST but otherwise similar with a header row of label, pixel1,pixel2….pixel784 which represent a single 28x28 pixel image with grayscale values between 0 - 255</a:t>
             </a:r>
-            <a:endParaRPr lang="id-ID" dirty="0">
+            <a:endParaRPr kumimoji="0" lang="id-ID" sz="1800" b="0" i="0" u="none" strike="noStrike" kern="1200" cap="none" spc="0" normalizeH="0" baseline="0" noProof="0" dirty="0">
+              <a:ln>
+                <a:noFill/>
+              </a:ln>
               <a:solidFill>
-                <a:schemeClr val="bg1"/>
+                <a:prstClr val="white"/>
               </a:solidFill>
+              <a:effectLst/>
+              <a:uLnTx/>
+              <a:uFillTx/>
+              <a:latin typeface="Corbel" panose="020B0503020204020204"/>
+              <a:ea typeface="+mn-ea"/>
+              <a:cs typeface="+mn-cs"/>
             </a:endParaRPr>
           </a:p>
         </p:txBody>
       </p:sp>
+      <p:pic>
+        <p:nvPicPr>
+          <p:cNvPr id="4" name="Picture 3">
+            <a:extLst>
+              <a:ext uri="{FF2B5EF4-FFF2-40B4-BE49-F238E27FC236}">
+                <a16:creationId xmlns:a16="http://schemas.microsoft.com/office/drawing/2014/main" id="{29393996-A5CC-4D43-BBC2-EC712A6FAF11}"/>
+              </a:ext>
+            </a:extLst>
+          </p:cNvPr>
+          <p:cNvPicPr>
+            <a:picLocks noChangeAspect="1"/>
+          </p:cNvPicPr>
+          <p:nvPr/>
+        </p:nvPicPr>
+        <p:blipFill>
+          <a:blip r:embed="rId5"/>
+          <a:stretch>
+            <a:fillRect/>
+          </a:stretch>
+        </p:blipFill>
+        <p:spPr>
+          <a:xfrm>
+            <a:off x="6553200" y="1449349"/>
+            <a:ext cx="5048250" cy="3581400"/>
+          </a:xfrm>
+          <a:prstGeom prst="rect">
+            <a:avLst/>
+          </a:prstGeom>
+        </p:spPr>
+      </p:pic>
     </p:spTree>
     <p:extLst>
       <p:ext uri="{BB962C8B-B14F-4D97-AF65-F5344CB8AC3E}">
-        <p14:creationId xmlns:p14="http://schemas.microsoft.com/office/powerpoint/2010/main" val="3876825335"/>
+        <p14:creationId xmlns:p14="http://schemas.microsoft.com/office/powerpoint/2010/main" val="329893735"/>
       </p:ext>
     </p:extLst>
   </p:cSld>
